--- a/SDK/Construction/StairsGeometry_GRAPHICS.pptx
+++ b/SDK/Construction/StairsGeometry_GRAPHICS.pptx
@@ -9,6 +9,7 @@
     <p:sldId id="258" r:id="rId3"/>
     <p:sldId id="259" r:id="rId4"/>
     <p:sldId id="260" r:id="rId5"/>
+    <p:sldId id="261" r:id="rId6"/>
   </p:sldIdLst>
   <p:sldSz cx="12192000" cy="6858000"/>
   <p:notesSz cx="6858000" cy="9144000"/>
@@ -787,7 +788,7 @@
           <a:p>
             <a:fld id="{A0DEC47B-27FD-4F4B-9EEB-855099A299C4}" type="datetimeFigureOut">
               <a:rPr lang="en-US" smtClean="0"/>
-              <a:t>6/23/2025</a:t>
+              <a:t>7/2/2025</a:t>
             </a:fld>
             <a:endParaRPr lang="en-US"/>
           </a:p>
@@ -985,7 +986,7 @@
           <a:p>
             <a:fld id="{A0DEC47B-27FD-4F4B-9EEB-855099A299C4}" type="datetimeFigureOut">
               <a:rPr lang="en-US" smtClean="0"/>
-              <a:t>6/23/2025</a:t>
+              <a:t>7/2/2025</a:t>
             </a:fld>
             <a:endParaRPr lang="en-US"/>
           </a:p>
@@ -1193,7 +1194,7 @@
           <a:p>
             <a:fld id="{A0DEC47B-27FD-4F4B-9EEB-855099A299C4}" type="datetimeFigureOut">
               <a:rPr lang="en-US" smtClean="0"/>
-              <a:t>6/23/2025</a:t>
+              <a:t>7/2/2025</a:t>
             </a:fld>
             <a:endParaRPr lang="en-US"/>
           </a:p>
@@ -1391,7 +1392,7 @@
           <a:p>
             <a:fld id="{A0DEC47B-27FD-4F4B-9EEB-855099A299C4}" type="datetimeFigureOut">
               <a:rPr lang="en-US" smtClean="0"/>
-              <a:t>6/23/2025</a:t>
+              <a:t>7/2/2025</a:t>
             </a:fld>
             <a:endParaRPr lang="en-US"/>
           </a:p>
@@ -1666,7 +1667,7 @@
           <a:p>
             <a:fld id="{A0DEC47B-27FD-4F4B-9EEB-855099A299C4}" type="datetimeFigureOut">
               <a:rPr lang="en-US" smtClean="0"/>
-              <a:t>6/23/2025</a:t>
+              <a:t>7/2/2025</a:t>
             </a:fld>
             <a:endParaRPr lang="en-US"/>
           </a:p>
@@ -1931,7 +1932,7 @@
           <a:p>
             <a:fld id="{A0DEC47B-27FD-4F4B-9EEB-855099A299C4}" type="datetimeFigureOut">
               <a:rPr lang="en-US" smtClean="0"/>
-              <a:t>6/23/2025</a:t>
+              <a:t>7/2/2025</a:t>
             </a:fld>
             <a:endParaRPr lang="en-US"/>
           </a:p>
@@ -2343,7 +2344,7 @@
           <a:p>
             <a:fld id="{A0DEC47B-27FD-4F4B-9EEB-855099A299C4}" type="datetimeFigureOut">
               <a:rPr lang="en-US" smtClean="0"/>
-              <a:t>6/23/2025</a:t>
+              <a:t>7/2/2025</a:t>
             </a:fld>
             <a:endParaRPr lang="en-US"/>
           </a:p>
@@ -2484,7 +2485,7 @@
           <a:p>
             <a:fld id="{A0DEC47B-27FD-4F4B-9EEB-855099A299C4}" type="datetimeFigureOut">
               <a:rPr lang="en-US" smtClean="0"/>
-              <a:t>6/23/2025</a:t>
+              <a:t>7/2/2025</a:t>
             </a:fld>
             <a:endParaRPr lang="en-US"/>
           </a:p>
@@ -2597,7 +2598,7 @@
           <a:p>
             <a:fld id="{A0DEC47B-27FD-4F4B-9EEB-855099A299C4}" type="datetimeFigureOut">
               <a:rPr lang="en-US" smtClean="0"/>
-              <a:t>6/23/2025</a:t>
+              <a:t>7/2/2025</a:t>
             </a:fld>
             <a:endParaRPr lang="en-US"/>
           </a:p>
@@ -2908,7 +2909,7 @@
           <a:p>
             <a:fld id="{A0DEC47B-27FD-4F4B-9EEB-855099A299C4}" type="datetimeFigureOut">
               <a:rPr lang="en-US" smtClean="0"/>
-              <a:t>6/23/2025</a:t>
+              <a:t>7/2/2025</a:t>
             </a:fld>
             <a:endParaRPr lang="en-US"/>
           </a:p>
@@ -3196,7 +3197,7 @@
           <a:p>
             <a:fld id="{A0DEC47B-27FD-4F4B-9EEB-855099A299C4}" type="datetimeFigureOut">
               <a:rPr lang="en-US" smtClean="0"/>
-              <a:t>6/23/2025</a:t>
+              <a:t>7/2/2025</a:t>
             </a:fld>
             <a:endParaRPr lang="en-US"/>
           </a:p>
@@ -3437,7 +3438,7 @@
           <a:p>
             <a:fld id="{A0DEC47B-27FD-4F4B-9EEB-855099A299C4}" type="datetimeFigureOut">
               <a:rPr lang="en-US" smtClean="0"/>
-              <a:t>6/23/2025</a:t>
+              <a:t>7/2/2025</a:t>
             </a:fld>
             <a:endParaRPr lang="en-US"/>
           </a:p>
@@ -10614,8 +10615,8 @@
           </a:p>
         </p:txBody>
       </p:sp>
-      <mc:AlternateContent xmlns:mc="http://schemas.openxmlformats.org/markup-compatibility/2006">
-        <mc:Choice xmlns:a14="http://schemas.microsoft.com/office/drawing/2010/main" Requires="a14">
+      <mc:AlternateContent xmlns:mc="http://schemas.openxmlformats.org/markup-compatibility/2006" xmlns:a14="http://schemas.microsoft.com/office/drawing/2010/main">
+        <mc:Choice Requires="a14">
           <p:sp>
             <p:nvSpPr>
               <p:cNvPr id="177" name="TextBox 176">
@@ -10644,6 +10645,7 @@
               </a:bodyPr>
               <a:lstStyle/>
               <a:p>
+                <a:pPr/>
                 <a14:m>
                   <m:oMathPara xmlns:m="http://schemas.openxmlformats.org/officeDocument/2006/math">
                     <m:oMathParaPr>
@@ -10664,7 +10666,7 @@
             </p:txBody>
           </p:sp>
         </mc:Choice>
-        <mc:Fallback>
+        <mc:Fallback xmlns="">
           <p:sp>
             <p:nvSpPr>
               <p:cNvPr id="177" name="TextBox 176">
@@ -16227,8 +16229,8 @@
           </a:p>
         </p:txBody>
       </p:sp>
-      <mc:AlternateContent xmlns:mc="http://schemas.openxmlformats.org/markup-compatibility/2006">
-        <mc:Choice xmlns:a14="http://schemas.microsoft.com/office/drawing/2010/main" Requires="a14">
+      <mc:AlternateContent xmlns:mc="http://schemas.openxmlformats.org/markup-compatibility/2006" xmlns:a14="http://schemas.microsoft.com/office/drawing/2010/main">
+        <mc:Choice Requires="a14">
           <p:sp>
             <p:nvSpPr>
               <p:cNvPr id="177" name="TextBox 176">
@@ -16278,7 +16280,7 @@
             </p:txBody>
           </p:sp>
         </mc:Choice>
-        <mc:Fallback>
+        <mc:Fallback xmlns="">
           <p:sp>
             <p:nvSpPr>
               <p:cNvPr id="177" name="TextBox 176">
@@ -22833,8 +22835,8 @@
           </a:p>
         </p:txBody>
       </p:sp>
-      <mc:AlternateContent xmlns:mc="http://schemas.openxmlformats.org/markup-compatibility/2006">
-        <mc:Choice xmlns:a14="http://schemas.microsoft.com/office/drawing/2010/main" Requires="a14">
+      <mc:AlternateContent xmlns:mc="http://schemas.openxmlformats.org/markup-compatibility/2006" xmlns:a14="http://schemas.microsoft.com/office/drawing/2010/main">
+        <mc:Choice Requires="a14">
           <p:sp>
             <p:nvSpPr>
               <p:cNvPr id="177" name="TextBox 176">
@@ -22884,7 +22886,7 @@
             </p:txBody>
           </p:sp>
         </mc:Choice>
-        <mc:Fallback>
+        <mc:Fallback xmlns="">
           <p:sp>
             <p:nvSpPr>
               <p:cNvPr id="177" name="TextBox 176">
@@ -24274,6 +24276,5692 @@
     <p:extLst>
       <p:ext uri="{BB962C8B-B14F-4D97-AF65-F5344CB8AC3E}">
         <p14:creationId xmlns:p14="http://schemas.microsoft.com/office/powerpoint/2010/main" val="1403383946"/>
+      </p:ext>
+    </p:extLst>
+  </p:cSld>
+  <p:clrMapOvr>
+    <a:masterClrMapping/>
+  </p:clrMapOvr>
+</p:sld>
+</file>
+
+<file path=ppt/slides/slide5.xml><?xml version="1.0" encoding="utf-8"?>
+<p:sld xmlns:a="http://schemas.openxmlformats.org/drawingml/2006/main" xmlns:r="http://schemas.openxmlformats.org/officeDocument/2006/relationships" xmlns:p="http://schemas.openxmlformats.org/presentationml/2006/main">
+  <p:cSld>
+    <p:spTree>
+      <p:nvGrpSpPr>
+        <p:cNvPr id="1" name="">
+          <a:extLst>
+            <a:ext uri="{FF2B5EF4-FFF2-40B4-BE49-F238E27FC236}">
+              <a16:creationId xmlns:a16="http://schemas.microsoft.com/office/drawing/2014/main" id="{96D5CE99-0A29-B2C2-B828-1BE5E0C3081F}"/>
+            </a:ext>
+          </a:extLst>
+        </p:cNvPr>
+        <p:cNvGrpSpPr/>
+        <p:nvPr/>
+      </p:nvGrpSpPr>
+      <p:grpSpPr>
+        <a:xfrm>
+          <a:off x="0" y="0"/>
+          <a:ext cx="0" cy="0"/>
+          <a:chOff x="0" y="0"/>
+          <a:chExt cx="0" cy="0"/>
+        </a:xfrm>
+      </p:grpSpPr>
+      <p:cxnSp>
+        <p:nvCxnSpPr>
+          <p:cNvPr id="4" name="Straight Connector 3">
+            <a:extLst>
+              <a:ext uri="{FF2B5EF4-FFF2-40B4-BE49-F238E27FC236}">
+                <a16:creationId xmlns:a16="http://schemas.microsoft.com/office/drawing/2014/main" id="{DD7D9454-27CA-8765-4748-36505A4DD038}"/>
+              </a:ext>
+            </a:extLst>
+          </p:cNvPr>
+          <p:cNvCxnSpPr>
+            <a:cxnSpLocks/>
+          </p:cNvCxnSpPr>
+          <p:nvPr/>
+        </p:nvCxnSpPr>
+        <p:spPr>
+          <a:xfrm flipV="1">
+            <a:off x="1598206" y="2312178"/>
+            <a:ext cx="9077157" cy="3837717"/>
+          </a:xfrm>
+          <a:prstGeom prst="line">
+            <a:avLst/>
+          </a:prstGeom>
+          <a:noFill/>
+          <a:ln w="38100">
+            <a:solidFill>
+              <a:srgbClr val="996600"/>
+            </a:solidFill>
+          </a:ln>
+        </p:spPr>
+        <p:style>
+          <a:lnRef idx="2">
+            <a:schemeClr val="accent1">
+              <a:shade val="15000"/>
+            </a:schemeClr>
+          </a:lnRef>
+          <a:fillRef idx="1">
+            <a:schemeClr val="accent1"/>
+          </a:fillRef>
+          <a:effectRef idx="0">
+            <a:schemeClr val="accent1"/>
+          </a:effectRef>
+          <a:fontRef idx="minor">
+            <a:schemeClr val="lt1"/>
+          </a:fontRef>
+        </p:style>
+      </p:cxnSp>
+      <p:sp>
+        <p:nvSpPr>
+          <p:cNvPr id="10" name="TextBox 9">
+            <a:extLst>
+              <a:ext uri="{FF2B5EF4-FFF2-40B4-BE49-F238E27FC236}">
+                <a16:creationId xmlns:a16="http://schemas.microsoft.com/office/drawing/2014/main" id="{CA35BC77-7D95-416A-DFBA-304FF6C25F1F}"/>
+              </a:ext>
+            </a:extLst>
+          </p:cNvPr>
+          <p:cNvSpPr txBox="1"/>
+          <p:nvPr/>
+        </p:nvSpPr>
+        <p:spPr>
+          <a:xfrm>
+            <a:off x="10884766" y="3836057"/>
+            <a:ext cx="550151" cy="369332"/>
+          </a:xfrm>
+          <a:prstGeom prst="rect">
+            <a:avLst/>
+          </a:prstGeom>
+          <a:noFill/>
+        </p:spPr>
+        <p:txBody>
+          <a:bodyPr wrap="none" rtlCol="0">
+            <a:spAutoFit/>
+          </a:bodyPr>
+          <a:lstStyle/>
+          <a:p>
+            <a:r>
+              <a:rPr lang="en-US" dirty="0"/>
+              <a:t>rise</a:t>
+            </a:r>
+          </a:p>
+        </p:txBody>
+      </p:sp>
+      <p:sp>
+        <p:nvSpPr>
+          <p:cNvPr id="13" name="TextBox 12">
+            <a:extLst>
+              <a:ext uri="{FF2B5EF4-FFF2-40B4-BE49-F238E27FC236}">
+                <a16:creationId xmlns:a16="http://schemas.microsoft.com/office/drawing/2014/main" id="{6ABD782B-84E7-327A-3E25-783660AE5104}"/>
+              </a:ext>
+            </a:extLst>
+          </p:cNvPr>
+          <p:cNvSpPr txBox="1"/>
+          <p:nvPr/>
+        </p:nvSpPr>
+        <p:spPr>
+          <a:xfrm>
+            <a:off x="5738193" y="5379100"/>
+            <a:ext cx="516488" cy="369332"/>
+          </a:xfrm>
+          <a:prstGeom prst="rect">
+            <a:avLst/>
+          </a:prstGeom>
+          <a:noFill/>
+        </p:spPr>
+        <p:txBody>
+          <a:bodyPr wrap="none" rtlCol="0">
+            <a:spAutoFit/>
+          </a:bodyPr>
+          <a:lstStyle/>
+          <a:p>
+            <a:r>
+              <a:rPr lang="en-US" dirty="0"/>
+              <a:t>run</a:t>
+            </a:r>
+          </a:p>
+        </p:txBody>
+      </p:sp>
+      <p:cxnSp>
+        <p:nvCxnSpPr>
+          <p:cNvPr id="15" name="Straight Arrow Connector 14">
+            <a:extLst>
+              <a:ext uri="{FF2B5EF4-FFF2-40B4-BE49-F238E27FC236}">
+                <a16:creationId xmlns:a16="http://schemas.microsoft.com/office/drawing/2014/main" id="{24779B75-E3A6-80C2-A00F-6AD0BBC82B69}"/>
+              </a:ext>
+            </a:extLst>
+          </p:cNvPr>
+          <p:cNvCxnSpPr>
+            <a:cxnSpLocks/>
+          </p:cNvCxnSpPr>
+          <p:nvPr/>
+        </p:nvCxnSpPr>
+        <p:spPr>
+          <a:xfrm>
+            <a:off x="567100" y="5401101"/>
+            <a:ext cx="10055751" cy="0"/>
+          </a:xfrm>
+          <a:prstGeom prst="straightConnector1">
+            <a:avLst/>
+          </a:prstGeom>
+          <a:ln>
+            <a:solidFill>
+              <a:srgbClr val="00B0F0"/>
+            </a:solidFill>
+            <a:headEnd type="triangle" w="med" len="med"/>
+            <a:tailEnd type="triangle" w="med" len="med"/>
+          </a:ln>
+        </p:spPr>
+        <p:style>
+          <a:lnRef idx="2">
+            <a:schemeClr val="accent1"/>
+          </a:lnRef>
+          <a:fillRef idx="0">
+            <a:schemeClr val="accent1"/>
+          </a:fillRef>
+          <a:effectRef idx="1">
+            <a:schemeClr val="accent1"/>
+          </a:effectRef>
+          <a:fontRef idx="minor">
+            <a:schemeClr val="tx1"/>
+          </a:fontRef>
+        </p:style>
+      </p:cxnSp>
+      <p:cxnSp>
+        <p:nvCxnSpPr>
+          <p:cNvPr id="25" name="Straight Arrow Connector 24">
+            <a:extLst>
+              <a:ext uri="{FF2B5EF4-FFF2-40B4-BE49-F238E27FC236}">
+                <a16:creationId xmlns:a16="http://schemas.microsoft.com/office/drawing/2014/main" id="{AA5A9487-E6C5-F386-C0C2-D18DEE4A1CD4}"/>
+              </a:ext>
+            </a:extLst>
+          </p:cNvPr>
+          <p:cNvCxnSpPr>
+            <a:cxnSpLocks/>
+          </p:cNvCxnSpPr>
+          <p:nvPr/>
+        </p:nvCxnSpPr>
+        <p:spPr>
+          <a:xfrm>
+            <a:off x="10821052" y="1076835"/>
+            <a:ext cx="0" cy="4219274"/>
+          </a:xfrm>
+          <a:prstGeom prst="straightConnector1">
+            <a:avLst/>
+          </a:prstGeom>
+          <a:ln>
+            <a:solidFill>
+              <a:srgbClr val="00B0F0"/>
+            </a:solidFill>
+            <a:headEnd type="triangle" w="med" len="med"/>
+            <a:tailEnd type="triangle" w="med" len="med"/>
+          </a:ln>
+        </p:spPr>
+        <p:style>
+          <a:lnRef idx="2">
+            <a:schemeClr val="accent1"/>
+          </a:lnRef>
+          <a:fillRef idx="0">
+            <a:schemeClr val="accent1"/>
+          </a:fillRef>
+          <a:effectRef idx="1">
+            <a:schemeClr val="accent1"/>
+          </a:effectRef>
+          <a:fontRef idx="minor">
+            <a:schemeClr val="tx1"/>
+          </a:fontRef>
+        </p:style>
+      </p:cxnSp>
+      <p:sp>
+        <p:nvSpPr>
+          <p:cNvPr id="30" name="Rectangle 29">
+            <a:extLst>
+              <a:ext uri="{FF2B5EF4-FFF2-40B4-BE49-F238E27FC236}">
+                <a16:creationId xmlns:a16="http://schemas.microsoft.com/office/drawing/2014/main" id="{EADC8D35-24DD-8E92-C943-8DE673828D4D}"/>
+              </a:ext>
+            </a:extLst>
+          </p:cNvPr>
+          <p:cNvSpPr/>
+          <p:nvPr/>
+        </p:nvSpPr>
+        <p:spPr>
+          <a:xfrm>
+            <a:off x="10683582" y="1351492"/>
+            <a:ext cx="1391034" cy="776298"/>
+          </a:xfrm>
+          <a:prstGeom prst="rect">
+            <a:avLst/>
+          </a:prstGeom>
+          <a:noFill/>
+          <a:ln>
+            <a:solidFill>
+              <a:schemeClr val="tx1"/>
+            </a:solidFill>
+          </a:ln>
+        </p:spPr>
+        <p:style>
+          <a:lnRef idx="2">
+            <a:schemeClr val="accent1">
+              <a:shade val="15000"/>
+            </a:schemeClr>
+          </a:lnRef>
+          <a:fillRef idx="1">
+            <a:schemeClr val="accent1"/>
+          </a:fillRef>
+          <a:effectRef idx="0">
+            <a:schemeClr val="accent1"/>
+          </a:effectRef>
+          <a:fontRef idx="minor">
+            <a:schemeClr val="lt1"/>
+          </a:fontRef>
+        </p:style>
+        <p:txBody>
+          <a:bodyPr rtlCol="0" anchor="ctr"/>
+          <a:lstStyle/>
+          <a:p>
+            <a:pPr algn="ctr"/>
+            <a:endParaRPr lang="en-US"/>
+          </a:p>
+        </p:txBody>
+      </p:sp>
+      <p:sp>
+        <p:nvSpPr>
+          <p:cNvPr id="33" name="TextBox 32">
+            <a:extLst>
+              <a:ext uri="{FF2B5EF4-FFF2-40B4-BE49-F238E27FC236}">
+                <a16:creationId xmlns:a16="http://schemas.microsoft.com/office/drawing/2014/main" id="{41D19EF9-C19A-6EE8-7A95-98B0BEEBCE9C}"/>
+              </a:ext>
+            </a:extLst>
+          </p:cNvPr>
+          <p:cNvSpPr txBox="1"/>
+          <p:nvPr/>
+        </p:nvSpPr>
+        <p:spPr>
+          <a:xfrm>
+            <a:off x="10899020" y="1417921"/>
+            <a:ext cx="1210902" cy="646331"/>
+          </a:xfrm>
+          <a:prstGeom prst="rect">
+            <a:avLst/>
+          </a:prstGeom>
+          <a:noFill/>
+        </p:spPr>
+        <p:txBody>
+          <a:bodyPr wrap="square" rtlCol="0">
+            <a:spAutoFit/>
+          </a:bodyPr>
+          <a:lstStyle/>
+          <a:p>
+            <a:r>
+              <a:rPr lang="en-US" dirty="0"/>
+              <a:t>Top floor subfloor</a:t>
+            </a:r>
+          </a:p>
+        </p:txBody>
+      </p:sp>
+      <p:sp>
+        <p:nvSpPr>
+          <p:cNvPr id="38" name="TextBox 37">
+            <a:extLst>
+              <a:ext uri="{FF2B5EF4-FFF2-40B4-BE49-F238E27FC236}">
+                <a16:creationId xmlns:a16="http://schemas.microsoft.com/office/drawing/2014/main" id="{8A88596C-49F7-5D1D-6A8C-2BCCA81896A7}"/>
+              </a:ext>
+            </a:extLst>
+          </p:cNvPr>
+          <p:cNvSpPr txBox="1"/>
+          <p:nvPr/>
+        </p:nvSpPr>
+        <p:spPr>
+          <a:xfrm>
+            <a:off x="7348294" y="6254130"/>
+            <a:ext cx="2304285" cy="369332"/>
+          </a:xfrm>
+          <a:prstGeom prst="rect">
+            <a:avLst/>
+          </a:prstGeom>
+          <a:noFill/>
+        </p:spPr>
+        <p:txBody>
+          <a:bodyPr wrap="none" rtlCol="0">
+            <a:spAutoFit/>
+          </a:bodyPr>
+          <a:lstStyle/>
+          <a:p>
+            <a:r>
+              <a:rPr lang="en-US" dirty="0"/>
+              <a:t>Bottom floor subfloor</a:t>
+            </a:r>
+          </a:p>
+        </p:txBody>
+      </p:sp>
+      <p:sp>
+        <p:nvSpPr>
+          <p:cNvPr id="40" name="Rectangle 39">
+            <a:extLst>
+              <a:ext uri="{FF2B5EF4-FFF2-40B4-BE49-F238E27FC236}">
+                <a16:creationId xmlns:a16="http://schemas.microsoft.com/office/drawing/2014/main" id="{91D09A00-3082-CE5D-1C5C-90A33CC8A18D}"/>
+              </a:ext>
+            </a:extLst>
+          </p:cNvPr>
+          <p:cNvSpPr/>
+          <p:nvPr/>
+        </p:nvSpPr>
+        <p:spPr>
+          <a:xfrm>
+            <a:off x="156219" y="6153705"/>
+            <a:ext cx="11735546" cy="472921"/>
+          </a:xfrm>
+          <a:prstGeom prst="rect">
+            <a:avLst/>
+          </a:prstGeom>
+          <a:noFill/>
+          <a:ln>
+            <a:solidFill>
+              <a:schemeClr val="tx1"/>
+            </a:solidFill>
+          </a:ln>
+        </p:spPr>
+        <p:style>
+          <a:lnRef idx="2">
+            <a:schemeClr val="accent1">
+              <a:shade val="15000"/>
+            </a:schemeClr>
+          </a:lnRef>
+          <a:fillRef idx="1">
+            <a:schemeClr val="accent1"/>
+          </a:fillRef>
+          <a:effectRef idx="0">
+            <a:schemeClr val="accent1"/>
+          </a:effectRef>
+          <a:fontRef idx="minor">
+            <a:schemeClr val="lt1"/>
+          </a:fontRef>
+        </p:style>
+        <p:txBody>
+          <a:bodyPr rtlCol="0" anchor="ctr"/>
+          <a:lstStyle/>
+          <a:p>
+            <a:pPr algn="ctr"/>
+            <a:endParaRPr lang="en-US"/>
+          </a:p>
+        </p:txBody>
+      </p:sp>
+      <p:sp>
+        <p:nvSpPr>
+          <p:cNvPr id="41" name="TextBox 40">
+            <a:extLst>
+              <a:ext uri="{FF2B5EF4-FFF2-40B4-BE49-F238E27FC236}">
+                <a16:creationId xmlns:a16="http://schemas.microsoft.com/office/drawing/2014/main" id="{8306E735-971B-D951-499E-8BA7EF314330}"/>
+              </a:ext>
+            </a:extLst>
+          </p:cNvPr>
+          <p:cNvSpPr txBox="1"/>
+          <p:nvPr/>
+        </p:nvSpPr>
+        <p:spPr>
+          <a:xfrm>
+            <a:off x="1540059" y="4682414"/>
+            <a:ext cx="810286" cy="369332"/>
+          </a:xfrm>
+          <a:prstGeom prst="rect">
+            <a:avLst/>
+          </a:prstGeom>
+          <a:noFill/>
+        </p:spPr>
+        <p:txBody>
+          <a:bodyPr wrap="none" rtlCol="0">
+            <a:spAutoFit/>
+          </a:bodyPr>
+          <a:lstStyle/>
+          <a:p>
+            <a:r>
+              <a:rPr lang="en-US" dirty="0"/>
+              <a:t>Step 1</a:t>
+            </a:r>
+          </a:p>
+        </p:txBody>
+      </p:sp>
+      <p:sp>
+        <p:nvSpPr>
+          <p:cNvPr id="67" name="TextBox 66">
+            <a:extLst>
+              <a:ext uri="{FF2B5EF4-FFF2-40B4-BE49-F238E27FC236}">
+                <a16:creationId xmlns:a16="http://schemas.microsoft.com/office/drawing/2014/main" id="{5D6F4522-4A27-9C85-3DE1-16CFC26A3944}"/>
+              </a:ext>
+            </a:extLst>
+          </p:cNvPr>
+          <p:cNvSpPr txBox="1"/>
+          <p:nvPr/>
+        </p:nvSpPr>
+        <p:spPr>
+          <a:xfrm rot="16200000">
+            <a:off x="-40471" y="4659643"/>
+            <a:ext cx="729687" cy="276999"/>
+          </a:xfrm>
+          <a:prstGeom prst="rect">
+            <a:avLst/>
+          </a:prstGeom>
+          <a:noFill/>
+        </p:spPr>
+        <p:txBody>
+          <a:bodyPr wrap="none" rtlCol="0">
+            <a:spAutoFit/>
+          </a:bodyPr>
+          <a:lstStyle/>
+          <a:p>
+            <a:r>
+              <a:rPr lang="en-US" sz="1200" dirty="0" err="1"/>
+              <a:t>unitRise</a:t>
+            </a:r>
+            <a:endParaRPr lang="en-US" sz="1200" dirty="0"/>
+          </a:p>
+        </p:txBody>
+      </p:sp>
+      <p:cxnSp>
+        <p:nvCxnSpPr>
+          <p:cNvPr id="75" name="Straight Arrow Connector 74">
+            <a:extLst>
+              <a:ext uri="{FF2B5EF4-FFF2-40B4-BE49-F238E27FC236}">
+                <a16:creationId xmlns:a16="http://schemas.microsoft.com/office/drawing/2014/main" id="{CD831F23-975B-8CC2-5FF6-0633D3A14891}"/>
+              </a:ext>
+            </a:extLst>
+          </p:cNvPr>
+          <p:cNvCxnSpPr>
+            <a:cxnSpLocks/>
+          </p:cNvCxnSpPr>
+          <p:nvPr/>
+        </p:nvCxnSpPr>
+        <p:spPr>
+          <a:xfrm>
+            <a:off x="486046" y="4275758"/>
+            <a:ext cx="0" cy="1058961"/>
+          </a:xfrm>
+          <a:prstGeom prst="straightConnector1">
+            <a:avLst/>
+          </a:prstGeom>
+          <a:ln>
+            <a:solidFill>
+              <a:srgbClr val="00B0F0"/>
+            </a:solidFill>
+            <a:headEnd type="triangle" w="med" len="med"/>
+            <a:tailEnd type="triangle" w="med" len="med"/>
+          </a:ln>
+        </p:spPr>
+        <p:style>
+          <a:lnRef idx="2">
+            <a:schemeClr val="accent1"/>
+          </a:lnRef>
+          <a:fillRef idx="0">
+            <a:schemeClr val="accent1"/>
+          </a:fillRef>
+          <a:effectRef idx="1">
+            <a:schemeClr val="accent1"/>
+          </a:effectRef>
+          <a:fontRef idx="minor">
+            <a:schemeClr val="tx1"/>
+          </a:fontRef>
+        </p:style>
+      </p:cxnSp>
+      <p:sp>
+        <p:nvSpPr>
+          <p:cNvPr id="113" name="TextBox 112">
+            <a:extLst>
+              <a:ext uri="{FF2B5EF4-FFF2-40B4-BE49-F238E27FC236}">
+                <a16:creationId xmlns:a16="http://schemas.microsoft.com/office/drawing/2014/main" id="{8D91671B-C585-B90E-7A8B-31B7EFE6441C}"/>
+              </a:ext>
+            </a:extLst>
+          </p:cNvPr>
+          <p:cNvSpPr txBox="1"/>
+          <p:nvPr/>
+        </p:nvSpPr>
+        <p:spPr>
+          <a:xfrm>
+            <a:off x="4087354" y="3628202"/>
+            <a:ext cx="810286" cy="369332"/>
+          </a:xfrm>
+          <a:prstGeom prst="rect">
+            <a:avLst/>
+          </a:prstGeom>
+          <a:noFill/>
+        </p:spPr>
+        <p:txBody>
+          <a:bodyPr wrap="none" rtlCol="0">
+            <a:spAutoFit/>
+          </a:bodyPr>
+          <a:lstStyle/>
+          <a:p>
+            <a:r>
+              <a:rPr lang="en-US" dirty="0"/>
+              <a:t>Step 2</a:t>
+            </a:r>
+          </a:p>
+        </p:txBody>
+      </p:sp>
+      <p:cxnSp>
+        <p:nvCxnSpPr>
+          <p:cNvPr id="118" name="Straight Arrow Connector 117">
+            <a:extLst>
+              <a:ext uri="{FF2B5EF4-FFF2-40B4-BE49-F238E27FC236}">
+                <a16:creationId xmlns:a16="http://schemas.microsoft.com/office/drawing/2014/main" id="{659045BC-A2AE-EB3C-A820-5A4222AE8EB5}"/>
+              </a:ext>
+            </a:extLst>
+          </p:cNvPr>
+          <p:cNvCxnSpPr>
+            <a:cxnSpLocks/>
+          </p:cNvCxnSpPr>
+          <p:nvPr/>
+        </p:nvCxnSpPr>
+        <p:spPr>
+          <a:xfrm>
+            <a:off x="567100" y="4134387"/>
+            <a:ext cx="2484158" cy="0"/>
+          </a:xfrm>
+          <a:prstGeom prst="straightConnector1">
+            <a:avLst/>
+          </a:prstGeom>
+          <a:ln>
+            <a:solidFill>
+              <a:srgbClr val="00B0F0"/>
+            </a:solidFill>
+            <a:headEnd type="triangle" w="med" len="med"/>
+            <a:tailEnd type="triangle" w="med" len="med"/>
+          </a:ln>
+        </p:spPr>
+        <p:style>
+          <a:lnRef idx="2">
+            <a:schemeClr val="accent1"/>
+          </a:lnRef>
+          <a:fillRef idx="0">
+            <a:schemeClr val="accent1"/>
+          </a:fillRef>
+          <a:effectRef idx="1">
+            <a:schemeClr val="accent1"/>
+          </a:effectRef>
+          <a:fontRef idx="minor">
+            <a:schemeClr val="tx1"/>
+          </a:fontRef>
+        </p:style>
+      </p:cxnSp>
+      <p:sp>
+        <p:nvSpPr>
+          <p:cNvPr id="121" name="TextBox 120">
+            <a:extLst>
+              <a:ext uri="{FF2B5EF4-FFF2-40B4-BE49-F238E27FC236}">
+                <a16:creationId xmlns:a16="http://schemas.microsoft.com/office/drawing/2014/main" id="{298628C1-4330-2E86-975B-7054EC24FF9A}"/>
+              </a:ext>
+            </a:extLst>
+          </p:cNvPr>
+          <p:cNvSpPr txBox="1"/>
+          <p:nvPr/>
+        </p:nvSpPr>
+        <p:spPr>
+          <a:xfrm>
+            <a:off x="6118248" y="2537624"/>
+            <a:ext cx="1937903" cy="369332"/>
+          </a:xfrm>
+          <a:prstGeom prst="rect">
+            <a:avLst/>
+          </a:prstGeom>
+          <a:noFill/>
+        </p:spPr>
+        <p:txBody>
+          <a:bodyPr wrap="none" rtlCol="0">
+            <a:spAutoFit/>
+          </a:bodyPr>
+          <a:lstStyle/>
+          <a:p>
+            <a:r>
+              <a:rPr lang="en-US" dirty="0"/>
+              <a:t>Step numSteps-1</a:t>
+            </a:r>
+          </a:p>
+        </p:txBody>
+      </p:sp>
+      <p:sp>
+        <p:nvSpPr>
+          <p:cNvPr id="129" name="TextBox 128">
+            <a:extLst>
+              <a:ext uri="{FF2B5EF4-FFF2-40B4-BE49-F238E27FC236}">
+                <a16:creationId xmlns:a16="http://schemas.microsoft.com/office/drawing/2014/main" id="{A5C2DD39-57DD-CD25-D1A6-5F1BA35002D3}"/>
+              </a:ext>
+            </a:extLst>
+          </p:cNvPr>
+          <p:cNvSpPr txBox="1"/>
+          <p:nvPr/>
+        </p:nvSpPr>
+        <p:spPr>
+          <a:xfrm>
+            <a:off x="8576612" y="1485254"/>
+            <a:ext cx="1706814" cy="369332"/>
+          </a:xfrm>
+          <a:prstGeom prst="rect">
+            <a:avLst/>
+          </a:prstGeom>
+          <a:noFill/>
+        </p:spPr>
+        <p:txBody>
+          <a:bodyPr wrap="none" rtlCol="0">
+            <a:spAutoFit/>
+          </a:bodyPr>
+          <a:lstStyle/>
+          <a:p>
+            <a:r>
+              <a:rPr lang="en-US" dirty="0"/>
+              <a:t>Step </a:t>
+            </a:r>
+            <a:r>
+              <a:rPr lang="en-US" dirty="0" err="1"/>
+              <a:t>numSteps</a:t>
+            </a:r>
+            <a:endParaRPr lang="en-US" dirty="0"/>
+          </a:p>
+        </p:txBody>
+      </p:sp>
+      <p:sp>
+        <p:nvSpPr>
+          <p:cNvPr id="138" name="TextBox 137">
+            <a:extLst>
+              <a:ext uri="{FF2B5EF4-FFF2-40B4-BE49-F238E27FC236}">
+                <a16:creationId xmlns:a16="http://schemas.microsoft.com/office/drawing/2014/main" id="{58BCA948-232B-D199-CA7B-755E183565E5}"/>
+              </a:ext>
+            </a:extLst>
+          </p:cNvPr>
+          <p:cNvSpPr txBox="1"/>
+          <p:nvPr/>
+        </p:nvSpPr>
+        <p:spPr>
+          <a:xfrm>
+            <a:off x="75661" y="46708"/>
+            <a:ext cx="1451488" cy="369332"/>
+          </a:xfrm>
+          <a:prstGeom prst="rect">
+            <a:avLst/>
+          </a:prstGeom>
+          <a:noFill/>
+        </p:spPr>
+        <p:txBody>
+          <a:bodyPr wrap="none" rtlCol="0">
+            <a:spAutoFit/>
+          </a:bodyPr>
+          <a:lstStyle/>
+          <a:p>
+            <a:r>
+              <a:rPr lang="en-US" dirty="0" err="1"/>
+              <a:t>numSteps</a:t>
+            </a:r>
+            <a:r>
+              <a:rPr lang="en-US" dirty="0"/>
+              <a:t>=4</a:t>
+            </a:r>
+          </a:p>
+        </p:txBody>
+      </p:sp>
+      <p:sp>
+        <p:nvSpPr>
+          <p:cNvPr id="2" name="Oval 1">
+            <a:extLst>
+              <a:ext uri="{FF2B5EF4-FFF2-40B4-BE49-F238E27FC236}">
+                <a16:creationId xmlns:a16="http://schemas.microsoft.com/office/drawing/2014/main" id="{D40CF11B-7D32-A38B-1398-A3808DDDB764}"/>
+              </a:ext>
+            </a:extLst>
+          </p:cNvPr>
+          <p:cNvSpPr/>
+          <p:nvPr/>
+        </p:nvSpPr>
+        <p:spPr>
+          <a:xfrm>
+            <a:off x="10526565" y="1423048"/>
+            <a:ext cx="243421" cy="243421"/>
+          </a:xfrm>
+          <a:prstGeom prst="ellipse">
+            <a:avLst/>
+          </a:prstGeom>
+          <a:noFill/>
+          <a:ln>
+            <a:solidFill>
+              <a:srgbClr val="FF0000"/>
+            </a:solidFill>
+          </a:ln>
+        </p:spPr>
+        <p:style>
+          <a:lnRef idx="2">
+            <a:schemeClr val="accent1">
+              <a:shade val="15000"/>
+            </a:schemeClr>
+          </a:lnRef>
+          <a:fillRef idx="1">
+            <a:schemeClr val="accent1"/>
+          </a:fillRef>
+          <a:effectRef idx="0">
+            <a:schemeClr val="accent1"/>
+          </a:effectRef>
+          <a:fontRef idx="minor">
+            <a:schemeClr val="lt1"/>
+          </a:fontRef>
+        </p:style>
+        <p:txBody>
+          <a:bodyPr rtlCol="0" anchor="ctr"/>
+          <a:lstStyle/>
+          <a:p>
+            <a:pPr algn="ctr"/>
+            <a:endParaRPr lang="en-US"/>
+          </a:p>
+        </p:txBody>
+      </p:sp>
+      <p:sp>
+        <p:nvSpPr>
+          <p:cNvPr id="3" name="Oval 2">
+            <a:extLst>
+              <a:ext uri="{FF2B5EF4-FFF2-40B4-BE49-F238E27FC236}">
+                <a16:creationId xmlns:a16="http://schemas.microsoft.com/office/drawing/2014/main" id="{7D8A7AF5-C555-A2C5-D272-A5E22996C806}"/>
+              </a:ext>
+            </a:extLst>
+          </p:cNvPr>
+          <p:cNvSpPr/>
+          <p:nvPr/>
+        </p:nvSpPr>
+        <p:spPr>
+          <a:xfrm>
+            <a:off x="711573" y="6013465"/>
+            <a:ext cx="243421" cy="243421"/>
+          </a:xfrm>
+          <a:prstGeom prst="ellipse">
+            <a:avLst/>
+          </a:prstGeom>
+          <a:noFill/>
+          <a:ln>
+            <a:solidFill>
+              <a:srgbClr val="FF0000"/>
+            </a:solidFill>
+          </a:ln>
+        </p:spPr>
+        <p:style>
+          <a:lnRef idx="2">
+            <a:schemeClr val="accent1">
+              <a:shade val="15000"/>
+            </a:schemeClr>
+          </a:lnRef>
+          <a:fillRef idx="1">
+            <a:schemeClr val="accent1"/>
+          </a:fillRef>
+          <a:effectRef idx="0">
+            <a:schemeClr val="accent1"/>
+          </a:effectRef>
+          <a:fontRef idx="minor">
+            <a:schemeClr val="lt1"/>
+          </a:fontRef>
+        </p:style>
+        <p:txBody>
+          <a:bodyPr rtlCol="0" anchor="ctr"/>
+          <a:lstStyle/>
+          <a:p>
+            <a:pPr algn="ctr"/>
+            <a:endParaRPr lang="en-US"/>
+          </a:p>
+        </p:txBody>
+      </p:sp>
+      <p:sp>
+        <p:nvSpPr>
+          <p:cNvPr id="5" name="Oval 4">
+            <a:extLst>
+              <a:ext uri="{FF2B5EF4-FFF2-40B4-BE49-F238E27FC236}">
+                <a16:creationId xmlns:a16="http://schemas.microsoft.com/office/drawing/2014/main" id="{444D230B-F540-BBEA-0768-E886A5490D9E}"/>
+              </a:ext>
+            </a:extLst>
+          </p:cNvPr>
+          <p:cNvSpPr/>
+          <p:nvPr/>
+        </p:nvSpPr>
+        <p:spPr>
+          <a:xfrm>
+            <a:off x="714453" y="4536125"/>
+            <a:ext cx="243421" cy="243421"/>
+          </a:xfrm>
+          <a:prstGeom prst="ellipse">
+            <a:avLst/>
+          </a:prstGeom>
+          <a:noFill/>
+          <a:ln>
+            <a:solidFill>
+              <a:srgbClr val="FF0000"/>
+            </a:solidFill>
+          </a:ln>
+        </p:spPr>
+        <p:style>
+          <a:lnRef idx="2">
+            <a:schemeClr val="accent1">
+              <a:shade val="15000"/>
+            </a:schemeClr>
+          </a:lnRef>
+          <a:fillRef idx="1">
+            <a:schemeClr val="accent1"/>
+          </a:fillRef>
+          <a:effectRef idx="0">
+            <a:schemeClr val="accent1"/>
+          </a:effectRef>
+          <a:fontRef idx="minor">
+            <a:schemeClr val="lt1"/>
+          </a:fontRef>
+        </p:style>
+        <p:txBody>
+          <a:bodyPr rtlCol="0" anchor="ctr"/>
+          <a:lstStyle/>
+          <a:p>
+            <a:pPr algn="ctr"/>
+            <a:endParaRPr lang="en-US"/>
+          </a:p>
+        </p:txBody>
+      </p:sp>
+      <p:sp>
+        <p:nvSpPr>
+          <p:cNvPr id="6" name="Oval 5">
+            <a:extLst>
+              <a:ext uri="{FF2B5EF4-FFF2-40B4-BE49-F238E27FC236}">
+                <a16:creationId xmlns:a16="http://schemas.microsoft.com/office/drawing/2014/main" id="{F4F684F0-7B78-134C-75B3-F2E8358BD0C4}"/>
+              </a:ext>
+            </a:extLst>
+          </p:cNvPr>
+          <p:cNvSpPr/>
+          <p:nvPr/>
+        </p:nvSpPr>
+        <p:spPr>
+          <a:xfrm>
+            <a:off x="3190203" y="4526745"/>
+            <a:ext cx="243421" cy="243421"/>
+          </a:xfrm>
+          <a:prstGeom prst="ellipse">
+            <a:avLst/>
+          </a:prstGeom>
+          <a:noFill/>
+          <a:ln>
+            <a:solidFill>
+              <a:srgbClr val="FF0000"/>
+            </a:solidFill>
+          </a:ln>
+        </p:spPr>
+        <p:style>
+          <a:lnRef idx="2">
+            <a:schemeClr val="accent1">
+              <a:shade val="15000"/>
+            </a:schemeClr>
+          </a:lnRef>
+          <a:fillRef idx="1">
+            <a:schemeClr val="accent1"/>
+          </a:fillRef>
+          <a:effectRef idx="0">
+            <a:schemeClr val="accent1"/>
+          </a:effectRef>
+          <a:fontRef idx="minor">
+            <a:schemeClr val="lt1"/>
+          </a:fontRef>
+        </p:style>
+        <p:txBody>
+          <a:bodyPr rtlCol="0" anchor="ctr"/>
+          <a:lstStyle/>
+          <a:p>
+            <a:pPr algn="ctr"/>
+            <a:endParaRPr lang="en-US"/>
+          </a:p>
+        </p:txBody>
+      </p:sp>
+      <p:sp>
+        <p:nvSpPr>
+          <p:cNvPr id="12" name="Oval 11">
+            <a:extLst>
+              <a:ext uri="{FF2B5EF4-FFF2-40B4-BE49-F238E27FC236}">
+                <a16:creationId xmlns:a16="http://schemas.microsoft.com/office/drawing/2014/main" id="{CBD7622F-3DB5-E58B-B9C8-35DFE9BC64FE}"/>
+              </a:ext>
+            </a:extLst>
+          </p:cNvPr>
+          <p:cNvSpPr/>
+          <p:nvPr/>
+        </p:nvSpPr>
+        <p:spPr>
+          <a:xfrm>
+            <a:off x="1484713" y="6037429"/>
+            <a:ext cx="243421" cy="243421"/>
+          </a:xfrm>
+          <a:prstGeom prst="ellipse">
+            <a:avLst/>
+          </a:prstGeom>
+          <a:noFill/>
+          <a:ln>
+            <a:solidFill>
+              <a:srgbClr val="FF0000"/>
+            </a:solidFill>
+          </a:ln>
+        </p:spPr>
+        <p:style>
+          <a:lnRef idx="2">
+            <a:schemeClr val="accent1">
+              <a:shade val="15000"/>
+            </a:schemeClr>
+          </a:lnRef>
+          <a:fillRef idx="1">
+            <a:schemeClr val="accent1"/>
+          </a:fillRef>
+          <a:effectRef idx="0">
+            <a:schemeClr val="accent1"/>
+          </a:effectRef>
+          <a:fontRef idx="minor">
+            <a:schemeClr val="lt1"/>
+          </a:fontRef>
+        </p:style>
+        <p:txBody>
+          <a:bodyPr rtlCol="0" anchor="ctr"/>
+          <a:lstStyle/>
+          <a:p>
+            <a:pPr algn="ctr"/>
+            <a:endParaRPr lang="en-US"/>
+          </a:p>
+        </p:txBody>
+      </p:sp>
+      <p:sp>
+        <p:nvSpPr>
+          <p:cNvPr id="17" name="Oval 16">
+            <a:extLst>
+              <a:ext uri="{FF2B5EF4-FFF2-40B4-BE49-F238E27FC236}">
+                <a16:creationId xmlns:a16="http://schemas.microsoft.com/office/drawing/2014/main" id="{9B9CA9E8-5E82-28CC-C9CB-176D5F8E2789}"/>
+              </a:ext>
+            </a:extLst>
+          </p:cNvPr>
+          <p:cNvSpPr/>
+          <p:nvPr/>
+        </p:nvSpPr>
+        <p:spPr>
+          <a:xfrm>
+            <a:off x="2012782" y="516650"/>
+            <a:ext cx="243421" cy="243421"/>
+          </a:xfrm>
+          <a:prstGeom prst="ellipse">
+            <a:avLst/>
+          </a:prstGeom>
+          <a:noFill/>
+          <a:ln>
+            <a:solidFill>
+              <a:srgbClr val="FF0000"/>
+            </a:solidFill>
+          </a:ln>
+        </p:spPr>
+        <p:style>
+          <a:lnRef idx="2">
+            <a:schemeClr val="accent1">
+              <a:shade val="15000"/>
+            </a:schemeClr>
+          </a:lnRef>
+          <a:fillRef idx="1">
+            <a:schemeClr val="accent1"/>
+          </a:fillRef>
+          <a:effectRef idx="0">
+            <a:schemeClr val="accent1"/>
+          </a:effectRef>
+          <a:fontRef idx="minor">
+            <a:schemeClr val="lt1"/>
+          </a:fontRef>
+        </p:style>
+        <p:txBody>
+          <a:bodyPr rtlCol="0" anchor="ctr"/>
+          <a:lstStyle/>
+          <a:p>
+            <a:pPr algn="ctr"/>
+            <a:endParaRPr lang="en-US"/>
+          </a:p>
+        </p:txBody>
+      </p:sp>
+      <p:sp>
+        <p:nvSpPr>
+          <p:cNvPr id="18" name="TextBox 17">
+            <a:extLst>
+              <a:ext uri="{FF2B5EF4-FFF2-40B4-BE49-F238E27FC236}">
+                <a16:creationId xmlns:a16="http://schemas.microsoft.com/office/drawing/2014/main" id="{8FACFCFD-D82E-AFA6-3DFA-7A86536CCCE5}"/>
+              </a:ext>
+            </a:extLst>
+          </p:cNvPr>
+          <p:cNvSpPr txBox="1"/>
+          <p:nvPr/>
+        </p:nvSpPr>
+        <p:spPr>
+          <a:xfrm>
+            <a:off x="2256203" y="440557"/>
+            <a:ext cx="3939733" cy="369332"/>
+          </a:xfrm>
+          <a:prstGeom prst="rect">
+            <a:avLst/>
+          </a:prstGeom>
+          <a:noFill/>
+        </p:spPr>
+        <p:txBody>
+          <a:bodyPr wrap="none" rtlCol="0">
+            <a:spAutoFit/>
+          </a:bodyPr>
+          <a:lstStyle/>
+          <a:p>
+            <a:r>
+              <a:rPr lang="en-US" dirty="0"/>
+              <a:t>= points computed by </a:t>
+            </a:r>
+            <a:r>
+              <a:rPr lang="en-US" dirty="0" err="1"/>
+              <a:t>StairsGeometry</a:t>
+            </a:r>
+            <a:endParaRPr lang="en-US" dirty="0"/>
+          </a:p>
+        </p:txBody>
+      </p:sp>
+      <p:cxnSp>
+        <p:nvCxnSpPr>
+          <p:cNvPr id="19" name="Straight Connector 18">
+            <a:extLst>
+              <a:ext uri="{FF2B5EF4-FFF2-40B4-BE49-F238E27FC236}">
+                <a16:creationId xmlns:a16="http://schemas.microsoft.com/office/drawing/2014/main" id="{68C359EE-3F9D-C282-2057-0059530C1A10}"/>
+              </a:ext>
+            </a:extLst>
+          </p:cNvPr>
+          <p:cNvCxnSpPr>
+            <a:cxnSpLocks/>
+          </p:cNvCxnSpPr>
+          <p:nvPr/>
+        </p:nvCxnSpPr>
+        <p:spPr>
+          <a:xfrm>
+            <a:off x="10667799" y="1537608"/>
+            <a:ext cx="0" cy="770566"/>
+          </a:xfrm>
+          <a:prstGeom prst="line">
+            <a:avLst/>
+          </a:prstGeom>
+          <a:noFill/>
+          <a:ln w="38100">
+            <a:solidFill>
+              <a:srgbClr val="996600"/>
+            </a:solidFill>
+          </a:ln>
+        </p:spPr>
+        <p:style>
+          <a:lnRef idx="2">
+            <a:schemeClr val="accent1">
+              <a:shade val="15000"/>
+            </a:schemeClr>
+          </a:lnRef>
+          <a:fillRef idx="1">
+            <a:schemeClr val="accent1"/>
+          </a:fillRef>
+          <a:effectRef idx="0">
+            <a:schemeClr val="accent1"/>
+          </a:effectRef>
+          <a:fontRef idx="minor">
+            <a:schemeClr val="lt1"/>
+          </a:fontRef>
+        </p:style>
+      </p:cxnSp>
+      <p:sp>
+        <p:nvSpPr>
+          <p:cNvPr id="29" name="Oval 28">
+            <a:extLst>
+              <a:ext uri="{FF2B5EF4-FFF2-40B4-BE49-F238E27FC236}">
+                <a16:creationId xmlns:a16="http://schemas.microsoft.com/office/drawing/2014/main" id="{0EA80C5E-BFD9-AF0D-39EB-AC10F231FEA7}"/>
+              </a:ext>
+            </a:extLst>
+          </p:cNvPr>
+          <p:cNvSpPr/>
+          <p:nvPr/>
+        </p:nvSpPr>
+        <p:spPr>
+          <a:xfrm>
+            <a:off x="10543533" y="2204993"/>
+            <a:ext cx="243421" cy="243421"/>
+          </a:xfrm>
+          <a:prstGeom prst="ellipse">
+            <a:avLst/>
+          </a:prstGeom>
+          <a:noFill/>
+          <a:ln>
+            <a:solidFill>
+              <a:srgbClr val="FF0000"/>
+            </a:solidFill>
+          </a:ln>
+        </p:spPr>
+        <p:style>
+          <a:lnRef idx="2">
+            <a:schemeClr val="accent1">
+              <a:shade val="15000"/>
+            </a:schemeClr>
+          </a:lnRef>
+          <a:fillRef idx="1">
+            <a:schemeClr val="accent1"/>
+          </a:fillRef>
+          <a:effectRef idx="0">
+            <a:schemeClr val="accent1"/>
+          </a:effectRef>
+          <a:fontRef idx="minor">
+            <a:schemeClr val="lt1"/>
+          </a:fontRef>
+        </p:style>
+        <p:txBody>
+          <a:bodyPr rtlCol="0" anchor="ctr"/>
+          <a:lstStyle/>
+          <a:p>
+            <a:pPr algn="ctr"/>
+            <a:endParaRPr lang="en-US"/>
+          </a:p>
+        </p:txBody>
+      </p:sp>
+      <p:sp>
+        <p:nvSpPr>
+          <p:cNvPr id="31" name="Oval 30">
+            <a:extLst>
+              <a:ext uri="{FF2B5EF4-FFF2-40B4-BE49-F238E27FC236}">
+                <a16:creationId xmlns:a16="http://schemas.microsoft.com/office/drawing/2014/main" id="{01B3B2EB-861E-5FB6-780C-7A9B1B2F05C8}"/>
+              </a:ext>
+            </a:extLst>
+          </p:cNvPr>
+          <p:cNvSpPr/>
+          <p:nvPr/>
+        </p:nvSpPr>
+        <p:spPr>
+          <a:xfrm>
+            <a:off x="3174222" y="3505964"/>
+            <a:ext cx="243421" cy="243421"/>
+          </a:xfrm>
+          <a:prstGeom prst="ellipse">
+            <a:avLst/>
+          </a:prstGeom>
+          <a:noFill/>
+          <a:ln>
+            <a:solidFill>
+              <a:srgbClr val="FF0000"/>
+            </a:solidFill>
+          </a:ln>
+        </p:spPr>
+        <p:style>
+          <a:lnRef idx="2">
+            <a:schemeClr val="accent1">
+              <a:shade val="15000"/>
+            </a:schemeClr>
+          </a:lnRef>
+          <a:fillRef idx="1">
+            <a:schemeClr val="accent1"/>
+          </a:fillRef>
+          <a:effectRef idx="0">
+            <a:schemeClr val="accent1"/>
+          </a:effectRef>
+          <a:fontRef idx="minor">
+            <a:schemeClr val="lt1"/>
+          </a:fontRef>
+        </p:style>
+        <p:txBody>
+          <a:bodyPr rtlCol="0" anchor="ctr"/>
+          <a:lstStyle/>
+          <a:p>
+            <a:pPr algn="ctr"/>
+            <a:endParaRPr lang="en-US"/>
+          </a:p>
+        </p:txBody>
+      </p:sp>
+      <p:cxnSp>
+        <p:nvCxnSpPr>
+          <p:cNvPr id="52" name="Straight Connector 51">
+            <a:extLst>
+              <a:ext uri="{FF2B5EF4-FFF2-40B4-BE49-F238E27FC236}">
+                <a16:creationId xmlns:a16="http://schemas.microsoft.com/office/drawing/2014/main" id="{6789CE44-0617-17E3-14FD-EEAB95CF8831}"/>
+              </a:ext>
+            </a:extLst>
+          </p:cNvPr>
+          <p:cNvCxnSpPr/>
+          <p:nvPr/>
+        </p:nvCxnSpPr>
+        <p:spPr>
+          <a:xfrm>
+            <a:off x="573055" y="4276184"/>
+            <a:ext cx="0" cy="1072357"/>
+          </a:xfrm>
+          <a:prstGeom prst="line">
+            <a:avLst/>
+          </a:prstGeom>
+        </p:spPr>
+        <p:style>
+          <a:lnRef idx="2">
+            <a:schemeClr val="accent1"/>
+          </a:lnRef>
+          <a:fillRef idx="0">
+            <a:schemeClr val="accent1"/>
+          </a:fillRef>
+          <a:effectRef idx="1">
+            <a:schemeClr val="accent1"/>
+          </a:effectRef>
+          <a:fontRef idx="minor">
+            <a:schemeClr val="tx1"/>
+          </a:fontRef>
+        </p:style>
+      </p:cxnSp>
+      <p:cxnSp>
+        <p:nvCxnSpPr>
+          <p:cNvPr id="61" name="Straight Connector 60">
+            <a:extLst>
+              <a:ext uri="{FF2B5EF4-FFF2-40B4-BE49-F238E27FC236}">
+                <a16:creationId xmlns:a16="http://schemas.microsoft.com/office/drawing/2014/main" id="{C0FFA316-CC28-770A-EF02-9F1EC1BD7B1D}"/>
+              </a:ext>
+            </a:extLst>
+          </p:cNvPr>
+          <p:cNvCxnSpPr>
+            <a:cxnSpLocks/>
+          </p:cNvCxnSpPr>
+          <p:nvPr/>
+        </p:nvCxnSpPr>
+        <p:spPr>
+          <a:xfrm>
+            <a:off x="10683582" y="2158293"/>
+            <a:ext cx="0" cy="3190248"/>
+          </a:xfrm>
+          <a:prstGeom prst="line">
+            <a:avLst/>
+          </a:prstGeom>
+          <a:ln>
+            <a:solidFill>
+              <a:srgbClr val="00B0F0"/>
+            </a:solidFill>
+            <a:prstDash val="dash"/>
+          </a:ln>
+        </p:spPr>
+        <p:style>
+          <a:lnRef idx="2">
+            <a:schemeClr val="accent1"/>
+          </a:lnRef>
+          <a:fillRef idx="0">
+            <a:schemeClr val="accent1"/>
+          </a:fillRef>
+          <a:effectRef idx="1">
+            <a:schemeClr val="accent1"/>
+          </a:effectRef>
+          <a:fontRef idx="minor">
+            <a:schemeClr val="tx1"/>
+          </a:fontRef>
+        </p:style>
+      </p:cxnSp>
+      <p:cxnSp>
+        <p:nvCxnSpPr>
+          <p:cNvPr id="65" name="Straight Connector 64">
+            <a:extLst>
+              <a:ext uri="{FF2B5EF4-FFF2-40B4-BE49-F238E27FC236}">
+                <a16:creationId xmlns:a16="http://schemas.microsoft.com/office/drawing/2014/main" id="{E1A8B782-5C71-878B-8ED6-1BFB71D16C8C}"/>
+              </a:ext>
+            </a:extLst>
+          </p:cNvPr>
+          <p:cNvCxnSpPr>
+            <a:cxnSpLocks/>
+          </p:cNvCxnSpPr>
+          <p:nvPr/>
+        </p:nvCxnSpPr>
+        <p:spPr>
+          <a:xfrm>
+            <a:off x="567100" y="5316481"/>
+            <a:ext cx="0" cy="601029"/>
+          </a:xfrm>
+          <a:prstGeom prst="line">
+            <a:avLst/>
+          </a:prstGeom>
+          <a:ln>
+            <a:solidFill>
+              <a:srgbClr val="00B0F0"/>
+            </a:solidFill>
+            <a:prstDash val="dash"/>
+          </a:ln>
+        </p:spPr>
+        <p:style>
+          <a:lnRef idx="2">
+            <a:schemeClr val="accent1"/>
+          </a:lnRef>
+          <a:fillRef idx="0">
+            <a:schemeClr val="accent1"/>
+          </a:fillRef>
+          <a:effectRef idx="1">
+            <a:schemeClr val="accent1"/>
+          </a:effectRef>
+          <a:fontRef idx="minor">
+            <a:schemeClr val="tx1"/>
+          </a:fontRef>
+        </p:style>
+      </p:cxnSp>
+      <p:cxnSp>
+        <p:nvCxnSpPr>
+          <p:cNvPr id="68" name="Straight Connector 67">
+            <a:extLst>
+              <a:ext uri="{FF2B5EF4-FFF2-40B4-BE49-F238E27FC236}">
+                <a16:creationId xmlns:a16="http://schemas.microsoft.com/office/drawing/2014/main" id="{69588389-59A0-0DFA-2B7D-7B6AA4F13C11}"/>
+              </a:ext>
+            </a:extLst>
+          </p:cNvPr>
+          <p:cNvCxnSpPr>
+            <a:cxnSpLocks/>
+          </p:cNvCxnSpPr>
+          <p:nvPr/>
+        </p:nvCxnSpPr>
+        <p:spPr>
+          <a:xfrm>
+            <a:off x="864613" y="5296109"/>
+            <a:ext cx="9837006" cy="0"/>
+          </a:xfrm>
+          <a:prstGeom prst="line">
+            <a:avLst/>
+          </a:prstGeom>
+          <a:ln>
+            <a:solidFill>
+              <a:srgbClr val="00B0F0"/>
+            </a:solidFill>
+            <a:prstDash val="dash"/>
+          </a:ln>
+        </p:spPr>
+        <p:style>
+          <a:lnRef idx="2">
+            <a:schemeClr val="accent1"/>
+          </a:lnRef>
+          <a:fillRef idx="0">
+            <a:schemeClr val="accent1"/>
+          </a:fillRef>
+          <a:effectRef idx="1">
+            <a:schemeClr val="accent1"/>
+          </a:effectRef>
+          <a:fontRef idx="minor">
+            <a:schemeClr val="tx1"/>
+          </a:fontRef>
+        </p:style>
+      </p:cxnSp>
+      <p:sp>
+        <p:nvSpPr>
+          <p:cNvPr id="74" name="Rectangle 73">
+            <a:extLst>
+              <a:ext uri="{FF2B5EF4-FFF2-40B4-BE49-F238E27FC236}">
+                <a16:creationId xmlns:a16="http://schemas.microsoft.com/office/drawing/2014/main" id="{9F130C98-54FF-B61C-0357-CBCF8BBE93DF}"/>
+              </a:ext>
+            </a:extLst>
+          </p:cNvPr>
+          <p:cNvSpPr/>
+          <p:nvPr/>
+        </p:nvSpPr>
+        <p:spPr>
+          <a:xfrm rot="20218297">
+            <a:off x="153276" y="2699292"/>
+            <a:ext cx="10883398" cy="1701406"/>
+          </a:xfrm>
+          <a:prstGeom prst="rect">
+            <a:avLst/>
+          </a:prstGeom>
+          <a:noFill/>
+          <a:ln>
+            <a:solidFill>
+              <a:srgbClr val="FFC000"/>
+            </a:solidFill>
+          </a:ln>
+        </p:spPr>
+        <p:style>
+          <a:lnRef idx="2">
+            <a:schemeClr val="accent1">
+              <a:shade val="15000"/>
+            </a:schemeClr>
+          </a:lnRef>
+          <a:fillRef idx="1">
+            <a:schemeClr val="accent1"/>
+          </a:fillRef>
+          <a:effectRef idx="0">
+            <a:schemeClr val="accent1"/>
+          </a:effectRef>
+          <a:fontRef idx="minor">
+            <a:schemeClr val="lt1"/>
+          </a:fontRef>
+        </p:style>
+        <p:txBody>
+          <a:bodyPr rtlCol="0" anchor="ctr"/>
+          <a:lstStyle/>
+          <a:p>
+            <a:pPr algn="ctr"/>
+            <a:endParaRPr lang="en-US"/>
+          </a:p>
+        </p:txBody>
+      </p:sp>
+      <p:sp>
+        <p:nvSpPr>
+          <p:cNvPr id="115" name="TextBox 114">
+            <a:extLst>
+              <a:ext uri="{FF2B5EF4-FFF2-40B4-BE49-F238E27FC236}">
+                <a16:creationId xmlns:a16="http://schemas.microsoft.com/office/drawing/2014/main" id="{B61AE79A-FF1D-6B40-B8ED-BED0C3C2B1DA}"/>
+              </a:ext>
+            </a:extLst>
+          </p:cNvPr>
+          <p:cNvSpPr txBox="1"/>
+          <p:nvPr/>
+        </p:nvSpPr>
+        <p:spPr>
+          <a:xfrm>
+            <a:off x="1401352" y="3859035"/>
+            <a:ext cx="707373" cy="276999"/>
+          </a:xfrm>
+          <a:prstGeom prst="rect">
+            <a:avLst/>
+          </a:prstGeom>
+          <a:noFill/>
+        </p:spPr>
+        <p:txBody>
+          <a:bodyPr wrap="none" rtlCol="0">
+            <a:spAutoFit/>
+          </a:bodyPr>
+          <a:lstStyle/>
+          <a:p>
+            <a:r>
+              <a:rPr lang="en-US" sz="1200" dirty="0" err="1"/>
+              <a:t>unitRun</a:t>
+            </a:r>
+            <a:endParaRPr lang="en-US" sz="1200" dirty="0"/>
+          </a:p>
+        </p:txBody>
+      </p:sp>
+      <p:sp>
+        <p:nvSpPr>
+          <p:cNvPr id="20" name="Rectangle 19">
+            <a:extLst>
+              <a:ext uri="{FF2B5EF4-FFF2-40B4-BE49-F238E27FC236}">
+                <a16:creationId xmlns:a16="http://schemas.microsoft.com/office/drawing/2014/main" id="{7811C3D1-4AD9-C303-5B5E-B1BD1B7A1DA2}"/>
+              </a:ext>
+            </a:extLst>
+          </p:cNvPr>
+          <p:cNvSpPr/>
+          <p:nvPr/>
+        </p:nvSpPr>
+        <p:spPr>
+          <a:xfrm>
+            <a:off x="567101" y="4655541"/>
+            <a:ext cx="259654" cy="660939"/>
+          </a:xfrm>
+          <a:prstGeom prst="rect">
+            <a:avLst/>
+          </a:prstGeom>
+          <a:noFill/>
+          <a:ln>
+            <a:solidFill>
+              <a:srgbClr val="7030A0"/>
+            </a:solidFill>
+            <a:prstDash val="dash"/>
+          </a:ln>
+        </p:spPr>
+        <p:style>
+          <a:lnRef idx="2">
+            <a:schemeClr val="accent1">
+              <a:shade val="15000"/>
+            </a:schemeClr>
+          </a:lnRef>
+          <a:fillRef idx="1">
+            <a:schemeClr val="accent1"/>
+          </a:fillRef>
+          <a:effectRef idx="0">
+            <a:schemeClr val="accent1"/>
+          </a:effectRef>
+          <a:fontRef idx="minor">
+            <a:schemeClr val="lt1"/>
+          </a:fontRef>
+        </p:style>
+        <p:txBody>
+          <a:bodyPr rtlCol="0" anchor="ctr"/>
+          <a:lstStyle/>
+          <a:p>
+            <a:pPr algn="ctr"/>
+            <a:endParaRPr lang="en-US" dirty="0"/>
+          </a:p>
+        </p:txBody>
+      </p:sp>
+      <p:sp>
+        <p:nvSpPr>
+          <p:cNvPr id="22" name="Rectangle 21">
+            <a:extLst>
+              <a:ext uri="{FF2B5EF4-FFF2-40B4-BE49-F238E27FC236}">
+                <a16:creationId xmlns:a16="http://schemas.microsoft.com/office/drawing/2014/main" id="{FBAFFD07-4892-EAF3-D6F6-BED6CD4CE470}"/>
+              </a:ext>
+            </a:extLst>
+          </p:cNvPr>
+          <p:cNvSpPr/>
+          <p:nvPr/>
+        </p:nvSpPr>
+        <p:spPr>
+          <a:xfrm rot="5400000">
+            <a:off x="1733214" y="3084519"/>
+            <a:ext cx="403774" cy="2724099"/>
+          </a:xfrm>
+          <a:prstGeom prst="rect">
+            <a:avLst/>
+          </a:prstGeom>
+          <a:noFill/>
+          <a:ln>
+            <a:solidFill>
+              <a:srgbClr val="92D050"/>
+            </a:solidFill>
+            <a:prstDash val="dash"/>
+          </a:ln>
+        </p:spPr>
+        <p:style>
+          <a:lnRef idx="2">
+            <a:schemeClr val="accent1">
+              <a:shade val="15000"/>
+            </a:schemeClr>
+          </a:lnRef>
+          <a:fillRef idx="1">
+            <a:schemeClr val="accent1"/>
+          </a:fillRef>
+          <a:effectRef idx="0">
+            <a:schemeClr val="accent1"/>
+          </a:effectRef>
+          <a:fontRef idx="minor">
+            <a:schemeClr val="lt1"/>
+          </a:fontRef>
+        </p:style>
+        <p:txBody>
+          <a:bodyPr rtlCol="0" anchor="ctr"/>
+          <a:lstStyle/>
+          <a:p>
+            <a:pPr algn="ctr"/>
+            <a:endParaRPr lang="en-US"/>
+          </a:p>
+        </p:txBody>
+      </p:sp>
+      <p:sp>
+        <p:nvSpPr>
+          <p:cNvPr id="23" name="Rectangle 22">
+            <a:extLst>
+              <a:ext uri="{FF2B5EF4-FFF2-40B4-BE49-F238E27FC236}">
+                <a16:creationId xmlns:a16="http://schemas.microsoft.com/office/drawing/2014/main" id="{A136AC65-473D-22E8-CEDF-CDE4D5923F59}"/>
+              </a:ext>
+            </a:extLst>
+          </p:cNvPr>
+          <p:cNvSpPr/>
+          <p:nvPr/>
+        </p:nvSpPr>
+        <p:spPr>
+          <a:xfrm rot="5400000">
+            <a:off x="951462" y="855729"/>
+            <a:ext cx="277727" cy="451425"/>
+          </a:xfrm>
+          <a:prstGeom prst="rect">
+            <a:avLst/>
+          </a:prstGeom>
+          <a:noFill/>
+          <a:ln>
+            <a:solidFill>
+              <a:srgbClr val="92D050"/>
+            </a:solidFill>
+            <a:prstDash val="dash"/>
+          </a:ln>
+        </p:spPr>
+        <p:style>
+          <a:lnRef idx="2">
+            <a:schemeClr val="accent1">
+              <a:shade val="15000"/>
+            </a:schemeClr>
+          </a:lnRef>
+          <a:fillRef idx="1">
+            <a:schemeClr val="accent1"/>
+          </a:fillRef>
+          <a:effectRef idx="0">
+            <a:schemeClr val="accent1"/>
+          </a:effectRef>
+          <a:fontRef idx="minor">
+            <a:schemeClr val="lt1"/>
+          </a:fontRef>
+        </p:style>
+        <p:txBody>
+          <a:bodyPr rtlCol="0" anchor="ctr"/>
+          <a:lstStyle/>
+          <a:p>
+            <a:pPr algn="ctr"/>
+            <a:endParaRPr lang="en-US"/>
+          </a:p>
+        </p:txBody>
+      </p:sp>
+      <p:sp>
+        <p:nvSpPr>
+          <p:cNvPr id="24" name="Rectangle 23">
+            <a:extLst>
+              <a:ext uri="{FF2B5EF4-FFF2-40B4-BE49-F238E27FC236}">
+                <a16:creationId xmlns:a16="http://schemas.microsoft.com/office/drawing/2014/main" id="{649A3F3C-171A-6E50-05BA-2ED0EBB43AB4}"/>
+              </a:ext>
+            </a:extLst>
+          </p:cNvPr>
+          <p:cNvSpPr/>
+          <p:nvPr/>
+        </p:nvSpPr>
+        <p:spPr>
+          <a:xfrm>
+            <a:off x="876423" y="1335905"/>
+            <a:ext cx="451425" cy="266682"/>
+          </a:xfrm>
+          <a:prstGeom prst="rect">
+            <a:avLst/>
+          </a:prstGeom>
+          <a:noFill/>
+          <a:ln>
+            <a:solidFill>
+              <a:srgbClr val="7030A0"/>
+            </a:solidFill>
+            <a:prstDash val="dash"/>
+          </a:ln>
+        </p:spPr>
+        <p:style>
+          <a:lnRef idx="2">
+            <a:schemeClr val="accent1">
+              <a:shade val="15000"/>
+            </a:schemeClr>
+          </a:lnRef>
+          <a:fillRef idx="1">
+            <a:schemeClr val="accent1"/>
+          </a:fillRef>
+          <a:effectRef idx="0">
+            <a:schemeClr val="accent1"/>
+          </a:effectRef>
+          <a:fontRef idx="minor">
+            <a:schemeClr val="lt1"/>
+          </a:fontRef>
+        </p:style>
+        <p:txBody>
+          <a:bodyPr rtlCol="0" anchor="ctr"/>
+          <a:lstStyle/>
+          <a:p>
+            <a:pPr algn="ctr"/>
+            <a:endParaRPr lang="en-US"/>
+          </a:p>
+        </p:txBody>
+      </p:sp>
+      <p:sp>
+        <p:nvSpPr>
+          <p:cNvPr id="26" name="TextBox 25">
+            <a:extLst>
+              <a:ext uri="{FF2B5EF4-FFF2-40B4-BE49-F238E27FC236}">
+                <a16:creationId xmlns:a16="http://schemas.microsoft.com/office/drawing/2014/main" id="{A36E4BAB-090C-87C5-2726-30C5DB4D52C9}"/>
+              </a:ext>
+            </a:extLst>
+          </p:cNvPr>
+          <p:cNvSpPr txBox="1"/>
+          <p:nvPr/>
+        </p:nvSpPr>
+        <p:spPr>
+          <a:xfrm>
+            <a:off x="1363469" y="916624"/>
+            <a:ext cx="2595647" cy="369332"/>
+          </a:xfrm>
+          <a:prstGeom prst="rect">
+            <a:avLst/>
+          </a:prstGeom>
+          <a:noFill/>
+        </p:spPr>
+        <p:txBody>
+          <a:bodyPr wrap="none" rtlCol="0">
+            <a:spAutoFit/>
+          </a:bodyPr>
+          <a:lstStyle/>
+          <a:p>
+            <a:r>
+              <a:rPr lang="en-US" dirty="0"/>
+              <a:t>= finished material tread</a:t>
+            </a:r>
+          </a:p>
+        </p:txBody>
+      </p:sp>
+      <p:sp>
+        <p:nvSpPr>
+          <p:cNvPr id="27" name="TextBox 26">
+            <a:extLst>
+              <a:ext uri="{FF2B5EF4-FFF2-40B4-BE49-F238E27FC236}">
+                <a16:creationId xmlns:a16="http://schemas.microsoft.com/office/drawing/2014/main" id="{B66A6943-4257-4155-CCD1-62259DFEB4E1}"/>
+              </a:ext>
+            </a:extLst>
+          </p:cNvPr>
+          <p:cNvSpPr txBox="1"/>
+          <p:nvPr/>
+        </p:nvSpPr>
+        <p:spPr>
+          <a:xfrm>
+            <a:off x="1379341" y="1288832"/>
+            <a:ext cx="2513830" cy="369332"/>
+          </a:xfrm>
+          <a:prstGeom prst="rect">
+            <a:avLst/>
+          </a:prstGeom>
+          <a:noFill/>
+        </p:spPr>
+        <p:txBody>
+          <a:bodyPr wrap="none" rtlCol="0">
+            <a:spAutoFit/>
+          </a:bodyPr>
+          <a:lstStyle/>
+          <a:p>
+            <a:r>
+              <a:rPr lang="en-US" dirty="0"/>
+              <a:t>= finished material riser</a:t>
+            </a:r>
+          </a:p>
+        </p:txBody>
+      </p:sp>
+      <p:sp>
+        <p:nvSpPr>
+          <p:cNvPr id="36" name="Rectangle 35">
+            <a:extLst>
+              <a:ext uri="{FF2B5EF4-FFF2-40B4-BE49-F238E27FC236}">
+                <a16:creationId xmlns:a16="http://schemas.microsoft.com/office/drawing/2014/main" id="{E098E16C-5B76-524F-6899-81B4FCFCA14A}"/>
+              </a:ext>
+            </a:extLst>
+          </p:cNvPr>
+          <p:cNvSpPr/>
+          <p:nvPr/>
+        </p:nvSpPr>
+        <p:spPr>
+          <a:xfrm>
+            <a:off x="3051258" y="3584528"/>
+            <a:ext cx="259654" cy="660939"/>
+          </a:xfrm>
+          <a:prstGeom prst="rect">
+            <a:avLst/>
+          </a:prstGeom>
+          <a:noFill/>
+          <a:ln>
+            <a:solidFill>
+              <a:srgbClr val="7030A0"/>
+            </a:solidFill>
+            <a:prstDash val="dash"/>
+          </a:ln>
+        </p:spPr>
+        <p:style>
+          <a:lnRef idx="2">
+            <a:schemeClr val="accent1">
+              <a:shade val="15000"/>
+            </a:schemeClr>
+          </a:lnRef>
+          <a:fillRef idx="1">
+            <a:schemeClr val="accent1"/>
+          </a:fillRef>
+          <a:effectRef idx="0">
+            <a:schemeClr val="accent1"/>
+          </a:effectRef>
+          <a:fontRef idx="minor">
+            <a:schemeClr val="lt1"/>
+          </a:fontRef>
+        </p:style>
+        <p:txBody>
+          <a:bodyPr rtlCol="0" anchor="ctr"/>
+          <a:lstStyle/>
+          <a:p>
+            <a:pPr algn="ctr"/>
+            <a:endParaRPr lang="en-US" dirty="0"/>
+          </a:p>
+        </p:txBody>
+      </p:sp>
+      <p:sp>
+        <p:nvSpPr>
+          <p:cNvPr id="37" name="Rectangle 36">
+            <a:extLst>
+              <a:ext uri="{FF2B5EF4-FFF2-40B4-BE49-F238E27FC236}">
+                <a16:creationId xmlns:a16="http://schemas.microsoft.com/office/drawing/2014/main" id="{C8259E35-EA2E-5D61-73D2-2AF851B388AC}"/>
+              </a:ext>
+            </a:extLst>
+          </p:cNvPr>
+          <p:cNvSpPr/>
+          <p:nvPr/>
+        </p:nvSpPr>
+        <p:spPr>
+          <a:xfrm rot="5400000">
+            <a:off x="4203195" y="2020591"/>
+            <a:ext cx="403774" cy="2724099"/>
+          </a:xfrm>
+          <a:prstGeom prst="rect">
+            <a:avLst/>
+          </a:prstGeom>
+          <a:noFill/>
+          <a:ln>
+            <a:solidFill>
+              <a:srgbClr val="92D050"/>
+            </a:solidFill>
+            <a:prstDash val="dash"/>
+          </a:ln>
+        </p:spPr>
+        <p:style>
+          <a:lnRef idx="2">
+            <a:schemeClr val="accent1">
+              <a:shade val="15000"/>
+            </a:schemeClr>
+          </a:lnRef>
+          <a:fillRef idx="1">
+            <a:schemeClr val="accent1"/>
+          </a:fillRef>
+          <a:effectRef idx="0">
+            <a:schemeClr val="accent1"/>
+          </a:effectRef>
+          <a:fontRef idx="minor">
+            <a:schemeClr val="lt1"/>
+          </a:fontRef>
+        </p:style>
+        <p:txBody>
+          <a:bodyPr rtlCol="0" anchor="ctr"/>
+          <a:lstStyle/>
+          <a:p>
+            <a:pPr algn="ctr"/>
+            <a:endParaRPr lang="en-US"/>
+          </a:p>
+        </p:txBody>
+      </p:sp>
+      <p:sp>
+        <p:nvSpPr>
+          <p:cNvPr id="39" name="Rectangle 38">
+            <a:extLst>
+              <a:ext uri="{FF2B5EF4-FFF2-40B4-BE49-F238E27FC236}">
+                <a16:creationId xmlns:a16="http://schemas.microsoft.com/office/drawing/2014/main" id="{42D22558-BABE-795B-A39D-0872970CC835}"/>
+              </a:ext>
+            </a:extLst>
+          </p:cNvPr>
+          <p:cNvSpPr/>
+          <p:nvPr/>
+        </p:nvSpPr>
+        <p:spPr>
+          <a:xfrm>
+            <a:off x="5500785" y="2532102"/>
+            <a:ext cx="259654" cy="660939"/>
+          </a:xfrm>
+          <a:prstGeom prst="rect">
+            <a:avLst/>
+          </a:prstGeom>
+          <a:noFill/>
+          <a:ln>
+            <a:solidFill>
+              <a:srgbClr val="7030A0"/>
+            </a:solidFill>
+            <a:prstDash val="dash"/>
+          </a:ln>
+        </p:spPr>
+        <p:style>
+          <a:lnRef idx="2">
+            <a:schemeClr val="accent1">
+              <a:shade val="15000"/>
+            </a:schemeClr>
+          </a:lnRef>
+          <a:fillRef idx="1">
+            <a:schemeClr val="accent1"/>
+          </a:fillRef>
+          <a:effectRef idx="0">
+            <a:schemeClr val="accent1"/>
+          </a:effectRef>
+          <a:fontRef idx="minor">
+            <a:schemeClr val="lt1"/>
+          </a:fontRef>
+        </p:style>
+        <p:txBody>
+          <a:bodyPr rtlCol="0" anchor="ctr"/>
+          <a:lstStyle/>
+          <a:p>
+            <a:pPr algn="ctr"/>
+            <a:endParaRPr lang="en-US" dirty="0"/>
+          </a:p>
+        </p:txBody>
+      </p:sp>
+      <p:sp>
+        <p:nvSpPr>
+          <p:cNvPr id="44" name="Rectangle 43">
+            <a:extLst>
+              <a:ext uri="{FF2B5EF4-FFF2-40B4-BE49-F238E27FC236}">
+                <a16:creationId xmlns:a16="http://schemas.microsoft.com/office/drawing/2014/main" id="{558F151D-61E7-2D69-6263-1EFE1737F1B7}"/>
+              </a:ext>
+            </a:extLst>
+          </p:cNvPr>
+          <p:cNvSpPr/>
+          <p:nvPr/>
+        </p:nvSpPr>
+        <p:spPr>
+          <a:xfrm rot="5400000">
+            <a:off x="6659810" y="975255"/>
+            <a:ext cx="403774" cy="2724099"/>
+          </a:xfrm>
+          <a:prstGeom prst="rect">
+            <a:avLst/>
+          </a:prstGeom>
+          <a:noFill/>
+          <a:ln>
+            <a:solidFill>
+              <a:srgbClr val="92D050"/>
+            </a:solidFill>
+            <a:prstDash val="dash"/>
+          </a:ln>
+        </p:spPr>
+        <p:style>
+          <a:lnRef idx="2">
+            <a:schemeClr val="accent1">
+              <a:shade val="15000"/>
+            </a:schemeClr>
+          </a:lnRef>
+          <a:fillRef idx="1">
+            <a:schemeClr val="accent1"/>
+          </a:fillRef>
+          <a:effectRef idx="0">
+            <a:schemeClr val="accent1"/>
+          </a:effectRef>
+          <a:fontRef idx="minor">
+            <a:schemeClr val="lt1"/>
+          </a:fontRef>
+        </p:style>
+        <p:txBody>
+          <a:bodyPr rtlCol="0" anchor="ctr"/>
+          <a:lstStyle/>
+          <a:p>
+            <a:pPr algn="ctr"/>
+            <a:endParaRPr lang="en-US"/>
+          </a:p>
+        </p:txBody>
+      </p:sp>
+      <p:sp>
+        <p:nvSpPr>
+          <p:cNvPr id="45" name="Rectangle 44">
+            <a:extLst>
+              <a:ext uri="{FF2B5EF4-FFF2-40B4-BE49-F238E27FC236}">
+                <a16:creationId xmlns:a16="http://schemas.microsoft.com/office/drawing/2014/main" id="{92E5EDA2-0BF0-816A-E2EB-46E2E54C076D}"/>
+              </a:ext>
+            </a:extLst>
+          </p:cNvPr>
+          <p:cNvSpPr/>
+          <p:nvPr/>
+        </p:nvSpPr>
+        <p:spPr>
+          <a:xfrm>
+            <a:off x="7961315" y="1502252"/>
+            <a:ext cx="259654" cy="629947"/>
+          </a:xfrm>
+          <a:prstGeom prst="rect">
+            <a:avLst/>
+          </a:prstGeom>
+          <a:noFill/>
+          <a:ln>
+            <a:solidFill>
+              <a:srgbClr val="7030A0"/>
+            </a:solidFill>
+            <a:prstDash val="dash"/>
+          </a:ln>
+        </p:spPr>
+        <p:style>
+          <a:lnRef idx="2">
+            <a:schemeClr val="accent1">
+              <a:shade val="15000"/>
+            </a:schemeClr>
+          </a:lnRef>
+          <a:fillRef idx="1">
+            <a:schemeClr val="accent1"/>
+          </a:fillRef>
+          <a:effectRef idx="0">
+            <a:schemeClr val="accent1"/>
+          </a:effectRef>
+          <a:fontRef idx="minor">
+            <a:schemeClr val="lt1"/>
+          </a:fontRef>
+        </p:style>
+        <p:txBody>
+          <a:bodyPr rtlCol="0" anchor="ctr"/>
+          <a:lstStyle/>
+          <a:p>
+            <a:pPr algn="ctr"/>
+            <a:endParaRPr lang="en-US" dirty="0"/>
+          </a:p>
+        </p:txBody>
+      </p:sp>
+      <p:sp>
+        <p:nvSpPr>
+          <p:cNvPr id="53" name="Rectangle 52">
+            <a:extLst>
+              <a:ext uri="{FF2B5EF4-FFF2-40B4-BE49-F238E27FC236}">
+                <a16:creationId xmlns:a16="http://schemas.microsoft.com/office/drawing/2014/main" id="{57BBCA53-9D4A-0007-93ED-FF839CF0809A}"/>
+              </a:ext>
+            </a:extLst>
+          </p:cNvPr>
+          <p:cNvSpPr/>
+          <p:nvPr/>
+        </p:nvSpPr>
+        <p:spPr>
+          <a:xfrm rot="5400000">
+            <a:off x="9127428" y="-60927"/>
+            <a:ext cx="403774" cy="2724099"/>
+          </a:xfrm>
+          <a:prstGeom prst="rect">
+            <a:avLst/>
+          </a:prstGeom>
+          <a:noFill/>
+          <a:ln>
+            <a:solidFill>
+              <a:srgbClr val="92D050"/>
+            </a:solidFill>
+            <a:prstDash val="dash"/>
+          </a:ln>
+        </p:spPr>
+        <p:style>
+          <a:lnRef idx="2">
+            <a:schemeClr val="accent1">
+              <a:shade val="15000"/>
+            </a:schemeClr>
+          </a:lnRef>
+          <a:fillRef idx="1">
+            <a:schemeClr val="accent1"/>
+          </a:fillRef>
+          <a:effectRef idx="0">
+            <a:schemeClr val="accent1"/>
+          </a:effectRef>
+          <a:fontRef idx="minor">
+            <a:schemeClr val="lt1"/>
+          </a:fontRef>
+        </p:style>
+        <p:txBody>
+          <a:bodyPr rtlCol="0" anchor="ctr"/>
+          <a:lstStyle/>
+          <a:p>
+            <a:pPr algn="ctr"/>
+            <a:endParaRPr lang="en-US"/>
+          </a:p>
+        </p:txBody>
+      </p:sp>
+      <p:cxnSp>
+        <p:nvCxnSpPr>
+          <p:cNvPr id="58" name="Straight Connector 57">
+            <a:extLst>
+              <a:ext uri="{FF2B5EF4-FFF2-40B4-BE49-F238E27FC236}">
+                <a16:creationId xmlns:a16="http://schemas.microsoft.com/office/drawing/2014/main" id="{6A93E7C5-470B-D35C-8925-DDF141E4C3BC}"/>
+              </a:ext>
+            </a:extLst>
+          </p:cNvPr>
+          <p:cNvCxnSpPr>
+            <a:cxnSpLocks/>
+          </p:cNvCxnSpPr>
+          <p:nvPr/>
+        </p:nvCxnSpPr>
+        <p:spPr>
+          <a:xfrm flipV="1">
+            <a:off x="829173" y="4655541"/>
+            <a:ext cx="0" cy="1498164"/>
+          </a:xfrm>
+          <a:prstGeom prst="line">
+            <a:avLst/>
+          </a:prstGeom>
+          <a:noFill/>
+          <a:ln w="38100">
+            <a:solidFill>
+              <a:srgbClr val="996600"/>
+            </a:solidFill>
+          </a:ln>
+        </p:spPr>
+        <p:style>
+          <a:lnRef idx="2">
+            <a:schemeClr val="accent1">
+              <a:shade val="15000"/>
+            </a:schemeClr>
+          </a:lnRef>
+          <a:fillRef idx="1">
+            <a:schemeClr val="accent1"/>
+          </a:fillRef>
+          <a:effectRef idx="0">
+            <a:schemeClr val="accent1"/>
+          </a:effectRef>
+          <a:fontRef idx="minor">
+            <a:schemeClr val="lt1"/>
+          </a:fontRef>
+        </p:style>
+      </p:cxnSp>
+      <p:cxnSp>
+        <p:nvCxnSpPr>
+          <p:cNvPr id="59" name="Straight Connector 58">
+            <a:extLst>
+              <a:ext uri="{FF2B5EF4-FFF2-40B4-BE49-F238E27FC236}">
+                <a16:creationId xmlns:a16="http://schemas.microsoft.com/office/drawing/2014/main" id="{10A829E1-E4FA-0940-9DC5-C789AC76BF8B}"/>
+              </a:ext>
+            </a:extLst>
+          </p:cNvPr>
+          <p:cNvCxnSpPr>
+            <a:cxnSpLocks/>
+          </p:cNvCxnSpPr>
+          <p:nvPr/>
+        </p:nvCxnSpPr>
+        <p:spPr>
+          <a:xfrm flipH="1">
+            <a:off x="837392" y="4649283"/>
+            <a:ext cx="2459759" cy="0"/>
+          </a:xfrm>
+          <a:prstGeom prst="line">
+            <a:avLst/>
+          </a:prstGeom>
+          <a:noFill/>
+          <a:ln w="38100">
+            <a:solidFill>
+              <a:srgbClr val="996600"/>
+            </a:solidFill>
+          </a:ln>
+        </p:spPr>
+        <p:style>
+          <a:lnRef idx="2">
+            <a:schemeClr val="accent1">
+              <a:shade val="15000"/>
+            </a:schemeClr>
+          </a:lnRef>
+          <a:fillRef idx="1">
+            <a:schemeClr val="accent1"/>
+          </a:fillRef>
+          <a:effectRef idx="0">
+            <a:schemeClr val="accent1"/>
+          </a:effectRef>
+          <a:fontRef idx="minor">
+            <a:schemeClr val="lt1"/>
+          </a:fontRef>
+        </p:style>
+      </p:cxnSp>
+      <p:cxnSp>
+        <p:nvCxnSpPr>
+          <p:cNvPr id="63" name="Straight Connector 62">
+            <a:extLst>
+              <a:ext uri="{FF2B5EF4-FFF2-40B4-BE49-F238E27FC236}">
+                <a16:creationId xmlns:a16="http://schemas.microsoft.com/office/drawing/2014/main" id="{CA4B4398-19FD-04FB-31EE-C62D5BC96323}"/>
+              </a:ext>
+            </a:extLst>
+          </p:cNvPr>
+          <p:cNvCxnSpPr>
+            <a:cxnSpLocks/>
+          </p:cNvCxnSpPr>
+          <p:nvPr/>
+        </p:nvCxnSpPr>
+        <p:spPr>
+          <a:xfrm flipV="1">
+            <a:off x="3302693" y="3604957"/>
+            <a:ext cx="0" cy="1043499"/>
+          </a:xfrm>
+          <a:prstGeom prst="line">
+            <a:avLst/>
+          </a:prstGeom>
+          <a:noFill/>
+          <a:ln w="38100">
+            <a:solidFill>
+              <a:srgbClr val="996600"/>
+            </a:solidFill>
+          </a:ln>
+        </p:spPr>
+        <p:style>
+          <a:lnRef idx="2">
+            <a:schemeClr val="accent1">
+              <a:shade val="15000"/>
+            </a:schemeClr>
+          </a:lnRef>
+          <a:fillRef idx="1">
+            <a:schemeClr val="accent1"/>
+          </a:fillRef>
+          <a:effectRef idx="0">
+            <a:schemeClr val="accent1"/>
+          </a:effectRef>
+          <a:fontRef idx="minor">
+            <a:schemeClr val="lt1"/>
+          </a:fontRef>
+        </p:style>
+      </p:cxnSp>
+      <p:cxnSp>
+        <p:nvCxnSpPr>
+          <p:cNvPr id="64" name="Straight Connector 63">
+            <a:extLst>
+              <a:ext uri="{FF2B5EF4-FFF2-40B4-BE49-F238E27FC236}">
+                <a16:creationId xmlns:a16="http://schemas.microsoft.com/office/drawing/2014/main" id="{0B6A98BF-26C4-5545-1FDD-DD95E3E070D0}"/>
+              </a:ext>
+            </a:extLst>
+          </p:cNvPr>
+          <p:cNvCxnSpPr>
+            <a:cxnSpLocks/>
+          </p:cNvCxnSpPr>
+          <p:nvPr/>
+        </p:nvCxnSpPr>
+        <p:spPr>
+          <a:xfrm flipH="1">
+            <a:off x="3310912" y="3598699"/>
+            <a:ext cx="2459759" cy="0"/>
+          </a:xfrm>
+          <a:prstGeom prst="line">
+            <a:avLst/>
+          </a:prstGeom>
+          <a:noFill/>
+          <a:ln w="38100">
+            <a:solidFill>
+              <a:srgbClr val="996600"/>
+            </a:solidFill>
+          </a:ln>
+        </p:spPr>
+        <p:style>
+          <a:lnRef idx="2">
+            <a:schemeClr val="accent1">
+              <a:shade val="15000"/>
+            </a:schemeClr>
+          </a:lnRef>
+          <a:fillRef idx="1">
+            <a:schemeClr val="accent1"/>
+          </a:fillRef>
+          <a:effectRef idx="0">
+            <a:schemeClr val="accent1"/>
+          </a:effectRef>
+          <a:fontRef idx="minor">
+            <a:schemeClr val="lt1"/>
+          </a:fontRef>
+        </p:style>
+      </p:cxnSp>
+      <p:sp>
+        <p:nvSpPr>
+          <p:cNvPr id="66" name="Rectangle 65">
+            <a:extLst>
+              <a:ext uri="{FF2B5EF4-FFF2-40B4-BE49-F238E27FC236}">
+                <a16:creationId xmlns:a16="http://schemas.microsoft.com/office/drawing/2014/main" id="{632B1FA4-F412-C94C-72BF-033AF0CCD788}"/>
+              </a:ext>
+            </a:extLst>
+          </p:cNvPr>
+          <p:cNvSpPr/>
+          <p:nvPr/>
+        </p:nvSpPr>
+        <p:spPr>
+          <a:xfrm>
+            <a:off x="156219" y="5323565"/>
+            <a:ext cx="659224" cy="822675"/>
+          </a:xfrm>
+          <a:prstGeom prst="rect">
+            <a:avLst/>
+          </a:prstGeom>
+          <a:noFill/>
+          <a:ln>
+            <a:solidFill>
+              <a:srgbClr val="FF3399"/>
+            </a:solidFill>
+            <a:prstDash val="dash"/>
+          </a:ln>
+        </p:spPr>
+        <p:style>
+          <a:lnRef idx="2">
+            <a:schemeClr val="accent1">
+              <a:shade val="15000"/>
+            </a:schemeClr>
+          </a:lnRef>
+          <a:fillRef idx="1">
+            <a:schemeClr val="accent1"/>
+          </a:fillRef>
+          <a:effectRef idx="0">
+            <a:schemeClr val="accent1"/>
+          </a:effectRef>
+          <a:fontRef idx="minor">
+            <a:schemeClr val="lt1"/>
+          </a:fontRef>
+        </p:style>
+        <p:txBody>
+          <a:bodyPr rtlCol="0" anchor="ctr"/>
+          <a:lstStyle/>
+          <a:p>
+            <a:pPr algn="ctr"/>
+            <a:endParaRPr lang="en-US"/>
+          </a:p>
+        </p:txBody>
+      </p:sp>
+      <p:sp>
+        <p:nvSpPr>
+          <p:cNvPr id="69" name="Rectangle 68">
+            <a:extLst>
+              <a:ext uri="{FF2B5EF4-FFF2-40B4-BE49-F238E27FC236}">
+                <a16:creationId xmlns:a16="http://schemas.microsoft.com/office/drawing/2014/main" id="{C75701D2-4892-B9B6-4E4A-E03A8DA566C0}"/>
+              </a:ext>
+            </a:extLst>
+          </p:cNvPr>
+          <p:cNvSpPr/>
+          <p:nvPr/>
+        </p:nvSpPr>
+        <p:spPr>
+          <a:xfrm>
+            <a:off x="890666" y="1740472"/>
+            <a:ext cx="479870" cy="333325"/>
+          </a:xfrm>
+          <a:prstGeom prst="rect">
+            <a:avLst/>
+          </a:prstGeom>
+          <a:noFill/>
+          <a:ln>
+            <a:solidFill>
+              <a:srgbClr val="FF3399"/>
+            </a:solidFill>
+            <a:prstDash val="dash"/>
+          </a:ln>
+        </p:spPr>
+        <p:style>
+          <a:lnRef idx="2">
+            <a:schemeClr val="accent1">
+              <a:shade val="15000"/>
+            </a:schemeClr>
+          </a:lnRef>
+          <a:fillRef idx="1">
+            <a:schemeClr val="accent1"/>
+          </a:fillRef>
+          <a:effectRef idx="0">
+            <a:schemeClr val="accent1"/>
+          </a:effectRef>
+          <a:fontRef idx="minor">
+            <a:schemeClr val="lt1"/>
+          </a:fontRef>
+        </p:style>
+        <p:txBody>
+          <a:bodyPr rtlCol="0" anchor="ctr"/>
+          <a:lstStyle/>
+          <a:p>
+            <a:pPr algn="ctr"/>
+            <a:endParaRPr lang="en-US"/>
+          </a:p>
+        </p:txBody>
+      </p:sp>
+      <p:sp>
+        <p:nvSpPr>
+          <p:cNvPr id="70" name="TextBox 69">
+            <a:extLst>
+              <a:ext uri="{FF2B5EF4-FFF2-40B4-BE49-F238E27FC236}">
+                <a16:creationId xmlns:a16="http://schemas.microsoft.com/office/drawing/2014/main" id="{DF32CBD8-FF3A-22C4-EDA1-A55D4ADF9CE8}"/>
+              </a:ext>
+            </a:extLst>
+          </p:cNvPr>
+          <p:cNvSpPr txBox="1"/>
+          <p:nvPr/>
+        </p:nvSpPr>
+        <p:spPr>
+          <a:xfrm>
+            <a:off x="1412314" y="1672335"/>
+            <a:ext cx="3352649" cy="369332"/>
+          </a:xfrm>
+          <a:prstGeom prst="rect">
+            <a:avLst/>
+          </a:prstGeom>
+          <a:noFill/>
+        </p:spPr>
+        <p:txBody>
+          <a:bodyPr wrap="none" rtlCol="0">
+            <a:spAutoFit/>
+          </a:bodyPr>
+          <a:lstStyle/>
+          <a:p>
+            <a:r>
+              <a:rPr lang="en-US" dirty="0"/>
+              <a:t>= finished material bottom floor </a:t>
+            </a:r>
+          </a:p>
+        </p:txBody>
+      </p:sp>
+      <p:cxnSp>
+        <p:nvCxnSpPr>
+          <p:cNvPr id="77" name="Straight Connector 76">
+            <a:extLst>
+              <a:ext uri="{FF2B5EF4-FFF2-40B4-BE49-F238E27FC236}">
+                <a16:creationId xmlns:a16="http://schemas.microsoft.com/office/drawing/2014/main" id="{0B4CE850-31F0-5C7D-84EF-80C7F6019DC5}"/>
+              </a:ext>
+            </a:extLst>
+          </p:cNvPr>
+          <p:cNvCxnSpPr>
+            <a:cxnSpLocks/>
+          </p:cNvCxnSpPr>
+          <p:nvPr/>
+        </p:nvCxnSpPr>
+        <p:spPr>
+          <a:xfrm flipH="1">
+            <a:off x="837392" y="6146240"/>
+            <a:ext cx="760814" cy="0"/>
+          </a:xfrm>
+          <a:prstGeom prst="line">
+            <a:avLst/>
+          </a:prstGeom>
+          <a:noFill/>
+          <a:ln w="38100">
+            <a:solidFill>
+              <a:srgbClr val="996600"/>
+            </a:solidFill>
+          </a:ln>
+        </p:spPr>
+        <p:style>
+          <a:lnRef idx="2">
+            <a:schemeClr val="accent1">
+              <a:shade val="15000"/>
+            </a:schemeClr>
+          </a:lnRef>
+          <a:fillRef idx="1">
+            <a:schemeClr val="accent1"/>
+          </a:fillRef>
+          <a:effectRef idx="0">
+            <a:schemeClr val="accent1"/>
+          </a:effectRef>
+          <a:fontRef idx="minor">
+            <a:schemeClr val="lt1"/>
+          </a:fontRef>
+        </p:style>
+      </p:cxnSp>
+      <p:cxnSp>
+        <p:nvCxnSpPr>
+          <p:cNvPr id="79" name="Straight Connector 78">
+            <a:extLst>
+              <a:ext uri="{FF2B5EF4-FFF2-40B4-BE49-F238E27FC236}">
+                <a16:creationId xmlns:a16="http://schemas.microsoft.com/office/drawing/2014/main" id="{111E305E-AA64-CFAE-801F-6D2CD215AE6C}"/>
+              </a:ext>
+            </a:extLst>
+          </p:cNvPr>
+          <p:cNvCxnSpPr>
+            <a:cxnSpLocks/>
+          </p:cNvCxnSpPr>
+          <p:nvPr/>
+        </p:nvCxnSpPr>
+        <p:spPr>
+          <a:xfrm flipV="1">
+            <a:off x="5758913" y="2557245"/>
+            <a:ext cx="0" cy="1043499"/>
+          </a:xfrm>
+          <a:prstGeom prst="line">
+            <a:avLst/>
+          </a:prstGeom>
+          <a:noFill/>
+          <a:ln w="38100">
+            <a:solidFill>
+              <a:srgbClr val="996600"/>
+            </a:solidFill>
+          </a:ln>
+        </p:spPr>
+        <p:style>
+          <a:lnRef idx="2">
+            <a:schemeClr val="accent1">
+              <a:shade val="15000"/>
+            </a:schemeClr>
+          </a:lnRef>
+          <a:fillRef idx="1">
+            <a:schemeClr val="accent1"/>
+          </a:fillRef>
+          <a:effectRef idx="0">
+            <a:schemeClr val="accent1"/>
+          </a:effectRef>
+          <a:fontRef idx="minor">
+            <a:schemeClr val="lt1"/>
+          </a:fontRef>
+        </p:style>
+      </p:cxnSp>
+      <p:cxnSp>
+        <p:nvCxnSpPr>
+          <p:cNvPr id="80" name="Straight Connector 79">
+            <a:extLst>
+              <a:ext uri="{FF2B5EF4-FFF2-40B4-BE49-F238E27FC236}">
+                <a16:creationId xmlns:a16="http://schemas.microsoft.com/office/drawing/2014/main" id="{FFAC7951-83C9-81FE-A66B-7356D3798E0F}"/>
+              </a:ext>
+            </a:extLst>
+          </p:cNvPr>
+          <p:cNvCxnSpPr>
+            <a:cxnSpLocks/>
+          </p:cNvCxnSpPr>
+          <p:nvPr/>
+        </p:nvCxnSpPr>
+        <p:spPr>
+          <a:xfrm flipH="1">
+            <a:off x="5767132" y="2550987"/>
+            <a:ext cx="2459759" cy="0"/>
+          </a:xfrm>
+          <a:prstGeom prst="line">
+            <a:avLst/>
+          </a:prstGeom>
+          <a:noFill/>
+          <a:ln w="38100">
+            <a:solidFill>
+              <a:srgbClr val="996600"/>
+            </a:solidFill>
+          </a:ln>
+        </p:spPr>
+        <p:style>
+          <a:lnRef idx="2">
+            <a:schemeClr val="accent1">
+              <a:shade val="15000"/>
+            </a:schemeClr>
+          </a:lnRef>
+          <a:fillRef idx="1">
+            <a:schemeClr val="accent1"/>
+          </a:fillRef>
+          <a:effectRef idx="0">
+            <a:schemeClr val="accent1"/>
+          </a:effectRef>
+          <a:fontRef idx="minor">
+            <a:schemeClr val="lt1"/>
+          </a:fontRef>
+        </p:style>
+      </p:cxnSp>
+      <p:cxnSp>
+        <p:nvCxnSpPr>
+          <p:cNvPr id="81" name="Straight Connector 80">
+            <a:extLst>
+              <a:ext uri="{FF2B5EF4-FFF2-40B4-BE49-F238E27FC236}">
+                <a16:creationId xmlns:a16="http://schemas.microsoft.com/office/drawing/2014/main" id="{B90FFDCB-75DD-67FB-D386-92879C42601F}"/>
+              </a:ext>
+            </a:extLst>
+          </p:cNvPr>
+          <p:cNvCxnSpPr>
+            <a:cxnSpLocks/>
+          </p:cNvCxnSpPr>
+          <p:nvPr/>
+        </p:nvCxnSpPr>
+        <p:spPr>
+          <a:xfrm flipV="1">
+            <a:off x="8207385" y="1528545"/>
+            <a:ext cx="0" cy="1043499"/>
+          </a:xfrm>
+          <a:prstGeom prst="line">
+            <a:avLst/>
+          </a:prstGeom>
+          <a:noFill/>
+          <a:ln w="38100">
+            <a:solidFill>
+              <a:srgbClr val="996600"/>
+            </a:solidFill>
+          </a:ln>
+        </p:spPr>
+        <p:style>
+          <a:lnRef idx="2">
+            <a:schemeClr val="accent1">
+              <a:shade val="15000"/>
+            </a:schemeClr>
+          </a:lnRef>
+          <a:fillRef idx="1">
+            <a:schemeClr val="accent1"/>
+          </a:fillRef>
+          <a:effectRef idx="0">
+            <a:schemeClr val="accent1"/>
+          </a:effectRef>
+          <a:fontRef idx="minor">
+            <a:schemeClr val="lt1"/>
+          </a:fontRef>
+        </p:style>
+      </p:cxnSp>
+      <p:cxnSp>
+        <p:nvCxnSpPr>
+          <p:cNvPr id="82" name="Straight Connector 81">
+            <a:extLst>
+              <a:ext uri="{FF2B5EF4-FFF2-40B4-BE49-F238E27FC236}">
+                <a16:creationId xmlns:a16="http://schemas.microsoft.com/office/drawing/2014/main" id="{8C708500-E2FA-DB96-C314-3555C6E2E5D3}"/>
+              </a:ext>
+            </a:extLst>
+          </p:cNvPr>
+          <p:cNvCxnSpPr>
+            <a:cxnSpLocks/>
+          </p:cNvCxnSpPr>
+          <p:nvPr/>
+        </p:nvCxnSpPr>
+        <p:spPr>
+          <a:xfrm flipH="1">
+            <a:off x="8215604" y="1522287"/>
+            <a:ext cx="2459759" cy="0"/>
+          </a:xfrm>
+          <a:prstGeom prst="line">
+            <a:avLst/>
+          </a:prstGeom>
+          <a:noFill/>
+          <a:ln w="38100">
+            <a:solidFill>
+              <a:srgbClr val="996600"/>
+            </a:solidFill>
+          </a:ln>
+        </p:spPr>
+        <p:style>
+          <a:lnRef idx="2">
+            <a:schemeClr val="accent1">
+              <a:shade val="15000"/>
+            </a:schemeClr>
+          </a:lnRef>
+          <a:fillRef idx="1">
+            <a:schemeClr val="accent1"/>
+          </a:fillRef>
+          <a:effectRef idx="0">
+            <a:schemeClr val="accent1"/>
+          </a:effectRef>
+          <a:fontRef idx="minor">
+            <a:schemeClr val="lt1"/>
+          </a:fontRef>
+        </p:style>
+      </p:cxnSp>
+      <p:sp>
+        <p:nvSpPr>
+          <p:cNvPr id="87" name="Rectangle 86">
+            <a:extLst>
+              <a:ext uri="{FF2B5EF4-FFF2-40B4-BE49-F238E27FC236}">
+                <a16:creationId xmlns:a16="http://schemas.microsoft.com/office/drawing/2014/main" id="{3B7CADC5-2A74-12E4-08F0-C90128B46758}"/>
+              </a:ext>
+            </a:extLst>
+          </p:cNvPr>
+          <p:cNvSpPr/>
+          <p:nvPr/>
+        </p:nvSpPr>
+        <p:spPr>
+          <a:xfrm>
+            <a:off x="899683" y="2239360"/>
+            <a:ext cx="479870" cy="333325"/>
+          </a:xfrm>
+          <a:prstGeom prst="rect">
+            <a:avLst/>
+          </a:prstGeom>
+          <a:noFill/>
+          <a:ln>
+            <a:solidFill>
+              <a:srgbClr val="FFC000"/>
+            </a:solidFill>
+            <a:prstDash val="dash"/>
+          </a:ln>
+        </p:spPr>
+        <p:style>
+          <a:lnRef idx="2">
+            <a:schemeClr val="accent1">
+              <a:shade val="15000"/>
+            </a:schemeClr>
+          </a:lnRef>
+          <a:fillRef idx="1">
+            <a:schemeClr val="accent1"/>
+          </a:fillRef>
+          <a:effectRef idx="0">
+            <a:schemeClr val="accent1"/>
+          </a:effectRef>
+          <a:fontRef idx="minor">
+            <a:schemeClr val="lt1"/>
+          </a:fontRef>
+        </p:style>
+        <p:txBody>
+          <a:bodyPr rtlCol="0" anchor="ctr"/>
+          <a:lstStyle/>
+          <a:p>
+            <a:pPr algn="ctr"/>
+            <a:endParaRPr lang="en-US"/>
+          </a:p>
+        </p:txBody>
+      </p:sp>
+      <p:sp>
+        <p:nvSpPr>
+          <p:cNvPr id="88" name="Rectangle 87">
+            <a:extLst>
+              <a:ext uri="{FF2B5EF4-FFF2-40B4-BE49-F238E27FC236}">
+                <a16:creationId xmlns:a16="http://schemas.microsoft.com/office/drawing/2014/main" id="{656BBF95-AE63-E6D6-EACD-5D69FCF154AD}"/>
+              </a:ext>
+            </a:extLst>
+          </p:cNvPr>
+          <p:cNvSpPr/>
+          <p:nvPr/>
+        </p:nvSpPr>
+        <p:spPr>
+          <a:xfrm>
+            <a:off x="10701619" y="1099234"/>
+            <a:ext cx="1322370" cy="252257"/>
+          </a:xfrm>
+          <a:prstGeom prst="rect">
+            <a:avLst/>
+          </a:prstGeom>
+          <a:noFill/>
+          <a:ln>
+            <a:solidFill>
+              <a:srgbClr val="FFC000"/>
+            </a:solidFill>
+            <a:prstDash val="dash"/>
+          </a:ln>
+        </p:spPr>
+        <p:style>
+          <a:lnRef idx="2">
+            <a:schemeClr val="accent1">
+              <a:shade val="15000"/>
+            </a:schemeClr>
+          </a:lnRef>
+          <a:fillRef idx="1">
+            <a:schemeClr val="accent1"/>
+          </a:fillRef>
+          <a:effectRef idx="0">
+            <a:schemeClr val="accent1"/>
+          </a:effectRef>
+          <a:fontRef idx="minor">
+            <a:schemeClr val="lt1"/>
+          </a:fontRef>
+        </p:style>
+        <p:txBody>
+          <a:bodyPr rtlCol="0" anchor="ctr"/>
+          <a:lstStyle/>
+          <a:p>
+            <a:pPr algn="ctr"/>
+            <a:endParaRPr lang="en-US"/>
+          </a:p>
+        </p:txBody>
+      </p:sp>
+      <p:sp>
+        <p:nvSpPr>
+          <p:cNvPr id="96" name="TextBox 95">
+            <a:extLst>
+              <a:ext uri="{FF2B5EF4-FFF2-40B4-BE49-F238E27FC236}">
+                <a16:creationId xmlns:a16="http://schemas.microsoft.com/office/drawing/2014/main" id="{1D976071-CA41-5993-BD98-BCC0229BFA5E}"/>
+              </a:ext>
+            </a:extLst>
+          </p:cNvPr>
+          <p:cNvSpPr txBox="1"/>
+          <p:nvPr/>
+        </p:nvSpPr>
+        <p:spPr>
+          <a:xfrm>
+            <a:off x="1456809" y="2206227"/>
+            <a:ext cx="2953501" cy="369332"/>
+          </a:xfrm>
+          <a:prstGeom prst="rect">
+            <a:avLst/>
+          </a:prstGeom>
+          <a:noFill/>
+        </p:spPr>
+        <p:txBody>
+          <a:bodyPr wrap="none" rtlCol="0">
+            <a:spAutoFit/>
+          </a:bodyPr>
+          <a:lstStyle/>
+          <a:p>
+            <a:r>
+              <a:rPr lang="en-US" dirty="0"/>
+              <a:t>= finished material top floor </a:t>
+            </a:r>
+          </a:p>
+        </p:txBody>
+      </p:sp>
+      <p:sp>
+        <p:nvSpPr>
+          <p:cNvPr id="103" name="TextBox 102">
+            <a:extLst>
+              <a:ext uri="{FF2B5EF4-FFF2-40B4-BE49-F238E27FC236}">
+                <a16:creationId xmlns:a16="http://schemas.microsoft.com/office/drawing/2014/main" id="{F53B931E-81FE-1E79-2723-D6E9D07B09EE}"/>
+              </a:ext>
+            </a:extLst>
+          </p:cNvPr>
+          <p:cNvSpPr txBox="1"/>
+          <p:nvPr/>
+        </p:nvSpPr>
+        <p:spPr>
+          <a:xfrm rot="16200000">
+            <a:off x="2386054" y="3556037"/>
+            <a:ext cx="729687" cy="276999"/>
+          </a:xfrm>
+          <a:prstGeom prst="rect">
+            <a:avLst/>
+          </a:prstGeom>
+          <a:noFill/>
+        </p:spPr>
+        <p:txBody>
+          <a:bodyPr wrap="none" rtlCol="0">
+            <a:spAutoFit/>
+          </a:bodyPr>
+          <a:lstStyle/>
+          <a:p>
+            <a:r>
+              <a:rPr lang="en-US" sz="1200" dirty="0" err="1"/>
+              <a:t>unitRise</a:t>
+            </a:r>
+            <a:endParaRPr lang="en-US" sz="1200" dirty="0"/>
+          </a:p>
+        </p:txBody>
+      </p:sp>
+      <p:cxnSp>
+        <p:nvCxnSpPr>
+          <p:cNvPr id="104" name="Straight Arrow Connector 103">
+            <a:extLst>
+              <a:ext uri="{FF2B5EF4-FFF2-40B4-BE49-F238E27FC236}">
+                <a16:creationId xmlns:a16="http://schemas.microsoft.com/office/drawing/2014/main" id="{1B3E9DD0-B794-39E3-950D-48157AE69F4C}"/>
+              </a:ext>
+            </a:extLst>
+          </p:cNvPr>
+          <p:cNvCxnSpPr>
+            <a:cxnSpLocks/>
+          </p:cNvCxnSpPr>
+          <p:nvPr/>
+        </p:nvCxnSpPr>
+        <p:spPr>
+          <a:xfrm>
+            <a:off x="2912571" y="3172152"/>
+            <a:ext cx="0" cy="1058961"/>
+          </a:xfrm>
+          <a:prstGeom prst="straightConnector1">
+            <a:avLst/>
+          </a:prstGeom>
+          <a:ln>
+            <a:solidFill>
+              <a:srgbClr val="00B0F0"/>
+            </a:solidFill>
+            <a:headEnd type="triangle" w="med" len="med"/>
+            <a:tailEnd type="triangle" w="med" len="med"/>
+          </a:ln>
+        </p:spPr>
+        <p:style>
+          <a:lnRef idx="2">
+            <a:schemeClr val="accent1"/>
+          </a:lnRef>
+          <a:fillRef idx="0">
+            <a:schemeClr val="accent1"/>
+          </a:fillRef>
+          <a:effectRef idx="1">
+            <a:schemeClr val="accent1"/>
+          </a:effectRef>
+          <a:fontRef idx="minor">
+            <a:schemeClr val="tx1"/>
+          </a:fontRef>
+        </p:style>
+      </p:cxnSp>
+      <p:cxnSp>
+        <p:nvCxnSpPr>
+          <p:cNvPr id="105" name="Straight Arrow Connector 104">
+            <a:extLst>
+              <a:ext uri="{FF2B5EF4-FFF2-40B4-BE49-F238E27FC236}">
+                <a16:creationId xmlns:a16="http://schemas.microsoft.com/office/drawing/2014/main" id="{A8ED7BDF-8F93-D99B-3F5C-EBF4C4B86DF6}"/>
+              </a:ext>
+            </a:extLst>
+          </p:cNvPr>
+          <p:cNvCxnSpPr>
+            <a:cxnSpLocks/>
+          </p:cNvCxnSpPr>
+          <p:nvPr/>
+        </p:nvCxnSpPr>
+        <p:spPr>
+          <a:xfrm>
+            <a:off x="2993625" y="3030781"/>
+            <a:ext cx="2484158" cy="0"/>
+          </a:xfrm>
+          <a:prstGeom prst="straightConnector1">
+            <a:avLst/>
+          </a:prstGeom>
+          <a:ln>
+            <a:solidFill>
+              <a:srgbClr val="00B0F0"/>
+            </a:solidFill>
+            <a:headEnd type="triangle" w="med" len="med"/>
+            <a:tailEnd type="triangle" w="med" len="med"/>
+          </a:ln>
+        </p:spPr>
+        <p:style>
+          <a:lnRef idx="2">
+            <a:schemeClr val="accent1"/>
+          </a:lnRef>
+          <a:fillRef idx="0">
+            <a:schemeClr val="accent1"/>
+          </a:fillRef>
+          <a:effectRef idx="1">
+            <a:schemeClr val="accent1"/>
+          </a:effectRef>
+          <a:fontRef idx="minor">
+            <a:schemeClr val="tx1"/>
+          </a:fontRef>
+        </p:style>
+      </p:cxnSp>
+      <p:sp>
+        <p:nvSpPr>
+          <p:cNvPr id="106" name="TextBox 105">
+            <a:extLst>
+              <a:ext uri="{FF2B5EF4-FFF2-40B4-BE49-F238E27FC236}">
+                <a16:creationId xmlns:a16="http://schemas.microsoft.com/office/drawing/2014/main" id="{68F75A7B-9C01-917E-18BE-737ADC66795C}"/>
+              </a:ext>
+            </a:extLst>
+          </p:cNvPr>
+          <p:cNvSpPr txBox="1"/>
+          <p:nvPr/>
+        </p:nvSpPr>
+        <p:spPr>
+          <a:xfrm>
+            <a:off x="3827877" y="2755429"/>
+            <a:ext cx="707373" cy="276999"/>
+          </a:xfrm>
+          <a:prstGeom prst="rect">
+            <a:avLst/>
+          </a:prstGeom>
+          <a:noFill/>
+        </p:spPr>
+        <p:txBody>
+          <a:bodyPr wrap="none" rtlCol="0">
+            <a:spAutoFit/>
+          </a:bodyPr>
+          <a:lstStyle/>
+          <a:p>
+            <a:r>
+              <a:rPr lang="en-US" sz="1200" dirty="0" err="1"/>
+              <a:t>unitRun</a:t>
+            </a:r>
+            <a:endParaRPr lang="en-US" sz="1200" dirty="0"/>
+          </a:p>
+        </p:txBody>
+      </p:sp>
+      <p:sp>
+        <p:nvSpPr>
+          <p:cNvPr id="107" name="TextBox 106">
+            <a:extLst>
+              <a:ext uri="{FF2B5EF4-FFF2-40B4-BE49-F238E27FC236}">
+                <a16:creationId xmlns:a16="http://schemas.microsoft.com/office/drawing/2014/main" id="{FC77A0DF-9C9B-89C8-1E38-7C8BA54F88DD}"/>
+              </a:ext>
+            </a:extLst>
+          </p:cNvPr>
+          <p:cNvSpPr txBox="1"/>
+          <p:nvPr/>
+        </p:nvSpPr>
+        <p:spPr>
+          <a:xfrm rot="16200000">
+            <a:off x="4828397" y="2509501"/>
+            <a:ext cx="729687" cy="276999"/>
+          </a:xfrm>
+          <a:prstGeom prst="rect">
+            <a:avLst/>
+          </a:prstGeom>
+          <a:noFill/>
+        </p:spPr>
+        <p:txBody>
+          <a:bodyPr wrap="none" rtlCol="0">
+            <a:spAutoFit/>
+          </a:bodyPr>
+          <a:lstStyle/>
+          <a:p>
+            <a:r>
+              <a:rPr lang="en-US" sz="1200" dirty="0" err="1"/>
+              <a:t>unitRise</a:t>
+            </a:r>
+            <a:endParaRPr lang="en-US" sz="1200" dirty="0"/>
+          </a:p>
+        </p:txBody>
+      </p:sp>
+      <p:cxnSp>
+        <p:nvCxnSpPr>
+          <p:cNvPr id="108" name="Straight Arrow Connector 107">
+            <a:extLst>
+              <a:ext uri="{FF2B5EF4-FFF2-40B4-BE49-F238E27FC236}">
+                <a16:creationId xmlns:a16="http://schemas.microsoft.com/office/drawing/2014/main" id="{E358259E-A5C4-8B43-082C-11C006824B79}"/>
+              </a:ext>
+            </a:extLst>
+          </p:cNvPr>
+          <p:cNvCxnSpPr>
+            <a:cxnSpLocks/>
+          </p:cNvCxnSpPr>
+          <p:nvPr/>
+        </p:nvCxnSpPr>
+        <p:spPr>
+          <a:xfrm>
+            <a:off x="5354914" y="2125616"/>
+            <a:ext cx="0" cy="1058961"/>
+          </a:xfrm>
+          <a:prstGeom prst="straightConnector1">
+            <a:avLst/>
+          </a:prstGeom>
+          <a:ln>
+            <a:solidFill>
+              <a:srgbClr val="00B0F0"/>
+            </a:solidFill>
+            <a:headEnd type="triangle" w="med" len="med"/>
+            <a:tailEnd type="triangle" w="med" len="med"/>
+          </a:ln>
+        </p:spPr>
+        <p:style>
+          <a:lnRef idx="2">
+            <a:schemeClr val="accent1"/>
+          </a:lnRef>
+          <a:fillRef idx="0">
+            <a:schemeClr val="accent1"/>
+          </a:fillRef>
+          <a:effectRef idx="1">
+            <a:schemeClr val="accent1"/>
+          </a:effectRef>
+          <a:fontRef idx="minor">
+            <a:schemeClr val="tx1"/>
+          </a:fontRef>
+        </p:style>
+      </p:cxnSp>
+      <p:cxnSp>
+        <p:nvCxnSpPr>
+          <p:cNvPr id="109" name="Straight Arrow Connector 108">
+            <a:extLst>
+              <a:ext uri="{FF2B5EF4-FFF2-40B4-BE49-F238E27FC236}">
+                <a16:creationId xmlns:a16="http://schemas.microsoft.com/office/drawing/2014/main" id="{0978778A-5F54-E07F-E488-38E8E14E593E}"/>
+              </a:ext>
+            </a:extLst>
+          </p:cNvPr>
+          <p:cNvCxnSpPr>
+            <a:cxnSpLocks/>
+          </p:cNvCxnSpPr>
+          <p:nvPr/>
+        </p:nvCxnSpPr>
+        <p:spPr>
+          <a:xfrm>
+            <a:off x="5435968" y="1984245"/>
+            <a:ext cx="2484158" cy="0"/>
+          </a:xfrm>
+          <a:prstGeom prst="straightConnector1">
+            <a:avLst/>
+          </a:prstGeom>
+          <a:ln>
+            <a:solidFill>
+              <a:srgbClr val="00B0F0"/>
+            </a:solidFill>
+            <a:headEnd type="triangle" w="med" len="med"/>
+            <a:tailEnd type="triangle" w="med" len="med"/>
+          </a:ln>
+        </p:spPr>
+        <p:style>
+          <a:lnRef idx="2">
+            <a:schemeClr val="accent1"/>
+          </a:lnRef>
+          <a:fillRef idx="0">
+            <a:schemeClr val="accent1"/>
+          </a:fillRef>
+          <a:effectRef idx="1">
+            <a:schemeClr val="accent1"/>
+          </a:effectRef>
+          <a:fontRef idx="minor">
+            <a:schemeClr val="tx1"/>
+          </a:fontRef>
+        </p:style>
+      </p:cxnSp>
+      <p:sp>
+        <p:nvSpPr>
+          <p:cNvPr id="110" name="TextBox 109">
+            <a:extLst>
+              <a:ext uri="{FF2B5EF4-FFF2-40B4-BE49-F238E27FC236}">
+                <a16:creationId xmlns:a16="http://schemas.microsoft.com/office/drawing/2014/main" id="{1774C9AC-4EDF-7C69-8CCA-C108846F15DC}"/>
+              </a:ext>
+            </a:extLst>
+          </p:cNvPr>
+          <p:cNvSpPr txBox="1"/>
+          <p:nvPr/>
+        </p:nvSpPr>
+        <p:spPr>
+          <a:xfrm>
+            <a:off x="6270220" y="1708893"/>
+            <a:ext cx="707373" cy="276999"/>
+          </a:xfrm>
+          <a:prstGeom prst="rect">
+            <a:avLst/>
+          </a:prstGeom>
+          <a:noFill/>
+        </p:spPr>
+        <p:txBody>
+          <a:bodyPr wrap="none" rtlCol="0">
+            <a:spAutoFit/>
+          </a:bodyPr>
+          <a:lstStyle/>
+          <a:p>
+            <a:r>
+              <a:rPr lang="en-US" sz="1200" dirty="0" err="1"/>
+              <a:t>unitRun</a:t>
+            </a:r>
+            <a:endParaRPr lang="en-US" sz="1200" dirty="0"/>
+          </a:p>
+        </p:txBody>
+      </p:sp>
+      <p:sp>
+        <p:nvSpPr>
+          <p:cNvPr id="111" name="TextBox 110">
+            <a:extLst>
+              <a:ext uri="{FF2B5EF4-FFF2-40B4-BE49-F238E27FC236}">
+                <a16:creationId xmlns:a16="http://schemas.microsoft.com/office/drawing/2014/main" id="{75637626-2972-57EC-E53B-1B1E58D3A018}"/>
+              </a:ext>
+            </a:extLst>
+          </p:cNvPr>
+          <p:cNvSpPr txBox="1"/>
+          <p:nvPr/>
+        </p:nvSpPr>
+        <p:spPr>
+          <a:xfrm rot="16200000">
+            <a:off x="7321077" y="1427175"/>
+            <a:ext cx="729687" cy="276999"/>
+          </a:xfrm>
+          <a:prstGeom prst="rect">
+            <a:avLst/>
+          </a:prstGeom>
+          <a:noFill/>
+        </p:spPr>
+        <p:txBody>
+          <a:bodyPr wrap="none" rtlCol="0">
+            <a:spAutoFit/>
+          </a:bodyPr>
+          <a:lstStyle/>
+          <a:p>
+            <a:r>
+              <a:rPr lang="en-US" sz="1200" dirty="0" err="1"/>
+              <a:t>unitRise</a:t>
+            </a:r>
+            <a:endParaRPr lang="en-US" sz="1200" dirty="0"/>
+          </a:p>
+        </p:txBody>
+      </p:sp>
+      <p:cxnSp>
+        <p:nvCxnSpPr>
+          <p:cNvPr id="112" name="Straight Arrow Connector 111">
+            <a:extLst>
+              <a:ext uri="{FF2B5EF4-FFF2-40B4-BE49-F238E27FC236}">
+                <a16:creationId xmlns:a16="http://schemas.microsoft.com/office/drawing/2014/main" id="{E6B7113C-017E-2D1F-1128-AAA614E305A7}"/>
+              </a:ext>
+            </a:extLst>
+          </p:cNvPr>
+          <p:cNvCxnSpPr>
+            <a:cxnSpLocks/>
+          </p:cNvCxnSpPr>
+          <p:nvPr/>
+        </p:nvCxnSpPr>
+        <p:spPr>
+          <a:xfrm>
+            <a:off x="7847594" y="1043290"/>
+            <a:ext cx="0" cy="1058961"/>
+          </a:xfrm>
+          <a:prstGeom prst="straightConnector1">
+            <a:avLst/>
+          </a:prstGeom>
+          <a:ln>
+            <a:solidFill>
+              <a:srgbClr val="00B0F0"/>
+            </a:solidFill>
+            <a:headEnd type="triangle" w="med" len="med"/>
+            <a:tailEnd type="triangle" w="med" len="med"/>
+          </a:ln>
+        </p:spPr>
+        <p:style>
+          <a:lnRef idx="2">
+            <a:schemeClr val="accent1"/>
+          </a:lnRef>
+          <a:fillRef idx="0">
+            <a:schemeClr val="accent1"/>
+          </a:fillRef>
+          <a:effectRef idx="1">
+            <a:schemeClr val="accent1"/>
+          </a:effectRef>
+          <a:fontRef idx="minor">
+            <a:schemeClr val="tx1"/>
+          </a:fontRef>
+        </p:style>
+      </p:cxnSp>
+      <p:cxnSp>
+        <p:nvCxnSpPr>
+          <p:cNvPr id="114" name="Straight Arrow Connector 113">
+            <a:extLst>
+              <a:ext uri="{FF2B5EF4-FFF2-40B4-BE49-F238E27FC236}">
+                <a16:creationId xmlns:a16="http://schemas.microsoft.com/office/drawing/2014/main" id="{8E57AAB5-628B-2B44-B43F-94BD516D971B}"/>
+              </a:ext>
+            </a:extLst>
+          </p:cNvPr>
+          <p:cNvCxnSpPr>
+            <a:cxnSpLocks/>
+          </p:cNvCxnSpPr>
+          <p:nvPr/>
+        </p:nvCxnSpPr>
+        <p:spPr>
+          <a:xfrm>
+            <a:off x="7928648" y="901919"/>
+            <a:ext cx="2484158" cy="0"/>
+          </a:xfrm>
+          <a:prstGeom prst="straightConnector1">
+            <a:avLst/>
+          </a:prstGeom>
+          <a:ln>
+            <a:solidFill>
+              <a:srgbClr val="00B0F0"/>
+            </a:solidFill>
+            <a:headEnd type="triangle" w="med" len="med"/>
+            <a:tailEnd type="triangle" w="med" len="med"/>
+          </a:ln>
+        </p:spPr>
+        <p:style>
+          <a:lnRef idx="2">
+            <a:schemeClr val="accent1"/>
+          </a:lnRef>
+          <a:fillRef idx="0">
+            <a:schemeClr val="accent1"/>
+          </a:fillRef>
+          <a:effectRef idx="1">
+            <a:schemeClr val="accent1"/>
+          </a:effectRef>
+          <a:fontRef idx="minor">
+            <a:schemeClr val="tx1"/>
+          </a:fontRef>
+        </p:style>
+      </p:cxnSp>
+      <p:sp>
+        <p:nvSpPr>
+          <p:cNvPr id="116" name="TextBox 115">
+            <a:extLst>
+              <a:ext uri="{FF2B5EF4-FFF2-40B4-BE49-F238E27FC236}">
+                <a16:creationId xmlns:a16="http://schemas.microsoft.com/office/drawing/2014/main" id="{E49ED80D-AD63-14A8-32D3-C57B4B39A6F7}"/>
+              </a:ext>
+            </a:extLst>
+          </p:cNvPr>
+          <p:cNvSpPr txBox="1"/>
+          <p:nvPr/>
+        </p:nvSpPr>
+        <p:spPr>
+          <a:xfrm>
+            <a:off x="8762900" y="626567"/>
+            <a:ext cx="707373" cy="276999"/>
+          </a:xfrm>
+          <a:prstGeom prst="rect">
+            <a:avLst/>
+          </a:prstGeom>
+          <a:noFill/>
+        </p:spPr>
+        <p:txBody>
+          <a:bodyPr wrap="none" rtlCol="0">
+            <a:spAutoFit/>
+          </a:bodyPr>
+          <a:lstStyle/>
+          <a:p>
+            <a:r>
+              <a:rPr lang="en-US" sz="1200" dirty="0" err="1"/>
+              <a:t>unitRun</a:t>
+            </a:r>
+            <a:endParaRPr lang="en-US" sz="1200" dirty="0"/>
+          </a:p>
+        </p:txBody>
+      </p:sp>
+      <p:cxnSp>
+        <p:nvCxnSpPr>
+          <p:cNvPr id="119" name="Straight Arrow Connector 118">
+            <a:extLst>
+              <a:ext uri="{FF2B5EF4-FFF2-40B4-BE49-F238E27FC236}">
+                <a16:creationId xmlns:a16="http://schemas.microsoft.com/office/drawing/2014/main" id="{B3F801D3-6E95-6B16-36F7-173C31898EF2}"/>
+              </a:ext>
+            </a:extLst>
+          </p:cNvPr>
+          <p:cNvCxnSpPr>
+            <a:cxnSpLocks/>
+          </p:cNvCxnSpPr>
+          <p:nvPr/>
+        </p:nvCxnSpPr>
+        <p:spPr>
+          <a:xfrm>
+            <a:off x="567100" y="4755549"/>
+            <a:ext cx="248343" cy="0"/>
+          </a:xfrm>
+          <a:prstGeom prst="straightConnector1">
+            <a:avLst/>
+          </a:prstGeom>
+          <a:ln>
+            <a:solidFill>
+              <a:srgbClr val="00B0F0"/>
+            </a:solidFill>
+            <a:headEnd type="triangle" w="med" len="med"/>
+            <a:tailEnd type="triangle" w="med" len="med"/>
+          </a:ln>
+        </p:spPr>
+        <p:style>
+          <a:lnRef idx="2">
+            <a:schemeClr val="accent1"/>
+          </a:lnRef>
+          <a:fillRef idx="0">
+            <a:schemeClr val="accent1"/>
+          </a:fillRef>
+          <a:effectRef idx="1">
+            <a:schemeClr val="accent1"/>
+          </a:effectRef>
+          <a:fontRef idx="minor">
+            <a:schemeClr val="tx1"/>
+          </a:fontRef>
+        </p:style>
+      </p:cxnSp>
+      <p:sp>
+        <p:nvSpPr>
+          <p:cNvPr id="123" name="TextBox 122">
+            <a:extLst>
+              <a:ext uri="{FF2B5EF4-FFF2-40B4-BE49-F238E27FC236}">
+                <a16:creationId xmlns:a16="http://schemas.microsoft.com/office/drawing/2014/main" id="{E9D81449-8F28-A486-48FC-FC7A429EC63B}"/>
+              </a:ext>
+            </a:extLst>
+          </p:cNvPr>
+          <p:cNvSpPr txBox="1"/>
+          <p:nvPr/>
+        </p:nvSpPr>
+        <p:spPr>
+          <a:xfrm>
+            <a:off x="562917" y="4813996"/>
+            <a:ext cx="296876" cy="276999"/>
+          </a:xfrm>
+          <a:prstGeom prst="rect">
+            <a:avLst/>
+          </a:prstGeom>
+          <a:noFill/>
+        </p:spPr>
+        <p:txBody>
+          <a:bodyPr wrap="none" rtlCol="0">
+            <a:spAutoFit/>
+          </a:bodyPr>
+          <a:lstStyle/>
+          <a:p>
+            <a:r>
+              <a:rPr lang="en-US" sz="1200" dirty="0" err="1"/>
+              <a:t>t</a:t>
+            </a:r>
+            <a:r>
+              <a:rPr lang="en-US" sz="1200" baseline="-25000" dirty="0" err="1"/>
+              <a:t>R</a:t>
+            </a:r>
+            <a:endParaRPr lang="en-US" sz="1200" baseline="-25000" dirty="0"/>
+          </a:p>
+        </p:txBody>
+      </p:sp>
+      <p:cxnSp>
+        <p:nvCxnSpPr>
+          <p:cNvPr id="124" name="Straight Arrow Connector 123">
+            <a:extLst>
+              <a:ext uri="{FF2B5EF4-FFF2-40B4-BE49-F238E27FC236}">
+                <a16:creationId xmlns:a16="http://schemas.microsoft.com/office/drawing/2014/main" id="{73BBCD12-03A4-13AD-47A6-AE980F0B0CB4}"/>
+              </a:ext>
+            </a:extLst>
+          </p:cNvPr>
+          <p:cNvCxnSpPr>
+            <a:cxnSpLocks/>
+          </p:cNvCxnSpPr>
+          <p:nvPr/>
+        </p:nvCxnSpPr>
+        <p:spPr>
+          <a:xfrm flipH="1">
+            <a:off x="1033401" y="4257519"/>
+            <a:ext cx="2956" cy="390937"/>
+          </a:xfrm>
+          <a:prstGeom prst="straightConnector1">
+            <a:avLst/>
+          </a:prstGeom>
+          <a:ln>
+            <a:solidFill>
+              <a:srgbClr val="00B0F0"/>
+            </a:solidFill>
+            <a:headEnd type="triangle" w="med" len="med"/>
+            <a:tailEnd type="triangle" w="med" len="med"/>
+          </a:ln>
+        </p:spPr>
+        <p:style>
+          <a:lnRef idx="2">
+            <a:schemeClr val="accent1"/>
+          </a:lnRef>
+          <a:fillRef idx="0">
+            <a:schemeClr val="accent1"/>
+          </a:fillRef>
+          <a:effectRef idx="1">
+            <a:schemeClr val="accent1"/>
+          </a:effectRef>
+          <a:fontRef idx="minor">
+            <a:schemeClr val="tx1"/>
+          </a:fontRef>
+        </p:style>
+      </p:cxnSp>
+      <p:sp>
+        <p:nvSpPr>
+          <p:cNvPr id="127" name="TextBox 126">
+            <a:extLst>
+              <a:ext uri="{FF2B5EF4-FFF2-40B4-BE49-F238E27FC236}">
+                <a16:creationId xmlns:a16="http://schemas.microsoft.com/office/drawing/2014/main" id="{3F339159-D60F-2AFE-48D2-94EE9E2B17DC}"/>
+              </a:ext>
+            </a:extLst>
+          </p:cNvPr>
+          <p:cNvSpPr txBox="1"/>
+          <p:nvPr/>
+        </p:nvSpPr>
+        <p:spPr>
+          <a:xfrm>
+            <a:off x="1009987" y="4264785"/>
+            <a:ext cx="284052" cy="276999"/>
+          </a:xfrm>
+          <a:prstGeom prst="rect">
+            <a:avLst/>
+          </a:prstGeom>
+          <a:noFill/>
+        </p:spPr>
+        <p:txBody>
+          <a:bodyPr wrap="none" rtlCol="0">
+            <a:spAutoFit/>
+          </a:bodyPr>
+          <a:lstStyle/>
+          <a:p>
+            <a:r>
+              <a:rPr lang="en-US" sz="1200" dirty="0" err="1"/>
+              <a:t>t</a:t>
+            </a:r>
+            <a:r>
+              <a:rPr lang="en-US" sz="1200" baseline="-25000" dirty="0" err="1"/>
+              <a:t>T</a:t>
+            </a:r>
+            <a:endParaRPr lang="en-US" sz="1200" baseline="-25000" dirty="0"/>
+          </a:p>
+        </p:txBody>
+      </p:sp>
+      <p:cxnSp>
+        <p:nvCxnSpPr>
+          <p:cNvPr id="140" name="Straight Arrow Connector 139">
+            <a:extLst>
+              <a:ext uri="{FF2B5EF4-FFF2-40B4-BE49-F238E27FC236}">
+                <a16:creationId xmlns:a16="http://schemas.microsoft.com/office/drawing/2014/main" id="{A3C70784-E339-C495-5961-DB4886BB15F6}"/>
+              </a:ext>
+            </a:extLst>
+          </p:cNvPr>
+          <p:cNvCxnSpPr>
+            <a:cxnSpLocks/>
+          </p:cNvCxnSpPr>
+          <p:nvPr/>
+        </p:nvCxnSpPr>
+        <p:spPr>
+          <a:xfrm>
+            <a:off x="3037270" y="3683519"/>
+            <a:ext cx="248343" cy="0"/>
+          </a:xfrm>
+          <a:prstGeom prst="straightConnector1">
+            <a:avLst/>
+          </a:prstGeom>
+          <a:ln>
+            <a:solidFill>
+              <a:srgbClr val="00B0F0"/>
+            </a:solidFill>
+            <a:headEnd type="triangle" w="med" len="med"/>
+            <a:tailEnd type="triangle" w="med" len="med"/>
+          </a:ln>
+        </p:spPr>
+        <p:style>
+          <a:lnRef idx="2">
+            <a:schemeClr val="accent1"/>
+          </a:lnRef>
+          <a:fillRef idx="0">
+            <a:schemeClr val="accent1"/>
+          </a:fillRef>
+          <a:effectRef idx="1">
+            <a:schemeClr val="accent1"/>
+          </a:effectRef>
+          <a:fontRef idx="minor">
+            <a:schemeClr val="tx1"/>
+          </a:fontRef>
+        </p:style>
+      </p:cxnSp>
+      <p:sp>
+        <p:nvSpPr>
+          <p:cNvPr id="141" name="TextBox 140">
+            <a:extLst>
+              <a:ext uri="{FF2B5EF4-FFF2-40B4-BE49-F238E27FC236}">
+                <a16:creationId xmlns:a16="http://schemas.microsoft.com/office/drawing/2014/main" id="{E96C7265-C941-0976-19C2-818F5865AF8C}"/>
+              </a:ext>
+            </a:extLst>
+          </p:cNvPr>
+          <p:cNvSpPr txBox="1"/>
+          <p:nvPr/>
+        </p:nvSpPr>
+        <p:spPr>
+          <a:xfrm>
+            <a:off x="3033087" y="3741966"/>
+            <a:ext cx="296876" cy="276999"/>
+          </a:xfrm>
+          <a:prstGeom prst="rect">
+            <a:avLst/>
+          </a:prstGeom>
+          <a:noFill/>
+        </p:spPr>
+        <p:txBody>
+          <a:bodyPr wrap="none" rtlCol="0">
+            <a:spAutoFit/>
+          </a:bodyPr>
+          <a:lstStyle/>
+          <a:p>
+            <a:r>
+              <a:rPr lang="en-US" sz="1200" dirty="0" err="1"/>
+              <a:t>t</a:t>
+            </a:r>
+            <a:r>
+              <a:rPr lang="en-US" sz="1200" baseline="-25000" dirty="0" err="1"/>
+              <a:t>R</a:t>
+            </a:r>
+            <a:endParaRPr lang="en-US" sz="1200" baseline="-25000" dirty="0"/>
+          </a:p>
+        </p:txBody>
+      </p:sp>
+      <p:cxnSp>
+        <p:nvCxnSpPr>
+          <p:cNvPr id="142" name="Straight Arrow Connector 141">
+            <a:extLst>
+              <a:ext uri="{FF2B5EF4-FFF2-40B4-BE49-F238E27FC236}">
+                <a16:creationId xmlns:a16="http://schemas.microsoft.com/office/drawing/2014/main" id="{0CFD54C9-76CB-7339-C66E-771DEB3889C3}"/>
+              </a:ext>
+            </a:extLst>
+          </p:cNvPr>
+          <p:cNvCxnSpPr>
+            <a:cxnSpLocks/>
+          </p:cNvCxnSpPr>
+          <p:nvPr/>
+        </p:nvCxnSpPr>
+        <p:spPr>
+          <a:xfrm flipH="1">
+            <a:off x="3503571" y="3185489"/>
+            <a:ext cx="2956" cy="390937"/>
+          </a:xfrm>
+          <a:prstGeom prst="straightConnector1">
+            <a:avLst/>
+          </a:prstGeom>
+          <a:ln>
+            <a:solidFill>
+              <a:srgbClr val="00B0F0"/>
+            </a:solidFill>
+            <a:headEnd type="triangle" w="med" len="med"/>
+            <a:tailEnd type="triangle" w="med" len="med"/>
+          </a:ln>
+        </p:spPr>
+        <p:style>
+          <a:lnRef idx="2">
+            <a:schemeClr val="accent1"/>
+          </a:lnRef>
+          <a:fillRef idx="0">
+            <a:schemeClr val="accent1"/>
+          </a:fillRef>
+          <a:effectRef idx="1">
+            <a:schemeClr val="accent1"/>
+          </a:effectRef>
+          <a:fontRef idx="minor">
+            <a:schemeClr val="tx1"/>
+          </a:fontRef>
+        </p:style>
+      </p:cxnSp>
+      <p:sp>
+        <p:nvSpPr>
+          <p:cNvPr id="143" name="TextBox 142">
+            <a:extLst>
+              <a:ext uri="{FF2B5EF4-FFF2-40B4-BE49-F238E27FC236}">
+                <a16:creationId xmlns:a16="http://schemas.microsoft.com/office/drawing/2014/main" id="{1EFB403C-7E57-904A-6796-7CCA44DF8AD1}"/>
+              </a:ext>
+            </a:extLst>
+          </p:cNvPr>
+          <p:cNvSpPr txBox="1"/>
+          <p:nvPr/>
+        </p:nvSpPr>
+        <p:spPr>
+          <a:xfrm>
+            <a:off x="3480157" y="3192755"/>
+            <a:ext cx="284052" cy="276999"/>
+          </a:xfrm>
+          <a:prstGeom prst="rect">
+            <a:avLst/>
+          </a:prstGeom>
+          <a:noFill/>
+        </p:spPr>
+        <p:txBody>
+          <a:bodyPr wrap="none" rtlCol="0">
+            <a:spAutoFit/>
+          </a:bodyPr>
+          <a:lstStyle/>
+          <a:p>
+            <a:r>
+              <a:rPr lang="en-US" sz="1200" dirty="0" err="1"/>
+              <a:t>t</a:t>
+            </a:r>
+            <a:r>
+              <a:rPr lang="en-US" sz="1200" baseline="-25000" dirty="0" err="1"/>
+              <a:t>T</a:t>
+            </a:r>
+            <a:endParaRPr lang="en-US" sz="1200" baseline="-25000" dirty="0"/>
+          </a:p>
+        </p:txBody>
+      </p:sp>
+      <p:cxnSp>
+        <p:nvCxnSpPr>
+          <p:cNvPr id="144" name="Straight Arrow Connector 143">
+            <a:extLst>
+              <a:ext uri="{FF2B5EF4-FFF2-40B4-BE49-F238E27FC236}">
+                <a16:creationId xmlns:a16="http://schemas.microsoft.com/office/drawing/2014/main" id="{9E55FB3C-DDE1-567D-20A5-0B2BF0FE6567}"/>
+              </a:ext>
+            </a:extLst>
+          </p:cNvPr>
+          <p:cNvCxnSpPr>
+            <a:cxnSpLocks/>
+          </p:cNvCxnSpPr>
+          <p:nvPr/>
+        </p:nvCxnSpPr>
+        <p:spPr>
+          <a:xfrm>
+            <a:off x="5493768" y="2645604"/>
+            <a:ext cx="248343" cy="0"/>
+          </a:xfrm>
+          <a:prstGeom prst="straightConnector1">
+            <a:avLst/>
+          </a:prstGeom>
+          <a:ln>
+            <a:solidFill>
+              <a:srgbClr val="00B0F0"/>
+            </a:solidFill>
+            <a:headEnd type="triangle" w="med" len="med"/>
+            <a:tailEnd type="triangle" w="med" len="med"/>
+          </a:ln>
+        </p:spPr>
+        <p:style>
+          <a:lnRef idx="2">
+            <a:schemeClr val="accent1"/>
+          </a:lnRef>
+          <a:fillRef idx="0">
+            <a:schemeClr val="accent1"/>
+          </a:fillRef>
+          <a:effectRef idx="1">
+            <a:schemeClr val="accent1"/>
+          </a:effectRef>
+          <a:fontRef idx="minor">
+            <a:schemeClr val="tx1"/>
+          </a:fontRef>
+        </p:style>
+      </p:cxnSp>
+      <p:sp>
+        <p:nvSpPr>
+          <p:cNvPr id="145" name="TextBox 144">
+            <a:extLst>
+              <a:ext uri="{FF2B5EF4-FFF2-40B4-BE49-F238E27FC236}">
+                <a16:creationId xmlns:a16="http://schemas.microsoft.com/office/drawing/2014/main" id="{A075BE14-F4B9-9E30-BA32-27CF239A4AD8}"/>
+              </a:ext>
+            </a:extLst>
+          </p:cNvPr>
+          <p:cNvSpPr txBox="1"/>
+          <p:nvPr/>
+        </p:nvSpPr>
+        <p:spPr>
+          <a:xfrm>
+            <a:off x="5489585" y="2704051"/>
+            <a:ext cx="296876" cy="276999"/>
+          </a:xfrm>
+          <a:prstGeom prst="rect">
+            <a:avLst/>
+          </a:prstGeom>
+          <a:noFill/>
+        </p:spPr>
+        <p:txBody>
+          <a:bodyPr wrap="none" rtlCol="0">
+            <a:spAutoFit/>
+          </a:bodyPr>
+          <a:lstStyle/>
+          <a:p>
+            <a:r>
+              <a:rPr lang="en-US" sz="1200" dirty="0" err="1"/>
+              <a:t>t</a:t>
+            </a:r>
+            <a:r>
+              <a:rPr lang="en-US" sz="1200" baseline="-25000" dirty="0" err="1"/>
+              <a:t>R</a:t>
+            </a:r>
+            <a:endParaRPr lang="en-US" sz="1200" baseline="-25000" dirty="0"/>
+          </a:p>
+        </p:txBody>
+      </p:sp>
+      <p:cxnSp>
+        <p:nvCxnSpPr>
+          <p:cNvPr id="146" name="Straight Arrow Connector 145">
+            <a:extLst>
+              <a:ext uri="{FF2B5EF4-FFF2-40B4-BE49-F238E27FC236}">
+                <a16:creationId xmlns:a16="http://schemas.microsoft.com/office/drawing/2014/main" id="{818F9509-DB1C-2687-021A-8421BD8694FF}"/>
+              </a:ext>
+            </a:extLst>
+          </p:cNvPr>
+          <p:cNvCxnSpPr>
+            <a:cxnSpLocks/>
+          </p:cNvCxnSpPr>
+          <p:nvPr/>
+        </p:nvCxnSpPr>
+        <p:spPr>
+          <a:xfrm flipH="1">
+            <a:off x="5960069" y="2147574"/>
+            <a:ext cx="2956" cy="390937"/>
+          </a:xfrm>
+          <a:prstGeom prst="straightConnector1">
+            <a:avLst/>
+          </a:prstGeom>
+          <a:ln>
+            <a:solidFill>
+              <a:srgbClr val="00B0F0"/>
+            </a:solidFill>
+            <a:headEnd type="triangle" w="med" len="med"/>
+            <a:tailEnd type="triangle" w="med" len="med"/>
+          </a:ln>
+        </p:spPr>
+        <p:style>
+          <a:lnRef idx="2">
+            <a:schemeClr val="accent1"/>
+          </a:lnRef>
+          <a:fillRef idx="0">
+            <a:schemeClr val="accent1"/>
+          </a:fillRef>
+          <a:effectRef idx="1">
+            <a:schemeClr val="accent1"/>
+          </a:effectRef>
+          <a:fontRef idx="minor">
+            <a:schemeClr val="tx1"/>
+          </a:fontRef>
+        </p:style>
+      </p:cxnSp>
+      <p:sp>
+        <p:nvSpPr>
+          <p:cNvPr id="147" name="TextBox 146">
+            <a:extLst>
+              <a:ext uri="{FF2B5EF4-FFF2-40B4-BE49-F238E27FC236}">
+                <a16:creationId xmlns:a16="http://schemas.microsoft.com/office/drawing/2014/main" id="{18FB01B5-1A80-FE5D-39FA-1291A55E1A17}"/>
+              </a:ext>
+            </a:extLst>
+          </p:cNvPr>
+          <p:cNvSpPr txBox="1"/>
+          <p:nvPr/>
+        </p:nvSpPr>
+        <p:spPr>
+          <a:xfrm>
+            <a:off x="5936655" y="2154840"/>
+            <a:ext cx="284052" cy="276999"/>
+          </a:xfrm>
+          <a:prstGeom prst="rect">
+            <a:avLst/>
+          </a:prstGeom>
+          <a:noFill/>
+        </p:spPr>
+        <p:txBody>
+          <a:bodyPr wrap="none" rtlCol="0">
+            <a:spAutoFit/>
+          </a:bodyPr>
+          <a:lstStyle/>
+          <a:p>
+            <a:r>
+              <a:rPr lang="en-US" sz="1200" dirty="0" err="1"/>
+              <a:t>t</a:t>
+            </a:r>
+            <a:r>
+              <a:rPr lang="en-US" sz="1200" baseline="-25000" dirty="0" err="1"/>
+              <a:t>T</a:t>
+            </a:r>
+            <a:endParaRPr lang="en-US" sz="1200" baseline="-25000" dirty="0"/>
+          </a:p>
+        </p:txBody>
+      </p:sp>
+      <p:cxnSp>
+        <p:nvCxnSpPr>
+          <p:cNvPr id="148" name="Straight Arrow Connector 147">
+            <a:extLst>
+              <a:ext uri="{FF2B5EF4-FFF2-40B4-BE49-F238E27FC236}">
+                <a16:creationId xmlns:a16="http://schemas.microsoft.com/office/drawing/2014/main" id="{950146B1-5FDB-73F8-3B51-8103E425619D}"/>
+              </a:ext>
+            </a:extLst>
+          </p:cNvPr>
+          <p:cNvCxnSpPr>
+            <a:cxnSpLocks/>
+          </p:cNvCxnSpPr>
+          <p:nvPr/>
+        </p:nvCxnSpPr>
+        <p:spPr>
+          <a:xfrm>
+            <a:off x="7961194" y="1618648"/>
+            <a:ext cx="248343" cy="0"/>
+          </a:xfrm>
+          <a:prstGeom prst="straightConnector1">
+            <a:avLst/>
+          </a:prstGeom>
+          <a:ln>
+            <a:solidFill>
+              <a:srgbClr val="00B0F0"/>
+            </a:solidFill>
+            <a:headEnd type="triangle" w="med" len="med"/>
+            <a:tailEnd type="triangle" w="med" len="med"/>
+          </a:ln>
+        </p:spPr>
+        <p:style>
+          <a:lnRef idx="2">
+            <a:schemeClr val="accent1"/>
+          </a:lnRef>
+          <a:fillRef idx="0">
+            <a:schemeClr val="accent1"/>
+          </a:fillRef>
+          <a:effectRef idx="1">
+            <a:schemeClr val="accent1"/>
+          </a:effectRef>
+          <a:fontRef idx="minor">
+            <a:schemeClr val="tx1"/>
+          </a:fontRef>
+        </p:style>
+      </p:cxnSp>
+      <p:sp>
+        <p:nvSpPr>
+          <p:cNvPr id="149" name="TextBox 148">
+            <a:extLst>
+              <a:ext uri="{FF2B5EF4-FFF2-40B4-BE49-F238E27FC236}">
+                <a16:creationId xmlns:a16="http://schemas.microsoft.com/office/drawing/2014/main" id="{DB44B506-3983-8828-45DB-8E158936EADA}"/>
+              </a:ext>
+            </a:extLst>
+          </p:cNvPr>
+          <p:cNvSpPr txBox="1"/>
+          <p:nvPr/>
+        </p:nvSpPr>
+        <p:spPr>
+          <a:xfrm>
+            <a:off x="7957011" y="1677095"/>
+            <a:ext cx="296876" cy="276999"/>
+          </a:xfrm>
+          <a:prstGeom prst="rect">
+            <a:avLst/>
+          </a:prstGeom>
+          <a:noFill/>
+        </p:spPr>
+        <p:txBody>
+          <a:bodyPr wrap="none" rtlCol="0">
+            <a:spAutoFit/>
+          </a:bodyPr>
+          <a:lstStyle/>
+          <a:p>
+            <a:r>
+              <a:rPr lang="en-US" sz="1200" dirty="0" err="1"/>
+              <a:t>t</a:t>
+            </a:r>
+            <a:r>
+              <a:rPr lang="en-US" sz="1200" baseline="-25000" dirty="0" err="1"/>
+              <a:t>R</a:t>
+            </a:r>
+            <a:endParaRPr lang="en-US" sz="1200" baseline="-25000" dirty="0"/>
+          </a:p>
+        </p:txBody>
+      </p:sp>
+      <p:cxnSp>
+        <p:nvCxnSpPr>
+          <p:cNvPr id="150" name="Straight Arrow Connector 149">
+            <a:extLst>
+              <a:ext uri="{FF2B5EF4-FFF2-40B4-BE49-F238E27FC236}">
+                <a16:creationId xmlns:a16="http://schemas.microsoft.com/office/drawing/2014/main" id="{94F72260-A8A8-AD32-263F-DBAF27CE3B96}"/>
+              </a:ext>
+            </a:extLst>
+          </p:cNvPr>
+          <p:cNvCxnSpPr>
+            <a:cxnSpLocks/>
+          </p:cNvCxnSpPr>
+          <p:nvPr/>
+        </p:nvCxnSpPr>
+        <p:spPr>
+          <a:xfrm flipH="1">
+            <a:off x="8427495" y="1120618"/>
+            <a:ext cx="2956" cy="390937"/>
+          </a:xfrm>
+          <a:prstGeom prst="straightConnector1">
+            <a:avLst/>
+          </a:prstGeom>
+          <a:ln>
+            <a:solidFill>
+              <a:srgbClr val="00B0F0"/>
+            </a:solidFill>
+            <a:headEnd type="triangle" w="med" len="med"/>
+            <a:tailEnd type="triangle" w="med" len="med"/>
+          </a:ln>
+        </p:spPr>
+        <p:style>
+          <a:lnRef idx="2">
+            <a:schemeClr val="accent1"/>
+          </a:lnRef>
+          <a:fillRef idx="0">
+            <a:schemeClr val="accent1"/>
+          </a:fillRef>
+          <a:effectRef idx="1">
+            <a:schemeClr val="accent1"/>
+          </a:effectRef>
+          <a:fontRef idx="minor">
+            <a:schemeClr val="tx1"/>
+          </a:fontRef>
+        </p:style>
+      </p:cxnSp>
+      <p:sp>
+        <p:nvSpPr>
+          <p:cNvPr id="151" name="TextBox 150">
+            <a:extLst>
+              <a:ext uri="{FF2B5EF4-FFF2-40B4-BE49-F238E27FC236}">
+                <a16:creationId xmlns:a16="http://schemas.microsoft.com/office/drawing/2014/main" id="{63527129-9B72-69BC-C678-6E26C0FB19DB}"/>
+              </a:ext>
+            </a:extLst>
+          </p:cNvPr>
+          <p:cNvSpPr txBox="1"/>
+          <p:nvPr/>
+        </p:nvSpPr>
+        <p:spPr>
+          <a:xfrm>
+            <a:off x="8404081" y="1127884"/>
+            <a:ext cx="284052" cy="276999"/>
+          </a:xfrm>
+          <a:prstGeom prst="rect">
+            <a:avLst/>
+          </a:prstGeom>
+          <a:noFill/>
+        </p:spPr>
+        <p:txBody>
+          <a:bodyPr wrap="none" rtlCol="0">
+            <a:spAutoFit/>
+          </a:bodyPr>
+          <a:lstStyle/>
+          <a:p>
+            <a:r>
+              <a:rPr lang="en-US" sz="1200" dirty="0" err="1"/>
+              <a:t>t</a:t>
+            </a:r>
+            <a:r>
+              <a:rPr lang="en-US" sz="1200" baseline="-25000" dirty="0" err="1"/>
+              <a:t>T</a:t>
+            </a:r>
+            <a:endParaRPr lang="en-US" sz="1200" baseline="-25000" dirty="0"/>
+          </a:p>
+        </p:txBody>
+      </p:sp>
+      <p:sp>
+        <p:nvSpPr>
+          <p:cNvPr id="152" name="TextBox 151">
+            <a:extLst>
+              <a:ext uri="{FF2B5EF4-FFF2-40B4-BE49-F238E27FC236}">
+                <a16:creationId xmlns:a16="http://schemas.microsoft.com/office/drawing/2014/main" id="{1C8B24F7-478A-5AB9-BB05-0BD309F203B5}"/>
+              </a:ext>
+            </a:extLst>
+          </p:cNvPr>
+          <p:cNvSpPr txBox="1"/>
+          <p:nvPr/>
+        </p:nvSpPr>
+        <p:spPr>
+          <a:xfrm>
+            <a:off x="8056151" y="-12158"/>
+            <a:ext cx="4196174" cy="600164"/>
+          </a:xfrm>
+          <a:prstGeom prst="rect">
+            <a:avLst/>
+          </a:prstGeom>
+          <a:noFill/>
+        </p:spPr>
+        <p:txBody>
+          <a:bodyPr wrap="square" rtlCol="0">
+            <a:spAutoFit/>
+          </a:bodyPr>
+          <a:lstStyle/>
+          <a:p>
+            <a:r>
+              <a:rPr lang="en-US" sz="1100" dirty="0"/>
+              <a:t>Note that top tread will have a slightly longer exposed surface than other steps because there is not no riser material to the next step (but the tread is made the same dimension as other steps</a:t>
+            </a:r>
+          </a:p>
+        </p:txBody>
+      </p:sp>
+      <p:sp>
+        <p:nvSpPr>
+          <p:cNvPr id="153" name="Freeform: Shape 152">
+            <a:extLst>
+              <a:ext uri="{FF2B5EF4-FFF2-40B4-BE49-F238E27FC236}">
+                <a16:creationId xmlns:a16="http://schemas.microsoft.com/office/drawing/2014/main" id="{1B00D23D-171A-3789-D42D-EEF1F4A7159E}"/>
+              </a:ext>
+            </a:extLst>
+          </p:cNvPr>
+          <p:cNvSpPr/>
+          <p:nvPr/>
+        </p:nvSpPr>
+        <p:spPr>
+          <a:xfrm>
+            <a:off x="10196186" y="607512"/>
+            <a:ext cx="362509" cy="363255"/>
+          </a:xfrm>
+          <a:custGeom>
+            <a:avLst/>
+            <a:gdLst>
+              <a:gd name="connsiteX0" fmla="*/ 0 w 362509"/>
+              <a:gd name="connsiteY0" fmla="*/ 0 h 363255"/>
+              <a:gd name="connsiteX1" fmla="*/ 319414 w 362509"/>
+              <a:gd name="connsiteY1" fmla="*/ 87683 h 363255"/>
+              <a:gd name="connsiteX2" fmla="*/ 350729 w 362509"/>
+              <a:gd name="connsiteY2" fmla="*/ 363255 h 363255"/>
+            </a:gdLst>
+            <a:ahLst/>
+            <a:cxnLst>
+              <a:cxn ang="0">
+                <a:pos x="connsiteX0" y="connsiteY0"/>
+              </a:cxn>
+              <a:cxn ang="0">
+                <a:pos x="connsiteX1" y="connsiteY1"/>
+              </a:cxn>
+              <a:cxn ang="0">
+                <a:pos x="connsiteX2" y="connsiteY2"/>
+              </a:cxn>
+            </a:cxnLst>
+            <a:rect l="l" t="t" r="r" b="b"/>
+            <a:pathLst>
+              <a:path w="362509" h="363255">
+                <a:moveTo>
+                  <a:pt x="0" y="0"/>
+                </a:moveTo>
+                <a:cubicBezTo>
+                  <a:pt x="130479" y="13570"/>
+                  <a:pt x="260959" y="27141"/>
+                  <a:pt x="319414" y="87683"/>
+                </a:cubicBezTo>
+                <a:cubicBezTo>
+                  <a:pt x="377869" y="148225"/>
+                  <a:pt x="364299" y="255740"/>
+                  <a:pt x="350729" y="363255"/>
+                </a:cubicBezTo>
+              </a:path>
+            </a:pathLst>
+          </a:custGeom>
+          <a:noFill/>
+          <a:ln>
+            <a:solidFill>
+              <a:srgbClr val="FF3399"/>
+            </a:solidFill>
+          </a:ln>
+        </p:spPr>
+        <p:style>
+          <a:lnRef idx="2">
+            <a:schemeClr val="accent1">
+              <a:shade val="15000"/>
+            </a:schemeClr>
+          </a:lnRef>
+          <a:fillRef idx="1">
+            <a:schemeClr val="accent1"/>
+          </a:fillRef>
+          <a:effectRef idx="0">
+            <a:schemeClr val="accent1"/>
+          </a:effectRef>
+          <a:fontRef idx="minor">
+            <a:schemeClr val="lt1"/>
+          </a:fontRef>
+        </p:style>
+        <p:txBody>
+          <a:bodyPr rtlCol="0" anchor="ctr"/>
+          <a:lstStyle/>
+          <a:p>
+            <a:pPr algn="ctr"/>
+            <a:endParaRPr lang="en-US"/>
+          </a:p>
+        </p:txBody>
+      </p:sp>
+      <p:sp>
+        <p:nvSpPr>
+          <p:cNvPr id="154" name="TextBox 153">
+            <a:extLst>
+              <a:ext uri="{FF2B5EF4-FFF2-40B4-BE49-F238E27FC236}">
+                <a16:creationId xmlns:a16="http://schemas.microsoft.com/office/drawing/2014/main" id="{F4009CD4-1353-09F1-10E1-287A905607F0}"/>
+              </a:ext>
+            </a:extLst>
+          </p:cNvPr>
+          <p:cNvSpPr txBox="1"/>
+          <p:nvPr/>
+        </p:nvSpPr>
+        <p:spPr>
+          <a:xfrm>
+            <a:off x="896496" y="5509002"/>
+            <a:ext cx="3689776" cy="430887"/>
+          </a:xfrm>
+          <a:prstGeom prst="rect">
+            <a:avLst/>
+          </a:prstGeom>
+          <a:noFill/>
+        </p:spPr>
+        <p:txBody>
+          <a:bodyPr wrap="square" rtlCol="0">
+            <a:spAutoFit/>
+          </a:bodyPr>
+          <a:lstStyle/>
+          <a:p>
+            <a:r>
+              <a:rPr lang="en-US" sz="1100" dirty="0"/>
+              <a:t>Note that bottom step of stringer is taller than other steps as it needs to extend down to the bottom subfloor</a:t>
+            </a:r>
+          </a:p>
+        </p:txBody>
+      </p:sp>
+      <p:cxnSp>
+        <p:nvCxnSpPr>
+          <p:cNvPr id="158" name="Straight Arrow Connector 157">
+            <a:extLst>
+              <a:ext uri="{FF2B5EF4-FFF2-40B4-BE49-F238E27FC236}">
+                <a16:creationId xmlns:a16="http://schemas.microsoft.com/office/drawing/2014/main" id="{4BEF31AF-4D91-2FF2-D514-61083414CB43}"/>
+              </a:ext>
+            </a:extLst>
+          </p:cNvPr>
+          <p:cNvCxnSpPr>
+            <a:cxnSpLocks/>
+          </p:cNvCxnSpPr>
+          <p:nvPr/>
+        </p:nvCxnSpPr>
+        <p:spPr>
+          <a:xfrm>
+            <a:off x="344184" y="5334719"/>
+            <a:ext cx="0" cy="801061"/>
+          </a:xfrm>
+          <a:prstGeom prst="straightConnector1">
+            <a:avLst/>
+          </a:prstGeom>
+          <a:ln>
+            <a:solidFill>
+              <a:srgbClr val="00B0F0"/>
+            </a:solidFill>
+            <a:headEnd type="triangle" w="med" len="med"/>
+            <a:tailEnd type="triangle" w="med" len="med"/>
+          </a:ln>
+        </p:spPr>
+        <p:style>
+          <a:lnRef idx="2">
+            <a:schemeClr val="accent1"/>
+          </a:lnRef>
+          <a:fillRef idx="0">
+            <a:schemeClr val="accent1"/>
+          </a:fillRef>
+          <a:effectRef idx="1">
+            <a:schemeClr val="accent1"/>
+          </a:effectRef>
+          <a:fontRef idx="minor">
+            <a:schemeClr val="tx1"/>
+          </a:fontRef>
+        </p:style>
+      </p:cxnSp>
+      <p:sp>
+        <p:nvSpPr>
+          <p:cNvPr id="159" name="TextBox 158">
+            <a:extLst>
+              <a:ext uri="{FF2B5EF4-FFF2-40B4-BE49-F238E27FC236}">
+                <a16:creationId xmlns:a16="http://schemas.microsoft.com/office/drawing/2014/main" id="{7E60086E-0E3F-7CE4-FDE0-4CE92623ACAD}"/>
+              </a:ext>
+            </a:extLst>
+          </p:cNvPr>
+          <p:cNvSpPr txBox="1"/>
+          <p:nvPr/>
+        </p:nvSpPr>
+        <p:spPr>
+          <a:xfrm>
+            <a:off x="322835" y="5563766"/>
+            <a:ext cx="487634" cy="276999"/>
+          </a:xfrm>
+          <a:prstGeom prst="rect">
+            <a:avLst/>
+          </a:prstGeom>
+          <a:noFill/>
+        </p:spPr>
+        <p:txBody>
+          <a:bodyPr wrap="none" rtlCol="0">
+            <a:spAutoFit/>
+          </a:bodyPr>
+          <a:lstStyle/>
+          <a:p>
+            <a:r>
+              <a:rPr lang="en-US" sz="1200" dirty="0" err="1"/>
+              <a:t>t</a:t>
+            </a:r>
+            <a:r>
+              <a:rPr lang="en-US" sz="1200" baseline="-25000" dirty="0" err="1"/>
+              <a:t>FMBF</a:t>
+            </a:r>
+            <a:endParaRPr lang="en-US" sz="1200" baseline="-25000" dirty="0"/>
+          </a:p>
+        </p:txBody>
+      </p:sp>
+      <p:sp>
+        <p:nvSpPr>
+          <p:cNvPr id="163" name="TextBox 162">
+            <a:extLst>
+              <a:ext uri="{FF2B5EF4-FFF2-40B4-BE49-F238E27FC236}">
+                <a16:creationId xmlns:a16="http://schemas.microsoft.com/office/drawing/2014/main" id="{475F30BD-EABC-F5BB-A3B6-29AF40BA15CE}"/>
+              </a:ext>
+            </a:extLst>
+          </p:cNvPr>
+          <p:cNvSpPr txBox="1"/>
+          <p:nvPr/>
+        </p:nvSpPr>
+        <p:spPr>
+          <a:xfrm>
+            <a:off x="11229572" y="1062600"/>
+            <a:ext cx="474810" cy="276999"/>
+          </a:xfrm>
+          <a:prstGeom prst="rect">
+            <a:avLst/>
+          </a:prstGeom>
+          <a:noFill/>
+        </p:spPr>
+        <p:txBody>
+          <a:bodyPr wrap="none" rtlCol="0">
+            <a:spAutoFit/>
+          </a:bodyPr>
+          <a:lstStyle/>
+          <a:p>
+            <a:r>
+              <a:rPr lang="en-US" sz="1200" dirty="0" err="1"/>
+              <a:t>t</a:t>
+            </a:r>
+            <a:r>
+              <a:rPr lang="en-US" sz="1200" baseline="-25000" dirty="0" err="1"/>
+              <a:t>FMTF</a:t>
+            </a:r>
+            <a:endParaRPr lang="en-US" sz="1200" baseline="-25000" dirty="0"/>
+          </a:p>
+        </p:txBody>
+      </p:sp>
+      <p:cxnSp>
+        <p:nvCxnSpPr>
+          <p:cNvPr id="167" name="Straight Arrow Connector 166">
+            <a:extLst>
+              <a:ext uri="{FF2B5EF4-FFF2-40B4-BE49-F238E27FC236}">
+                <a16:creationId xmlns:a16="http://schemas.microsoft.com/office/drawing/2014/main" id="{CB83D63B-7330-32F1-9B9C-719AA73B1C75}"/>
+              </a:ext>
+            </a:extLst>
+          </p:cNvPr>
+          <p:cNvCxnSpPr>
+            <a:cxnSpLocks/>
+          </p:cNvCxnSpPr>
+          <p:nvPr/>
+        </p:nvCxnSpPr>
+        <p:spPr>
+          <a:xfrm>
+            <a:off x="11111510" y="1104637"/>
+            <a:ext cx="0" cy="246854"/>
+          </a:xfrm>
+          <a:prstGeom prst="straightConnector1">
+            <a:avLst/>
+          </a:prstGeom>
+          <a:ln>
+            <a:solidFill>
+              <a:srgbClr val="00B0F0"/>
+            </a:solidFill>
+            <a:headEnd type="triangle" w="med" len="med"/>
+            <a:tailEnd type="triangle" w="med" len="med"/>
+          </a:ln>
+        </p:spPr>
+        <p:style>
+          <a:lnRef idx="2">
+            <a:schemeClr val="accent1"/>
+          </a:lnRef>
+          <a:fillRef idx="0">
+            <a:schemeClr val="accent1"/>
+          </a:fillRef>
+          <a:effectRef idx="1">
+            <a:schemeClr val="accent1"/>
+          </a:effectRef>
+          <a:fontRef idx="minor">
+            <a:schemeClr val="tx1"/>
+          </a:fontRef>
+        </p:style>
+      </p:cxnSp>
+      <p:sp>
+        <p:nvSpPr>
+          <p:cNvPr id="170" name="Oval 169">
+            <a:extLst>
+              <a:ext uri="{FF2B5EF4-FFF2-40B4-BE49-F238E27FC236}">
+                <a16:creationId xmlns:a16="http://schemas.microsoft.com/office/drawing/2014/main" id="{789F8D89-3CB5-E76C-8675-EB15FC279465}"/>
+              </a:ext>
+            </a:extLst>
+          </p:cNvPr>
+          <p:cNvSpPr/>
+          <p:nvPr/>
+        </p:nvSpPr>
+        <p:spPr>
+          <a:xfrm>
+            <a:off x="5648960" y="3493726"/>
+            <a:ext cx="243421" cy="243421"/>
+          </a:xfrm>
+          <a:prstGeom prst="ellipse">
+            <a:avLst/>
+          </a:prstGeom>
+          <a:noFill/>
+          <a:ln>
+            <a:solidFill>
+              <a:srgbClr val="FF0000"/>
+            </a:solidFill>
+          </a:ln>
+        </p:spPr>
+        <p:style>
+          <a:lnRef idx="2">
+            <a:schemeClr val="accent1">
+              <a:shade val="15000"/>
+            </a:schemeClr>
+          </a:lnRef>
+          <a:fillRef idx="1">
+            <a:schemeClr val="accent1"/>
+          </a:fillRef>
+          <a:effectRef idx="0">
+            <a:schemeClr val="accent1"/>
+          </a:effectRef>
+          <a:fontRef idx="minor">
+            <a:schemeClr val="lt1"/>
+          </a:fontRef>
+        </p:style>
+        <p:txBody>
+          <a:bodyPr rtlCol="0" anchor="ctr"/>
+          <a:lstStyle/>
+          <a:p>
+            <a:pPr algn="ctr"/>
+            <a:endParaRPr lang="en-US"/>
+          </a:p>
+        </p:txBody>
+      </p:sp>
+      <p:sp>
+        <p:nvSpPr>
+          <p:cNvPr id="171" name="Oval 170">
+            <a:extLst>
+              <a:ext uri="{FF2B5EF4-FFF2-40B4-BE49-F238E27FC236}">
+                <a16:creationId xmlns:a16="http://schemas.microsoft.com/office/drawing/2014/main" id="{D83FEED8-383C-36B6-681D-524AC8E5B60B}"/>
+              </a:ext>
+            </a:extLst>
+          </p:cNvPr>
+          <p:cNvSpPr/>
+          <p:nvPr/>
+        </p:nvSpPr>
+        <p:spPr>
+          <a:xfrm>
+            <a:off x="5632979" y="2472945"/>
+            <a:ext cx="243421" cy="243421"/>
+          </a:xfrm>
+          <a:prstGeom prst="ellipse">
+            <a:avLst/>
+          </a:prstGeom>
+          <a:noFill/>
+          <a:ln>
+            <a:solidFill>
+              <a:srgbClr val="FF0000"/>
+            </a:solidFill>
+          </a:ln>
+        </p:spPr>
+        <p:style>
+          <a:lnRef idx="2">
+            <a:schemeClr val="accent1">
+              <a:shade val="15000"/>
+            </a:schemeClr>
+          </a:lnRef>
+          <a:fillRef idx="1">
+            <a:schemeClr val="accent1"/>
+          </a:fillRef>
+          <a:effectRef idx="0">
+            <a:schemeClr val="accent1"/>
+          </a:effectRef>
+          <a:fontRef idx="minor">
+            <a:schemeClr val="lt1"/>
+          </a:fontRef>
+        </p:style>
+        <p:txBody>
+          <a:bodyPr rtlCol="0" anchor="ctr"/>
+          <a:lstStyle/>
+          <a:p>
+            <a:pPr algn="ctr"/>
+            <a:endParaRPr lang="en-US"/>
+          </a:p>
+        </p:txBody>
+      </p:sp>
+      <p:sp>
+        <p:nvSpPr>
+          <p:cNvPr id="172" name="Oval 171">
+            <a:extLst>
+              <a:ext uri="{FF2B5EF4-FFF2-40B4-BE49-F238E27FC236}">
+                <a16:creationId xmlns:a16="http://schemas.microsoft.com/office/drawing/2014/main" id="{3EB07E19-5E96-BCC6-1641-E5E7A158AD77}"/>
+              </a:ext>
+            </a:extLst>
+          </p:cNvPr>
+          <p:cNvSpPr/>
+          <p:nvPr/>
+        </p:nvSpPr>
+        <p:spPr>
+          <a:xfrm>
+            <a:off x="8105180" y="2413836"/>
+            <a:ext cx="243421" cy="243421"/>
+          </a:xfrm>
+          <a:prstGeom prst="ellipse">
+            <a:avLst/>
+          </a:prstGeom>
+          <a:noFill/>
+          <a:ln>
+            <a:solidFill>
+              <a:srgbClr val="FF0000"/>
+            </a:solidFill>
+          </a:ln>
+        </p:spPr>
+        <p:style>
+          <a:lnRef idx="2">
+            <a:schemeClr val="accent1">
+              <a:shade val="15000"/>
+            </a:schemeClr>
+          </a:lnRef>
+          <a:fillRef idx="1">
+            <a:schemeClr val="accent1"/>
+          </a:fillRef>
+          <a:effectRef idx="0">
+            <a:schemeClr val="accent1"/>
+          </a:effectRef>
+          <a:fontRef idx="minor">
+            <a:schemeClr val="lt1"/>
+          </a:fontRef>
+        </p:style>
+        <p:txBody>
+          <a:bodyPr rtlCol="0" anchor="ctr"/>
+          <a:lstStyle/>
+          <a:p>
+            <a:pPr algn="ctr"/>
+            <a:endParaRPr lang="en-US"/>
+          </a:p>
+        </p:txBody>
+      </p:sp>
+      <p:sp>
+        <p:nvSpPr>
+          <p:cNvPr id="173" name="Oval 172">
+            <a:extLst>
+              <a:ext uri="{FF2B5EF4-FFF2-40B4-BE49-F238E27FC236}">
+                <a16:creationId xmlns:a16="http://schemas.microsoft.com/office/drawing/2014/main" id="{A9D79680-C8A8-85CE-E647-3D8A4654BB19}"/>
+              </a:ext>
+            </a:extLst>
+          </p:cNvPr>
+          <p:cNvSpPr/>
+          <p:nvPr/>
+        </p:nvSpPr>
+        <p:spPr>
+          <a:xfrm>
+            <a:off x="8089199" y="1393055"/>
+            <a:ext cx="243421" cy="243421"/>
+          </a:xfrm>
+          <a:prstGeom prst="ellipse">
+            <a:avLst/>
+          </a:prstGeom>
+          <a:noFill/>
+          <a:ln>
+            <a:solidFill>
+              <a:srgbClr val="FF0000"/>
+            </a:solidFill>
+          </a:ln>
+        </p:spPr>
+        <p:style>
+          <a:lnRef idx="2">
+            <a:schemeClr val="accent1">
+              <a:shade val="15000"/>
+            </a:schemeClr>
+          </a:lnRef>
+          <a:fillRef idx="1">
+            <a:schemeClr val="accent1"/>
+          </a:fillRef>
+          <a:effectRef idx="0">
+            <a:schemeClr val="accent1"/>
+          </a:effectRef>
+          <a:fontRef idx="minor">
+            <a:schemeClr val="lt1"/>
+          </a:fontRef>
+        </p:style>
+        <p:txBody>
+          <a:bodyPr rtlCol="0" anchor="ctr"/>
+          <a:lstStyle/>
+          <a:p>
+            <a:pPr algn="ctr"/>
+            <a:endParaRPr lang="en-US"/>
+          </a:p>
+        </p:txBody>
+      </p:sp>
+      <p:sp>
+        <p:nvSpPr>
+          <p:cNvPr id="174" name="Arc 173">
+            <a:extLst>
+              <a:ext uri="{FF2B5EF4-FFF2-40B4-BE49-F238E27FC236}">
+                <a16:creationId xmlns:a16="http://schemas.microsoft.com/office/drawing/2014/main" id="{3E6F92FC-64A2-51A2-ADC5-E8465DA09768}"/>
+              </a:ext>
+            </a:extLst>
+          </p:cNvPr>
+          <p:cNvSpPr/>
+          <p:nvPr/>
+        </p:nvSpPr>
+        <p:spPr>
+          <a:xfrm>
+            <a:off x="983193" y="5382720"/>
+            <a:ext cx="1547041" cy="1547041"/>
+          </a:xfrm>
+          <a:prstGeom prst="arc">
+            <a:avLst>
+              <a:gd name="adj1" fmla="val 20062799"/>
+              <a:gd name="adj2" fmla="val 0"/>
+            </a:avLst>
+          </a:prstGeom>
+          <a:ln>
+            <a:solidFill>
+              <a:srgbClr val="00B0F0"/>
+            </a:solidFill>
+            <a:headEnd type="triangle" w="med" len="med"/>
+            <a:tailEnd type="none" w="med" len="med"/>
+          </a:ln>
+        </p:spPr>
+        <p:style>
+          <a:lnRef idx="2">
+            <a:schemeClr val="accent1"/>
+          </a:lnRef>
+          <a:fillRef idx="0">
+            <a:schemeClr val="accent1"/>
+          </a:fillRef>
+          <a:effectRef idx="1">
+            <a:schemeClr val="accent1"/>
+          </a:effectRef>
+          <a:fontRef idx="minor">
+            <a:schemeClr val="tx1"/>
+          </a:fontRef>
+        </p:style>
+        <p:txBody>
+          <a:bodyPr rtlCol="0" anchor="ctr"/>
+          <a:lstStyle/>
+          <a:p>
+            <a:pPr algn="ctr"/>
+            <a:endParaRPr lang="en-US"/>
+          </a:p>
+        </p:txBody>
+      </p:sp>
+      <mc:AlternateContent xmlns:mc="http://schemas.openxmlformats.org/markup-compatibility/2006">
+        <mc:Choice xmlns:a14="http://schemas.microsoft.com/office/drawing/2010/main" Requires="a14">
+          <p:sp>
+            <p:nvSpPr>
+              <p:cNvPr id="177" name="TextBox 176">
+                <a:extLst>
+                  <a:ext uri="{FF2B5EF4-FFF2-40B4-BE49-F238E27FC236}">
+                    <a16:creationId xmlns:a16="http://schemas.microsoft.com/office/drawing/2014/main" id="{751CD95F-4C0C-4E96-51C6-E3362F71712B}"/>
+                  </a:ext>
+                </a:extLst>
+              </p:cNvPr>
+              <p:cNvSpPr txBox="1"/>
+              <p:nvPr/>
+            </p:nvSpPr>
+            <p:spPr>
+              <a:xfrm>
+                <a:off x="2544725" y="5850975"/>
+                <a:ext cx="183062" cy="276999"/>
+              </a:xfrm>
+              <a:prstGeom prst="rect">
+                <a:avLst/>
+              </a:prstGeom>
+              <a:noFill/>
+            </p:spPr>
+            <p:txBody>
+              <a:bodyPr wrap="none" lIns="0" tIns="0" rIns="0" bIns="0" rtlCol="0">
+                <a:spAutoFit/>
+              </a:bodyPr>
+              <a:lstStyle/>
+              <a:p>
+                <a:pPr/>
+                <a14:m>
+                  <m:oMathPara xmlns:m="http://schemas.openxmlformats.org/officeDocument/2006/math">
+                    <m:oMathParaPr>
+                      <m:jc m:val="centerGroup"/>
+                    </m:oMathParaPr>
+                    <m:oMath xmlns:m="http://schemas.openxmlformats.org/officeDocument/2006/math">
+                      <m:r>
+                        <a:rPr lang="en-US" b="0" i="1" smtClean="0">
+                          <a:latin typeface="Cambria Math" panose="02040503050406030204" pitchFamily="18" charset="0"/>
+                        </a:rPr>
+                        <m:t>𝜃</m:t>
+                      </m:r>
+                    </m:oMath>
+                  </m:oMathPara>
+                </a14:m>
+                <a:endParaRPr lang="en-US" dirty="0"/>
+              </a:p>
+            </p:txBody>
+          </p:sp>
+        </mc:Choice>
+        <mc:Fallback>
+          <p:sp>
+            <p:nvSpPr>
+              <p:cNvPr id="177" name="TextBox 176">
+                <a:extLst>
+                  <a:ext uri="{FF2B5EF4-FFF2-40B4-BE49-F238E27FC236}">
+                    <a16:creationId xmlns:a16="http://schemas.microsoft.com/office/drawing/2014/main" id="{751CD95F-4C0C-4E96-51C6-E3362F71712B}"/>
+                  </a:ext>
+                </a:extLst>
+              </p:cNvPr>
+              <p:cNvSpPr txBox="1">
+                <a:spLocks noRot="1" noChangeAspect="1" noMove="1" noResize="1" noEditPoints="1" noAdjustHandles="1" noChangeArrowheads="1" noChangeShapeType="1" noTextEdit="1"/>
+              </p:cNvSpPr>
+              <p:nvPr/>
+            </p:nvSpPr>
+            <p:spPr>
+              <a:xfrm>
+                <a:off x="2544725" y="5850975"/>
+                <a:ext cx="183062" cy="276999"/>
+              </a:xfrm>
+              <a:prstGeom prst="rect">
+                <a:avLst/>
+              </a:prstGeom>
+              <a:blipFill>
+                <a:blip r:embed="rId2"/>
+                <a:stretch>
+                  <a:fillRect l="-30000" r="-30000" b="-6667"/>
+                </a:stretch>
+              </a:blipFill>
+            </p:spPr>
+            <p:txBody>
+              <a:bodyPr/>
+              <a:lstStyle/>
+              <a:p>
+                <a:r>
+                  <a:rPr lang="en-US">
+                    <a:noFill/>
+                  </a:rPr>
+                  <a:t> </a:t>
+                </a:r>
+              </a:p>
+            </p:txBody>
+          </p:sp>
+        </mc:Fallback>
+      </mc:AlternateContent>
+      <p:sp>
+        <p:nvSpPr>
+          <p:cNvPr id="183" name="TextBox 182">
+            <a:extLst>
+              <a:ext uri="{FF2B5EF4-FFF2-40B4-BE49-F238E27FC236}">
+                <a16:creationId xmlns:a16="http://schemas.microsoft.com/office/drawing/2014/main" id="{758E3DE8-D919-95A6-C75B-5512ED2CA1B4}"/>
+              </a:ext>
+            </a:extLst>
+          </p:cNvPr>
+          <p:cNvSpPr txBox="1"/>
+          <p:nvPr/>
+        </p:nvSpPr>
+        <p:spPr>
+          <a:xfrm>
+            <a:off x="8581403" y="2115573"/>
+            <a:ext cx="292068" cy="276999"/>
+          </a:xfrm>
+          <a:prstGeom prst="rect">
+            <a:avLst/>
+          </a:prstGeom>
+          <a:noFill/>
+        </p:spPr>
+        <p:txBody>
+          <a:bodyPr wrap="none" rtlCol="0">
+            <a:spAutoFit/>
+          </a:bodyPr>
+          <a:lstStyle/>
+          <a:p>
+            <a:r>
+              <a:rPr lang="en-US" sz="1200" dirty="0" err="1"/>
+              <a:t>t</a:t>
+            </a:r>
+            <a:r>
+              <a:rPr lang="en-US" sz="1200" baseline="-25000" dirty="0" err="1"/>
+              <a:t>S</a:t>
+            </a:r>
+            <a:endParaRPr lang="en-US" sz="1200" baseline="-25000" dirty="0"/>
+          </a:p>
+        </p:txBody>
+      </p:sp>
+      <p:sp>
+        <p:nvSpPr>
+          <p:cNvPr id="186" name="TextBox 185">
+            <a:extLst>
+              <a:ext uri="{FF2B5EF4-FFF2-40B4-BE49-F238E27FC236}">
+                <a16:creationId xmlns:a16="http://schemas.microsoft.com/office/drawing/2014/main" id="{E6951695-6D43-EE06-852C-5AF58A9A45D3}"/>
+              </a:ext>
+            </a:extLst>
+          </p:cNvPr>
+          <p:cNvSpPr txBox="1"/>
+          <p:nvPr/>
+        </p:nvSpPr>
+        <p:spPr>
+          <a:xfrm>
+            <a:off x="5354915" y="889347"/>
+            <a:ext cx="1769364" cy="261610"/>
+          </a:xfrm>
+          <a:prstGeom prst="rect">
+            <a:avLst/>
+          </a:prstGeom>
+          <a:noFill/>
+        </p:spPr>
+        <p:txBody>
+          <a:bodyPr wrap="square" rtlCol="0">
+            <a:spAutoFit/>
+          </a:bodyPr>
+          <a:lstStyle/>
+          <a:p>
+            <a:r>
+              <a:rPr lang="en-US" sz="1100" dirty="0"/>
+              <a:t>P</a:t>
+            </a:r>
+            <a:r>
+              <a:rPr lang="en-US" sz="1100" baseline="-25000" dirty="0"/>
+              <a:t>TL</a:t>
+            </a:r>
+            <a:r>
+              <a:rPr lang="en-US" sz="1100" dirty="0"/>
+              <a:t> = Point on the top left</a:t>
+            </a:r>
+          </a:p>
+        </p:txBody>
+      </p:sp>
+      <p:sp>
+        <p:nvSpPr>
+          <p:cNvPr id="187" name="Freeform: Shape 186">
+            <a:extLst>
+              <a:ext uri="{FF2B5EF4-FFF2-40B4-BE49-F238E27FC236}">
+                <a16:creationId xmlns:a16="http://schemas.microsoft.com/office/drawing/2014/main" id="{114B2B81-3FD2-59C2-CA91-20CE652B8DAF}"/>
+              </a:ext>
+            </a:extLst>
+          </p:cNvPr>
+          <p:cNvSpPr/>
+          <p:nvPr/>
+        </p:nvSpPr>
+        <p:spPr>
+          <a:xfrm>
+            <a:off x="7055893" y="1064525"/>
+            <a:ext cx="1041779" cy="345744"/>
+          </a:xfrm>
+          <a:custGeom>
+            <a:avLst/>
+            <a:gdLst>
+              <a:gd name="connsiteX0" fmla="*/ 0 w 1041779"/>
+              <a:gd name="connsiteY0" fmla="*/ 0 h 345744"/>
+              <a:gd name="connsiteX1" fmla="*/ 641444 w 1041779"/>
+              <a:gd name="connsiteY1" fmla="*/ 163774 h 345744"/>
+              <a:gd name="connsiteX2" fmla="*/ 1041779 w 1041779"/>
+              <a:gd name="connsiteY2" fmla="*/ 345744 h 345744"/>
+            </a:gdLst>
+            <a:ahLst/>
+            <a:cxnLst>
+              <a:cxn ang="0">
+                <a:pos x="connsiteX0" y="connsiteY0"/>
+              </a:cxn>
+              <a:cxn ang="0">
+                <a:pos x="connsiteX1" y="connsiteY1"/>
+              </a:cxn>
+              <a:cxn ang="0">
+                <a:pos x="connsiteX2" y="connsiteY2"/>
+              </a:cxn>
+            </a:cxnLst>
+            <a:rect l="l" t="t" r="r" b="b"/>
+            <a:pathLst>
+              <a:path w="1041779" h="345744">
+                <a:moveTo>
+                  <a:pt x="0" y="0"/>
+                </a:moveTo>
+                <a:cubicBezTo>
+                  <a:pt x="233907" y="53075"/>
+                  <a:pt x="467814" y="106150"/>
+                  <a:pt x="641444" y="163774"/>
+                </a:cubicBezTo>
+                <a:cubicBezTo>
+                  <a:pt x="815074" y="221398"/>
+                  <a:pt x="928426" y="283571"/>
+                  <a:pt x="1041779" y="345744"/>
+                </a:cubicBezTo>
+              </a:path>
+            </a:pathLst>
+          </a:custGeom>
+          <a:noFill/>
+          <a:ln>
+            <a:solidFill>
+              <a:srgbClr val="FF3399"/>
+            </a:solidFill>
+          </a:ln>
+        </p:spPr>
+        <p:style>
+          <a:lnRef idx="2">
+            <a:schemeClr val="accent1">
+              <a:shade val="15000"/>
+            </a:schemeClr>
+          </a:lnRef>
+          <a:fillRef idx="1">
+            <a:schemeClr val="accent1"/>
+          </a:fillRef>
+          <a:effectRef idx="0">
+            <a:schemeClr val="accent1"/>
+          </a:effectRef>
+          <a:fontRef idx="minor">
+            <a:schemeClr val="lt1"/>
+          </a:fontRef>
+        </p:style>
+        <p:txBody>
+          <a:bodyPr rtlCol="0" anchor="ctr"/>
+          <a:lstStyle/>
+          <a:p>
+            <a:pPr algn="ctr"/>
+            <a:endParaRPr lang="en-US"/>
+          </a:p>
+        </p:txBody>
+      </p:sp>
+      <p:sp>
+        <p:nvSpPr>
+          <p:cNvPr id="189" name="TextBox 188">
+            <a:extLst>
+              <a:ext uri="{FF2B5EF4-FFF2-40B4-BE49-F238E27FC236}">
+                <a16:creationId xmlns:a16="http://schemas.microsoft.com/office/drawing/2014/main" id="{99EF339D-A68D-4101-5173-382D47D65C42}"/>
+              </a:ext>
+            </a:extLst>
+          </p:cNvPr>
+          <p:cNvSpPr txBox="1"/>
+          <p:nvPr/>
+        </p:nvSpPr>
+        <p:spPr>
+          <a:xfrm>
+            <a:off x="523375" y="7136738"/>
+            <a:ext cx="292068" cy="276999"/>
+          </a:xfrm>
+          <a:prstGeom prst="rect">
+            <a:avLst/>
+          </a:prstGeom>
+          <a:noFill/>
+        </p:spPr>
+        <p:txBody>
+          <a:bodyPr wrap="none" rtlCol="0">
+            <a:spAutoFit/>
+          </a:bodyPr>
+          <a:lstStyle/>
+          <a:p>
+            <a:r>
+              <a:rPr lang="en-US" sz="1200" dirty="0" err="1"/>
+              <a:t>t</a:t>
+            </a:r>
+            <a:r>
+              <a:rPr lang="en-US" sz="1200" baseline="-25000" dirty="0" err="1"/>
+              <a:t>S</a:t>
+            </a:r>
+            <a:endParaRPr lang="en-US" sz="1200" baseline="-25000" dirty="0"/>
+          </a:p>
+        </p:txBody>
+      </p:sp>
+      <p:cxnSp>
+        <p:nvCxnSpPr>
+          <p:cNvPr id="190" name="Straight Connector 189">
+            <a:extLst>
+              <a:ext uri="{FF2B5EF4-FFF2-40B4-BE49-F238E27FC236}">
+                <a16:creationId xmlns:a16="http://schemas.microsoft.com/office/drawing/2014/main" id="{EE78E3C1-0788-7118-AA67-A08C175F2290}"/>
+              </a:ext>
+            </a:extLst>
+          </p:cNvPr>
+          <p:cNvCxnSpPr>
+            <a:cxnSpLocks/>
+          </p:cNvCxnSpPr>
+          <p:nvPr/>
+        </p:nvCxnSpPr>
+        <p:spPr>
+          <a:xfrm>
+            <a:off x="1598206" y="6161114"/>
+            <a:ext cx="0" cy="1458886"/>
+          </a:xfrm>
+          <a:prstGeom prst="line">
+            <a:avLst/>
+          </a:prstGeom>
+          <a:ln>
+            <a:solidFill>
+              <a:srgbClr val="00B0F0"/>
+            </a:solidFill>
+            <a:prstDash val="dash"/>
+          </a:ln>
+        </p:spPr>
+        <p:style>
+          <a:lnRef idx="2">
+            <a:schemeClr val="accent1"/>
+          </a:lnRef>
+          <a:fillRef idx="0">
+            <a:schemeClr val="accent1"/>
+          </a:fillRef>
+          <a:effectRef idx="1">
+            <a:schemeClr val="accent1"/>
+          </a:effectRef>
+          <a:fontRef idx="minor">
+            <a:schemeClr val="tx1"/>
+          </a:fontRef>
+        </p:style>
+      </p:cxnSp>
+      <p:sp>
+        <p:nvSpPr>
+          <p:cNvPr id="218" name="TextBox 217">
+            <a:extLst>
+              <a:ext uri="{FF2B5EF4-FFF2-40B4-BE49-F238E27FC236}">
+                <a16:creationId xmlns:a16="http://schemas.microsoft.com/office/drawing/2014/main" id="{E99B38C0-16AC-0542-062E-B6323F203150}"/>
+              </a:ext>
+            </a:extLst>
+          </p:cNvPr>
+          <p:cNvSpPr txBox="1"/>
+          <p:nvPr/>
+        </p:nvSpPr>
+        <p:spPr>
+          <a:xfrm>
+            <a:off x="10709640" y="584452"/>
+            <a:ext cx="1408302" cy="430887"/>
+          </a:xfrm>
+          <a:prstGeom prst="rect">
+            <a:avLst/>
+          </a:prstGeom>
+          <a:noFill/>
+        </p:spPr>
+        <p:txBody>
+          <a:bodyPr wrap="square" rtlCol="0">
+            <a:spAutoFit/>
+          </a:bodyPr>
+          <a:lstStyle/>
+          <a:p>
+            <a:r>
+              <a:rPr lang="en-US" sz="1100" dirty="0"/>
+              <a:t>P</a:t>
+            </a:r>
+            <a:r>
+              <a:rPr lang="en-US" sz="1100" baseline="-25000" dirty="0"/>
+              <a:t>TR</a:t>
+            </a:r>
+            <a:r>
+              <a:rPr lang="en-US" sz="1100" dirty="0"/>
+              <a:t> = Point on the top right</a:t>
+            </a:r>
+          </a:p>
+        </p:txBody>
+      </p:sp>
+      <p:sp>
+        <p:nvSpPr>
+          <p:cNvPr id="219" name="Freeform: Shape 218">
+            <a:extLst>
+              <a:ext uri="{FF2B5EF4-FFF2-40B4-BE49-F238E27FC236}">
+                <a16:creationId xmlns:a16="http://schemas.microsoft.com/office/drawing/2014/main" id="{C89BDAB8-DEFD-3B1B-5CB7-25D855DCF446}"/>
+              </a:ext>
+            </a:extLst>
+          </p:cNvPr>
+          <p:cNvSpPr/>
+          <p:nvPr/>
+        </p:nvSpPr>
+        <p:spPr>
+          <a:xfrm>
+            <a:off x="10611354" y="850710"/>
+            <a:ext cx="161279" cy="591403"/>
+          </a:xfrm>
+          <a:custGeom>
+            <a:avLst/>
+            <a:gdLst>
+              <a:gd name="connsiteX0" fmla="*/ 42998 w 161279"/>
+              <a:gd name="connsiteY0" fmla="*/ 591403 h 591403"/>
+              <a:gd name="connsiteX1" fmla="*/ 6604 w 161279"/>
+              <a:gd name="connsiteY1" fmla="*/ 200168 h 591403"/>
+              <a:gd name="connsiteX2" fmla="*/ 161279 w 161279"/>
+              <a:gd name="connsiteY2" fmla="*/ 0 h 591403"/>
+            </a:gdLst>
+            <a:ahLst/>
+            <a:cxnLst>
+              <a:cxn ang="0">
+                <a:pos x="connsiteX0" y="connsiteY0"/>
+              </a:cxn>
+              <a:cxn ang="0">
+                <a:pos x="connsiteX1" y="connsiteY1"/>
+              </a:cxn>
+              <a:cxn ang="0">
+                <a:pos x="connsiteX2" y="connsiteY2"/>
+              </a:cxn>
+            </a:cxnLst>
+            <a:rect l="l" t="t" r="r" b="b"/>
+            <a:pathLst>
+              <a:path w="161279" h="591403">
+                <a:moveTo>
+                  <a:pt x="42998" y="591403"/>
+                </a:moveTo>
+                <a:cubicBezTo>
+                  <a:pt x="14944" y="445069"/>
+                  <a:pt x="-13110" y="298735"/>
+                  <a:pt x="6604" y="200168"/>
+                </a:cubicBezTo>
+                <a:cubicBezTo>
+                  <a:pt x="26317" y="101601"/>
+                  <a:pt x="93798" y="50800"/>
+                  <a:pt x="161279" y="0"/>
+                </a:cubicBezTo>
+              </a:path>
+            </a:pathLst>
+          </a:custGeom>
+          <a:noFill/>
+          <a:ln>
+            <a:solidFill>
+              <a:srgbClr val="FF3399"/>
+            </a:solidFill>
+          </a:ln>
+        </p:spPr>
+        <p:style>
+          <a:lnRef idx="2">
+            <a:schemeClr val="accent1">
+              <a:shade val="15000"/>
+            </a:schemeClr>
+          </a:lnRef>
+          <a:fillRef idx="1">
+            <a:schemeClr val="accent1"/>
+          </a:fillRef>
+          <a:effectRef idx="0">
+            <a:schemeClr val="accent1"/>
+          </a:effectRef>
+          <a:fontRef idx="minor">
+            <a:schemeClr val="lt1"/>
+          </a:fontRef>
+        </p:style>
+        <p:txBody>
+          <a:bodyPr rtlCol="0" anchor="ctr"/>
+          <a:lstStyle/>
+          <a:p>
+            <a:pPr algn="ctr"/>
+            <a:endParaRPr lang="en-US"/>
+          </a:p>
+        </p:txBody>
+      </p:sp>
+      <p:sp>
+        <p:nvSpPr>
+          <p:cNvPr id="220" name="TextBox 219">
+            <a:extLst>
+              <a:ext uri="{FF2B5EF4-FFF2-40B4-BE49-F238E27FC236}">
+                <a16:creationId xmlns:a16="http://schemas.microsoft.com/office/drawing/2014/main" id="{01198986-EF14-25A3-A5D0-DF6917F7BBFA}"/>
+              </a:ext>
+            </a:extLst>
+          </p:cNvPr>
+          <p:cNvSpPr txBox="1"/>
+          <p:nvPr/>
+        </p:nvSpPr>
+        <p:spPr>
+          <a:xfrm>
+            <a:off x="10836835" y="2439652"/>
+            <a:ext cx="1134713" cy="430887"/>
+          </a:xfrm>
+          <a:prstGeom prst="rect">
+            <a:avLst/>
+          </a:prstGeom>
+          <a:noFill/>
+        </p:spPr>
+        <p:txBody>
+          <a:bodyPr wrap="square" rtlCol="0">
+            <a:spAutoFit/>
+          </a:bodyPr>
+          <a:lstStyle/>
+          <a:p>
+            <a:r>
+              <a:rPr lang="en-US" sz="1100" dirty="0" err="1"/>
+              <a:t>p</a:t>
+            </a:r>
+            <a:r>
+              <a:rPr lang="en-US" sz="1100" baseline="-25000" dirty="0" err="1"/>
+              <a:t>PR</a:t>
+            </a:r>
+            <a:r>
+              <a:rPr lang="en-US" sz="1100" dirty="0"/>
+              <a:t> = Projected point on right</a:t>
+            </a:r>
+          </a:p>
+        </p:txBody>
+      </p:sp>
+      <p:sp>
+        <p:nvSpPr>
+          <p:cNvPr id="229" name="TextBox 228">
+            <a:extLst>
+              <a:ext uri="{FF2B5EF4-FFF2-40B4-BE49-F238E27FC236}">
+                <a16:creationId xmlns:a16="http://schemas.microsoft.com/office/drawing/2014/main" id="{A096B5EB-FA66-D106-D18E-B8ED4ED9F5E0}"/>
+              </a:ext>
+            </a:extLst>
+          </p:cNvPr>
+          <p:cNvSpPr txBox="1"/>
+          <p:nvPr/>
+        </p:nvSpPr>
+        <p:spPr>
+          <a:xfrm>
+            <a:off x="3708933" y="6310043"/>
+            <a:ext cx="1886042" cy="261610"/>
+          </a:xfrm>
+          <a:prstGeom prst="rect">
+            <a:avLst/>
+          </a:prstGeom>
+          <a:noFill/>
+        </p:spPr>
+        <p:txBody>
+          <a:bodyPr wrap="square" rtlCol="0">
+            <a:spAutoFit/>
+          </a:bodyPr>
+          <a:lstStyle/>
+          <a:p>
+            <a:r>
+              <a:rPr lang="en-US" sz="1100" dirty="0" err="1"/>
+              <a:t>p</a:t>
+            </a:r>
+            <a:r>
+              <a:rPr lang="en-US" sz="1100" baseline="-25000" dirty="0" err="1"/>
+              <a:t>PL</a:t>
+            </a:r>
+            <a:r>
+              <a:rPr lang="en-US" sz="1100" dirty="0"/>
+              <a:t> = Projected point on left</a:t>
+            </a:r>
+          </a:p>
+        </p:txBody>
+      </p:sp>
+      <p:sp>
+        <p:nvSpPr>
+          <p:cNvPr id="230" name="Freeform: Shape 229">
+            <a:extLst>
+              <a:ext uri="{FF2B5EF4-FFF2-40B4-BE49-F238E27FC236}">
+                <a16:creationId xmlns:a16="http://schemas.microsoft.com/office/drawing/2014/main" id="{AF114B2C-1F4E-A895-6DD4-DC2DEAA96AB8}"/>
+              </a:ext>
+            </a:extLst>
+          </p:cNvPr>
+          <p:cNvSpPr/>
+          <p:nvPr/>
+        </p:nvSpPr>
+        <p:spPr>
+          <a:xfrm>
+            <a:off x="1764632" y="6245726"/>
+            <a:ext cx="1818105" cy="224590"/>
+          </a:xfrm>
+          <a:custGeom>
+            <a:avLst/>
+            <a:gdLst>
+              <a:gd name="connsiteX0" fmla="*/ 1818105 w 1818105"/>
+              <a:gd name="connsiteY0" fmla="*/ 224590 h 224590"/>
+              <a:gd name="connsiteX1" fmla="*/ 1080168 w 1818105"/>
+              <a:gd name="connsiteY1" fmla="*/ 187158 h 224590"/>
+              <a:gd name="connsiteX2" fmla="*/ 0 w 1818105"/>
+              <a:gd name="connsiteY2" fmla="*/ 0 h 224590"/>
+            </a:gdLst>
+            <a:ahLst/>
+            <a:cxnLst>
+              <a:cxn ang="0">
+                <a:pos x="connsiteX0" y="connsiteY0"/>
+              </a:cxn>
+              <a:cxn ang="0">
+                <a:pos x="connsiteX1" y="connsiteY1"/>
+              </a:cxn>
+              <a:cxn ang="0">
+                <a:pos x="connsiteX2" y="connsiteY2"/>
+              </a:cxn>
+            </a:cxnLst>
+            <a:rect l="l" t="t" r="r" b="b"/>
+            <a:pathLst>
+              <a:path w="1818105" h="224590">
+                <a:moveTo>
+                  <a:pt x="1818105" y="224590"/>
+                </a:moveTo>
+                <a:cubicBezTo>
+                  <a:pt x="1600645" y="224590"/>
+                  <a:pt x="1383185" y="224590"/>
+                  <a:pt x="1080168" y="187158"/>
+                </a:cubicBezTo>
+                <a:cubicBezTo>
+                  <a:pt x="777151" y="149726"/>
+                  <a:pt x="388575" y="74863"/>
+                  <a:pt x="0" y="0"/>
+                </a:cubicBezTo>
+              </a:path>
+            </a:pathLst>
+          </a:custGeom>
+          <a:noFill/>
+          <a:ln>
+            <a:solidFill>
+              <a:srgbClr val="FF3399"/>
+            </a:solidFill>
+          </a:ln>
+        </p:spPr>
+        <p:style>
+          <a:lnRef idx="2">
+            <a:schemeClr val="accent1">
+              <a:shade val="15000"/>
+            </a:schemeClr>
+          </a:lnRef>
+          <a:fillRef idx="1">
+            <a:schemeClr val="accent1"/>
+          </a:fillRef>
+          <a:effectRef idx="0">
+            <a:schemeClr val="accent1"/>
+          </a:effectRef>
+          <a:fontRef idx="minor">
+            <a:schemeClr val="lt1"/>
+          </a:fontRef>
+        </p:style>
+        <p:txBody>
+          <a:bodyPr rtlCol="0" anchor="ctr"/>
+          <a:lstStyle/>
+          <a:p>
+            <a:pPr algn="ctr"/>
+            <a:endParaRPr lang="en-US"/>
+          </a:p>
+        </p:txBody>
+      </p:sp>
+      <p:sp>
+        <p:nvSpPr>
+          <p:cNvPr id="231" name="Freeform: Shape 230">
+            <a:extLst>
+              <a:ext uri="{FF2B5EF4-FFF2-40B4-BE49-F238E27FC236}">
+                <a16:creationId xmlns:a16="http://schemas.microsoft.com/office/drawing/2014/main" id="{84E0FA55-8992-3238-1157-54D420B71FEB}"/>
+              </a:ext>
+            </a:extLst>
+          </p:cNvPr>
+          <p:cNvSpPr/>
+          <p:nvPr/>
+        </p:nvSpPr>
+        <p:spPr>
+          <a:xfrm>
+            <a:off x="10700084" y="2438400"/>
+            <a:ext cx="155074" cy="203200"/>
+          </a:xfrm>
+          <a:custGeom>
+            <a:avLst/>
+            <a:gdLst>
+              <a:gd name="connsiteX0" fmla="*/ 155074 w 155074"/>
+              <a:gd name="connsiteY0" fmla="*/ 192505 h 203200"/>
+              <a:gd name="connsiteX1" fmla="*/ 48127 w 155074"/>
+              <a:gd name="connsiteY1" fmla="*/ 181811 h 203200"/>
+              <a:gd name="connsiteX2" fmla="*/ 0 w 155074"/>
+              <a:gd name="connsiteY2" fmla="*/ 0 h 203200"/>
+            </a:gdLst>
+            <a:ahLst/>
+            <a:cxnLst>
+              <a:cxn ang="0">
+                <a:pos x="connsiteX0" y="connsiteY0"/>
+              </a:cxn>
+              <a:cxn ang="0">
+                <a:pos x="connsiteX1" y="connsiteY1"/>
+              </a:cxn>
+              <a:cxn ang="0">
+                <a:pos x="connsiteX2" y="connsiteY2"/>
+              </a:cxn>
+            </a:cxnLst>
+            <a:rect l="l" t="t" r="r" b="b"/>
+            <a:pathLst>
+              <a:path w="155074" h="203200">
+                <a:moveTo>
+                  <a:pt x="155074" y="192505"/>
+                </a:moveTo>
+                <a:cubicBezTo>
+                  <a:pt x="114523" y="203200"/>
+                  <a:pt x="73973" y="213895"/>
+                  <a:pt x="48127" y="181811"/>
+                </a:cubicBezTo>
+                <a:cubicBezTo>
+                  <a:pt x="22281" y="149727"/>
+                  <a:pt x="11140" y="74863"/>
+                  <a:pt x="0" y="0"/>
+                </a:cubicBezTo>
+              </a:path>
+            </a:pathLst>
+          </a:custGeom>
+          <a:noFill/>
+          <a:ln>
+            <a:solidFill>
+              <a:srgbClr val="FF3399"/>
+            </a:solidFill>
+          </a:ln>
+        </p:spPr>
+        <p:style>
+          <a:lnRef idx="2">
+            <a:schemeClr val="accent1">
+              <a:shade val="15000"/>
+            </a:schemeClr>
+          </a:lnRef>
+          <a:fillRef idx="1">
+            <a:schemeClr val="accent1"/>
+          </a:fillRef>
+          <a:effectRef idx="0">
+            <a:schemeClr val="accent1"/>
+          </a:effectRef>
+          <a:fontRef idx="minor">
+            <a:schemeClr val="lt1"/>
+          </a:fontRef>
+        </p:style>
+        <p:txBody>
+          <a:bodyPr rtlCol="0" anchor="ctr"/>
+          <a:lstStyle/>
+          <a:p>
+            <a:pPr algn="ctr"/>
+            <a:endParaRPr lang="en-US"/>
+          </a:p>
+        </p:txBody>
+      </p:sp>
+      <p:cxnSp>
+        <p:nvCxnSpPr>
+          <p:cNvPr id="235" name="Straight Arrow Connector 234">
+            <a:extLst>
+              <a:ext uri="{FF2B5EF4-FFF2-40B4-BE49-F238E27FC236}">
+                <a16:creationId xmlns:a16="http://schemas.microsoft.com/office/drawing/2014/main" id="{C82E40CB-09D8-E2CD-BDB1-1266AB3719CB}"/>
+              </a:ext>
+            </a:extLst>
+          </p:cNvPr>
+          <p:cNvCxnSpPr>
+            <a:cxnSpLocks/>
+          </p:cNvCxnSpPr>
+          <p:nvPr/>
+        </p:nvCxnSpPr>
+        <p:spPr>
+          <a:xfrm>
+            <a:off x="8235110" y="1499056"/>
+            <a:ext cx="715061" cy="1560570"/>
+          </a:xfrm>
+          <a:prstGeom prst="straightConnector1">
+            <a:avLst/>
+          </a:prstGeom>
+          <a:ln>
+            <a:solidFill>
+              <a:srgbClr val="00B0F0"/>
+            </a:solidFill>
+            <a:headEnd type="triangle" w="med" len="med"/>
+            <a:tailEnd type="triangle" w="med" len="med"/>
+          </a:ln>
+        </p:spPr>
+        <p:style>
+          <a:lnRef idx="2">
+            <a:schemeClr val="accent1"/>
+          </a:lnRef>
+          <a:fillRef idx="0">
+            <a:schemeClr val="accent1"/>
+          </a:fillRef>
+          <a:effectRef idx="1">
+            <a:schemeClr val="accent1"/>
+          </a:effectRef>
+          <a:fontRef idx="minor">
+            <a:schemeClr val="tx1"/>
+          </a:fontRef>
+        </p:style>
+      </p:cxnSp>
+      <p:sp>
+        <p:nvSpPr>
+          <p:cNvPr id="236" name="Isosceles Triangle 235">
+            <a:extLst>
+              <a:ext uri="{FF2B5EF4-FFF2-40B4-BE49-F238E27FC236}">
+                <a16:creationId xmlns:a16="http://schemas.microsoft.com/office/drawing/2014/main" id="{71576048-7DE1-7567-C901-35941E753B33}"/>
+              </a:ext>
+            </a:extLst>
+          </p:cNvPr>
+          <p:cNvSpPr/>
+          <p:nvPr/>
+        </p:nvSpPr>
+        <p:spPr>
+          <a:xfrm>
+            <a:off x="710525" y="5185504"/>
+            <a:ext cx="256602" cy="221209"/>
+          </a:xfrm>
+          <a:prstGeom prst="triangle">
+            <a:avLst/>
+          </a:prstGeom>
+          <a:noFill/>
+          <a:ln>
+            <a:solidFill>
+              <a:srgbClr val="FF3399"/>
+            </a:solidFill>
+          </a:ln>
+        </p:spPr>
+        <p:style>
+          <a:lnRef idx="2">
+            <a:schemeClr val="accent1">
+              <a:shade val="15000"/>
+            </a:schemeClr>
+          </a:lnRef>
+          <a:fillRef idx="1">
+            <a:schemeClr val="accent1"/>
+          </a:fillRef>
+          <a:effectRef idx="0">
+            <a:schemeClr val="accent1"/>
+          </a:effectRef>
+          <a:fontRef idx="minor">
+            <a:schemeClr val="lt1"/>
+          </a:fontRef>
+        </p:style>
+        <p:txBody>
+          <a:bodyPr rtlCol="0" anchor="ctr"/>
+          <a:lstStyle/>
+          <a:p>
+            <a:pPr algn="ctr"/>
+            <a:endParaRPr lang="en-US"/>
+          </a:p>
+        </p:txBody>
+      </p:sp>
+      <p:sp>
+        <p:nvSpPr>
+          <p:cNvPr id="237" name="TextBox 236">
+            <a:extLst>
+              <a:ext uri="{FF2B5EF4-FFF2-40B4-BE49-F238E27FC236}">
+                <a16:creationId xmlns:a16="http://schemas.microsoft.com/office/drawing/2014/main" id="{DDD82FBB-E229-A9D1-0FAD-F72384CFA9E0}"/>
+              </a:ext>
+            </a:extLst>
+          </p:cNvPr>
+          <p:cNvSpPr txBox="1"/>
+          <p:nvPr/>
+        </p:nvSpPr>
+        <p:spPr>
+          <a:xfrm>
+            <a:off x="895016" y="4960561"/>
+            <a:ext cx="3644399" cy="261610"/>
+          </a:xfrm>
+          <a:prstGeom prst="rect">
+            <a:avLst/>
+          </a:prstGeom>
+          <a:noFill/>
+        </p:spPr>
+        <p:txBody>
+          <a:bodyPr wrap="square" rtlCol="0">
+            <a:spAutoFit/>
+          </a:bodyPr>
+          <a:lstStyle/>
+          <a:p>
+            <a:r>
+              <a:rPr lang="en-US" sz="1100" dirty="0" err="1"/>
+              <a:t>p</a:t>
+            </a:r>
+            <a:r>
+              <a:rPr lang="en-US" sz="1100" baseline="-25000" dirty="0" err="1"/>
+              <a:t>FMBF</a:t>
+            </a:r>
+            <a:r>
+              <a:rPr lang="en-US" sz="1100" dirty="0"/>
+              <a:t> = Point of top of finished material bottom floor</a:t>
+            </a:r>
+          </a:p>
+        </p:txBody>
+      </p:sp>
+      <p:cxnSp>
+        <p:nvCxnSpPr>
+          <p:cNvPr id="7" name="Straight Arrow Connector 6">
+            <a:extLst>
+              <a:ext uri="{FF2B5EF4-FFF2-40B4-BE49-F238E27FC236}">
+                <a16:creationId xmlns:a16="http://schemas.microsoft.com/office/drawing/2014/main" id="{2C8F2A6F-77F3-86E4-D36F-9014C9064F76}"/>
+              </a:ext>
+            </a:extLst>
+          </p:cNvPr>
+          <p:cNvCxnSpPr>
+            <a:cxnSpLocks/>
+          </p:cNvCxnSpPr>
+          <p:nvPr/>
+        </p:nvCxnSpPr>
+        <p:spPr>
+          <a:xfrm flipH="1">
+            <a:off x="1033401" y="2391103"/>
+            <a:ext cx="10049758" cy="4282966"/>
+          </a:xfrm>
+          <a:prstGeom prst="straightConnector1">
+            <a:avLst/>
+          </a:prstGeom>
+          <a:ln>
+            <a:solidFill>
+              <a:srgbClr val="00B0F0"/>
+            </a:solidFill>
+            <a:headEnd type="triangle" w="med" len="med"/>
+            <a:tailEnd type="triangle" w="med" len="med"/>
+          </a:ln>
+        </p:spPr>
+        <p:style>
+          <a:lnRef idx="2">
+            <a:schemeClr val="accent1"/>
+          </a:lnRef>
+          <a:fillRef idx="0">
+            <a:schemeClr val="accent1"/>
+          </a:fillRef>
+          <a:effectRef idx="1">
+            <a:schemeClr val="accent1"/>
+          </a:effectRef>
+          <a:fontRef idx="minor">
+            <a:schemeClr val="tx1"/>
+          </a:fontRef>
+        </p:style>
+      </p:cxnSp>
+      <p:sp>
+        <p:nvSpPr>
+          <p:cNvPr id="8" name="TextBox 7">
+            <a:extLst>
+              <a:ext uri="{FF2B5EF4-FFF2-40B4-BE49-F238E27FC236}">
+                <a16:creationId xmlns:a16="http://schemas.microsoft.com/office/drawing/2014/main" id="{9AB274E0-6200-2C11-BEF1-DE489598ED98}"/>
+              </a:ext>
+            </a:extLst>
+          </p:cNvPr>
+          <p:cNvSpPr txBox="1"/>
+          <p:nvPr/>
+        </p:nvSpPr>
+        <p:spPr>
+          <a:xfrm>
+            <a:off x="7087199" y="4076402"/>
+            <a:ext cx="1882375" cy="276999"/>
+          </a:xfrm>
+          <a:prstGeom prst="rect">
+            <a:avLst/>
+          </a:prstGeom>
+          <a:noFill/>
+        </p:spPr>
+        <p:txBody>
+          <a:bodyPr wrap="none" rtlCol="0">
+            <a:spAutoFit/>
+          </a:bodyPr>
+          <a:lstStyle/>
+          <a:p>
+            <a:r>
+              <a:rPr lang="en-US" sz="1200" dirty="0"/>
+              <a:t>L</a:t>
+            </a:r>
+            <a:r>
+              <a:rPr lang="en-US" sz="1200" baseline="-25000" dirty="0"/>
+              <a:t>RL</a:t>
+            </a:r>
+            <a:r>
+              <a:rPr lang="en-US" sz="1200" dirty="0"/>
+              <a:t> = length of raw lumber</a:t>
+            </a:r>
+          </a:p>
+        </p:txBody>
+      </p:sp>
+      <p:sp>
+        <p:nvSpPr>
+          <p:cNvPr id="21" name="TextBox 20">
+            <a:extLst>
+              <a:ext uri="{FF2B5EF4-FFF2-40B4-BE49-F238E27FC236}">
+                <a16:creationId xmlns:a16="http://schemas.microsoft.com/office/drawing/2014/main" id="{2CAF41B2-9FF9-B32B-9678-1F4DD4AEEE9C}"/>
+              </a:ext>
+            </a:extLst>
+          </p:cNvPr>
+          <p:cNvSpPr txBox="1"/>
+          <p:nvPr/>
+        </p:nvSpPr>
+        <p:spPr>
+          <a:xfrm rot="16200000">
+            <a:off x="3534557" y="3825043"/>
+            <a:ext cx="324128" cy="276999"/>
+          </a:xfrm>
+          <a:prstGeom prst="rect">
+            <a:avLst/>
+          </a:prstGeom>
+          <a:noFill/>
+        </p:spPr>
+        <p:txBody>
+          <a:bodyPr wrap="none" rtlCol="0">
+            <a:spAutoFit/>
+          </a:bodyPr>
+          <a:lstStyle/>
+          <a:p>
+            <a:r>
+              <a:rPr lang="en-US" sz="1200" dirty="0"/>
+              <a:t>L</a:t>
+            </a:r>
+            <a:r>
+              <a:rPr lang="en-US" sz="1200" baseline="-25000" dirty="0"/>
+              <a:t>R</a:t>
+            </a:r>
+          </a:p>
+        </p:txBody>
+      </p:sp>
+      <p:cxnSp>
+        <p:nvCxnSpPr>
+          <p:cNvPr id="28" name="Straight Arrow Connector 27">
+            <a:extLst>
+              <a:ext uri="{FF2B5EF4-FFF2-40B4-BE49-F238E27FC236}">
+                <a16:creationId xmlns:a16="http://schemas.microsoft.com/office/drawing/2014/main" id="{D470BCF8-EF77-1500-D34D-A4EE1D881278}"/>
+              </a:ext>
+            </a:extLst>
+          </p:cNvPr>
+          <p:cNvCxnSpPr>
+            <a:cxnSpLocks/>
+          </p:cNvCxnSpPr>
+          <p:nvPr/>
+        </p:nvCxnSpPr>
+        <p:spPr>
+          <a:xfrm>
+            <a:off x="3614792" y="3602215"/>
+            <a:ext cx="0" cy="625564"/>
+          </a:xfrm>
+          <a:prstGeom prst="straightConnector1">
+            <a:avLst/>
+          </a:prstGeom>
+          <a:ln>
+            <a:solidFill>
+              <a:srgbClr val="00B0F0"/>
+            </a:solidFill>
+            <a:headEnd type="triangle" w="med" len="med"/>
+            <a:tailEnd type="triangle" w="med" len="med"/>
+          </a:ln>
+        </p:spPr>
+        <p:style>
+          <a:lnRef idx="2">
+            <a:schemeClr val="accent1"/>
+          </a:lnRef>
+          <a:fillRef idx="0">
+            <a:schemeClr val="accent1"/>
+          </a:fillRef>
+          <a:effectRef idx="1">
+            <a:schemeClr val="accent1"/>
+          </a:effectRef>
+          <a:fontRef idx="minor">
+            <a:schemeClr val="tx1"/>
+          </a:fontRef>
+        </p:style>
+      </p:cxnSp>
+      <p:cxnSp>
+        <p:nvCxnSpPr>
+          <p:cNvPr id="225" name="Straight Arrow Connector 224">
+            <a:extLst>
+              <a:ext uri="{FF2B5EF4-FFF2-40B4-BE49-F238E27FC236}">
+                <a16:creationId xmlns:a16="http://schemas.microsoft.com/office/drawing/2014/main" id="{87E8D846-C0A2-104D-C769-5C2474901D1A}"/>
+              </a:ext>
+            </a:extLst>
+          </p:cNvPr>
+          <p:cNvCxnSpPr>
+            <a:cxnSpLocks/>
+          </p:cNvCxnSpPr>
+          <p:nvPr/>
+        </p:nvCxnSpPr>
+        <p:spPr>
+          <a:xfrm>
+            <a:off x="3080300" y="3792325"/>
+            <a:ext cx="2686832" cy="0"/>
+          </a:xfrm>
+          <a:prstGeom prst="straightConnector1">
+            <a:avLst/>
+          </a:prstGeom>
+          <a:ln>
+            <a:solidFill>
+              <a:srgbClr val="00B0F0"/>
+            </a:solidFill>
+            <a:headEnd type="triangle" w="med" len="med"/>
+            <a:tailEnd type="triangle" w="med" len="med"/>
+          </a:ln>
+        </p:spPr>
+        <p:style>
+          <a:lnRef idx="2">
+            <a:schemeClr val="accent1"/>
+          </a:lnRef>
+          <a:fillRef idx="0">
+            <a:schemeClr val="accent1"/>
+          </a:fillRef>
+          <a:effectRef idx="1">
+            <a:schemeClr val="accent1"/>
+          </a:effectRef>
+          <a:fontRef idx="minor">
+            <a:schemeClr val="tx1"/>
+          </a:fontRef>
+        </p:style>
+      </p:cxnSp>
+      <p:sp>
+        <p:nvSpPr>
+          <p:cNvPr id="226" name="TextBox 225">
+            <a:extLst>
+              <a:ext uri="{FF2B5EF4-FFF2-40B4-BE49-F238E27FC236}">
+                <a16:creationId xmlns:a16="http://schemas.microsoft.com/office/drawing/2014/main" id="{8B8D8802-94F8-1247-0C4E-CC314ED2315D}"/>
+              </a:ext>
+            </a:extLst>
+          </p:cNvPr>
+          <p:cNvSpPr txBox="1"/>
+          <p:nvPr/>
+        </p:nvSpPr>
+        <p:spPr>
+          <a:xfrm>
+            <a:off x="3914552" y="3729698"/>
+            <a:ext cx="301942" cy="276999"/>
+          </a:xfrm>
+          <a:prstGeom prst="rect">
+            <a:avLst/>
+          </a:prstGeom>
+          <a:noFill/>
+        </p:spPr>
+        <p:txBody>
+          <a:bodyPr wrap="none" rtlCol="0">
+            <a:spAutoFit/>
+          </a:bodyPr>
+          <a:lstStyle/>
+          <a:p>
+            <a:r>
+              <a:rPr lang="en-US" sz="1200" dirty="0"/>
+              <a:t>L</a:t>
+            </a:r>
+            <a:r>
+              <a:rPr lang="en-US" sz="1200" baseline="-25000" dirty="0"/>
+              <a:t>T</a:t>
+            </a:r>
+          </a:p>
+        </p:txBody>
+      </p:sp>
+    </p:spTree>
+    <p:extLst>
+      <p:ext uri="{BB962C8B-B14F-4D97-AF65-F5344CB8AC3E}">
+        <p14:creationId xmlns:p14="http://schemas.microsoft.com/office/powerpoint/2010/main" val="3977371626"/>
       </p:ext>
     </p:extLst>
   </p:cSld>

--- a/SDK/Construction/StairsGeometry_GRAPHICS.pptx
+++ b/SDK/Construction/StairsGeometry_GRAPHICS.pptx
@@ -10,6 +10,7 @@
     <p:sldId id="259" r:id="rId4"/>
     <p:sldId id="260" r:id="rId5"/>
     <p:sldId id="261" r:id="rId6"/>
+    <p:sldId id="262" r:id="rId7"/>
   </p:sldIdLst>
   <p:sldSz cx="12192000" cy="6858000"/>
   <p:notesSz cx="6858000" cy="9144000"/>
@@ -788,7 +789,7 @@
           <a:p>
             <a:fld id="{A0DEC47B-27FD-4F4B-9EEB-855099A299C4}" type="datetimeFigureOut">
               <a:rPr lang="en-US" smtClean="0"/>
-              <a:t>7/2/2025</a:t>
+              <a:t>7/3/2025</a:t>
             </a:fld>
             <a:endParaRPr lang="en-US"/>
           </a:p>
@@ -986,7 +987,7 @@
           <a:p>
             <a:fld id="{A0DEC47B-27FD-4F4B-9EEB-855099A299C4}" type="datetimeFigureOut">
               <a:rPr lang="en-US" smtClean="0"/>
-              <a:t>7/2/2025</a:t>
+              <a:t>7/3/2025</a:t>
             </a:fld>
             <a:endParaRPr lang="en-US"/>
           </a:p>
@@ -1194,7 +1195,7 @@
           <a:p>
             <a:fld id="{A0DEC47B-27FD-4F4B-9EEB-855099A299C4}" type="datetimeFigureOut">
               <a:rPr lang="en-US" smtClean="0"/>
-              <a:t>7/2/2025</a:t>
+              <a:t>7/3/2025</a:t>
             </a:fld>
             <a:endParaRPr lang="en-US"/>
           </a:p>
@@ -1392,7 +1393,7 @@
           <a:p>
             <a:fld id="{A0DEC47B-27FD-4F4B-9EEB-855099A299C4}" type="datetimeFigureOut">
               <a:rPr lang="en-US" smtClean="0"/>
-              <a:t>7/2/2025</a:t>
+              <a:t>7/3/2025</a:t>
             </a:fld>
             <a:endParaRPr lang="en-US"/>
           </a:p>
@@ -1667,7 +1668,7 @@
           <a:p>
             <a:fld id="{A0DEC47B-27FD-4F4B-9EEB-855099A299C4}" type="datetimeFigureOut">
               <a:rPr lang="en-US" smtClean="0"/>
-              <a:t>7/2/2025</a:t>
+              <a:t>7/3/2025</a:t>
             </a:fld>
             <a:endParaRPr lang="en-US"/>
           </a:p>
@@ -1932,7 +1933,7 @@
           <a:p>
             <a:fld id="{A0DEC47B-27FD-4F4B-9EEB-855099A299C4}" type="datetimeFigureOut">
               <a:rPr lang="en-US" smtClean="0"/>
-              <a:t>7/2/2025</a:t>
+              <a:t>7/3/2025</a:t>
             </a:fld>
             <a:endParaRPr lang="en-US"/>
           </a:p>
@@ -2344,7 +2345,7 @@
           <a:p>
             <a:fld id="{A0DEC47B-27FD-4F4B-9EEB-855099A299C4}" type="datetimeFigureOut">
               <a:rPr lang="en-US" smtClean="0"/>
-              <a:t>7/2/2025</a:t>
+              <a:t>7/3/2025</a:t>
             </a:fld>
             <a:endParaRPr lang="en-US"/>
           </a:p>
@@ -2485,7 +2486,7 @@
           <a:p>
             <a:fld id="{A0DEC47B-27FD-4F4B-9EEB-855099A299C4}" type="datetimeFigureOut">
               <a:rPr lang="en-US" smtClean="0"/>
-              <a:t>7/2/2025</a:t>
+              <a:t>7/3/2025</a:t>
             </a:fld>
             <a:endParaRPr lang="en-US"/>
           </a:p>
@@ -2598,7 +2599,7 @@
           <a:p>
             <a:fld id="{A0DEC47B-27FD-4F4B-9EEB-855099A299C4}" type="datetimeFigureOut">
               <a:rPr lang="en-US" smtClean="0"/>
-              <a:t>7/2/2025</a:t>
+              <a:t>7/3/2025</a:t>
             </a:fld>
             <a:endParaRPr lang="en-US"/>
           </a:p>
@@ -2909,7 +2910,7 @@
           <a:p>
             <a:fld id="{A0DEC47B-27FD-4F4B-9EEB-855099A299C4}" type="datetimeFigureOut">
               <a:rPr lang="en-US" smtClean="0"/>
-              <a:t>7/2/2025</a:t>
+              <a:t>7/3/2025</a:t>
             </a:fld>
             <a:endParaRPr lang="en-US"/>
           </a:p>
@@ -3197,7 +3198,7 @@
           <a:p>
             <a:fld id="{A0DEC47B-27FD-4F4B-9EEB-855099A299C4}" type="datetimeFigureOut">
               <a:rPr lang="en-US" smtClean="0"/>
-              <a:t>7/2/2025</a:t>
+              <a:t>7/3/2025</a:t>
             </a:fld>
             <a:endParaRPr lang="en-US"/>
           </a:p>
@@ -3438,7 +3439,7 @@
           <a:p>
             <a:fld id="{A0DEC47B-27FD-4F4B-9EEB-855099A299C4}" type="datetimeFigureOut">
               <a:rPr lang="en-US" smtClean="0"/>
-              <a:t>7/2/2025</a:t>
+              <a:t>7/3/2025</a:t>
             </a:fld>
             <a:endParaRPr lang="en-US"/>
           </a:p>
@@ -28810,8 +28811,8 @@
           </a:p>
         </p:txBody>
       </p:sp>
-      <mc:AlternateContent xmlns:mc="http://schemas.openxmlformats.org/markup-compatibility/2006">
-        <mc:Choice xmlns:a14="http://schemas.microsoft.com/office/drawing/2010/main" Requires="a14">
+      <mc:AlternateContent xmlns:mc="http://schemas.openxmlformats.org/markup-compatibility/2006" xmlns:a14="http://schemas.microsoft.com/office/drawing/2010/main">
+        <mc:Choice Requires="a14">
           <p:sp>
             <p:nvSpPr>
               <p:cNvPr id="177" name="TextBox 176">
@@ -28861,7 +28862,7 @@
             </p:txBody>
           </p:sp>
         </mc:Choice>
-        <mc:Fallback>
+        <mc:Fallback xmlns="">
           <p:sp>
             <p:nvSpPr>
               <p:cNvPr id="177" name="TextBox 176">
@@ -29962,6 +29963,5850 @@
     <p:extLst>
       <p:ext uri="{BB962C8B-B14F-4D97-AF65-F5344CB8AC3E}">
         <p14:creationId xmlns:p14="http://schemas.microsoft.com/office/powerpoint/2010/main" val="3977371626"/>
+      </p:ext>
+    </p:extLst>
+  </p:cSld>
+  <p:clrMapOvr>
+    <a:masterClrMapping/>
+  </p:clrMapOvr>
+</p:sld>
+</file>
+
+<file path=ppt/slides/slide6.xml><?xml version="1.0" encoding="utf-8"?>
+<p:sld xmlns:a="http://schemas.openxmlformats.org/drawingml/2006/main" xmlns:r="http://schemas.openxmlformats.org/officeDocument/2006/relationships" xmlns:p="http://schemas.openxmlformats.org/presentationml/2006/main">
+  <p:cSld>
+    <p:spTree>
+      <p:nvGrpSpPr>
+        <p:cNvPr id="1" name="">
+          <a:extLst>
+            <a:ext uri="{FF2B5EF4-FFF2-40B4-BE49-F238E27FC236}">
+              <a16:creationId xmlns:a16="http://schemas.microsoft.com/office/drawing/2014/main" id="{EF63CC9C-7570-8F99-840F-875EA027A7DA}"/>
+            </a:ext>
+          </a:extLst>
+        </p:cNvPr>
+        <p:cNvGrpSpPr/>
+        <p:nvPr/>
+      </p:nvGrpSpPr>
+      <p:grpSpPr>
+        <a:xfrm>
+          <a:off x="0" y="0"/>
+          <a:ext cx="0" cy="0"/>
+          <a:chOff x="0" y="0"/>
+          <a:chExt cx="0" cy="0"/>
+        </a:xfrm>
+      </p:grpSpPr>
+      <p:cxnSp>
+        <p:nvCxnSpPr>
+          <p:cNvPr id="4" name="Straight Connector 3">
+            <a:extLst>
+              <a:ext uri="{FF2B5EF4-FFF2-40B4-BE49-F238E27FC236}">
+                <a16:creationId xmlns:a16="http://schemas.microsoft.com/office/drawing/2014/main" id="{3FEF2BBF-ADB2-46B5-393A-E154D5BA83E9}"/>
+              </a:ext>
+            </a:extLst>
+          </p:cNvPr>
+          <p:cNvCxnSpPr>
+            <a:cxnSpLocks/>
+          </p:cNvCxnSpPr>
+          <p:nvPr/>
+        </p:nvCxnSpPr>
+        <p:spPr>
+          <a:xfrm flipV="1">
+            <a:off x="1598206" y="2312178"/>
+            <a:ext cx="9077157" cy="3837717"/>
+          </a:xfrm>
+          <a:prstGeom prst="line">
+            <a:avLst/>
+          </a:prstGeom>
+          <a:noFill/>
+          <a:ln w="38100">
+            <a:solidFill>
+              <a:srgbClr val="996600"/>
+            </a:solidFill>
+          </a:ln>
+        </p:spPr>
+        <p:style>
+          <a:lnRef idx="2">
+            <a:schemeClr val="accent1">
+              <a:shade val="15000"/>
+            </a:schemeClr>
+          </a:lnRef>
+          <a:fillRef idx="1">
+            <a:schemeClr val="accent1"/>
+          </a:fillRef>
+          <a:effectRef idx="0">
+            <a:schemeClr val="accent1"/>
+          </a:effectRef>
+          <a:fontRef idx="minor">
+            <a:schemeClr val="lt1"/>
+          </a:fontRef>
+        </p:style>
+      </p:cxnSp>
+      <p:sp>
+        <p:nvSpPr>
+          <p:cNvPr id="10" name="TextBox 9">
+            <a:extLst>
+              <a:ext uri="{FF2B5EF4-FFF2-40B4-BE49-F238E27FC236}">
+                <a16:creationId xmlns:a16="http://schemas.microsoft.com/office/drawing/2014/main" id="{D821ACE8-119E-EFF9-550F-BAD3B3441274}"/>
+              </a:ext>
+            </a:extLst>
+          </p:cNvPr>
+          <p:cNvSpPr txBox="1"/>
+          <p:nvPr/>
+        </p:nvSpPr>
+        <p:spPr>
+          <a:xfrm>
+            <a:off x="10884766" y="3836057"/>
+            <a:ext cx="550151" cy="369332"/>
+          </a:xfrm>
+          <a:prstGeom prst="rect">
+            <a:avLst/>
+          </a:prstGeom>
+          <a:noFill/>
+        </p:spPr>
+        <p:txBody>
+          <a:bodyPr wrap="none" rtlCol="0">
+            <a:spAutoFit/>
+          </a:bodyPr>
+          <a:lstStyle/>
+          <a:p>
+            <a:r>
+              <a:rPr lang="en-US" dirty="0"/>
+              <a:t>rise</a:t>
+            </a:r>
+          </a:p>
+        </p:txBody>
+      </p:sp>
+      <p:sp>
+        <p:nvSpPr>
+          <p:cNvPr id="13" name="TextBox 12">
+            <a:extLst>
+              <a:ext uri="{FF2B5EF4-FFF2-40B4-BE49-F238E27FC236}">
+                <a16:creationId xmlns:a16="http://schemas.microsoft.com/office/drawing/2014/main" id="{C9E0867A-5CAB-F0DC-A310-AEE168F9FD5A}"/>
+              </a:ext>
+            </a:extLst>
+          </p:cNvPr>
+          <p:cNvSpPr txBox="1"/>
+          <p:nvPr/>
+        </p:nvSpPr>
+        <p:spPr>
+          <a:xfrm>
+            <a:off x="5738193" y="5379100"/>
+            <a:ext cx="516488" cy="369332"/>
+          </a:xfrm>
+          <a:prstGeom prst="rect">
+            <a:avLst/>
+          </a:prstGeom>
+          <a:noFill/>
+        </p:spPr>
+        <p:txBody>
+          <a:bodyPr wrap="none" rtlCol="0">
+            <a:spAutoFit/>
+          </a:bodyPr>
+          <a:lstStyle/>
+          <a:p>
+            <a:r>
+              <a:rPr lang="en-US" dirty="0"/>
+              <a:t>run</a:t>
+            </a:r>
+          </a:p>
+        </p:txBody>
+      </p:sp>
+      <p:cxnSp>
+        <p:nvCxnSpPr>
+          <p:cNvPr id="15" name="Straight Arrow Connector 14">
+            <a:extLst>
+              <a:ext uri="{FF2B5EF4-FFF2-40B4-BE49-F238E27FC236}">
+                <a16:creationId xmlns:a16="http://schemas.microsoft.com/office/drawing/2014/main" id="{6742CCFC-84FC-00DD-907F-8E0493046761}"/>
+              </a:ext>
+            </a:extLst>
+          </p:cNvPr>
+          <p:cNvCxnSpPr>
+            <a:cxnSpLocks/>
+          </p:cNvCxnSpPr>
+          <p:nvPr/>
+        </p:nvCxnSpPr>
+        <p:spPr>
+          <a:xfrm>
+            <a:off x="567100" y="5401101"/>
+            <a:ext cx="10055751" cy="0"/>
+          </a:xfrm>
+          <a:prstGeom prst="straightConnector1">
+            <a:avLst/>
+          </a:prstGeom>
+          <a:ln>
+            <a:solidFill>
+              <a:srgbClr val="00B0F0"/>
+            </a:solidFill>
+            <a:headEnd type="triangle" w="med" len="med"/>
+            <a:tailEnd type="triangle" w="med" len="med"/>
+          </a:ln>
+        </p:spPr>
+        <p:style>
+          <a:lnRef idx="2">
+            <a:schemeClr val="accent1"/>
+          </a:lnRef>
+          <a:fillRef idx="0">
+            <a:schemeClr val="accent1"/>
+          </a:fillRef>
+          <a:effectRef idx="1">
+            <a:schemeClr val="accent1"/>
+          </a:effectRef>
+          <a:fontRef idx="minor">
+            <a:schemeClr val="tx1"/>
+          </a:fontRef>
+        </p:style>
+      </p:cxnSp>
+      <p:cxnSp>
+        <p:nvCxnSpPr>
+          <p:cNvPr id="25" name="Straight Arrow Connector 24">
+            <a:extLst>
+              <a:ext uri="{FF2B5EF4-FFF2-40B4-BE49-F238E27FC236}">
+                <a16:creationId xmlns:a16="http://schemas.microsoft.com/office/drawing/2014/main" id="{025A0883-3EE9-CBD4-A59A-8BF9D40D1165}"/>
+              </a:ext>
+            </a:extLst>
+          </p:cNvPr>
+          <p:cNvCxnSpPr>
+            <a:cxnSpLocks/>
+          </p:cNvCxnSpPr>
+          <p:nvPr/>
+        </p:nvCxnSpPr>
+        <p:spPr>
+          <a:xfrm>
+            <a:off x="10821052" y="1076835"/>
+            <a:ext cx="0" cy="4219274"/>
+          </a:xfrm>
+          <a:prstGeom prst="straightConnector1">
+            <a:avLst/>
+          </a:prstGeom>
+          <a:ln>
+            <a:solidFill>
+              <a:srgbClr val="00B0F0"/>
+            </a:solidFill>
+            <a:headEnd type="triangle" w="med" len="med"/>
+            <a:tailEnd type="triangle" w="med" len="med"/>
+          </a:ln>
+        </p:spPr>
+        <p:style>
+          <a:lnRef idx="2">
+            <a:schemeClr val="accent1"/>
+          </a:lnRef>
+          <a:fillRef idx="0">
+            <a:schemeClr val="accent1"/>
+          </a:fillRef>
+          <a:effectRef idx="1">
+            <a:schemeClr val="accent1"/>
+          </a:effectRef>
+          <a:fontRef idx="minor">
+            <a:schemeClr val="tx1"/>
+          </a:fontRef>
+        </p:style>
+      </p:cxnSp>
+      <p:sp>
+        <p:nvSpPr>
+          <p:cNvPr id="30" name="Rectangle 29">
+            <a:extLst>
+              <a:ext uri="{FF2B5EF4-FFF2-40B4-BE49-F238E27FC236}">
+                <a16:creationId xmlns:a16="http://schemas.microsoft.com/office/drawing/2014/main" id="{2C5C60DA-839B-1A1A-3F4B-5B6B78F5C183}"/>
+              </a:ext>
+            </a:extLst>
+          </p:cNvPr>
+          <p:cNvSpPr/>
+          <p:nvPr/>
+        </p:nvSpPr>
+        <p:spPr>
+          <a:xfrm>
+            <a:off x="10683582" y="1351492"/>
+            <a:ext cx="1391034" cy="776298"/>
+          </a:xfrm>
+          <a:prstGeom prst="rect">
+            <a:avLst/>
+          </a:prstGeom>
+          <a:noFill/>
+          <a:ln>
+            <a:solidFill>
+              <a:schemeClr val="tx1"/>
+            </a:solidFill>
+          </a:ln>
+        </p:spPr>
+        <p:style>
+          <a:lnRef idx="2">
+            <a:schemeClr val="accent1">
+              <a:shade val="15000"/>
+            </a:schemeClr>
+          </a:lnRef>
+          <a:fillRef idx="1">
+            <a:schemeClr val="accent1"/>
+          </a:fillRef>
+          <a:effectRef idx="0">
+            <a:schemeClr val="accent1"/>
+          </a:effectRef>
+          <a:fontRef idx="minor">
+            <a:schemeClr val="lt1"/>
+          </a:fontRef>
+        </p:style>
+        <p:txBody>
+          <a:bodyPr rtlCol="0" anchor="ctr"/>
+          <a:lstStyle/>
+          <a:p>
+            <a:pPr algn="ctr"/>
+            <a:endParaRPr lang="en-US"/>
+          </a:p>
+        </p:txBody>
+      </p:sp>
+      <p:sp>
+        <p:nvSpPr>
+          <p:cNvPr id="33" name="TextBox 32">
+            <a:extLst>
+              <a:ext uri="{FF2B5EF4-FFF2-40B4-BE49-F238E27FC236}">
+                <a16:creationId xmlns:a16="http://schemas.microsoft.com/office/drawing/2014/main" id="{500D17C8-7521-0C3B-A4BE-CBC6E819EFAE}"/>
+              </a:ext>
+            </a:extLst>
+          </p:cNvPr>
+          <p:cNvSpPr txBox="1"/>
+          <p:nvPr/>
+        </p:nvSpPr>
+        <p:spPr>
+          <a:xfrm>
+            <a:off x="10899020" y="1417921"/>
+            <a:ext cx="1210902" cy="646331"/>
+          </a:xfrm>
+          <a:prstGeom prst="rect">
+            <a:avLst/>
+          </a:prstGeom>
+          <a:noFill/>
+        </p:spPr>
+        <p:txBody>
+          <a:bodyPr wrap="square" rtlCol="0">
+            <a:spAutoFit/>
+          </a:bodyPr>
+          <a:lstStyle/>
+          <a:p>
+            <a:r>
+              <a:rPr lang="en-US" dirty="0"/>
+              <a:t>Top floor subfloor</a:t>
+            </a:r>
+          </a:p>
+        </p:txBody>
+      </p:sp>
+      <p:sp>
+        <p:nvSpPr>
+          <p:cNvPr id="38" name="TextBox 37">
+            <a:extLst>
+              <a:ext uri="{FF2B5EF4-FFF2-40B4-BE49-F238E27FC236}">
+                <a16:creationId xmlns:a16="http://schemas.microsoft.com/office/drawing/2014/main" id="{FDF0650C-355B-F069-ACA0-FD55A499E7B0}"/>
+              </a:ext>
+            </a:extLst>
+          </p:cNvPr>
+          <p:cNvSpPr txBox="1"/>
+          <p:nvPr/>
+        </p:nvSpPr>
+        <p:spPr>
+          <a:xfrm>
+            <a:off x="7348294" y="6254130"/>
+            <a:ext cx="2304285" cy="369332"/>
+          </a:xfrm>
+          <a:prstGeom prst="rect">
+            <a:avLst/>
+          </a:prstGeom>
+          <a:noFill/>
+        </p:spPr>
+        <p:txBody>
+          <a:bodyPr wrap="none" rtlCol="0">
+            <a:spAutoFit/>
+          </a:bodyPr>
+          <a:lstStyle/>
+          <a:p>
+            <a:r>
+              <a:rPr lang="en-US" dirty="0"/>
+              <a:t>Bottom floor subfloor</a:t>
+            </a:r>
+          </a:p>
+        </p:txBody>
+      </p:sp>
+      <p:sp>
+        <p:nvSpPr>
+          <p:cNvPr id="40" name="Rectangle 39">
+            <a:extLst>
+              <a:ext uri="{FF2B5EF4-FFF2-40B4-BE49-F238E27FC236}">
+                <a16:creationId xmlns:a16="http://schemas.microsoft.com/office/drawing/2014/main" id="{F25CBAD7-7E09-398B-C441-88B0369E63A7}"/>
+              </a:ext>
+            </a:extLst>
+          </p:cNvPr>
+          <p:cNvSpPr/>
+          <p:nvPr/>
+        </p:nvSpPr>
+        <p:spPr>
+          <a:xfrm>
+            <a:off x="156219" y="6153705"/>
+            <a:ext cx="11735546" cy="472921"/>
+          </a:xfrm>
+          <a:prstGeom prst="rect">
+            <a:avLst/>
+          </a:prstGeom>
+          <a:noFill/>
+          <a:ln>
+            <a:solidFill>
+              <a:schemeClr val="tx1"/>
+            </a:solidFill>
+          </a:ln>
+        </p:spPr>
+        <p:style>
+          <a:lnRef idx="2">
+            <a:schemeClr val="accent1">
+              <a:shade val="15000"/>
+            </a:schemeClr>
+          </a:lnRef>
+          <a:fillRef idx="1">
+            <a:schemeClr val="accent1"/>
+          </a:fillRef>
+          <a:effectRef idx="0">
+            <a:schemeClr val="accent1"/>
+          </a:effectRef>
+          <a:fontRef idx="minor">
+            <a:schemeClr val="lt1"/>
+          </a:fontRef>
+        </p:style>
+        <p:txBody>
+          <a:bodyPr rtlCol="0" anchor="ctr"/>
+          <a:lstStyle/>
+          <a:p>
+            <a:pPr algn="ctr"/>
+            <a:endParaRPr lang="en-US"/>
+          </a:p>
+        </p:txBody>
+      </p:sp>
+      <p:sp>
+        <p:nvSpPr>
+          <p:cNvPr id="41" name="TextBox 40">
+            <a:extLst>
+              <a:ext uri="{FF2B5EF4-FFF2-40B4-BE49-F238E27FC236}">
+                <a16:creationId xmlns:a16="http://schemas.microsoft.com/office/drawing/2014/main" id="{D074731E-24A4-23D8-7788-6E2FF2B70A22}"/>
+              </a:ext>
+            </a:extLst>
+          </p:cNvPr>
+          <p:cNvSpPr txBox="1"/>
+          <p:nvPr/>
+        </p:nvSpPr>
+        <p:spPr>
+          <a:xfrm>
+            <a:off x="1540059" y="4682414"/>
+            <a:ext cx="810286" cy="369332"/>
+          </a:xfrm>
+          <a:prstGeom prst="rect">
+            <a:avLst/>
+          </a:prstGeom>
+          <a:noFill/>
+        </p:spPr>
+        <p:txBody>
+          <a:bodyPr wrap="none" rtlCol="0">
+            <a:spAutoFit/>
+          </a:bodyPr>
+          <a:lstStyle/>
+          <a:p>
+            <a:r>
+              <a:rPr lang="en-US" dirty="0"/>
+              <a:t>Step 1</a:t>
+            </a:r>
+          </a:p>
+        </p:txBody>
+      </p:sp>
+      <p:sp>
+        <p:nvSpPr>
+          <p:cNvPr id="67" name="TextBox 66">
+            <a:extLst>
+              <a:ext uri="{FF2B5EF4-FFF2-40B4-BE49-F238E27FC236}">
+                <a16:creationId xmlns:a16="http://schemas.microsoft.com/office/drawing/2014/main" id="{3C770523-FB61-4417-5B9D-9CB77D0F3676}"/>
+              </a:ext>
+            </a:extLst>
+          </p:cNvPr>
+          <p:cNvSpPr txBox="1"/>
+          <p:nvPr/>
+        </p:nvSpPr>
+        <p:spPr>
+          <a:xfrm rot="16200000">
+            <a:off x="-40471" y="4659643"/>
+            <a:ext cx="729687" cy="276999"/>
+          </a:xfrm>
+          <a:prstGeom prst="rect">
+            <a:avLst/>
+          </a:prstGeom>
+          <a:noFill/>
+        </p:spPr>
+        <p:txBody>
+          <a:bodyPr wrap="none" rtlCol="0">
+            <a:spAutoFit/>
+          </a:bodyPr>
+          <a:lstStyle/>
+          <a:p>
+            <a:r>
+              <a:rPr lang="en-US" sz="1200" dirty="0" err="1"/>
+              <a:t>unitRise</a:t>
+            </a:r>
+            <a:endParaRPr lang="en-US" sz="1200" dirty="0"/>
+          </a:p>
+        </p:txBody>
+      </p:sp>
+      <p:cxnSp>
+        <p:nvCxnSpPr>
+          <p:cNvPr id="75" name="Straight Arrow Connector 74">
+            <a:extLst>
+              <a:ext uri="{FF2B5EF4-FFF2-40B4-BE49-F238E27FC236}">
+                <a16:creationId xmlns:a16="http://schemas.microsoft.com/office/drawing/2014/main" id="{060A5246-D8D6-1E24-9A2E-98B2A401643B}"/>
+              </a:ext>
+            </a:extLst>
+          </p:cNvPr>
+          <p:cNvCxnSpPr>
+            <a:cxnSpLocks/>
+          </p:cNvCxnSpPr>
+          <p:nvPr/>
+        </p:nvCxnSpPr>
+        <p:spPr>
+          <a:xfrm>
+            <a:off x="486046" y="4275758"/>
+            <a:ext cx="0" cy="1058961"/>
+          </a:xfrm>
+          <a:prstGeom prst="straightConnector1">
+            <a:avLst/>
+          </a:prstGeom>
+          <a:ln>
+            <a:solidFill>
+              <a:srgbClr val="00B0F0"/>
+            </a:solidFill>
+            <a:headEnd type="triangle" w="med" len="med"/>
+            <a:tailEnd type="triangle" w="med" len="med"/>
+          </a:ln>
+        </p:spPr>
+        <p:style>
+          <a:lnRef idx="2">
+            <a:schemeClr val="accent1"/>
+          </a:lnRef>
+          <a:fillRef idx="0">
+            <a:schemeClr val="accent1"/>
+          </a:fillRef>
+          <a:effectRef idx="1">
+            <a:schemeClr val="accent1"/>
+          </a:effectRef>
+          <a:fontRef idx="minor">
+            <a:schemeClr val="tx1"/>
+          </a:fontRef>
+        </p:style>
+      </p:cxnSp>
+      <p:sp>
+        <p:nvSpPr>
+          <p:cNvPr id="113" name="TextBox 112">
+            <a:extLst>
+              <a:ext uri="{FF2B5EF4-FFF2-40B4-BE49-F238E27FC236}">
+                <a16:creationId xmlns:a16="http://schemas.microsoft.com/office/drawing/2014/main" id="{EA4BF197-A302-FD27-DB4F-1739DFCA0AA9}"/>
+              </a:ext>
+            </a:extLst>
+          </p:cNvPr>
+          <p:cNvSpPr txBox="1"/>
+          <p:nvPr/>
+        </p:nvSpPr>
+        <p:spPr>
+          <a:xfrm>
+            <a:off x="4087354" y="3628202"/>
+            <a:ext cx="810286" cy="369332"/>
+          </a:xfrm>
+          <a:prstGeom prst="rect">
+            <a:avLst/>
+          </a:prstGeom>
+          <a:noFill/>
+        </p:spPr>
+        <p:txBody>
+          <a:bodyPr wrap="none" rtlCol="0">
+            <a:spAutoFit/>
+          </a:bodyPr>
+          <a:lstStyle/>
+          <a:p>
+            <a:r>
+              <a:rPr lang="en-US" dirty="0"/>
+              <a:t>Step 2</a:t>
+            </a:r>
+          </a:p>
+        </p:txBody>
+      </p:sp>
+      <p:cxnSp>
+        <p:nvCxnSpPr>
+          <p:cNvPr id="118" name="Straight Arrow Connector 117">
+            <a:extLst>
+              <a:ext uri="{FF2B5EF4-FFF2-40B4-BE49-F238E27FC236}">
+                <a16:creationId xmlns:a16="http://schemas.microsoft.com/office/drawing/2014/main" id="{6E8C3C6B-1980-95DE-402C-B00A07289D3A}"/>
+              </a:ext>
+            </a:extLst>
+          </p:cNvPr>
+          <p:cNvCxnSpPr>
+            <a:cxnSpLocks/>
+          </p:cNvCxnSpPr>
+          <p:nvPr/>
+        </p:nvCxnSpPr>
+        <p:spPr>
+          <a:xfrm>
+            <a:off x="567100" y="4134387"/>
+            <a:ext cx="2484158" cy="0"/>
+          </a:xfrm>
+          <a:prstGeom prst="straightConnector1">
+            <a:avLst/>
+          </a:prstGeom>
+          <a:ln>
+            <a:solidFill>
+              <a:srgbClr val="00B0F0"/>
+            </a:solidFill>
+            <a:headEnd type="triangle" w="med" len="med"/>
+            <a:tailEnd type="triangle" w="med" len="med"/>
+          </a:ln>
+        </p:spPr>
+        <p:style>
+          <a:lnRef idx="2">
+            <a:schemeClr val="accent1"/>
+          </a:lnRef>
+          <a:fillRef idx="0">
+            <a:schemeClr val="accent1"/>
+          </a:fillRef>
+          <a:effectRef idx="1">
+            <a:schemeClr val="accent1"/>
+          </a:effectRef>
+          <a:fontRef idx="minor">
+            <a:schemeClr val="tx1"/>
+          </a:fontRef>
+        </p:style>
+      </p:cxnSp>
+      <p:sp>
+        <p:nvSpPr>
+          <p:cNvPr id="121" name="TextBox 120">
+            <a:extLst>
+              <a:ext uri="{FF2B5EF4-FFF2-40B4-BE49-F238E27FC236}">
+                <a16:creationId xmlns:a16="http://schemas.microsoft.com/office/drawing/2014/main" id="{1965B2B1-6F9C-9BB4-C461-E649FEF7B20A}"/>
+              </a:ext>
+            </a:extLst>
+          </p:cNvPr>
+          <p:cNvSpPr txBox="1"/>
+          <p:nvPr/>
+        </p:nvSpPr>
+        <p:spPr>
+          <a:xfrm>
+            <a:off x="6118248" y="2537624"/>
+            <a:ext cx="1937903" cy="369332"/>
+          </a:xfrm>
+          <a:prstGeom prst="rect">
+            <a:avLst/>
+          </a:prstGeom>
+          <a:noFill/>
+        </p:spPr>
+        <p:txBody>
+          <a:bodyPr wrap="none" rtlCol="0">
+            <a:spAutoFit/>
+          </a:bodyPr>
+          <a:lstStyle/>
+          <a:p>
+            <a:r>
+              <a:rPr lang="en-US" dirty="0"/>
+              <a:t>Step numSteps-1</a:t>
+            </a:r>
+          </a:p>
+        </p:txBody>
+      </p:sp>
+      <p:sp>
+        <p:nvSpPr>
+          <p:cNvPr id="129" name="TextBox 128">
+            <a:extLst>
+              <a:ext uri="{FF2B5EF4-FFF2-40B4-BE49-F238E27FC236}">
+                <a16:creationId xmlns:a16="http://schemas.microsoft.com/office/drawing/2014/main" id="{88925218-B740-C300-3DAC-EA91A715E980}"/>
+              </a:ext>
+            </a:extLst>
+          </p:cNvPr>
+          <p:cNvSpPr txBox="1"/>
+          <p:nvPr/>
+        </p:nvSpPr>
+        <p:spPr>
+          <a:xfrm>
+            <a:off x="8576612" y="1485254"/>
+            <a:ext cx="1706814" cy="369332"/>
+          </a:xfrm>
+          <a:prstGeom prst="rect">
+            <a:avLst/>
+          </a:prstGeom>
+          <a:noFill/>
+        </p:spPr>
+        <p:txBody>
+          <a:bodyPr wrap="none" rtlCol="0">
+            <a:spAutoFit/>
+          </a:bodyPr>
+          <a:lstStyle/>
+          <a:p>
+            <a:r>
+              <a:rPr lang="en-US" dirty="0"/>
+              <a:t>Step </a:t>
+            </a:r>
+            <a:r>
+              <a:rPr lang="en-US" dirty="0" err="1"/>
+              <a:t>numSteps</a:t>
+            </a:r>
+            <a:endParaRPr lang="en-US" dirty="0"/>
+          </a:p>
+        </p:txBody>
+      </p:sp>
+      <p:sp>
+        <p:nvSpPr>
+          <p:cNvPr id="138" name="TextBox 137">
+            <a:extLst>
+              <a:ext uri="{FF2B5EF4-FFF2-40B4-BE49-F238E27FC236}">
+                <a16:creationId xmlns:a16="http://schemas.microsoft.com/office/drawing/2014/main" id="{26C770FF-5C29-E808-6850-9BD56D3FBBA5}"/>
+              </a:ext>
+            </a:extLst>
+          </p:cNvPr>
+          <p:cNvSpPr txBox="1"/>
+          <p:nvPr/>
+        </p:nvSpPr>
+        <p:spPr>
+          <a:xfrm>
+            <a:off x="75661" y="46708"/>
+            <a:ext cx="1451488" cy="369332"/>
+          </a:xfrm>
+          <a:prstGeom prst="rect">
+            <a:avLst/>
+          </a:prstGeom>
+          <a:noFill/>
+        </p:spPr>
+        <p:txBody>
+          <a:bodyPr wrap="none" rtlCol="0">
+            <a:spAutoFit/>
+          </a:bodyPr>
+          <a:lstStyle/>
+          <a:p>
+            <a:r>
+              <a:rPr lang="en-US" dirty="0" err="1"/>
+              <a:t>numSteps</a:t>
+            </a:r>
+            <a:r>
+              <a:rPr lang="en-US" dirty="0"/>
+              <a:t>=4</a:t>
+            </a:r>
+          </a:p>
+        </p:txBody>
+      </p:sp>
+      <p:sp>
+        <p:nvSpPr>
+          <p:cNvPr id="2" name="Oval 1">
+            <a:extLst>
+              <a:ext uri="{FF2B5EF4-FFF2-40B4-BE49-F238E27FC236}">
+                <a16:creationId xmlns:a16="http://schemas.microsoft.com/office/drawing/2014/main" id="{3858F453-CD32-4540-54D1-9056F4DD068A}"/>
+              </a:ext>
+            </a:extLst>
+          </p:cNvPr>
+          <p:cNvSpPr/>
+          <p:nvPr/>
+        </p:nvSpPr>
+        <p:spPr>
+          <a:xfrm>
+            <a:off x="10526565" y="1423048"/>
+            <a:ext cx="243421" cy="243421"/>
+          </a:xfrm>
+          <a:prstGeom prst="ellipse">
+            <a:avLst/>
+          </a:prstGeom>
+          <a:noFill/>
+          <a:ln>
+            <a:solidFill>
+              <a:srgbClr val="FF0000"/>
+            </a:solidFill>
+          </a:ln>
+        </p:spPr>
+        <p:style>
+          <a:lnRef idx="2">
+            <a:schemeClr val="accent1">
+              <a:shade val="15000"/>
+            </a:schemeClr>
+          </a:lnRef>
+          <a:fillRef idx="1">
+            <a:schemeClr val="accent1"/>
+          </a:fillRef>
+          <a:effectRef idx="0">
+            <a:schemeClr val="accent1"/>
+          </a:effectRef>
+          <a:fontRef idx="minor">
+            <a:schemeClr val="lt1"/>
+          </a:fontRef>
+        </p:style>
+        <p:txBody>
+          <a:bodyPr rtlCol="0" anchor="ctr"/>
+          <a:lstStyle/>
+          <a:p>
+            <a:pPr algn="ctr"/>
+            <a:endParaRPr lang="en-US"/>
+          </a:p>
+        </p:txBody>
+      </p:sp>
+      <p:sp>
+        <p:nvSpPr>
+          <p:cNvPr id="3" name="Oval 2">
+            <a:extLst>
+              <a:ext uri="{FF2B5EF4-FFF2-40B4-BE49-F238E27FC236}">
+                <a16:creationId xmlns:a16="http://schemas.microsoft.com/office/drawing/2014/main" id="{BE909456-A3E3-4C44-A0E5-A0ADDE69BD8D}"/>
+              </a:ext>
+            </a:extLst>
+          </p:cNvPr>
+          <p:cNvSpPr/>
+          <p:nvPr/>
+        </p:nvSpPr>
+        <p:spPr>
+          <a:xfrm>
+            <a:off x="711573" y="6013465"/>
+            <a:ext cx="243421" cy="243421"/>
+          </a:xfrm>
+          <a:prstGeom prst="ellipse">
+            <a:avLst/>
+          </a:prstGeom>
+          <a:noFill/>
+          <a:ln>
+            <a:solidFill>
+              <a:srgbClr val="FF0000"/>
+            </a:solidFill>
+          </a:ln>
+        </p:spPr>
+        <p:style>
+          <a:lnRef idx="2">
+            <a:schemeClr val="accent1">
+              <a:shade val="15000"/>
+            </a:schemeClr>
+          </a:lnRef>
+          <a:fillRef idx="1">
+            <a:schemeClr val="accent1"/>
+          </a:fillRef>
+          <a:effectRef idx="0">
+            <a:schemeClr val="accent1"/>
+          </a:effectRef>
+          <a:fontRef idx="minor">
+            <a:schemeClr val="lt1"/>
+          </a:fontRef>
+        </p:style>
+        <p:txBody>
+          <a:bodyPr rtlCol="0" anchor="ctr"/>
+          <a:lstStyle/>
+          <a:p>
+            <a:pPr algn="ctr"/>
+            <a:endParaRPr lang="en-US"/>
+          </a:p>
+        </p:txBody>
+      </p:sp>
+      <p:sp>
+        <p:nvSpPr>
+          <p:cNvPr id="5" name="Oval 4">
+            <a:extLst>
+              <a:ext uri="{FF2B5EF4-FFF2-40B4-BE49-F238E27FC236}">
+                <a16:creationId xmlns:a16="http://schemas.microsoft.com/office/drawing/2014/main" id="{883A6613-A771-255C-6E38-7E8E229FF32A}"/>
+              </a:ext>
+            </a:extLst>
+          </p:cNvPr>
+          <p:cNvSpPr/>
+          <p:nvPr/>
+        </p:nvSpPr>
+        <p:spPr>
+          <a:xfrm>
+            <a:off x="714453" y="4536125"/>
+            <a:ext cx="243421" cy="243421"/>
+          </a:xfrm>
+          <a:prstGeom prst="ellipse">
+            <a:avLst/>
+          </a:prstGeom>
+          <a:noFill/>
+          <a:ln>
+            <a:solidFill>
+              <a:srgbClr val="FF0000"/>
+            </a:solidFill>
+          </a:ln>
+        </p:spPr>
+        <p:style>
+          <a:lnRef idx="2">
+            <a:schemeClr val="accent1">
+              <a:shade val="15000"/>
+            </a:schemeClr>
+          </a:lnRef>
+          <a:fillRef idx="1">
+            <a:schemeClr val="accent1"/>
+          </a:fillRef>
+          <a:effectRef idx="0">
+            <a:schemeClr val="accent1"/>
+          </a:effectRef>
+          <a:fontRef idx="minor">
+            <a:schemeClr val="lt1"/>
+          </a:fontRef>
+        </p:style>
+        <p:txBody>
+          <a:bodyPr rtlCol="0" anchor="ctr"/>
+          <a:lstStyle/>
+          <a:p>
+            <a:pPr algn="ctr"/>
+            <a:endParaRPr lang="en-US"/>
+          </a:p>
+        </p:txBody>
+      </p:sp>
+      <p:sp>
+        <p:nvSpPr>
+          <p:cNvPr id="6" name="Oval 5">
+            <a:extLst>
+              <a:ext uri="{FF2B5EF4-FFF2-40B4-BE49-F238E27FC236}">
+                <a16:creationId xmlns:a16="http://schemas.microsoft.com/office/drawing/2014/main" id="{A8148A1B-27BF-FBD4-3500-E0D5261039FF}"/>
+              </a:ext>
+            </a:extLst>
+          </p:cNvPr>
+          <p:cNvSpPr/>
+          <p:nvPr/>
+        </p:nvSpPr>
+        <p:spPr>
+          <a:xfrm>
+            <a:off x="3190203" y="4526745"/>
+            <a:ext cx="243421" cy="243421"/>
+          </a:xfrm>
+          <a:prstGeom prst="ellipse">
+            <a:avLst/>
+          </a:prstGeom>
+          <a:noFill/>
+          <a:ln>
+            <a:solidFill>
+              <a:srgbClr val="FF0000"/>
+            </a:solidFill>
+          </a:ln>
+        </p:spPr>
+        <p:style>
+          <a:lnRef idx="2">
+            <a:schemeClr val="accent1">
+              <a:shade val="15000"/>
+            </a:schemeClr>
+          </a:lnRef>
+          <a:fillRef idx="1">
+            <a:schemeClr val="accent1"/>
+          </a:fillRef>
+          <a:effectRef idx="0">
+            <a:schemeClr val="accent1"/>
+          </a:effectRef>
+          <a:fontRef idx="minor">
+            <a:schemeClr val="lt1"/>
+          </a:fontRef>
+        </p:style>
+        <p:txBody>
+          <a:bodyPr rtlCol="0" anchor="ctr"/>
+          <a:lstStyle/>
+          <a:p>
+            <a:pPr algn="ctr"/>
+            <a:endParaRPr lang="en-US"/>
+          </a:p>
+        </p:txBody>
+      </p:sp>
+      <p:sp>
+        <p:nvSpPr>
+          <p:cNvPr id="12" name="Oval 11">
+            <a:extLst>
+              <a:ext uri="{FF2B5EF4-FFF2-40B4-BE49-F238E27FC236}">
+                <a16:creationId xmlns:a16="http://schemas.microsoft.com/office/drawing/2014/main" id="{863EBAFC-1D4F-A9B4-266D-45660183AAF8}"/>
+              </a:ext>
+            </a:extLst>
+          </p:cNvPr>
+          <p:cNvSpPr/>
+          <p:nvPr/>
+        </p:nvSpPr>
+        <p:spPr>
+          <a:xfrm>
+            <a:off x="1484713" y="6037429"/>
+            <a:ext cx="243421" cy="243421"/>
+          </a:xfrm>
+          <a:prstGeom prst="ellipse">
+            <a:avLst/>
+          </a:prstGeom>
+          <a:noFill/>
+          <a:ln>
+            <a:solidFill>
+              <a:srgbClr val="FF0000"/>
+            </a:solidFill>
+          </a:ln>
+        </p:spPr>
+        <p:style>
+          <a:lnRef idx="2">
+            <a:schemeClr val="accent1">
+              <a:shade val="15000"/>
+            </a:schemeClr>
+          </a:lnRef>
+          <a:fillRef idx="1">
+            <a:schemeClr val="accent1"/>
+          </a:fillRef>
+          <a:effectRef idx="0">
+            <a:schemeClr val="accent1"/>
+          </a:effectRef>
+          <a:fontRef idx="minor">
+            <a:schemeClr val="lt1"/>
+          </a:fontRef>
+        </p:style>
+        <p:txBody>
+          <a:bodyPr rtlCol="0" anchor="ctr"/>
+          <a:lstStyle/>
+          <a:p>
+            <a:pPr algn="ctr"/>
+            <a:endParaRPr lang="en-US"/>
+          </a:p>
+        </p:txBody>
+      </p:sp>
+      <p:sp>
+        <p:nvSpPr>
+          <p:cNvPr id="17" name="Oval 16">
+            <a:extLst>
+              <a:ext uri="{FF2B5EF4-FFF2-40B4-BE49-F238E27FC236}">
+                <a16:creationId xmlns:a16="http://schemas.microsoft.com/office/drawing/2014/main" id="{6961F63A-A0F1-4E17-429A-6F7375DF9A09}"/>
+              </a:ext>
+            </a:extLst>
+          </p:cNvPr>
+          <p:cNvSpPr/>
+          <p:nvPr/>
+        </p:nvSpPr>
+        <p:spPr>
+          <a:xfrm>
+            <a:off x="2012782" y="516650"/>
+            <a:ext cx="243421" cy="243421"/>
+          </a:xfrm>
+          <a:prstGeom prst="ellipse">
+            <a:avLst/>
+          </a:prstGeom>
+          <a:noFill/>
+          <a:ln>
+            <a:solidFill>
+              <a:srgbClr val="FF0000"/>
+            </a:solidFill>
+          </a:ln>
+        </p:spPr>
+        <p:style>
+          <a:lnRef idx="2">
+            <a:schemeClr val="accent1">
+              <a:shade val="15000"/>
+            </a:schemeClr>
+          </a:lnRef>
+          <a:fillRef idx="1">
+            <a:schemeClr val="accent1"/>
+          </a:fillRef>
+          <a:effectRef idx="0">
+            <a:schemeClr val="accent1"/>
+          </a:effectRef>
+          <a:fontRef idx="minor">
+            <a:schemeClr val="lt1"/>
+          </a:fontRef>
+        </p:style>
+        <p:txBody>
+          <a:bodyPr rtlCol="0" anchor="ctr"/>
+          <a:lstStyle/>
+          <a:p>
+            <a:pPr algn="ctr"/>
+            <a:endParaRPr lang="en-US"/>
+          </a:p>
+        </p:txBody>
+      </p:sp>
+      <p:sp>
+        <p:nvSpPr>
+          <p:cNvPr id="18" name="TextBox 17">
+            <a:extLst>
+              <a:ext uri="{FF2B5EF4-FFF2-40B4-BE49-F238E27FC236}">
+                <a16:creationId xmlns:a16="http://schemas.microsoft.com/office/drawing/2014/main" id="{A2EEC42B-B50C-EC20-C750-D6A8B6C698C7}"/>
+              </a:ext>
+            </a:extLst>
+          </p:cNvPr>
+          <p:cNvSpPr txBox="1"/>
+          <p:nvPr/>
+        </p:nvSpPr>
+        <p:spPr>
+          <a:xfrm>
+            <a:off x="2256203" y="440557"/>
+            <a:ext cx="3939733" cy="369332"/>
+          </a:xfrm>
+          <a:prstGeom prst="rect">
+            <a:avLst/>
+          </a:prstGeom>
+          <a:noFill/>
+        </p:spPr>
+        <p:txBody>
+          <a:bodyPr wrap="none" rtlCol="0">
+            <a:spAutoFit/>
+          </a:bodyPr>
+          <a:lstStyle/>
+          <a:p>
+            <a:r>
+              <a:rPr lang="en-US" dirty="0"/>
+              <a:t>= points computed by </a:t>
+            </a:r>
+            <a:r>
+              <a:rPr lang="en-US" dirty="0" err="1"/>
+              <a:t>StairsGeometry</a:t>
+            </a:r>
+            <a:endParaRPr lang="en-US" dirty="0"/>
+          </a:p>
+        </p:txBody>
+      </p:sp>
+      <p:cxnSp>
+        <p:nvCxnSpPr>
+          <p:cNvPr id="19" name="Straight Connector 18">
+            <a:extLst>
+              <a:ext uri="{FF2B5EF4-FFF2-40B4-BE49-F238E27FC236}">
+                <a16:creationId xmlns:a16="http://schemas.microsoft.com/office/drawing/2014/main" id="{023E9934-6949-EAD2-FCF9-DCFAC4C089C8}"/>
+              </a:ext>
+            </a:extLst>
+          </p:cNvPr>
+          <p:cNvCxnSpPr>
+            <a:cxnSpLocks/>
+          </p:cNvCxnSpPr>
+          <p:nvPr/>
+        </p:nvCxnSpPr>
+        <p:spPr>
+          <a:xfrm>
+            <a:off x="10667799" y="1537608"/>
+            <a:ext cx="0" cy="770566"/>
+          </a:xfrm>
+          <a:prstGeom prst="line">
+            <a:avLst/>
+          </a:prstGeom>
+          <a:noFill/>
+          <a:ln w="38100">
+            <a:solidFill>
+              <a:srgbClr val="996600"/>
+            </a:solidFill>
+          </a:ln>
+        </p:spPr>
+        <p:style>
+          <a:lnRef idx="2">
+            <a:schemeClr val="accent1">
+              <a:shade val="15000"/>
+            </a:schemeClr>
+          </a:lnRef>
+          <a:fillRef idx="1">
+            <a:schemeClr val="accent1"/>
+          </a:fillRef>
+          <a:effectRef idx="0">
+            <a:schemeClr val="accent1"/>
+          </a:effectRef>
+          <a:fontRef idx="minor">
+            <a:schemeClr val="lt1"/>
+          </a:fontRef>
+        </p:style>
+      </p:cxnSp>
+      <p:sp>
+        <p:nvSpPr>
+          <p:cNvPr id="29" name="Oval 28">
+            <a:extLst>
+              <a:ext uri="{FF2B5EF4-FFF2-40B4-BE49-F238E27FC236}">
+                <a16:creationId xmlns:a16="http://schemas.microsoft.com/office/drawing/2014/main" id="{F83FF509-442A-EA23-87A6-78055DA46785}"/>
+              </a:ext>
+            </a:extLst>
+          </p:cNvPr>
+          <p:cNvSpPr/>
+          <p:nvPr/>
+        </p:nvSpPr>
+        <p:spPr>
+          <a:xfrm>
+            <a:off x="10543533" y="2204993"/>
+            <a:ext cx="243421" cy="243421"/>
+          </a:xfrm>
+          <a:prstGeom prst="ellipse">
+            <a:avLst/>
+          </a:prstGeom>
+          <a:noFill/>
+          <a:ln>
+            <a:solidFill>
+              <a:srgbClr val="FF0000"/>
+            </a:solidFill>
+          </a:ln>
+        </p:spPr>
+        <p:style>
+          <a:lnRef idx="2">
+            <a:schemeClr val="accent1">
+              <a:shade val="15000"/>
+            </a:schemeClr>
+          </a:lnRef>
+          <a:fillRef idx="1">
+            <a:schemeClr val="accent1"/>
+          </a:fillRef>
+          <a:effectRef idx="0">
+            <a:schemeClr val="accent1"/>
+          </a:effectRef>
+          <a:fontRef idx="minor">
+            <a:schemeClr val="lt1"/>
+          </a:fontRef>
+        </p:style>
+        <p:txBody>
+          <a:bodyPr rtlCol="0" anchor="ctr"/>
+          <a:lstStyle/>
+          <a:p>
+            <a:pPr algn="ctr"/>
+            <a:endParaRPr lang="en-US"/>
+          </a:p>
+        </p:txBody>
+      </p:sp>
+      <p:sp>
+        <p:nvSpPr>
+          <p:cNvPr id="31" name="Oval 30">
+            <a:extLst>
+              <a:ext uri="{FF2B5EF4-FFF2-40B4-BE49-F238E27FC236}">
+                <a16:creationId xmlns:a16="http://schemas.microsoft.com/office/drawing/2014/main" id="{410121FF-B1B2-0990-3699-616DF801EEDA}"/>
+              </a:ext>
+            </a:extLst>
+          </p:cNvPr>
+          <p:cNvSpPr/>
+          <p:nvPr/>
+        </p:nvSpPr>
+        <p:spPr>
+          <a:xfrm>
+            <a:off x="3174222" y="3505964"/>
+            <a:ext cx="243421" cy="243421"/>
+          </a:xfrm>
+          <a:prstGeom prst="ellipse">
+            <a:avLst/>
+          </a:prstGeom>
+          <a:noFill/>
+          <a:ln>
+            <a:solidFill>
+              <a:srgbClr val="FF0000"/>
+            </a:solidFill>
+          </a:ln>
+        </p:spPr>
+        <p:style>
+          <a:lnRef idx="2">
+            <a:schemeClr val="accent1">
+              <a:shade val="15000"/>
+            </a:schemeClr>
+          </a:lnRef>
+          <a:fillRef idx="1">
+            <a:schemeClr val="accent1"/>
+          </a:fillRef>
+          <a:effectRef idx="0">
+            <a:schemeClr val="accent1"/>
+          </a:effectRef>
+          <a:fontRef idx="minor">
+            <a:schemeClr val="lt1"/>
+          </a:fontRef>
+        </p:style>
+        <p:txBody>
+          <a:bodyPr rtlCol="0" anchor="ctr"/>
+          <a:lstStyle/>
+          <a:p>
+            <a:pPr algn="ctr"/>
+            <a:endParaRPr lang="en-US"/>
+          </a:p>
+        </p:txBody>
+      </p:sp>
+      <p:cxnSp>
+        <p:nvCxnSpPr>
+          <p:cNvPr id="52" name="Straight Connector 51">
+            <a:extLst>
+              <a:ext uri="{FF2B5EF4-FFF2-40B4-BE49-F238E27FC236}">
+                <a16:creationId xmlns:a16="http://schemas.microsoft.com/office/drawing/2014/main" id="{4EDF8D4F-088F-EC92-E83E-8DFC1A3F4087}"/>
+              </a:ext>
+            </a:extLst>
+          </p:cNvPr>
+          <p:cNvCxnSpPr/>
+          <p:nvPr/>
+        </p:nvCxnSpPr>
+        <p:spPr>
+          <a:xfrm>
+            <a:off x="573055" y="4276184"/>
+            <a:ext cx="0" cy="1072357"/>
+          </a:xfrm>
+          <a:prstGeom prst="line">
+            <a:avLst/>
+          </a:prstGeom>
+        </p:spPr>
+        <p:style>
+          <a:lnRef idx="2">
+            <a:schemeClr val="accent1"/>
+          </a:lnRef>
+          <a:fillRef idx="0">
+            <a:schemeClr val="accent1"/>
+          </a:fillRef>
+          <a:effectRef idx="1">
+            <a:schemeClr val="accent1"/>
+          </a:effectRef>
+          <a:fontRef idx="minor">
+            <a:schemeClr val="tx1"/>
+          </a:fontRef>
+        </p:style>
+      </p:cxnSp>
+      <p:cxnSp>
+        <p:nvCxnSpPr>
+          <p:cNvPr id="61" name="Straight Connector 60">
+            <a:extLst>
+              <a:ext uri="{FF2B5EF4-FFF2-40B4-BE49-F238E27FC236}">
+                <a16:creationId xmlns:a16="http://schemas.microsoft.com/office/drawing/2014/main" id="{A97065F7-A194-1E9A-496B-2EF82278DF80}"/>
+              </a:ext>
+            </a:extLst>
+          </p:cNvPr>
+          <p:cNvCxnSpPr>
+            <a:cxnSpLocks/>
+          </p:cNvCxnSpPr>
+          <p:nvPr/>
+        </p:nvCxnSpPr>
+        <p:spPr>
+          <a:xfrm>
+            <a:off x="10683582" y="2158293"/>
+            <a:ext cx="0" cy="3190248"/>
+          </a:xfrm>
+          <a:prstGeom prst="line">
+            <a:avLst/>
+          </a:prstGeom>
+          <a:ln>
+            <a:solidFill>
+              <a:srgbClr val="00B0F0"/>
+            </a:solidFill>
+            <a:prstDash val="dash"/>
+          </a:ln>
+        </p:spPr>
+        <p:style>
+          <a:lnRef idx="2">
+            <a:schemeClr val="accent1"/>
+          </a:lnRef>
+          <a:fillRef idx="0">
+            <a:schemeClr val="accent1"/>
+          </a:fillRef>
+          <a:effectRef idx="1">
+            <a:schemeClr val="accent1"/>
+          </a:effectRef>
+          <a:fontRef idx="minor">
+            <a:schemeClr val="tx1"/>
+          </a:fontRef>
+        </p:style>
+      </p:cxnSp>
+      <p:cxnSp>
+        <p:nvCxnSpPr>
+          <p:cNvPr id="65" name="Straight Connector 64">
+            <a:extLst>
+              <a:ext uri="{FF2B5EF4-FFF2-40B4-BE49-F238E27FC236}">
+                <a16:creationId xmlns:a16="http://schemas.microsoft.com/office/drawing/2014/main" id="{E71F4453-E5E6-BD42-8230-80D73E8512DB}"/>
+              </a:ext>
+            </a:extLst>
+          </p:cNvPr>
+          <p:cNvCxnSpPr>
+            <a:cxnSpLocks/>
+          </p:cNvCxnSpPr>
+          <p:nvPr/>
+        </p:nvCxnSpPr>
+        <p:spPr>
+          <a:xfrm>
+            <a:off x="567100" y="5316481"/>
+            <a:ext cx="0" cy="601029"/>
+          </a:xfrm>
+          <a:prstGeom prst="line">
+            <a:avLst/>
+          </a:prstGeom>
+          <a:ln>
+            <a:solidFill>
+              <a:srgbClr val="00B0F0"/>
+            </a:solidFill>
+            <a:prstDash val="dash"/>
+          </a:ln>
+        </p:spPr>
+        <p:style>
+          <a:lnRef idx="2">
+            <a:schemeClr val="accent1"/>
+          </a:lnRef>
+          <a:fillRef idx="0">
+            <a:schemeClr val="accent1"/>
+          </a:fillRef>
+          <a:effectRef idx="1">
+            <a:schemeClr val="accent1"/>
+          </a:effectRef>
+          <a:fontRef idx="minor">
+            <a:schemeClr val="tx1"/>
+          </a:fontRef>
+        </p:style>
+      </p:cxnSp>
+      <p:cxnSp>
+        <p:nvCxnSpPr>
+          <p:cNvPr id="68" name="Straight Connector 67">
+            <a:extLst>
+              <a:ext uri="{FF2B5EF4-FFF2-40B4-BE49-F238E27FC236}">
+                <a16:creationId xmlns:a16="http://schemas.microsoft.com/office/drawing/2014/main" id="{614B8BAA-03CA-0973-F94D-CAE7C80D3252}"/>
+              </a:ext>
+            </a:extLst>
+          </p:cNvPr>
+          <p:cNvCxnSpPr>
+            <a:cxnSpLocks/>
+          </p:cNvCxnSpPr>
+          <p:nvPr/>
+        </p:nvCxnSpPr>
+        <p:spPr>
+          <a:xfrm>
+            <a:off x="864613" y="5296109"/>
+            <a:ext cx="9837006" cy="0"/>
+          </a:xfrm>
+          <a:prstGeom prst="line">
+            <a:avLst/>
+          </a:prstGeom>
+          <a:ln>
+            <a:solidFill>
+              <a:srgbClr val="00B0F0"/>
+            </a:solidFill>
+            <a:prstDash val="dash"/>
+          </a:ln>
+        </p:spPr>
+        <p:style>
+          <a:lnRef idx="2">
+            <a:schemeClr val="accent1"/>
+          </a:lnRef>
+          <a:fillRef idx="0">
+            <a:schemeClr val="accent1"/>
+          </a:fillRef>
+          <a:effectRef idx="1">
+            <a:schemeClr val="accent1"/>
+          </a:effectRef>
+          <a:fontRef idx="minor">
+            <a:schemeClr val="tx1"/>
+          </a:fontRef>
+        </p:style>
+      </p:cxnSp>
+      <p:sp>
+        <p:nvSpPr>
+          <p:cNvPr id="74" name="Rectangle 73">
+            <a:extLst>
+              <a:ext uri="{FF2B5EF4-FFF2-40B4-BE49-F238E27FC236}">
+                <a16:creationId xmlns:a16="http://schemas.microsoft.com/office/drawing/2014/main" id="{D62BFBD9-0E8C-BC75-AED1-EE752A6A7101}"/>
+              </a:ext>
+            </a:extLst>
+          </p:cNvPr>
+          <p:cNvSpPr/>
+          <p:nvPr/>
+        </p:nvSpPr>
+        <p:spPr>
+          <a:xfrm rot="20218297">
+            <a:off x="153276" y="2699292"/>
+            <a:ext cx="10883398" cy="1701406"/>
+          </a:xfrm>
+          <a:prstGeom prst="rect">
+            <a:avLst/>
+          </a:prstGeom>
+          <a:noFill/>
+          <a:ln>
+            <a:solidFill>
+              <a:srgbClr val="FFC000"/>
+            </a:solidFill>
+          </a:ln>
+        </p:spPr>
+        <p:style>
+          <a:lnRef idx="2">
+            <a:schemeClr val="accent1">
+              <a:shade val="15000"/>
+            </a:schemeClr>
+          </a:lnRef>
+          <a:fillRef idx="1">
+            <a:schemeClr val="accent1"/>
+          </a:fillRef>
+          <a:effectRef idx="0">
+            <a:schemeClr val="accent1"/>
+          </a:effectRef>
+          <a:fontRef idx="minor">
+            <a:schemeClr val="lt1"/>
+          </a:fontRef>
+        </p:style>
+        <p:txBody>
+          <a:bodyPr rtlCol="0" anchor="ctr"/>
+          <a:lstStyle/>
+          <a:p>
+            <a:pPr algn="ctr"/>
+            <a:endParaRPr lang="en-US"/>
+          </a:p>
+        </p:txBody>
+      </p:sp>
+      <p:sp>
+        <p:nvSpPr>
+          <p:cNvPr id="115" name="TextBox 114">
+            <a:extLst>
+              <a:ext uri="{FF2B5EF4-FFF2-40B4-BE49-F238E27FC236}">
+                <a16:creationId xmlns:a16="http://schemas.microsoft.com/office/drawing/2014/main" id="{7F469C27-F610-7767-5BBB-F37CBE500EAC}"/>
+              </a:ext>
+            </a:extLst>
+          </p:cNvPr>
+          <p:cNvSpPr txBox="1"/>
+          <p:nvPr/>
+        </p:nvSpPr>
+        <p:spPr>
+          <a:xfrm>
+            <a:off x="1401352" y="3859035"/>
+            <a:ext cx="707373" cy="276999"/>
+          </a:xfrm>
+          <a:prstGeom prst="rect">
+            <a:avLst/>
+          </a:prstGeom>
+          <a:noFill/>
+        </p:spPr>
+        <p:txBody>
+          <a:bodyPr wrap="none" rtlCol="0">
+            <a:spAutoFit/>
+          </a:bodyPr>
+          <a:lstStyle/>
+          <a:p>
+            <a:r>
+              <a:rPr lang="en-US" sz="1200" dirty="0" err="1"/>
+              <a:t>unitRun</a:t>
+            </a:r>
+            <a:endParaRPr lang="en-US" sz="1200" dirty="0"/>
+          </a:p>
+        </p:txBody>
+      </p:sp>
+      <p:sp>
+        <p:nvSpPr>
+          <p:cNvPr id="20" name="Rectangle 19">
+            <a:extLst>
+              <a:ext uri="{FF2B5EF4-FFF2-40B4-BE49-F238E27FC236}">
+                <a16:creationId xmlns:a16="http://schemas.microsoft.com/office/drawing/2014/main" id="{5ED4D531-84FA-8D1F-FA06-DBEC17801B82}"/>
+              </a:ext>
+            </a:extLst>
+          </p:cNvPr>
+          <p:cNvSpPr/>
+          <p:nvPr/>
+        </p:nvSpPr>
+        <p:spPr>
+          <a:xfrm>
+            <a:off x="567101" y="4655541"/>
+            <a:ext cx="259654" cy="660939"/>
+          </a:xfrm>
+          <a:prstGeom prst="rect">
+            <a:avLst/>
+          </a:prstGeom>
+          <a:noFill/>
+          <a:ln>
+            <a:solidFill>
+              <a:srgbClr val="7030A0"/>
+            </a:solidFill>
+            <a:prstDash val="dash"/>
+          </a:ln>
+        </p:spPr>
+        <p:style>
+          <a:lnRef idx="2">
+            <a:schemeClr val="accent1">
+              <a:shade val="15000"/>
+            </a:schemeClr>
+          </a:lnRef>
+          <a:fillRef idx="1">
+            <a:schemeClr val="accent1"/>
+          </a:fillRef>
+          <a:effectRef idx="0">
+            <a:schemeClr val="accent1"/>
+          </a:effectRef>
+          <a:fontRef idx="minor">
+            <a:schemeClr val="lt1"/>
+          </a:fontRef>
+        </p:style>
+        <p:txBody>
+          <a:bodyPr rtlCol="0" anchor="ctr"/>
+          <a:lstStyle/>
+          <a:p>
+            <a:pPr algn="ctr"/>
+            <a:endParaRPr lang="en-US" dirty="0"/>
+          </a:p>
+        </p:txBody>
+      </p:sp>
+      <p:sp>
+        <p:nvSpPr>
+          <p:cNvPr id="22" name="Rectangle 21">
+            <a:extLst>
+              <a:ext uri="{FF2B5EF4-FFF2-40B4-BE49-F238E27FC236}">
+                <a16:creationId xmlns:a16="http://schemas.microsoft.com/office/drawing/2014/main" id="{D10FE534-0F1B-D738-E08C-2E22E80B45D3}"/>
+              </a:ext>
+            </a:extLst>
+          </p:cNvPr>
+          <p:cNvSpPr/>
+          <p:nvPr/>
+        </p:nvSpPr>
+        <p:spPr>
+          <a:xfrm rot="5400000">
+            <a:off x="1733214" y="3084519"/>
+            <a:ext cx="403774" cy="2724099"/>
+          </a:xfrm>
+          <a:prstGeom prst="rect">
+            <a:avLst/>
+          </a:prstGeom>
+          <a:noFill/>
+          <a:ln>
+            <a:solidFill>
+              <a:srgbClr val="92D050"/>
+            </a:solidFill>
+            <a:prstDash val="dash"/>
+          </a:ln>
+        </p:spPr>
+        <p:style>
+          <a:lnRef idx="2">
+            <a:schemeClr val="accent1">
+              <a:shade val="15000"/>
+            </a:schemeClr>
+          </a:lnRef>
+          <a:fillRef idx="1">
+            <a:schemeClr val="accent1"/>
+          </a:fillRef>
+          <a:effectRef idx="0">
+            <a:schemeClr val="accent1"/>
+          </a:effectRef>
+          <a:fontRef idx="minor">
+            <a:schemeClr val="lt1"/>
+          </a:fontRef>
+        </p:style>
+        <p:txBody>
+          <a:bodyPr rtlCol="0" anchor="ctr"/>
+          <a:lstStyle/>
+          <a:p>
+            <a:pPr algn="ctr"/>
+            <a:endParaRPr lang="en-US"/>
+          </a:p>
+        </p:txBody>
+      </p:sp>
+      <p:sp>
+        <p:nvSpPr>
+          <p:cNvPr id="23" name="Rectangle 22">
+            <a:extLst>
+              <a:ext uri="{FF2B5EF4-FFF2-40B4-BE49-F238E27FC236}">
+                <a16:creationId xmlns:a16="http://schemas.microsoft.com/office/drawing/2014/main" id="{CB37D204-50CB-2C16-CFEE-56EC4EEAC4AE}"/>
+              </a:ext>
+            </a:extLst>
+          </p:cNvPr>
+          <p:cNvSpPr/>
+          <p:nvPr/>
+        </p:nvSpPr>
+        <p:spPr>
+          <a:xfrm rot="5400000">
+            <a:off x="951462" y="855729"/>
+            <a:ext cx="277727" cy="451425"/>
+          </a:xfrm>
+          <a:prstGeom prst="rect">
+            <a:avLst/>
+          </a:prstGeom>
+          <a:noFill/>
+          <a:ln>
+            <a:solidFill>
+              <a:srgbClr val="92D050"/>
+            </a:solidFill>
+            <a:prstDash val="dash"/>
+          </a:ln>
+        </p:spPr>
+        <p:style>
+          <a:lnRef idx="2">
+            <a:schemeClr val="accent1">
+              <a:shade val="15000"/>
+            </a:schemeClr>
+          </a:lnRef>
+          <a:fillRef idx="1">
+            <a:schemeClr val="accent1"/>
+          </a:fillRef>
+          <a:effectRef idx="0">
+            <a:schemeClr val="accent1"/>
+          </a:effectRef>
+          <a:fontRef idx="minor">
+            <a:schemeClr val="lt1"/>
+          </a:fontRef>
+        </p:style>
+        <p:txBody>
+          <a:bodyPr rtlCol="0" anchor="ctr"/>
+          <a:lstStyle/>
+          <a:p>
+            <a:pPr algn="ctr"/>
+            <a:endParaRPr lang="en-US"/>
+          </a:p>
+        </p:txBody>
+      </p:sp>
+      <p:sp>
+        <p:nvSpPr>
+          <p:cNvPr id="24" name="Rectangle 23">
+            <a:extLst>
+              <a:ext uri="{FF2B5EF4-FFF2-40B4-BE49-F238E27FC236}">
+                <a16:creationId xmlns:a16="http://schemas.microsoft.com/office/drawing/2014/main" id="{CF70DEFF-2718-2EA1-6C5B-7E8E84EC2B10}"/>
+              </a:ext>
+            </a:extLst>
+          </p:cNvPr>
+          <p:cNvSpPr/>
+          <p:nvPr/>
+        </p:nvSpPr>
+        <p:spPr>
+          <a:xfrm>
+            <a:off x="876423" y="1335905"/>
+            <a:ext cx="451425" cy="266682"/>
+          </a:xfrm>
+          <a:prstGeom prst="rect">
+            <a:avLst/>
+          </a:prstGeom>
+          <a:noFill/>
+          <a:ln>
+            <a:solidFill>
+              <a:srgbClr val="7030A0"/>
+            </a:solidFill>
+            <a:prstDash val="dash"/>
+          </a:ln>
+        </p:spPr>
+        <p:style>
+          <a:lnRef idx="2">
+            <a:schemeClr val="accent1">
+              <a:shade val="15000"/>
+            </a:schemeClr>
+          </a:lnRef>
+          <a:fillRef idx="1">
+            <a:schemeClr val="accent1"/>
+          </a:fillRef>
+          <a:effectRef idx="0">
+            <a:schemeClr val="accent1"/>
+          </a:effectRef>
+          <a:fontRef idx="minor">
+            <a:schemeClr val="lt1"/>
+          </a:fontRef>
+        </p:style>
+        <p:txBody>
+          <a:bodyPr rtlCol="0" anchor="ctr"/>
+          <a:lstStyle/>
+          <a:p>
+            <a:pPr algn="ctr"/>
+            <a:endParaRPr lang="en-US"/>
+          </a:p>
+        </p:txBody>
+      </p:sp>
+      <p:sp>
+        <p:nvSpPr>
+          <p:cNvPr id="26" name="TextBox 25">
+            <a:extLst>
+              <a:ext uri="{FF2B5EF4-FFF2-40B4-BE49-F238E27FC236}">
+                <a16:creationId xmlns:a16="http://schemas.microsoft.com/office/drawing/2014/main" id="{4E4E6601-A134-AA2C-3013-E6F226166BD4}"/>
+              </a:ext>
+            </a:extLst>
+          </p:cNvPr>
+          <p:cNvSpPr txBox="1"/>
+          <p:nvPr/>
+        </p:nvSpPr>
+        <p:spPr>
+          <a:xfrm>
+            <a:off x="1363469" y="916624"/>
+            <a:ext cx="2595647" cy="369332"/>
+          </a:xfrm>
+          <a:prstGeom prst="rect">
+            <a:avLst/>
+          </a:prstGeom>
+          <a:noFill/>
+        </p:spPr>
+        <p:txBody>
+          <a:bodyPr wrap="none" rtlCol="0">
+            <a:spAutoFit/>
+          </a:bodyPr>
+          <a:lstStyle/>
+          <a:p>
+            <a:r>
+              <a:rPr lang="en-US" dirty="0"/>
+              <a:t>= finished material tread</a:t>
+            </a:r>
+          </a:p>
+        </p:txBody>
+      </p:sp>
+      <p:sp>
+        <p:nvSpPr>
+          <p:cNvPr id="27" name="TextBox 26">
+            <a:extLst>
+              <a:ext uri="{FF2B5EF4-FFF2-40B4-BE49-F238E27FC236}">
+                <a16:creationId xmlns:a16="http://schemas.microsoft.com/office/drawing/2014/main" id="{C13DEA78-0B96-C6FD-91F2-CCAEC42D23E2}"/>
+              </a:ext>
+            </a:extLst>
+          </p:cNvPr>
+          <p:cNvSpPr txBox="1"/>
+          <p:nvPr/>
+        </p:nvSpPr>
+        <p:spPr>
+          <a:xfrm>
+            <a:off x="1379341" y="1288832"/>
+            <a:ext cx="2513830" cy="369332"/>
+          </a:xfrm>
+          <a:prstGeom prst="rect">
+            <a:avLst/>
+          </a:prstGeom>
+          <a:noFill/>
+        </p:spPr>
+        <p:txBody>
+          <a:bodyPr wrap="none" rtlCol="0">
+            <a:spAutoFit/>
+          </a:bodyPr>
+          <a:lstStyle/>
+          <a:p>
+            <a:r>
+              <a:rPr lang="en-US" dirty="0"/>
+              <a:t>= finished material riser</a:t>
+            </a:r>
+          </a:p>
+        </p:txBody>
+      </p:sp>
+      <p:sp>
+        <p:nvSpPr>
+          <p:cNvPr id="36" name="Rectangle 35">
+            <a:extLst>
+              <a:ext uri="{FF2B5EF4-FFF2-40B4-BE49-F238E27FC236}">
+                <a16:creationId xmlns:a16="http://schemas.microsoft.com/office/drawing/2014/main" id="{A4DDFBFC-5E88-69B0-3E4F-48572E5C4AB0}"/>
+              </a:ext>
+            </a:extLst>
+          </p:cNvPr>
+          <p:cNvSpPr/>
+          <p:nvPr/>
+        </p:nvSpPr>
+        <p:spPr>
+          <a:xfrm>
+            <a:off x="3051258" y="3584528"/>
+            <a:ext cx="259654" cy="660939"/>
+          </a:xfrm>
+          <a:prstGeom prst="rect">
+            <a:avLst/>
+          </a:prstGeom>
+          <a:noFill/>
+          <a:ln>
+            <a:solidFill>
+              <a:srgbClr val="7030A0"/>
+            </a:solidFill>
+            <a:prstDash val="dash"/>
+          </a:ln>
+        </p:spPr>
+        <p:style>
+          <a:lnRef idx="2">
+            <a:schemeClr val="accent1">
+              <a:shade val="15000"/>
+            </a:schemeClr>
+          </a:lnRef>
+          <a:fillRef idx="1">
+            <a:schemeClr val="accent1"/>
+          </a:fillRef>
+          <a:effectRef idx="0">
+            <a:schemeClr val="accent1"/>
+          </a:effectRef>
+          <a:fontRef idx="minor">
+            <a:schemeClr val="lt1"/>
+          </a:fontRef>
+        </p:style>
+        <p:txBody>
+          <a:bodyPr rtlCol="0" anchor="ctr"/>
+          <a:lstStyle/>
+          <a:p>
+            <a:pPr algn="ctr"/>
+            <a:endParaRPr lang="en-US" dirty="0"/>
+          </a:p>
+        </p:txBody>
+      </p:sp>
+      <p:sp>
+        <p:nvSpPr>
+          <p:cNvPr id="37" name="Rectangle 36">
+            <a:extLst>
+              <a:ext uri="{FF2B5EF4-FFF2-40B4-BE49-F238E27FC236}">
+                <a16:creationId xmlns:a16="http://schemas.microsoft.com/office/drawing/2014/main" id="{151D1936-03EC-CAFD-6493-B1DBBCF52AF6}"/>
+              </a:ext>
+            </a:extLst>
+          </p:cNvPr>
+          <p:cNvSpPr/>
+          <p:nvPr/>
+        </p:nvSpPr>
+        <p:spPr>
+          <a:xfrm rot="5400000">
+            <a:off x="4203195" y="2020591"/>
+            <a:ext cx="403774" cy="2724099"/>
+          </a:xfrm>
+          <a:prstGeom prst="rect">
+            <a:avLst/>
+          </a:prstGeom>
+          <a:noFill/>
+          <a:ln>
+            <a:solidFill>
+              <a:srgbClr val="92D050"/>
+            </a:solidFill>
+            <a:prstDash val="dash"/>
+          </a:ln>
+        </p:spPr>
+        <p:style>
+          <a:lnRef idx="2">
+            <a:schemeClr val="accent1">
+              <a:shade val="15000"/>
+            </a:schemeClr>
+          </a:lnRef>
+          <a:fillRef idx="1">
+            <a:schemeClr val="accent1"/>
+          </a:fillRef>
+          <a:effectRef idx="0">
+            <a:schemeClr val="accent1"/>
+          </a:effectRef>
+          <a:fontRef idx="minor">
+            <a:schemeClr val="lt1"/>
+          </a:fontRef>
+        </p:style>
+        <p:txBody>
+          <a:bodyPr rtlCol="0" anchor="ctr"/>
+          <a:lstStyle/>
+          <a:p>
+            <a:pPr algn="ctr"/>
+            <a:endParaRPr lang="en-US"/>
+          </a:p>
+        </p:txBody>
+      </p:sp>
+      <p:sp>
+        <p:nvSpPr>
+          <p:cNvPr id="39" name="Rectangle 38">
+            <a:extLst>
+              <a:ext uri="{FF2B5EF4-FFF2-40B4-BE49-F238E27FC236}">
+                <a16:creationId xmlns:a16="http://schemas.microsoft.com/office/drawing/2014/main" id="{A7AE24C6-6496-8C53-3EBD-B8552F0871DC}"/>
+              </a:ext>
+            </a:extLst>
+          </p:cNvPr>
+          <p:cNvSpPr/>
+          <p:nvPr/>
+        </p:nvSpPr>
+        <p:spPr>
+          <a:xfrm>
+            <a:off x="5500785" y="2532102"/>
+            <a:ext cx="259654" cy="660939"/>
+          </a:xfrm>
+          <a:prstGeom prst="rect">
+            <a:avLst/>
+          </a:prstGeom>
+          <a:noFill/>
+          <a:ln>
+            <a:solidFill>
+              <a:srgbClr val="7030A0"/>
+            </a:solidFill>
+            <a:prstDash val="dash"/>
+          </a:ln>
+        </p:spPr>
+        <p:style>
+          <a:lnRef idx="2">
+            <a:schemeClr val="accent1">
+              <a:shade val="15000"/>
+            </a:schemeClr>
+          </a:lnRef>
+          <a:fillRef idx="1">
+            <a:schemeClr val="accent1"/>
+          </a:fillRef>
+          <a:effectRef idx="0">
+            <a:schemeClr val="accent1"/>
+          </a:effectRef>
+          <a:fontRef idx="minor">
+            <a:schemeClr val="lt1"/>
+          </a:fontRef>
+        </p:style>
+        <p:txBody>
+          <a:bodyPr rtlCol="0" anchor="ctr"/>
+          <a:lstStyle/>
+          <a:p>
+            <a:pPr algn="ctr"/>
+            <a:endParaRPr lang="en-US" dirty="0"/>
+          </a:p>
+        </p:txBody>
+      </p:sp>
+      <p:sp>
+        <p:nvSpPr>
+          <p:cNvPr id="44" name="Rectangle 43">
+            <a:extLst>
+              <a:ext uri="{FF2B5EF4-FFF2-40B4-BE49-F238E27FC236}">
+                <a16:creationId xmlns:a16="http://schemas.microsoft.com/office/drawing/2014/main" id="{127FF157-DAFD-CC90-86B0-542FCFA9FD40}"/>
+              </a:ext>
+            </a:extLst>
+          </p:cNvPr>
+          <p:cNvSpPr/>
+          <p:nvPr/>
+        </p:nvSpPr>
+        <p:spPr>
+          <a:xfrm rot="5400000">
+            <a:off x="6659810" y="975255"/>
+            <a:ext cx="403774" cy="2724099"/>
+          </a:xfrm>
+          <a:prstGeom prst="rect">
+            <a:avLst/>
+          </a:prstGeom>
+          <a:noFill/>
+          <a:ln>
+            <a:solidFill>
+              <a:srgbClr val="92D050"/>
+            </a:solidFill>
+            <a:prstDash val="dash"/>
+          </a:ln>
+        </p:spPr>
+        <p:style>
+          <a:lnRef idx="2">
+            <a:schemeClr val="accent1">
+              <a:shade val="15000"/>
+            </a:schemeClr>
+          </a:lnRef>
+          <a:fillRef idx="1">
+            <a:schemeClr val="accent1"/>
+          </a:fillRef>
+          <a:effectRef idx="0">
+            <a:schemeClr val="accent1"/>
+          </a:effectRef>
+          <a:fontRef idx="minor">
+            <a:schemeClr val="lt1"/>
+          </a:fontRef>
+        </p:style>
+        <p:txBody>
+          <a:bodyPr rtlCol="0" anchor="ctr"/>
+          <a:lstStyle/>
+          <a:p>
+            <a:pPr algn="ctr"/>
+            <a:endParaRPr lang="en-US"/>
+          </a:p>
+        </p:txBody>
+      </p:sp>
+      <p:sp>
+        <p:nvSpPr>
+          <p:cNvPr id="45" name="Rectangle 44">
+            <a:extLst>
+              <a:ext uri="{FF2B5EF4-FFF2-40B4-BE49-F238E27FC236}">
+                <a16:creationId xmlns:a16="http://schemas.microsoft.com/office/drawing/2014/main" id="{72319F70-127D-87C1-BF8A-2B70B7391CC4}"/>
+              </a:ext>
+            </a:extLst>
+          </p:cNvPr>
+          <p:cNvSpPr/>
+          <p:nvPr/>
+        </p:nvSpPr>
+        <p:spPr>
+          <a:xfrm>
+            <a:off x="7961315" y="1502252"/>
+            <a:ext cx="259654" cy="629947"/>
+          </a:xfrm>
+          <a:prstGeom prst="rect">
+            <a:avLst/>
+          </a:prstGeom>
+          <a:noFill/>
+          <a:ln>
+            <a:solidFill>
+              <a:srgbClr val="7030A0"/>
+            </a:solidFill>
+            <a:prstDash val="dash"/>
+          </a:ln>
+        </p:spPr>
+        <p:style>
+          <a:lnRef idx="2">
+            <a:schemeClr val="accent1">
+              <a:shade val="15000"/>
+            </a:schemeClr>
+          </a:lnRef>
+          <a:fillRef idx="1">
+            <a:schemeClr val="accent1"/>
+          </a:fillRef>
+          <a:effectRef idx="0">
+            <a:schemeClr val="accent1"/>
+          </a:effectRef>
+          <a:fontRef idx="minor">
+            <a:schemeClr val="lt1"/>
+          </a:fontRef>
+        </p:style>
+        <p:txBody>
+          <a:bodyPr rtlCol="0" anchor="ctr"/>
+          <a:lstStyle/>
+          <a:p>
+            <a:pPr algn="ctr"/>
+            <a:endParaRPr lang="en-US" dirty="0"/>
+          </a:p>
+        </p:txBody>
+      </p:sp>
+      <p:sp>
+        <p:nvSpPr>
+          <p:cNvPr id="53" name="Rectangle 52">
+            <a:extLst>
+              <a:ext uri="{FF2B5EF4-FFF2-40B4-BE49-F238E27FC236}">
+                <a16:creationId xmlns:a16="http://schemas.microsoft.com/office/drawing/2014/main" id="{6C8103F9-7B25-C27D-4306-CE4BF5DEA5DA}"/>
+              </a:ext>
+            </a:extLst>
+          </p:cNvPr>
+          <p:cNvSpPr/>
+          <p:nvPr/>
+        </p:nvSpPr>
+        <p:spPr>
+          <a:xfrm rot="5400000">
+            <a:off x="9127428" y="-60927"/>
+            <a:ext cx="403774" cy="2724099"/>
+          </a:xfrm>
+          <a:prstGeom prst="rect">
+            <a:avLst/>
+          </a:prstGeom>
+          <a:noFill/>
+          <a:ln>
+            <a:solidFill>
+              <a:srgbClr val="92D050"/>
+            </a:solidFill>
+            <a:prstDash val="dash"/>
+          </a:ln>
+        </p:spPr>
+        <p:style>
+          <a:lnRef idx="2">
+            <a:schemeClr val="accent1">
+              <a:shade val="15000"/>
+            </a:schemeClr>
+          </a:lnRef>
+          <a:fillRef idx="1">
+            <a:schemeClr val="accent1"/>
+          </a:fillRef>
+          <a:effectRef idx="0">
+            <a:schemeClr val="accent1"/>
+          </a:effectRef>
+          <a:fontRef idx="minor">
+            <a:schemeClr val="lt1"/>
+          </a:fontRef>
+        </p:style>
+        <p:txBody>
+          <a:bodyPr rtlCol="0" anchor="ctr"/>
+          <a:lstStyle/>
+          <a:p>
+            <a:pPr algn="ctr"/>
+            <a:endParaRPr lang="en-US"/>
+          </a:p>
+        </p:txBody>
+      </p:sp>
+      <p:cxnSp>
+        <p:nvCxnSpPr>
+          <p:cNvPr id="58" name="Straight Connector 57">
+            <a:extLst>
+              <a:ext uri="{FF2B5EF4-FFF2-40B4-BE49-F238E27FC236}">
+                <a16:creationId xmlns:a16="http://schemas.microsoft.com/office/drawing/2014/main" id="{BF5405B1-6D23-5CD5-0B96-58BE39D060A2}"/>
+              </a:ext>
+            </a:extLst>
+          </p:cNvPr>
+          <p:cNvCxnSpPr>
+            <a:cxnSpLocks/>
+          </p:cNvCxnSpPr>
+          <p:nvPr/>
+        </p:nvCxnSpPr>
+        <p:spPr>
+          <a:xfrm flipV="1">
+            <a:off x="829173" y="4655541"/>
+            <a:ext cx="0" cy="1498164"/>
+          </a:xfrm>
+          <a:prstGeom prst="line">
+            <a:avLst/>
+          </a:prstGeom>
+          <a:noFill/>
+          <a:ln w="38100">
+            <a:solidFill>
+              <a:srgbClr val="996600"/>
+            </a:solidFill>
+          </a:ln>
+        </p:spPr>
+        <p:style>
+          <a:lnRef idx="2">
+            <a:schemeClr val="accent1">
+              <a:shade val="15000"/>
+            </a:schemeClr>
+          </a:lnRef>
+          <a:fillRef idx="1">
+            <a:schemeClr val="accent1"/>
+          </a:fillRef>
+          <a:effectRef idx="0">
+            <a:schemeClr val="accent1"/>
+          </a:effectRef>
+          <a:fontRef idx="minor">
+            <a:schemeClr val="lt1"/>
+          </a:fontRef>
+        </p:style>
+      </p:cxnSp>
+      <p:cxnSp>
+        <p:nvCxnSpPr>
+          <p:cNvPr id="59" name="Straight Connector 58">
+            <a:extLst>
+              <a:ext uri="{FF2B5EF4-FFF2-40B4-BE49-F238E27FC236}">
+                <a16:creationId xmlns:a16="http://schemas.microsoft.com/office/drawing/2014/main" id="{006457A5-F1C7-4DAF-BA0C-D16932B9A833}"/>
+              </a:ext>
+            </a:extLst>
+          </p:cNvPr>
+          <p:cNvCxnSpPr>
+            <a:cxnSpLocks/>
+          </p:cNvCxnSpPr>
+          <p:nvPr/>
+        </p:nvCxnSpPr>
+        <p:spPr>
+          <a:xfrm flipH="1">
+            <a:off x="837392" y="4649283"/>
+            <a:ext cx="2459759" cy="0"/>
+          </a:xfrm>
+          <a:prstGeom prst="line">
+            <a:avLst/>
+          </a:prstGeom>
+          <a:noFill/>
+          <a:ln w="38100">
+            <a:solidFill>
+              <a:srgbClr val="996600"/>
+            </a:solidFill>
+          </a:ln>
+        </p:spPr>
+        <p:style>
+          <a:lnRef idx="2">
+            <a:schemeClr val="accent1">
+              <a:shade val="15000"/>
+            </a:schemeClr>
+          </a:lnRef>
+          <a:fillRef idx="1">
+            <a:schemeClr val="accent1"/>
+          </a:fillRef>
+          <a:effectRef idx="0">
+            <a:schemeClr val="accent1"/>
+          </a:effectRef>
+          <a:fontRef idx="minor">
+            <a:schemeClr val="lt1"/>
+          </a:fontRef>
+        </p:style>
+      </p:cxnSp>
+      <p:cxnSp>
+        <p:nvCxnSpPr>
+          <p:cNvPr id="63" name="Straight Connector 62">
+            <a:extLst>
+              <a:ext uri="{FF2B5EF4-FFF2-40B4-BE49-F238E27FC236}">
+                <a16:creationId xmlns:a16="http://schemas.microsoft.com/office/drawing/2014/main" id="{F5A2D169-683E-DA46-4133-6C2D334418C4}"/>
+              </a:ext>
+            </a:extLst>
+          </p:cNvPr>
+          <p:cNvCxnSpPr>
+            <a:cxnSpLocks/>
+          </p:cNvCxnSpPr>
+          <p:nvPr/>
+        </p:nvCxnSpPr>
+        <p:spPr>
+          <a:xfrm flipV="1">
+            <a:off x="3302693" y="3604957"/>
+            <a:ext cx="0" cy="1043499"/>
+          </a:xfrm>
+          <a:prstGeom prst="line">
+            <a:avLst/>
+          </a:prstGeom>
+          <a:noFill/>
+          <a:ln w="38100">
+            <a:solidFill>
+              <a:srgbClr val="996600"/>
+            </a:solidFill>
+          </a:ln>
+        </p:spPr>
+        <p:style>
+          <a:lnRef idx="2">
+            <a:schemeClr val="accent1">
+              <a:shade val="15000"/>
+            </a:schemeClr>
+          </a:lnRef>
+          <a:fillRef idx="1">
+            <a:schemeClr val="accent1"/>
+          </a:fillRef>
+          <a:effectRef idx="0">
+            <a:schemeClr val="accent1"/>
+          </a:effectRef>
+          <a:fontRef idx="minor">
+            <a:schemeClr val="lt1"/>
+          </a:fontRef>
+        </p:style>
+      </p:cxnSp>
+      <p:cxnSp>
+        <p:nvCxnSpPr>
+          <p:cNvPr id="64" name="Straight Connector 63">
+            <a:extLst>
+              <a:ext uri="{FF2B5EF4-FFF2-40B4-BE49-F238E27FC236}">
+                <a16:creationId xmlns:a16="http://schemas.microsoft.com/office/drawing/2014/main" id="{9215A455-A0F0-95ED-7ACD-1367E4F56705}"/>
+              </a:ext>
+            </a:extLst>
+          </p:cNvPr>
+          <p:cNvCxnSpPr>
+            <a:cxnSpLocks/>
+          </p:cNvCxnSpPr>
+          <p:nvPr/>
+        </p:nvCxnSpPr>
+        <p:spPr>
+          <a:xfrm flipH="1">
+            <a:off x="3310912" y="3598699"/>
+            <a:ext cx="2459759" cy="0"/>
+          </a:xfrm>
+          <a:prstGeom prst="line">
+            <a:avLst/>
+          </a:prstGeom>
+          <a:noFill/>
+          <a:ln w="38100">
+            <a:solidFill>
+              <a:srgbClr val="996600"/>
+            </a:solidFill>
+          </a:ln>
+        </p:spPr>
+        <p:style>
+          <a:lnRef idx="2">
+            <a:schemeClr val="accent1">
+              <a:shade val="15000"/>
+            </a:schemeClr>
+          </a:lnRef>
+          <a:fillRef idx="1">
+            <a:schemeClr val="accent1"/>
+          </a:fillRef>
+          <a:effectRef idx="0">
+            <a:schemeClr val="accent1"/>
+          </a:effectRef>
+          <a:fontRef idx="minor">
+            <a:schemeClr val="lt1"/>
+          </a:fontRef>
+        </p:style>
+      </p:cxnSp>
+      <p:sp>
+        <p:nvSpPr>
+          <p:cNvPr id="66" name="Rectangle 65">
+            <a:extLst>
+              <a:ext uri="{FF2B5EF4-FFF2-40B4-BE49-F238E27FC236}">
+                <a16:creationId xmlns:a16="http://schemas.microsoft.com/office/drawing/2014/main" id="{F8930C48-DC43-C343-432E-2527B0727A0C}"/>
+              </a:ext>
+            </a:extLst>
+          </p:cNvPr>
+          <p:cNvSpPr/>
+          <p:nvPr/>
+        </p:nvSpPr>
+        <p:spPr>
+          <a:xfrm>
+            <a:off x="156219" y="5323565"/>
+            <a:ext cx="659224" cy="822675"/>
+          </a:xfrm>
+          <a:prstGeom prst="rect">
+            <a:avLst/>
+          </a:prstGeom>
+          <a:noFill/>
+          <a:ln>
+            <a:solidFill>
+              <a:srgbClr val="FF3399"/>
+            </a:solidFill>
+            <a:prstDash val="dash"/>
+          </a:ln>
+        </p:spPr>
+        <p:style>
+          <a:lnRef idx="2">
+            <a:schemeClr val="accent1">
+              <a:shade val="15000"/>
+            </a:schemeClr>
+          </a:lnRef>
+          <a:fillRef idx="1">
+            <a:schemeClr val="accent1"/>
+          </a:fillRef>
+          <a:effectRef idx="0">
+            <a:schemeClr val="accent1"/>
+          </a:effectRef>
+          <a:fontRef idx="minor">
+            <a:schemeClr val="lt1"/>
+          </a:fontRef>
+        </p:style>
+        <p:txBody>
+          <a:bodyPr rtlCol="0" anchor="ctr"/>
+          <a:lstStyle/>
+          <a:p>
+            <a:pPr algn="ctr"/>
+            <a:endParaRPr lang="en-US"/>
+          </a:p>
+        </p:txBody>
+      </p:sp>
+      <p:sp>
+        <p:nvSpPr>
+          <p:cNvPr id="69" name="Rectangle 68">
+            <a:extLst>
+              <a:ext uri="{FF2B5EF4-FFF2-40B4-BE49-F238E27FC236}">
+                <a16:creationId xmlns:a16="http://schemas.microsoft.com/office/drawing/2014/main" id="{74BDC248-D81F-EFAC-885E-8E0C28CB4C2B}"/>
+              </a:ext>
+            </a:extLst>
+          </p:cNvPr>
+          <p:cNvSpPr/>
+          <p:nvPr/>
+        </p:nvSpPr>
+        <p:spPr>
+          <a:xfrm>
+            <a:off x="890666" y="1740472"/>
+            <a:ext cx="479870" cy="333325"/>
+          </a:xfrm>
+          <a:prstGeom prst="rect">
+            <a:avLst/>
+          </a:prstGeom>
+          <a:noFill/>
+          <a:ln>
+            <a:solidFill>
+              <a:srgbClr val="FF3399"/>
+            </a:solidFill>
+            <a:prstDash val="dash"/>
+          </a:ln>
+        </p:spPr>
+        <p:style>
+          <a:lnRef idx="2">
+            <a:schemeClr val="accent1">
+              <a:shade val="15000"/>
+            </a:schemeClr>
+          </a:lnRef>
+          <a:fillRef idx="1">
+            <a:schemeClr val="accent1"/>
+          </a:fillRef>
+          <a:effectRef idx="0">
+            <a:schemeClr val="accent1"/>
+          </a:effectRef>
+          <a:fontRef idx="minor">
+            <a:schemeClr val="lt1"/>
+          </a:fontRef>
+        </p:style>
+        <p:txBody>
+          <a:bodyPr rtlCol="0" anchor="ctr"/>
+          <a:lstStyle/>
+          <a:p>
+            <a:pPr algn="ctr"/>
+            <a:endParaRPr lang="en-US"/>
+          </a:p>
+        </p:txBody>
+      </p:sp>
+      <p:sp>
+        <p:nvSpPr>
+          <p:cNvPr id="70" name="TextBox 69">
+            <a:extLst>
+              <a:ext uri="{FF2B5EF4-FFF2-40B4-BE49-F238E27FC236}">
+                <a16:creationId xmlns:a16="http://schemas.microsoft.com/office/drawing/2014/main" id="{F00B65B9-CA66-1F20-9912-949D73441264}"/>
+              </a:ext>
+            </a:extLst>
+          </p:cNvPr>
+          <p:cNvSpPr txBox="1"/>
+          <p:nvPr/>
+        </p:nvSpPr>
+        <p:spPr>
+          <a:xfrm>
+            <a:off x="1412314" y="1672335"/>
+            <a:ext cx="3352649" cy="369332"/>
+          </a:xfrm>
+          <a:prstGeom prst="rect">
+            <a:avLst/>
+          </a:prstGeom>
+          <a:noFill/>
+        </p:spPr>
+        <p:txBody>
+          <a:bodyPr wrap="none" rtlCol="0">
+            <a:spAutoFit/>
+          </a:bodyPr>
+          <a:lstStyle/>
+          <a:p>
+            <a:r>
+              <a:rPr lang="en-US" dirty="0"/>
+              <a:t>= finished material bottom floor </a:t>
+            </a:r>
+          </a:p>
+        </p:txBody>
+      </p:sp>
+      <p:cxnSp>
+        <p:nvCxnSpPr>
+          <p:cNvPr id="77" name="Straight Connector 76">
+            <a:extLst>
+              <a:ext uri="{FF2B5EF4-FFF2-40B4-BE49-F238E27FC236}">
+                <a16:creationId xmlns:a16="http://schemas.microsoft.com/office/drawing/2014/main" id="{CE55DDD6-9398-F29A-36E5-C45733D5AB98}"/>
+              </a:ext>
+            </a:extLst>
+          </p:cNvPr>
+          <p:cNvCxnSpPr>
+            <a:cxnSpLocks/>
+          </p:cNvCxnSpPr>
+          <p:nvPr/>
+        </p:nvCxnSpPr>
+        <p:spPr>
+          <a:xfrm flipH="1">
+            <a:off x="837392" y="6146240"/>
+            <a:ext cx="760814" cy="0"/>
+          </a:xfrm>
+          <a:prstGeom prst="line">
+            <a:avLst/>
+          </a:prstGeom>
+          <a:noFill/>
+          <a:ln w="38100">
+            <a:solidFill>
+              <a:srgbClr val="996600"/>
+            </a:solidFill>
+          </a:ln>
+        </p:spPr>
+        <p:style>
+          <a:lnRef idx="2">
+            <a:schemeClr val="accent1">
+              <a:shade val="15000"/>
+            </a:schemeClr>
+          </a:lnRef>
+          <a:fillRef idx="1">
+            <a:schemeClr val="accent1"/>
+          </a:fillRef>
+          <a:effectRef idx="0">
+            <a:schemeClr val="accent1"/>
+          </a:effectRef>
+          <a:fontRef idx="minor">
+            <a:schemeClr val="lt1"/>
+          </a:fontRef>
+        </p:style>
+      </p:cxnSp>
+      <p:cxnSp>
+        <p:nvCxnSpPr>
+          <p:cNvPr id="79" name="Straight Connector 78">
+            <a:extLst>
+              <a:ext uri="{FF2B5EF4-FFF2-40B4-BE49-F238E27FC236}">
+                <a16:creationId xmlns:a16="http://schemas.microsoft.com/office/drawing/2014/main" id="{018FB7E2-609D-FEEE-A854-15D71C37B856}"/>
+              </a:ext>
+            </a:extLst>
+          </p:cNvPr>
+          <p:cNvCxnSpPr>
+            <a:cxnSpLocks/>
+          </p:cNvCxnSpPr>
+          <p:nvPr/>
+        </p:nvCxnSpPr>
+        <p:spPr>
+          <a:xfrm flipV="1">
+            <a:off x="5758913" y="2557245"/>
+            <a:ext cx="0" cy="1043499"/>
+          </a:xfrm>
+          <a:prstGeom prst="line">
+            <a:avLst/>
+          </a:prstGeom>
+          <a:noFill/>
+          <a:ln w="38100">
+            <a:solidFill>
+              <a:srgbClr val="996600"/>
+            </a:solidFill>
+          </a:ln>
+        </p:spPr>
+        <p:style>
+          <a:lnRef idx="2">
+            <a:schemeClr val="accent1">
+              <a:shade val="15000"/>
+            </a:schemeClr>
+          </a:lnRef>
+          <a:fillRef idx="1">
+            <a:schemeClr val="accent1"/>
+          </a:fillRef>
+          <a:effectRef idx="0">
+            <a:schemeClr val="accent1"/>
+          </a:effectRef>
+          <a:fontRef idx="minor">
+            <a:schemeClr val="lt1"/>
+          </a:fontRef>
+        </p:style>
+      </p:cxnSp>
+      <p:cxnSp>
+        <p:nvCxnSpPr>
+          <p:cNvPr id="80" name="Straight Connector 79">
+            <a:extLst>
+              <a:ext uri="{FF2B5EF4-FFF2-40B4-BE49-F238E27FC236}">
+                <a16:creationId xmlns:a16="http://schemas.microsoft.com/office/drawing/2014/main" id="{1608E75C-02B8-FF54-5995-F4A822F03740}"/>
+              </a:ext>
+            </a:extLst>
+          </p:cNvPr>
+          <p:cNvCxnSpPr>
+            <a:cxnSpLocks/>
+          </p:cNvCxnSpPr>
+          <p:nvPr/>
+        </p:nvCxnSpPr>
+        <p:spPr>
+          <a:xfrm flipH="1">
+            <a:off x="5767132" y="2550987"/>
+            <a:ext cx="2459759" cy="0"/>
+          </a:xfrm>
+          <a:prstGeom prst="line">
+            <a:avLst/>
+          </a:prstGeom>
+          <a:noFill/>
+          <a:ln w="38100">
+            <a:solidFill>
+              <a:srgbClr val="996600"/>
+            </a:solidFill>
+          </a:ln>
+        </p:spPr>
+        <p:style>
+          <a:lnRef idx="2">
+            <a:schemeClr val="accent1">
+              <a:shade val="15000"/>
+            </a:schemeClr>
+          </a:lnRef>
+          <a:fillRef idx="1">
+            <a:schemeClr val="accent1"/>
+          </a:fillRef>
+          <a:effectRef idx="0">
+            <a:schemeClr val="accent1"/>
+          </a:effectRef>
+          <a:fontRef idx="minor">
+            <a:schemeClr val="lt1"/>
+          </a:fontRef>
+        </p:style>
+      </p:cxnSp>
+      <p:cxnSp>
+        <p:nvCxnSpPr>
+          <p:cNvPr id="81" name="Straight Connector 80">
+            <a:extLst>
+              <a:ext uri="{FF2B5EF4-FFF2-40B4-BE49-F238E27FC236}">
+                <a16:creationId xmlns:a16="http://schemas.microsoft.com/office/drawing/2014/main" id="{263E16FB-5E2B-96AF-DBA5-111D6F62EA1F}"/>
+              </a:ext>
+            </a:extLst>
+          </p:cNvPr>
+          <p:cNvCxnSpPr>
+            <a:cxnSpLocks/>
+          </p:cNvCxnSpPr>
+          <p:nvPr/>
+        </p:nvCxnSpPr>
+        <p:spPr>
+          <a:xfrm flipV="1">
+            <a:off x="8207385" y="1528545"/>
+            <a:ext cx="0" cy="1043499"/>
+          </a:xfrm>
+          <a:prstGeom prst="line">
+            <a:avLst/>
+          </a:prstGeom>
+          <a:noFill/>
+          <a:ln w="38100">
+            <a:solidFill>
+              <a:srgbClr val="996600"/>
+            </a:solidFill>
+          </a:ln>
+        </p:spPr>
+        <p:style>
+          <a:lnRef idx="2">
+            <a:schemeClr val="accent1">
+              <a:shade val="15000"/>
+            </a:schemeClr>
+          </a:lnRef>
+          <a:fillRef idx="1">
+            <a:schemeClr val="accent1"/>
+          </a:fillRef>
+          <a:effectRef idx="0">
+            <a:schemeClr val="accent1"/>
+          </a:effectRef>
+          <a:fontRef idx="minor">
+            <a:schemeClr val="lt1"/>
+          </a:fontRef>
+        </p:style>
+      </p:cxnSp>
+      <p:cxnSp>
+        <p:nvCxnSpPr>
+          <p:cNvPr id="82" name="Straight Connector 81">
+            <a:extLst>
+              <a:ext uri="{FF2B5EF4-FFF2-40B4-BE49-F238E27FC236}">
+                <a16:creationId xmlns:a16="http://schemas.microsoft.com/office/drawing/2014/main" id="{7B77BDDD-96D1-817C-A27C-65A2726B856A}"/>
+              </a:ext>
+            </a:extLst>
+          </p:cNvPr>
+          <p:cNvCxnSpPr>
+            <a:cxnSpLocks/>
+          </p:cNvCxnSpPr>
+          <p:nvPr/>
+        </p:nvCxnSpPr>
+        <p:spPr>
+          <a:xfrm flipH="1">
+            <a:off x="8215604" y="1522287"/>
+            <a:ext cx="2459759" cy="0"/>
+          </a:xfrm>
+          <a:prstGeom prst="line">
+            <a:avLst/>
+          </a:prstGeom>
+          <a:noFill/>
+          <a:ln w="38100">
+            <a:solidFill>
+              <a:srgbClr val="996600"/>
+            </a:solidFill>
+          </a:ln>
+        </p:spPr>
+        <p:style>
+          <a:lnRef idx="2">
+            <a:schemeClr val="accent1">
+              <a:shade val="15000"/>
+            </a:schemeClr>
+          </a:lnRef>
+          <a:fillRef idx="1">
+            <a:schemeClr val="accent1"/>
+          </a:fillRef>
+          <a:effectRef idx="0">
+            <a:schemeClr val="accent1"/>
+          </a:effectRef>
+          <a:fontRef idx="minor">
+            <a:schemeClr val="lt1"/>
+          </a:fontRef>
+        </p:style>
+      </p:cxnSp>
+      <p:sp>
+        <p:nvSpPr>
+          <p:cNvPr id="87" name="Rectangle 86">
+            <a:extLst>
+              <a:ext uri="{FF2B5EF4-FFF2-40B4-BE49-F238E27FC236}">
+                <a16:creationId xmlns:a16="http://schemas.microsoft.com/office/drawing/2014/main" id="{B15CBAFC-E2FB-3787-0C61-5F263770BF11}"/>
+              </a:ext>
+            </a:extLst>
+          </p:cNvPr>
+          <p:cNvSpPr/>
+          <p:nvPr/>
+        </p:nvSpPr>
+        <p:spPr>
+          <a:xfrm>
+            <a:off x="899683" y="2239360"/>
+            <a:ext cx="479870" cy="333325"/>
+          </a:xfrm>
+          <a:prstGeom prst="rect">
+            <a:avLst/>
+          </a:prstGeom>
+          <a:noFill/>
+          <a:ln>
+            <a:solidFill>
+              <a:srgbClr val="FFC000"/>
+            </a:solidFill>
+            <a:prstDash val="dash"/>
+          </a:ln>
+        </p:spPr>
+        <p:style>
+          <a:lnRef idx="2">
+            <a:schemeClr val="accent1">
+              <a:shade val="15000"/>
+            </a:schemeClr>
+          </a:lnRef>
+          <a:fillRef idx="1">
+            <a:schemeClr val="accent1"/>
+          </a:fillRef>
+          <a:effectRef idx="0">
+            <a:schemeClr val="accent1"/>
+          </a:effectRef>
+          <a:fontRef idx="minor">
+            <a:schemeClr val="lt1"/>
+          </a:fontRef>
+        </p:style>
+        <p:txBody>
+          <a:bodyPr rtlCol="0" anchor="ctr"/>
+          <a:lstStyle/>
+          <a:p>
+            <a:pPr algn="ctr"/>
+            <a:endParaRPr lang="en-US"/>
+          </a:p>
+        </p:txBody>
+      </p:sp>
+      <p:sp>
+        <p:nvSpPr>
+          <p:cNvPr id="88" name="Rectangle 87">
+            <a:extLst>
+              <a:ext uri="{FF2B5EF4-FFF2-40B4-BE49-F238E27FC236}">
+                <a16:creationId xmlns:a16="http://schemas.microsoft.com/office/drawing/2014/main" id="{B8D30F1F-45B7-4118-E2F7-EEAD823670F5}"/>
+              </a:ext>
+            </a:extLst>
+          </p:cNvPr>
+          <p:cNvSpPr/>
+          <p:nvPr/>
+        </p:nvSpPr>
+        <p:spPr>
+          <a:xfrm>
+            <a:off x="10701619" y="1099234"/>
+            <a:ext cx="1322370" cy="252257"/>
+          </a:xfrm>
+          <a:prstGeom prst="rect">
+            <a:avLst/>
+          </a:prstGeom>
+          <a:noFill/>
+          <a:ln>
+            <a:solidFill>
+              <a:srgbClr val="FFC000"/>
+            </a:solidFill>
+            <a:prstDash val="dash"/>
+          </a:ln>
+        </p:spPr>
+        <p:style>
+          <a:lnRef idx="2">
+            <a:schemeClr val="accent1">
+              <a:shade val="15000"/>
+            </a:schemeClr>
+          </a:lnRef>
+          <a:fillRef idx="1">
+            <a:schemeClr val="accent1"/>
+          </a:fillRef>
+          <a:effectRef idx="0">
+            <a:schemeClr val="accent1"/>
+          </a:effectRef>
+          <a:fontRef idx="minor">
+            <a:schemeClr val="lt1"/>
+          </a:fontRef>
+        </p:style>
+        <p:txBody>
+          <a:bodyPr rtlCol="0" anchor="ctr"/>
+          <a:lstStyle/>
+          <a:p>
+            <a:pPr algn="ctr"/>
+            <a:endParaRPr lang="en-US"/>
+          </a:p>
+        </p:txBody>
+      </p:sp>
+      <p:sp>
+        <p:nvSpPr>
+          <p:cNvPr id="96" name="TextBox 95">
+            <a:extLst>
+              <a:ext uri="{FF2B5EF4-FFF2-40B4-BE49-F238E27FC236}">
+                <a16:creationId xmlns:a16="http://schemas.microsoft.com/office/drawing/2014/main" id="{BC0CF7BA-FC12-12C0-4F60-DB4DC936B034}"/>
+              </a:ext>
+            </a:extLst>
+          </p:cNvPr>
+          <p:cNvSpPr txBox="1"/>
+          <p:nvPr/>
+        </p:nvSpPr>
+        <p:spPr>
+          <a:xfrm>
+            <a:off x="1456809" y="2206227"/>
+            <a:ext cx="2953501" cy="369332"/>
+          </a:xfrm>
+          <a:prstGeom prst="rect">
+            <a:avLst/>
+          </a:prstGeom>
+          <a:noFill/>
+        </p:spPr>
+        <p:txBody>
+          <a:bodyPr wrap="none" rtlCol="0">
+            <a:spAutoFit/>
+          </a:bodyPr>
+          <a:lstStyle/>
+          <a:p>
+            <a:r>
+              <a:rPr lang="en-US" dirty="0"/>
+              <a:t>= finished material top floor </a:t>
+            </a:r>
+          </a:p>
+        </p:txBody>
+      </p:sp>
+      <p:sp>
+        <p:nvSpPr>
+          <p:cNvPr id="103" name="TextBox 102">
+            <a:extLst>
+              <a:ext uri="{FF2B5EF4-FFF2-40B4-BE49-F238E27FC236}">
+                <a16:creationId xmlns:a16="http://schemas.microsoft.com/office/drawing/2014/main" id="{5D8925C4-38F0-C34F-BC3C-3508BD3DEE79}"/>
+              </a:ext>
+            </a:extLst>
+          </p:cNvPr>
+          <p:cNvSpPr txBox="1"/>
+          <p:nvPr/>
+        </p:nvSpPr>
+        <p:spPr>
+          <a:xfrm rot="16200000">
+            <a:off x="2386054" y="3556037"/>
+            <a:ext cx="729687" cy="276999"/>
+          </a:xfrm>
+          <a:prstGeom prst="rect">
+            <a:avLst/>
+          </a:prstGeom>
+          <a:noFill/>
+        </p:spPr>
+        <p:txBody>
+          <a:bodyPr wrap="none" rtlCol="0">
+            <a:spAutoFit/>
+          </a:bodyPr>
+          <a:lstStyle/>
+          <a:p>
+            <a:r>
+              <a:rPr lang="en-US" sz="1200" dirty="0" err="1"/>
+              <a:t>unitRise</a:t>
+            </a:r>
+            <a:endParaRPr lang="en-US" sz="1200" dirty="0"/>
+          </a:p>
+        </p:txBody>
+      </p:sp>
+      <p:cxnSp>
+        <p:nvCxnSpPr>
+          <p:cNvPr id="104" name="Straight Arrow Connector 103">
+            <a:extLst>
+              <a:ext uri="{FF2B5EF4-FFF2-40B4-BE49-F238E27FC236}">
+                <a16:creationId xmlns:a16="http://schemas.microsoft.com/office/drawing/2014/main" id="{A055130A-2762-7941-C876-09A31378E54D}"/>
+              </a:ext>
+            </a:extLst>
+          </p:cNvPr>
+          <p:cNvCxnSpPr>
+            <a:cxnSpLocks/>
+          </p:cNvCxnSpPr>
+          <p:nvPr/>
+        </p:nvCxnSpPr>
+        <p:spPr>
+          <a:xfrm>
+            <a:off x="2912571" y="3172152"/>
+            <a:ext cx="0" cy="1058961"/>
+          </a:xfrm>
+          <a:prstGeom prst="straightConnector1">
+            <a:avLst/>
+          </a:prstGeom>
+          <a:ln>
+            <a:solidFill>
+              <a:srgbClr val="00B0F0"/>
+            </a:solidFill>
+            <a:headEnd type="triangle" w="med" len="med"/>
+            <a:tailEnd type="triangle" w="med" len="med"/>
+          </a:ln>
+        </p:spPr>
+        <p:style>
+          <a:lnRef idx="2">
+            <a:schemeClr val="accent1"/>
+          </a:lnRef>
+          <a:fillRef idx="0">
+            <a:schemeClr val="accent1"/>
+          </a:fillRef>
+          <a:effectRef idx="1">
+            <a:schemeClr val="accent1"/>
+          </a:effectRef>
+          <a:fontRef idx="minor">
+            <a:schemeClr val="tx1"/>
+          </a:fontRef>
+        </p:style>
+      </p:cxnSp>
+      <p:cxnSp>
+        <p:nvCxnSpPr>
+          <p:cNvPr id="105" name="Straight Arrow Connector 104">
+            <a:extLst>
+              <a:ext uri="{FF2B5EF4-FFF2-40B4-BE49-F238E27FC236}">
+                <a16:creationId xmlns:a16="http://schemas.microsoft.com/office/drawing/2014/main" id="{63775875-ED85-CD9D-A500-810B750B4E92}"/>
+              </a:ext>
+            </a:extLst>
+          </p:cNvPr>
+          <p:cNvCxnSpPr>
+            <a:cxnSpLocks/>
+          </p:cNvCxnSpPr>
+          <p:nvPr/>
+        </p:nvCxnSpPr>
+        <p:spPr>
+          <a:xfrm>
+            <a:off x="2993625" y="3030781"/>
+            <a:ext cx="2484158" cy="0"/>
+          </a:xfrm>
+          <a:prstGeom prst="straightConnector1">
+            <a:avLst/>
+          </a:prstGeom>
+          <a:ln>
+            <a:solidFill>
+              <a:srgbClr val="00B0F0"/>
+            </a:solidFill>
+            <a:headEnd type="triangle" w="med" len="med"/>
+            <a:tailEnd type="triangle" w="med" len="med"/>
+          </a:ln>
+        </p:spPr>
+        <p:style>
+          <a:lnRef idx="2">
+            <a:schemeClr val="accent1"/>
+          </a:lnRef>
+          <a:fillRef idx="0">
+            <a:schemeClr val="accent1"/>
+          </a:fillRef>
+          <a:effectRef idx="1">
+            <a:schemeClr val="accent1"/>
+          </a:effectRef>
+          <a:fontRef idx="minor">
+            <a:schemeClr val="tx1"/>
+          </a:fontRef>
+        </p:style>
+      </p:cxnSp>
+      <p:sp>
+        <p:nvSpPr>
+          <p:cNvPr id="106" name="TextBox 105">
+            <a:extLst>
+              <a:ext uri="{FF2B5EF4-FFF2-40B4-BE49-F238E27FC236}">
+                <a16:creationId xmlns:a16="http://schemas.microsoft.com/office/drawing/2014/main" id="{680DF4E2-B556-0CF1-DFE5-5174CE0BEEB5}"/>
+              </a:ext>
+            </a:extLst>
+          </p:cNvPr>
+          <p:cNvSpPr txBox="1"/>
+          <p:nvPr/>
+        </p:nvSpPr>
+        <p:spPr>
+          <a:xfrm>
+            <a:off x="3827877" y="2755429"/>
+            <a:ext cx="707373" cy="276999"/>
+          </a:xfrm>
+          <a:prstGeom prst="rect">
+            <a:avLst/>
+          </a:prstGeom>
+          <a:noFill/>
+        </p:spPr>
+        <p:txBody>
+          <a:bodyPr wrap="none" rtlCol="0">
+            <a:spAutoFit/>
+          </a:bodyPr>
+          <a:lstStyle/>
+          <a:p>
+            <a:r>
+              <a:rPr lang="en-US" sz="1200" dirty="0" err="1"/>
+              <a:t>unitRun</a:t>
+            </a:r>
+            <a:endParaRPr lang="en-US" sz="1200" dirty="0"/>
+          </a:p>
+        </p:txBody>
+      </p:sp>
+      <p:sp>
+        <p:nvSpPr>
+          <p:cNvPr id="107" name="TextBox 106">
+            <a:extLst>
+              <a:ext uri="{FF2B5EF4-FFF2-40B4-BE49-F238E27FC236}">
+                <a16:creationId xmlns:a16="http://schemas.microsoft.com/office/drawing/2014/main" id="{EB438235-8A40-5125-CAB5-8EC8F4631961}"/>
+              </a:ext>
+            </a:extLst>
+          </p:cNvPr>
+          <p:cNvSpPr txBox="1"/>
+          <p:nvPr/>
+        </p:nvSpPr>
+        <p:spPr>
+          <a:xfrm rot="16200000">
+            <a:off x="4828397" y="2509501"/>
+            <a:ext cx="729687" cy="276999"/>
+          </a:xfrm>
+          <a:prstGeom prst="rect">
+            <a:avLst/>
+          </a:prstGeom>
+          <a:noFill/>
+        </p:spPr>
+        <p:txBody>
+          <a:bodyPr wrap="none" rtlCol="0">
+            <a:spAutoFit/>
+          </a:bodyPr>
+          <a:lstStyle/>
+          <a:p>
+            <a:r>
+              <a:rPr lang="en-US" sz="1200" dirty="0" err="1"/>
+              <a:t>unitRise</a:t>
+            </a:r>
+            <a:endParaRPr lang="en-US" sz="1200" dirty="0"/>
+          </a:p>
+        </p:txBody>
+      </p:sp>
+      <p:cxnSp>
+        <p:nvCxnSpPr>
+          <p:cNvPr id="108" name="Straight Arrow Connector 107">
+            <a:extLst>
+              <a:ext uri="{FF2B5EF4-FFF2-40B4-BE49-F238E27FC236}">
+                <a16:creationId xmlns:a16="http://schemas.microsoft.com/office/drawing/2014/main" id="{30ED7571-9EAC-A43B-2C42-8F50FB5AA05C}"/>
+              </a:ext>
+            </a:extLst>
+          </p:cNvPr>
+          <p:cNvCxnSpPr>
+            <a:cxnSpLocks/>
+          </p:cNvCxnSpPr>
+          <p:nvPr/>
+        </p:nvCxnSpPr>
+        <p:spPr>
+          <a:xfrm>
+            <a:off x="5354914" y="2125616"/>
+            <a:ext cx="0" cy="1058961"/>
+          </a:xfrm>
+          <a:prstGeom prst="straightConnector1">
+            <a:avLst/>
+          </a:prstGeom>
+          <a:ln>
+            <a:solidFill>
+              <a:srgbClr val="00B0F0"/>
+            </a:solidFill>
+            <a:headEnd type="triangle" w="med" len="med"/>
+            <a:tailEnd type="triangle" w="med" len="med"/>
+          </a:ln>
+        </p:spPr>
+        <p:style>
+          <a:lnRef idx="2">
+            <a:schemeClr val="accent1"/>
+          </a:lnRef>
+          <a:fillRef idx="0">
+            <a:schemeClr val="accent1"/>
+          </a:fillRef>
+          <a:effectRef idx="1">
+            <a:schemeClr val="accent1"/>
+          </a:effectRef>
+          <a:fontRef idx="minor">
+            <a:schemeClr val="tx1"/>
+          </a:fontRef>
+        </p:style>
+      </p:cxnSp>
+      <p:cxnSp>
+        <p:nvCxnSpPr>
+          <p:cNvPr id="109" name="Straight Arrow Connector 108">
+            <a:extLst>
+              <a:ext uri="{FF2B5EF4-FFF2-40B4-BE49-F238E27FC236}">
+                <a16:creationId xmlns:a16="http://schemas.microsoft.com/office/drawing/2014/main" id="{F54B5D33-E729-9CA2-D596-B28C4855C748}"/>
+              </a:ext>
+            </a:extLst>
+          </p:cNvPr>
+          <p:cNvCxnSpPr>
+            <a:cxnSpLocks/>
+          </p:cNvCxnSpPr>
+          <p:nvPr/>
+        </p:nvCxnSpPr>
+        <p:spPr>
+          <a:xfrm>
+            <a:off x="5435968" y="1984245"/>
+            <a:ext cx="2484158" cy="0"/>
+          </a:xfrm>
+          <a:prstGeom prst="straightConnector1">
+            <a:avLst/>
+          </a:prstGeom>
+          <a:ln>
+            <a:solidFill>
+              <a:srgbClr val="00B0F0"/>
+            </a:solidFill>
+            <a:headEnd type="triangle" w="med" len="med"/>
+            <a:tailEnd type="triangle" w="med" len="med"/>
+          </a:ln>
+        </p:spPr>
+        <p:style>
+          <a:lnRef idx="2">
+            <a:schemeClr val="accent1"/>
+          </a:lnRef>
+          <a:fillRef idx="0">
+            <a:schemeClr val="accent1"/>
+          </a:fillRef>
+          <a:effectRef idx="1">
+            <a:schemeClr val="accent1"/>
+          </a:effectRef>
+          <a:fontRef idx="minor">
+            <a:schemeClr val="tx1"/>
+          </a:fontRef>
+        </p:style>
+      </p:cxnSp>
+      <p:sp>
+        <p:nvSpPr>
+          <p:cNvPr id="110" name="TextBox 109">
+            <a:extLst>
+              <a:ext uri="{FF2B5EF4-FFF2-40B4-BE49-F238E27FC236}">
+                <a16:creationId xmlns:a16="http://schemas.microsoft.com/office/drawing/2014/main" id="{8920300E-2050-A037-8E19-155A24E6DC12}"/>
+              </a:ext>
+            </a:extLst>
+          </p:cNvPr>
+          <p:cNvSpPr txBox="1"/>
+          <p:nvPr/>
+        </p:nvSpPr>
+        <p:spPr>
+          <a:xfrm>
+            <a:off x="6270220" y="1708893"/>
+            <a:ext cx="707373" cy="276999"/>
+          </a:xfrm>
+          <a:prstGeom prst="rect">
+            <a:avLst/>
+          </a:prstGeom>
+          <a:noFill/>
+        </p:spPr>
+        <p:txBody>
+          <a:bodyPr wrap="none" rtlCol="0">
+            <a:spAutoFit/>
+          </a:bodyPr>
+          <a:lstStyle/>
+          <a:p>
+            <a:r>
+              <a:rPr lang="en-US" sz="1200" dirty="0" err="1"/>
+              <a:t>unitRun</a:t>
+            </a:r>
+            <a:endParaRPr lang="en-US" sz="1200" dirty="0"/>
+          </a:p>
+        </p:txBody>
+      </p:sp>
+      <p:sp>
+        <p:nvSpPr>
+          <p:cNvPr id="111" name="TextBox 110">
+            <a:extLst>
+              <a:ext uri="{FF2B5EF4-FFF2-40B4-BE49-F238E27FC236}">
+                <a16:creationId xmlns:a16="http://schemas.microsoft.com/office/drawing/2014/main" id="{7FFE65CB-88DC-5EA3-3761-A3EDF82CA4AC}"/>
+              </a:ext>
+            </a:extLst>
+          </p:cNvPr>
+          <p:cNvSpPr txBox="1"/>
+          <p:nvPr/>
+        </p:nvSpPr>
+        <p:spPr>
+          <a:xfrm rot="16200000">
+            <a:off x="7321077" y="1427175"/>
+            <a:ext cx="729687" cy="276999"/>
+          </a:xfrm>
+          <a:prstGeom prst="rect">
+            <a:avLst/>
+          </a:prstGeom>
+          <a:noFill/>
+        </p:spPr>
+        <p:txBody>
+          <a:bodyPr wrap="none" rtlCol="0">
+            <a:spAutoFit/>
+          </a:bodyPr>
+          <a:lstStyle/>
+          <a:p>
+            <a:r>
+              <a:rPr lang="en-US" sz="1200" dirty="0" err="1"/>
+              <a:t>unitRise</a:t>
+            </a:r>
+            <a:endParaRPr lang="en-US" sz="1200" dirty="0"/>
+          </a:p>
+        </p:txBody>
+      </p:sp>
+      <p:cxnSp>
+        <p:nvCxnSpPr>
+          <p:cNvPr id="112" name="Straight Arrow Connector 111">
+            <a:extLst>
+              <a:ext uri="{FF2B5EF4-FFF2-40B4-BE49-F238E27FC236}">
+                <a16:creationId xmlns:a16="http://schemas.microsoft.com/office/drawing/2014/main" id="{BEB9825D-2C21-D400-2DA7-C64B82181ABD}"/>
+              </a:ext>
+            </a:extLst>
+          </p:cNvPr>
+          <p:cNvCxnSpPr>
+            <a:cxnSpLocks/>
+          </p:cNvCxnSpPr>
+          <p:nvPr/>
+        </p:nvCxnSpPr>
+        <p:spPr>
+          <a:xfrm>
+            <a:off x="7847594" y="1043290"/>
+            <a:ext cx="0" cy="1058961"/>
+          </a:xfrm>
+          <a:prstGeom prst="straightConnector1">
+            <a:avLst/>
+          </a:prstGeom>
+          <a:ln>
+            <a:solidFill>
+              <a:srgbClr val="00B0F0"/>
+            </a:solidFill>
+            <a:headEnd type="triangle" w="med" len="med"/>
+            <a:tailEnd type="triangle" w="med" len="med"/>
+          </a:ln>
+        </p:spPr>
+        <p:style>
+          <a:lnRef idx="2">
+            <a:schemeClr val="accent1"/>
+          </a:lnRef>
+          <a:fillRef idx="0">
+            <a:schemeClr val="accent1"/>
+          </a:fillRef>
+          <a:effectRef idx="1">
+            <a:schemeClr val="accent1"/>
+          </a:effectRef>
+          <a:fontRef idx="minor">
+            <a:schemeClr val="tx1"/>
+          </a:fontRef>
+        </p:style>
+      </p:cxnSp>
+      <p:cxnSp>
+        <p:nvCxnSpPr>
+          <p:cNvPr id="114" name="Straight Arrow Connector 113">
+            <a:extLst>
+              <a:ext uri="{FF2B5EF4-FFF2-40B4-BE49-F238E27FC236}">
+                <a16:creationId xmlns:a16="http://schemas.microsoft.com/office/drawing/2014/main" id="{DF0483B4-3D23-9A27-A069-443E25387569}"/>
+              </a:ext>
+            </a:extLst>
+          </p:cNvPr>
+          <p:cNvCxnSpPr>
+            <a:cxnSpLocks/>
+          </p:cNvCxnSpPr>
+          <p:nvPr/>
+        </p:nvCxnSpPr>
+        <p:spPr>
+          <a:xfrm>
+            <a:off x="7928648" y="901919"/>
+            <a:ext cx="2484158" cy="0"/>
+          </a:xfrm>
+          <a:prstGeom prst="straightConnector1">
+            <a:avLst/>
+          </a:prstGeom>
+          <a:ln>
+            <a:solidFill>
+              <a:srgbClr val="00B0F0"/>
+            </a:solidFill>
+            <a:headEnd type="triangle" w="med" len="med"/>
+            <a:tailEnd type="triangle" w="med" len="med"/>
+          </a:ln>
+        </p:spPr>
+        <p:style>
+          <a:lnRef idx="2">
+            <a:schemeClr val="accent1"/>
+          </a:lnRef>
+          <a:fillRef idx="0">
+            <a:schemeClr val="accent1"/>
+          </a:fillRef>
+          <a:effectRef idx="1">
+            <a:schemeClr val="accent1"/>
+          </a:effectRef>
+          <a:fontRef idx="minor">
+            <a:schemeClr val="tx1"/>
+          </a:fontRef>
+        </p:style>
+      </p:cxnSp>
+      <p:sp>
+        <p:nvSpPr>
+          <p:cNvPr id="116" name="TextBox 115">
+            <a:extLst>
+              <a:ext uri="{FF2B5EF4-FFF2-40B4-BE49-F238E27FC236}">
+                <a16:creationId xmlns:a16="http://schemas.microsoft.com/office/drawing/2014/main" id="{23AE22D5-DB7E-A2E4-9F7F-17EF4B5DBC02}"/>
+              </a:ext>
+            </a:extLst>
+          </p:cNvPr>
+          <p:cNvSpPr txBox="1"/>
+          <p:nvPr/>
+        </p:nvSpPr>
+        <p:spPr>
+          <a:xfrm>
+            <a:off x="8762900" y="626567"/>
+            <a:ext cx="707373" cy="276999"/>
+          </a:xfrm>
+          <a:prstGeom prst="rect">
+            <a:avLst/>
+          </a:prstGeom>
+          <a:noFill/>
+        </p:spPr>
+        <p:txBody>
+          <a:bodyPr wrap="none" rtlCol="0">
+            <a:spAutoFit/>
+          </a:bodyPr>
+          <a:lstStyle/>
+          <a:p>
+            <a:r>
+              <a:rPr lang="en-US" sz="1200" dirty="0" err="1"/>
+              <a:t>unitRun</a:t>
+            </a:r>
+            <a:endParaRPr lang="en-US" sz="1200" dirty="0"/>
+          </a:p>
+        </p:txBody>
+      </p:sp>
+      <p:cxnSp>
+        <p:nvCxnSpPr>
+          <p:cNvPr id="119" name="Straight Arrow Connector 118">
+            <a:extLst>
+              <a:ext uri="{FF2B5EF4-FFF2-40B4-BE49-F238E27FC236}">
+                <a16:creationId xmlns:a16="http://schemas.microsoft.com/office/drawing/2014/main" id="{6371A6F5-D8EC-E9EC-1959-2C8110D046A7}"/>
+              </a:ext>
+            </a:extLst>
+          </p:cNvPr>
+          <p:cNvCxnSpPr>
+            <a:cxnSpLocks/>
+          </p:cNvCxnSpPr>
+          <p:nvPr/>
+        </p:nvCxnSpPr>
+        <p:spPr>
+          <a:xfrm>
+            <a:off x="567100" y="4755549"/>
+            <a:ext cx="248343" cy="0"/>
+          </a:xfrm>
+          <a:prstGeom prst="straightConnector1">
+            <a:avLst/>
+          </a:prstGeom>
+          <a:ln>
+            <a:solidFill>
+              <a:srgbClr val="00B0F0"/>
+            </a:solidFill>
+            <a:headEnd type="triangle" w="med" len="med"/>
+            <a:tailEnd type="triangle" w="med" len="med"/>
+          </a:ln>
+        </p:spPr>
+        <p:style>
+          <a:lnRef idx="2">
+            <a:schemeClr val="accent1"/>
+          </a:lnRef>
+          <a:fillRef idx="0">
+            <a:schemeClr val="accent1"/>
+          </a:fillRef>
+          <a:effectRef idx="1">
+            <a:schemeClr val="accent1"/>
+          </a:effectRef>
+          <a:fontRef idx="minor">
+            <a:schemeClr val="tx1"/>
+          </a:fontRef>
+        </p:style>
+      </p:cxnSp>
+      <p:sp>
+        <p:nvSpPr>
+          <p:cNvPr id="123" name="TextBox 122">
+            <a:extLst>
+              <a:ext uri="{FF2B5EF4-FFF2-40B4-BE49-F238E27FC236}">
+                <a16:creationId xmlns:a16="http://schemas.microsoft.com/office/drawing/2014/main" id="{B267EFB7-6F2D-420A-20EB-39B4872B4080}"/>
+              </a:ext>
+            </a:extLst>
+          </p:cNvPr>
+          <p:cNvSpPr txBox="1"/>
+          <p:nvPr/>
+        </p:nvSpPr>
+        <p:spPr>
+          <a:xfrm>
+            <a:off x="562917" y="4813996"/>
+            <a:ext cx="296876" cy="276999"/>
+          </a:xfrm>
+          <a:prstGeom prst="rect">
+            <a:avLst/>
+          </a:prstGeom>
+          <a:noFill/>
+        </p:spPr>
+        <p:txBody>
+          <a:bodyPr wrap="none" rtlCol="0">
+            <a:spAutoFit/>
+          </a:bodyPr>
+          <a:lstStyle/>
+          <a:p>
+            <a:r>
+              <a:rPr lang="en-US" sz="1200" dirty="0" err="1"/>
+              <a:t>t</a:t>
+            </a:r>
+            <a:r>
+              <a:rPr lang="en-US" sz="1200" baseline="-25000" dirty="0" err="1"/>
+              <a:t>R</a:t>
+            </a:r>
+            <a:endParaRPr lang="en-US" sz="1200" baseline="-25000" dirty="0"/>
+          </a:p>
+        </p:txBody>
+      </p:sp>
+      <p:cxnSp>
+        <p:nvCxnSpPr>
+          <p:cNvPr id="124" name="Straight Arrow Connector 123">
+            <a:extLst>
+              <a:ext uri="{FF2B5EF4-FFF2-40B4-BE49-F238E27FC236}">
+                <a16:creationId xmlns:a16="http://schemas.microsoft.com/office/drawing/2014/main" id="{BA7F2A2C-C97E-3A87-4492-116D62EC7113}"/>
+              </a:ext>
+            </a:extLst>
+          </p:cNvPr>
+          <p:cNvCxnSpPr>
+            <a:cxnSpLocks/>
+          </p:cNvCxnSpPr>
+          <p:nvPr/>
+        </p:nvCxnSpPr>
+        <p:spPr>
+          <a:xfrm flipH="1">
+            <a:off x="1033401" y="4257519"/>
+            <a:ext cx="2956" cy="390937"/>
+          </a:xfrm>
+          <a:prstGeom prst="straightConnector1">
+            <a:avLst/>
+          </a:prstGeom>
+          <a:ln>
+            <a:solidFill>
+              <a:srgbClr val="00B0F0"/>
+            </a:solidFill>
+            <a:headEnd type="triangle" w="med" len="med"/>
+            <a:tailEnd type="triangle" w="med" len="med"/>
+          </a:ln>
+        </p:spPr>
+        <p:style>
+          <a:lnRef idx="2">
+            <a:schemeClr val="accent1"/>
+          </a:lnRef>
+          <a:fillRef idx="0">
+            <a:schemeClr val="accent1"/>
+          </a:fillRef>
+          <a:effectRef idx="1">
+            <a:schemeClr val="accent1"/>
+          </a:effectRef>
+          <a:fontRef idx="minor">
+            <a:schemeClr val="tx1"/>
+          </a:fontRef>
+        </p:style>
+      </p:cxnSp>
+      <p:sp>
+        <p:nvSpPr>
+          <p:cNvPr id="127" name="TextBox 126">
+            <a:extLst>
+              <a:ext uri="{FF2B5EF4-FFF2-40B4-BE49-F238E27FC236}">
+                <a16:creationId xmlns:a16="http://schemas.microsoft.com/office/drawing/2014/main" id="{11C14021-6882-3DF8-3237-B7B3DA13ABE8}"/>
+              </a:ext>
+            </a:extLst>
+          </p:cNvPr>
+          <p:cNvSpPr txBox="1"/>
+          <p:nvPr/>
+        </p:nvSpPr>
+        <p:spPr>
+          <a:xfrm>
+            <a:off x="1009987" y="4264785"/>
+            <a:ext cx="284052" cy="276999"/>
+          </a:xfrm>
+          <a:prstGeom prst="rect">
+            <a:avLst/>
+          </a:prstGeom>
+          <a:noFill/>
+        </p:spPr>
+        <p:txBody>
+          <a:bodyPr wrap="none" rtlCol="0">
+            <a:spAutoFit/>
+          </a:bodyPr>
+          <a:lstStyle/>
+          <a:p>
+            <a:r>
+              <a:rPr lang="en-US" sz="1200" dirty="0" err="1"/>
+              <a:t>t</a:t>
+            </a:r>
+            <a:r>
+              <a:rPr lang="en-US" sz="1200" baseline="-25000" dirty="0" err="1"/>
+              <a:t>T</a:t>
+            </a:r>
+            <a:endParaRPr lang="en-US" sz="1200" baseline="-25000" dirty="0"/>
+          </a:p>
+        </p:txBody>
+      </p:sp>
+      <p:cxnSp>
+        <p:nvCxnSpPr>
+          <p:cNvPr id="140" name="Straight Arrow Connector 139">
+            <a:extLst>
+              <a:ext uri="{FF2B5EF4-FFF2-40B4-BE49-F238E27FC236}">
+                <a16:creationId xmlns:a16="http://schemas.microsoft.com/office/drawing/2014/main" id="{00DCDD37-6843-8C30-FBF1-BA10E3250508}"/>
+              </a:ext>
+            </a:extLst>
+          </p:cNvPr>
+          <p:cNvCxnSpPr>
+            <a:cxnSpLocks/>
+          </p:cNvCxnSpPr>
+          <p:nvPr/>
+        </p:nvCxnSpPr>
+        <p:spPr>
+          <a:xfrm>
+            <a:off x="3037270" y="3683519"/>
+            <a:ext cx="248343" cy="0"/>
+          </a:xfrm>
+          <a:prstGeom prst="straightConnector1">
+            <a:avLst/>
+          </a:prstGeom>
+          <a:ln>
+            <a:solidFill>
+              <a:srgbClr val="00B0F0"/>
+            </a:solidFill>
+            <a:headEnd type="triangle" w="med" len="med"/>
+            <a:tailEnd type="triangle" w="med" len="med"/>
+          </a:ln>
+        </p:spPr>
+        <p:style>
+          <a:lnRef idx="2">
+            <a:schemeClr val="accent1"/>
+          </a:lnRef>
+          <a:fillRef idx="0">
+            <a:schemeClr val="accent1"/>
+          </a:fillRef>
+          <a:effectRef idx="1">
+            <a:schemeClr val="accent1"/>
+          </a:effectRef>
+          <a:fontRef idx="minor">
+            <a:schemeClr val="tx1"/>
+          </a:fontRef>
+        </p:style>
+      </p:cxnSp>
+      <p:sp>
+        <p:nvSpPr>
+          <p:cNvPr id="141" name="TextBox 140">
+            <a:extLst>
+              <a:ext uri="{FF2B5EF4-FFF2-40B4-BE49-F238E27FC236}">
+                <a16:creationId xmlns:a16="http://schemas.microsoft.com/office/drawing/2014/main" id="{5A13084F-21C4-85D4-08CE-5AF013C3A528}"/>
+              </a:ext>
+            </a:extLst>
+          </p:cNvPr>
+          <p:cNvSpPr txBox="1"/>
+          <p:nvPr/>
+        </p:nvSpPr>
+        <p:spPr>
+          <a:xfrm>
+            <a:off x="3033087" y="3741966"/>
+            <a:ext cx="296876" cy="276999"/>
+          </a:xfrm>
+          <a:prstGeom prst="rect">
+            <a:avLst/>
+          </a:prstGeom>
+          <a:noFill/>
+        </p:spPr>
+        <p:txBody>
+          <a:bodyPr wrap="none" rtlCol="0">
+            <a:spAutoFit/>
+          </a:bodyPr>
+          <a:lstStyle/>
+          <a:p>
+            <a:r>
+              <a:rPr lang="en-US" sz="1200" dirty="0" err="1"/>
+              <a:t>t</a:t>
+            </a:r>
+            <a:r>
+              <a:rPr lang="en-US" sz="1200" baseline="-25000" dirty="0" err="1"/>
+              <a:t>R</a:t>
+            </a:r>
+            <a:endParaRPr lang="en-US" sz="1200" baseline="-25000" dirty="0"/>
+          </a:p>
+        </p:txBody>
+      </p:sp>
+      <p:cxnSp>
+        <p:nvCxnSpPr>
+          <p:cNvPr id="142" name="Straight Arrow Connector 141">
+            <a:extLst>
+              <a:ext uri="{FF2B5EF4-FFF2-40B4-BE49-F238E27FC236}">
+                <a16:creationId xmlns:a16="http://schemas.microsoft.com/office/drawing/2014/main" id="{9F36B44A-23E1-7AA4-CB03-3B3062B7B5AC}"/>
+              </a:ext>
+            </a:extLst>
+          </p:cNvPr>
+          <p:cNvCxnSpPr>
+            <a:cxnSpLocks/>
+          </p:cNvCxnSpPr>
+          <p:nvPr/>
+        </p:nvCxnSpPr>
+        <p:spPr>
+          <a:xfrm flipH="1">
+            <a:off x="3503571" y="3185489"/>
+            <a:ext cx="2956" cy="390937"/>
+          </a:xfrm>
+          <a:prstGeom prst="straightConnector1">
+            <a:avLst/>
+          </a:prstGeom>
+          <a:ln>
+            <a:solidFill>
+              <a:srgbClr val="00B0F0"/>
+            </a:solidFill>
+            <a:headEnd type="triangle" w="med" len="med"/>
+            <a:tailEnd type="triangle" w="med" len="med"/>
+          </a:ln>
+        </p:spPr>
+        <p:style>
+          <a:lnRef idx="2">
+            <a:schemeClr val="accent1"/>
+          </a:lnRef>
+          <a:fillRef idx="0">
+            <a:schemeClr val="accent1"/>
+          </a:fillRef>
+          <a:effectRef idx="1">
+            <a:schemeClr val="accent1"/>
+          </a:effectRef>
+          <a:fontRef idx="minor">
+            <a:schemeClr val="tx1"/>
+          </a:fontRef>
+        </p:style>
+      </p:cxnSp>
+      <p:sp>
+        <p:nvSpPr>
+          <p:cNvPr id="143" name="TextBox 142">
+            <a:extLst>
+              <a:ext uri="{FF2B5EF4-FFF2-40B4-BE49-F238E27FC236}">
+                <a16:creationId xmlns:a16="http://schemas.microsoft.com/office/drawing/2014/main" id="{3A7FCD95-728D-00A8-98D9-2C8CEE4B7ED2}"/>
+              </a:ext>
+            </a:extLst>
+          </p:cNvPr>
+          <p:cNvSpPr txBox="1"/>
+          <p:nvPr/>
+        </p:nvSpPr>
+        <p:spPr>
+          <a:xfrm>
+            <a:off x="3480157" y="3192755"/>
+            <a:ext cx="284052" cy="276999"/>
+          </a:xfrm>
+          <a:prstGeom prst="rect">
+            <a:avLst/>
+          </a:prstGeom>
+          <a:noFill/>
+        </p:spPr>
+        <p:txBody>
+          <a:bodyPr wrap="none" rtlCol="0">
+            <a:spAutoFit/>
+          </a:bodyPr>
+          <a:lstStyle/>
+          <a:p>
+            <a:r>
+              <a:rPr lang="en-US" sz="1200" dirty="0" err="1"/>
+              <a:t>t</a:t>
+            </a:r>
+            <a:r>
+              <a:rPr lang="en-US" sz="1200" baseline="-25000" dirty="0" err="1"/>
+              <a:t>T</a:t>
+            </a:r>
+            <a:endParaRPr lang="en-US" sz="1200" baseline="-25000" dirty="0"/>
+          </a:p>
+        </p:txBody>
+      </p:sp>
+      <p:cxnSp>
+        <p:nvCxnSpPr>
+          <p:cNvPr id="144" name="Straight Arrow Connector 143">
+            <a:extLst>
+              <a:ext uri="{FF2B5EF4-FFF2-40B4-BE49-F238E27FC236}">
+                <a16:creationId xmlns:a16="http://schemas.microsoft.com/office/drawing/2014/main" id="{B59D1827-68F7-B9C8-5B3E-D6A308FED644}"/>
+              </a:ext>
+            </a:extLst>
+          </p:cNvPr>
+          <p:cNvCxnSpPr>
+            <a:cxnSpLocks/>
+          </p:cNvCxnSpPr>
+          <p:nvPr/>
+        </p:nvCxnSpPr>
+        <p:spPr>
+          <a:xfrm>
+            <a:off x="5493768" y="2645604"/>
+            <a:ext cx="248343" cy="0"/>
+          </a:xfrm>
+          <a:prstGeom prst="straightConnector1">
+            <a:avLst/>
+          </a:prstGeom>
+          <a:ln>
+            <a:solidFill>
+              <a:srgbClr val="00B0F0"/>
+            </a:solidFill>
+            <a:headEnd type="triangle" w="med" len="med"/>
+            <a:tailEnd type="triangle" w="med" len="med"/>
+          </a:ln>
+        </p:spPr>
+        <p:style>
+          <a:lnRef idx="2">
+            <a:schemeClr val="accent1"/>
+          </a:lnRef>
+          <a:fillRef idx="0">
+            <a:schemeClr val="accent1"/>
+          </a:fillRef>
+          <a:effectRef idx="1">
+            <a:schemeClr val="accent1"/>
+          </a:effectRef>
+          <a:fontRef idx="minor">
+            <a:schemeClr val="tx1"/>
+          </a:fontRef>
+        </p:style>
+      </p:cxnSp>
+      <p:sp>
+        <p:nvSpPr>
+          <p:cNvPr id="145" name="TextBox 144">
+            <a:extLst>
+              <a:ext uri="{FF2B5EF4-FFF2-40B4-BE49-F238E27FC236}">
+                <a16:creationId xmlns:a16="http://schemas.microsoft.com/office/drawing/2014/main" id="{1357AC1E-E092-4DDA-7B53-93814A869D10}"/>
+              </a:ext>
+            </a:extLst>
+          </p:cNvPr>
+          <p:cNvSpPr txBox="1"/>
+          <p:nvPr/>
+        </p:nvSpPr>
+        <p:spPr>
+          <a:xfrm>
+            <a:off x="5489585" y="2704051"/>
+            <a:ext cx="296876" cy="276999"/>
+          </a:xfrm>
+          <a:prstGeom prst="rect">
+            <a:avLst/>
+          </a:prstGeom>
+          <a:noFill/>
+        </p:spPr>
+        <p:txBody>
+          <a:bodyPr wrap="none" rtlCol="0">
+            <a:spAutoFit/>
+          </a:bodyPr>
+          <a:lstStyle/>
+          <a:p>
+            <a:r>
+              <a:rPr lang="en-US" sz="1200" dirty="0" err="1"/>
+              <a:t>t</a:t>
+            </a:r>
+            <a:r>
+              <a:rPr lang="en-US" sz="1200" baseline="-25000" dirty="0" err="1"/>
+              <a:t>R</a:t>
+            </a:r>
+            <a:endParaRPr lang="en-US" sz="1200" baseline="-25000" dirty="0"/>
+          </a:p>
+        </p:txBody>
+      </p:sp>
+      <p:cxnSp>
+        <p:nvCxnSpPr>
+          <p:cNvPr id="146" name="Straight Arrow Connector 145">
+            <a:extLst>
+              <a:ext uri="{FF2B5EF4-FFF2-40B4-BE49-F238E27FC236}">
+                <a16:creationId xmlns:a16="http://schemas.microsoft.com/office/drawing/2014/main" id="{F34F3834-1756-CE8A-03CE-B1831ABF6243}"/>
+              </a:ext>
+            </a:extLst>
+          </p:cNvPr>
+          <p:cNvCxnSpPr>
+            <a:cxnSpLocks/>
+          </p:cNvCxnSpPr>
+          <p:nvPr/>
+        </p:nvCxnSpPr>
+        <p:spPr>
+          <a:xfrm flipH="1">
+            <a:off x="5960069" y="2147574"/>
+            <a:ext cx="2956" cy="390937"/>
+          </a:xfrm>
+          <a:prstGeom prst="straightConnector1">
+            <a:avLst/>
+          </a:prstGeom>
+          <a:ln>
+            <a:solidFill>
+              <a:srgbClr val="00B0F0"/>
+            </a:solidFill>
+            <a:headEnd type="triangle" w="med" len="med"/>
+            <a:tailEnd type="triangle" w="med" len="med"/>
+          </a:ln>
+        </p:spPr>
+        <p:style>
+          <a:lnRef idx="2">
+            <a:schemeClr val="accent1"/>
+          </a:lnRef>
+          <a:fillRef idx="0">
+            <a:schemeClr val="accent1"/>
+          </a:fillRef>
+          <a:effectRef idx="1">
+            <a:schemeClr val="accent1"/>
+          </a:effectRef>
+          <a:fontRef idx="minor">
+            <a:schemeClr val="tx1"/>
+          </a:fontRef>
+        </p:style>
+      </p:cxnSp>
+      <p:sp>
+        <p:nvSpPr>
+          <p:cNvPr id="147" name="TextBox 146">
+            <a:extLst>
+              <a:ext uri="{FF2B5EF4-FFF2-40B4-BE49-F238E27FC236}">
+                <a16:creationId xmlns:a16="http://schemas.microsoft.com/office/drawing/2014/main" id="{9DA1B6CB-DAA7-D38C-3414-0C612A6EF4D2}"/>
+              </a:ext>
+            </a:extLst>
+          </p:cNvPr>
+          <p:cNvSpPr txBox="1"/>
+          <p:nvPr/>
+        </p:nvSpPr>
+        <p:spPr>
+          <a:xfrm>
+            <a:off x="5936655" y="2154840"/>
+            <a:ext cx="284052" cy="276999"/>
+          </a:xfrm>
+          <a:prstGeom prst="rect">
+            <a:avLst/>
+          </a:prstGeom>
+          <a:noFill/>
+        </p:spPr>
+        <p:txBody>
+          <a:bodyPr wrap="none" rtlCol="0">
+            <a:spAutoFit/>
+          </a:bodyPr>
+          <a:lstStyle/>
+          <a:p>
+            <a:r>
+              <a:rPr lang="en-US" sz="1200" dirty="0" err="1"/>
+              <a:t>t</a:t>
+            </a:r>
+            <a:r>
+              <a:rPr lang="en-US" sz="1200" baseline="-25000" dirty="0" err="1"/>
+              <a:t>T</a:t>
+            </a:r>
+            <a:endParaRPr lang="en-US" sz="1200" baseline="-25000" dirty="0"/>
+          </a:p>
+        </p:txBody>
+      </p:sp>
+      <p:cxnSp>
+        <p:nvCxnSpPr>
+          <p:cNvPr id="148" name="Straight Arrow Connector 147">
+            <a:extLst>
+              <a:ext uri="{FF2B5EF4-FFF2-40B4-BE49-F238E27FC236}">
+                <a16:creationId xmlns:a16="http://schemas.microsoft.com/office/drawing/2014/main" id="{6E4E00AE-96B3-8D2C-10A6-DA01F1BFD3C4}"/>
+              </a:ext>
+            </a:extLst>
+          </p:cNvPr>
+          <p:cNvCxnSpPr>
+            <a:cxnSpLocks/>
+          </p:cNvCxnSpPr>
+          <p:nvPr/>
+        </p:nvCxnSpPr>
+        <p:spPr>
+          <a:xfrm>
+            <a:off x="7961194" y="1618648"/>
+            <a:ext cx="248343" cy="0"/>
+          </a:xfrm>
+          <a:prstGeom prst="straightConnector1">
+            <a:avLst/>
+          </a:prstGeom>
+          <a:ln>
+            <a:solidFill>
+              <a:srgbClr val="00B0F0"/>
+            </a:solidFill>
+            <a:headEnd type="triangle" w="med" len="med"/>
+            <a:tailEnd type="triangle" w="med" len="med"/>
+          </a:ln>
+        </p:spPr>
+        <p:style>
+          <a:lnRef idx="2">
+            <a:schemeClr val="accent1"/>
+          </a:lnRef>
+          <a:fillRef idx="0">
+            <a:schemeClr val="accent1"/>
+          </a:fillRef>
+          <a:effectRef idx="1">
+            <a:schemeClr val="accent1"/>
+          </a:effectRef>
+          <a:fontRef idx="minor">
+            <a:schemeClr val="tx1"/>
+          </a:fontRef>
+        </p:style>
+      </p:cxnSp>
+      <p:sp>
+        <p:nvSpPr>
+          <p:cNvPr id="149" name="TextBox 148">
+            <a:extLst>
+              <a:ext uri="{FF2B5EF4-FFF2-40B4-BE49-F238E27FC236}">
+                <a16:creationId xmlns:a16="http://schemas.microsoft.com/office/drawing/2014/main" id="{AF7AF319-9B2D-D7F6-5A6A-5848C7A49583}"/>
+              </a:ext>
+            </a:extLst>
+          </p:cNvPr>
+          <p:cNvSpPr txBox="1"/>
+          <p:nvPr/>
+        </p:nvSpPr>
+        <p:spPr>
+          <a:xfrm>
+            <a:off x="7957011" y="1677095"/>
+            <a:ext cx="296876" cy="276999"/>
+          </a:xfrm>
+          <a:prstGeom prst="rect">
+            <a:avLst/>
+          </a:prstGeom>
+          <a:noFill/>
+        </p:spPr>
+        <p:txBody>
+          <a:bodyPr wrap="none" rtlCol="0">
+            <a:spAutoFit/>
+          </a:bodyPr>
+          <a:lstStyle/>
+          <a:p>
+            <a:r>
+              <a:rPr lang="en-US" sz="1200" dirty="0" err="1"/>
+              <a:t>t</a:t>
+            </a:r>
+            <a:r>
+              <a:rPr lang="en-US" sz="1200" baseline="-25000" dirty="0" err="1"/>
+              <a:t>R</a:t>
+            </a:r>
+            <a:endParaRPr lang="en-US" sz="1200" baseline="-25000" dirty="0"/>
+          </a:p>
+        </p:txBody>
+      </p:sp>
+      <p:cxnSp>
+        <p:nvCxnSpPr>
+          <p:cNvPr id="150" name="Straight Arrow Connector 149">
+            <a:extLst>
+              <a:ext uri="{FF2B5EF4-FFF2-40B4-BE49-F238E27FC236}">
+                <a16:creationId xmlns:a16="http://schemas.microsoft.com/office/drawing/2014/main" id="{31242D02-9436-A584-6A68-89DB26A523A0}"/>
+              </a:ext>
+            </a:extLst>
+          </p:cNvPr>
+          <p:cNvCxnSpPr>
+            <a:cxnSpLocks/>
+          </p:cNvCxnSpPr>
+          <p:nvPr/>
+        </p:nvCxnSpPr>
+        <p:spPr>
+          <a:xfrm flipH="1">
+            <a:off x="8427495" y="1120618"/>
+            <a:ext cx="2956" cy="390937"/>
+          </a:xfrm>
+          <a:prstGeom prst="straightConnector1">
+            <a:avLst/>
+          </a:prstGeom>
+          <a:ln>
+            <a:solidFill>
+              <a:srgbClr val="00B0F0"/>
+            </a:solidFill>
+            <a:headEnd type="triangle" w="med" len="med"/>
+            <a:tailEnd type="triangle" w="med" len="med"/>
+          </a:ln>
+        </p:spPr>
+        <p:style>
+          <a:lnRef idx="2">
+            <a:schemeClr val="accent1"/>
+          </a:lnRef>
+          <a:fillRef idx="0">
+            <a:schemeClr val="accent1"/>
+          </a:fillRef>
+          <a:effectRef idx="1">
+            <a:schemeClr val="accent1"/>
+          </a:effectRef>
+          <a:fontRef idx="minor">
+            <a:schemeClr val="tx1"/>
+          </a:fontRef>
+        </p:style>
+      </p:cxnSp>
+      <p:sp>
+        <p:nvSpPr>
+          <p:cNvPr id="151" name="TextBox 150">
+            <a:extLst>
+              <a:ext uri="{FF2B5EF4-FFF2-40B4-BE49-F238E27FC236}">
+                <a16:creationId xmlns:a16="http://schemas.microsoft.com/office/drawing/2014/main" id="{B7335DEC-E6C5-B07B-CB5D-8AC3E87807CF}"/>
+              </a:ext>
+            </a:extLst>
+          </p:cNvPr>
+          <p:cNvSpPr txBox="1"/>
+          <p:nvPr/>
+        </p:nvSpPr>
+        <p:spPr>
+          <a:xfrm>
+            <a:off x="8404081" y="1127884"/>
+            <a:ext cx="284052" cy="276999"/>
+          </a:xfrm>
+          <a:prstGeom prst="rect">
+            <a:avLst/>
+          </a:prstGeom>
+          <a:noFill/>
+        </p:spPr>
+        <p:txBody>
+          <a:bodyPr wrap="none" rtlCol="0">
+            <a:spAutoFit/>
+          </a:bodyPr>
+          <a:lstStyle/>
+          <a:p>
+            <a:r>
+              <a:rPr lang="en-US" sz="1200" dirty="0" err="1"/>
+              <a:t>t</a:t>
+            </a:r>
+            <a:r>
+              <a:rPr lang="en-US" sz="1200" baseline="-25000" dirty="0" err="1"/>
+              <a:t>T</a:t>
+            </a:r>
+            <a:endParaRPr lang="en-US" sz="1200" baseline="-25000" dirty="0"/>
+          </a:p>
+        </p:txBody>
+      </p:sp>
+      <p:sp>
+        <p:nvSpPr>
+          <p:cNvPr id="152" name="TextBox 151">
+            <a:extLst>
+              <a:ext uri="{FF2B5EF4-FFF2-40B4-BE49-F238E27FC236}">
+                <a16:creationId xmlns:a16="http://schemas.microsoft.com/office/drawing/2014/main" id="{25AED476-070B-BCAA-1BA5-435AAFFA6E0E}"/>
+              </a:ext>
+            </a:extLst>
+          </p:cNvPr>
+          <p:cNvSpPr txBox="1"/>
+          <p:nvPr/>
+        </p:nvSpPr>
+        <p:spPr>
+          <a:xfrm>
+            <a:off x="8056151" y="-12158"/>
+            <a:ext cx="4196174" cy="600164"/>
+          </a:xfrm>
+          <a:prstGeom prst="rect">
+            <a:avLst/>
+          </a:prstGeom>
+          <a:noFill/>
+        </p:spPr>
+        <p:txBody>
+          <a:bodyPr wrap="square" rtlCol="0">
+            <a:spAutoFit/>
+          </a:bodyPr>
+          <a:lstStyle/>
+          <a:p>
+            <a:r>
+              <a:rPr lang="en-US" sz="1100" dirty="0"/>
+              <a:t>Note that top tread will have a slightly longer exposed surface than other steps because there is not no riser material to the next step (but the tread is made the same dimension as other steps</a:t>
+            </a:r>
+          </a:p>
+        </p:txBody>
+      </p:sp>
+      <p:sp>
+        <p:nvSpPr>
+          <p:cNvPr id="153" name="Freeform: Shape 152">
+            <a:extLst>
+              <a:ext uri="{FF2B5EF4-FFF2-40B4-BE49-F238E27FC236}">
+                <a16:creationId xmlns:a16="http://schemas.microsoft.com/office/drawing/2014/main" id="{9EED2B38-C37C-E303-5E96-255F185BCB04}"/>
+              </a:ext>
+            </a:extLst>
+          </p:cNvPr>
+          <p:cNvSpPr/>
+          <p:nvPr/>
+        </p:nvSpPr>
+        <p:spPr>
+          <a:xfrm>
+            <a:off x="10196186" y="607512"/>
+            <a:ext cx="362509" cy="363255"/>
+          </a:xfrm>
+          <a:custGeom>
+            <a:avLst/>
+            <a:gdLst>
+              <a:gd name="connsiteX0" fmla="*/ 0 w 362509"/>
+              <a:gd name="connsiteY0" fmla="*/ 0 h 363255"/>
+              <a:gd name="connsiteX1" fmla="*/ 319414 w 362509"/>
+              <a:gd name="connsiteY1" fmla="*/ 87683 h 363255"/>
+              <a:gd name="connsiteX2" fmla="*/ 350729 w 362509"/>
+              <a:gd name="connsiteY2" fmla="*/ 363255 h 363255"/>
+            </a:gdLst>
+            <a:ahLst/>
+            <a:cxnLst>
+              <a:cxn ang="0">
+                <a:pos x="connsiteX0" y="connsiteY0"/>
+              </a:cxn>
+              <a:cxn ang="0">
+                <a:pos x="connsiteX1" y="connsiteY1"/>
+              </a:cxn>
+              <a:cxn ang="0">
+                <a:pos x="connsiteX2" y="connsiteY2"/>
+              </a:cxn>
+            </a:cxnLst>
+            <a:rect l="l" t="t" r="r" b="b"/>
+            <a:pathLst>
+              <a:path w="362509" h="363255">
+                <a:moveTo>
+                  <a:pt x="0" y="0"/>
+                </a:moveTo>
+                <a:cubicBezTo>
+                  <a:pt x="130479" y="13570"/>
+                  <a:pt x="260959" y="27141"/>
+                  <a:pt x="319414" y="87683"/>
+                </a:cubicBezTo>
+                <a:cubicBezTo>
+                  <a:pt x="377869" y="148225"/>
+                  <a:pt x="364299" y="255740"/>
+                  <a:pt x="350729" y="363255"/>
+                </a:cubicBezTo>
+              </a:path>
+            </a:pathLst>
+          </a:custGeom>
+          <a:noFill/>
+          <a:ln>
+            <a:solidFill>
+              <a:srgbClr val="FF3399"/>
+            </a:solidFill>
+          </a:ln>
+        </p:spPr>
+        <p:style>
+          <a:lnRef idx="2">
+            <a:schemeClr val="accent1">
+              <a:shade val="15000"/>
+            </a:schemeClr>
+          </a:lnRef>
+          <a:fillRef idx="1">
+            <a:schemeClr val="accent1"/>
+          </a:fillRef>
+          <a:effectRef idx="0">
+            <a:schemeClr val="accent1"/>
+          </a:effectRef>
+          <a:fontRef idx="minor">
+            <a:schemeClr val="lt1"/>
+          </a:fontRef>
+        </p:style>
+        <p:txBody>
+          <a:bodyPr rtlCol="0" anchor="ctr"/>
+          <a:lstStyle/>
+          <a:p>
+            <a:pPr algn="ctr"/>
+            <a:endParaRPr lang="en-US"/>
+          </a:p>
+        </p:txBody>
+      </p:sp>
+      <p:sp>
+        <p:nvSpPr>
+          <p:cNvPr id="154" name="TextBox 153">
+            <a:extLst>
+              <a:ext uri="{FF2B5EF4-FFF2-40B4-BE49-F238E27FC236}">
+                <a16:creationId xmlns:a16="http://schemas.microsoft.com/office/drawing/2014/main" id="{D64AB895-556B-FAAC-16B2-AC7E863C6376}"/>
+              </a:ext>
+            </a:extLst>
+          </p:cNvPr>
+          <p:cNvSpPr txBox="1"/>
+          <p:nvPr/>
+        </p:nvSpPr>
+        <p:spPr>
+          <a:xfrm>
+            <a:off x="896496" y="5509002"/>
+            <a:ext cx="3689776" cy="430887"/>
+          </a:xfrm>
+          <a:prstGeom prst="rect">
+            <a:avLst/>
+          </a:prstGeom>
+          <a:noFill/>
+        </p:spPr>
+        <p:txBody>
+          <a:bodyPr wrap="square" rtlCol="0">
+            <a:spAutoFit/>
+          </a:bodyPr>
+          <a:lstStyle/>
+          <a:p>
+            <a:r>
+              <a:rPr lang="en-US" sz="1100" dirty="0"/>
+              <a:t>Note that bottom step of stringer is taller than other steps as it needs to extend down to the bottom subfloor</a:t>
+            </a:r>
+          </a:p>
+        </p:txBody>
+      </p:sp>
+      <p:cxnSp>
+        <p:nvCxnSpPr>
+          <p:cNvPr id="158" name="Straight Arrow Connector 157">
+            <a:extLst>
+              <a:ext uri="{FF2B5EF4-FFF2-40B4-BE49-F238E27FC236}">
+                <a16:creationId xmlns:a16="http://schemas.microsoft.com/office/drawing/2014/main" id="{88025B0A-43FD-8FBC-6805-0238FE055CDB}"/>
+              </a:ext>
+            </a:extLst>
+          </p:cNvPr>
+          <p:cNvCxnSpPr>
+            <a:cxnSpLocks/>
+          </p:cNvCxnSpPr>
+          <p:nvPr/>
+        </p:nvCxnSpPr>
+        <p:spPr>
+          <a:xfrm>
+            <a:off x="344184" y="5334719"/>
+            <a:ext cx="0" cy="801061"/>
+          </a:xfrm>
+          <a:prstGeom prst="straightConnector1">
+            <a:avLst/>
+          </a:prstGeom>
+          <a:ln>
+            <a:solidFill>
+              <a:srgbClr val="00B0F0"/>
+            </a:solidFill>
+            <a:headEnd type="triangle" w="med" len="med"/>
+            <a:tailEnd type="triangle" w="med" len="med"/>
+          </a:ln>
+        </p:spPr>
+        <p:style>
+          <a:lnRef idx="2">
+            <a:schemeClr val="accent1"/>
+          </a:lnRef>
+          <a:fillRef idx="0">
+            <a:schemeClr val="accent1"/>
+          </a:fillRef>
+          <a:effectRef idx="1">
+            <a:schemeClr val="accent1"/>
+          </a:effectRef>
+          <a:fontRef idx="minor">
+            <a:schemeClr val="tx1"/>
+          </a:fontRef>
+        </p:style>
+      </p:cxnSp>
+      <p:sp>
+        <p:nvSpPr>
+          <p:cNvPr id="159" name="TextBox 158">
+            <a:extLst>
+              <a:ext uri="{FF2B5EF4-FFF2-40B4-BE49-F238E27FC236}">
+                <a16:creationId xmlns:a16="http://schemas.microsoft.com/office/drawing/2014/main" id="{058F21F3-458C-AE7F-68FF-79B0883D6C44}"/>
+              </a:ext>
+            </a:extLst>
+          </p:cNvPr>
+          <p:cNvSpPr txBox="1"/>
+          <p:nvPr/>
+        </p:nvSpPr>
+        <p:spPr>
+          <a:xfrm>
+            <a:off x="322835" y="5563766"/>
+            <a:ext cx="487634" cy="276999"/>
+          </a:xfrm>
+          <a:prstGeom prst="rect">
+            <a:avLst/>
+          </a:prstGeom>
+          <a:noFill/>
+        </p:spPr>
+        <p:txBody>
+          <a:bodyPr wrap="none" rtlCol="0">
+            <a:spAutoFit/>
+          </a:bodyPr>
+          <a:lstStyle/>
+          <a:p>
+            <a:r>
+              <a:rPr lang="en-US" sz="1200" dirty="0" err="1"/>
+              <a:t>t</a:t>
+            </a:r>
+            <a:r>
+              <a:rPr lang="en-US" sz="1200" baseline="-25000" dirty="0" err="1"/>
+              <a:t>FMBF</a:t>
+            </a:r>
+            <a:endParaRPr lang="en-US" sz="1200" baseline="-25000" dirty="0"/>
+          </a:p>
+        </p:txBody>
+      </p:sp>
+      <p:sp>
+        <p:nvSpPr>
+          <p:cNvPr id="163" name="TextBox 162">
+            <a:extLst>
+              <a:ext uri="{FF2B5EF4-FFF2-40B4-BE49-F238E27FC236}">
+                <a16:creationId xmlns:a16="http://schemas.microsoft.com/office/drawing/2014/main" id="{E6035529-63C7-AF24-77B6-F7C77592A211}"/>
+              </a:ext>
+            </a:extLst>
+          </p:cNvPr>
+          <p:cNvSpPr txBox="1"/>
+          <p:nvPr/>
+        </p:nvSpPr>
+        <p:spPr>
+          <a:xfrm>
+            <a:off x="11229572" y="1062600"/>
+            <a:ext cx="474810" cy="276999"/>
+          </a:xfrm>
+          <a:prstGeom prst="rect">
+            <a:avLst/>
+          </a:prstGeom>
+          <a:noFill/>
+        </p:spPr>
+        <p:txBody>
+          <a:bodyPr wrap="none" rtlCol="0">
+            <a:spAutoFit/>
+          </a:bodyPr>
+          <a:lstStyle/>
+          <a:p>
+            <a:r>
+              <a:rPr lang="en-US" sz="1200" dirty="0" err="1"/>
+              <a:t>t</a:t>
+            </a:r>
+            <a:r>
+              <a:rPr lang="en-US" sz="1200" baseline="-25000" dirty="0" err="1"/>
+              <a:t>FMTF</a:t>
+            </a:r>
+            <a:endParaRPr lang="en-US" sz="1200" baseline="-25000" dirty="0"/>
+          </a:p>
+        </p:txBody>
+      </p:sp>
+      <p:cxnSp>
+        <p:nvCxnSpPr>
+          <p:cNvPr id="167" name="Straight Arrow Connector 166">
+            <a:extLst>
+              <a:ext uri="{FF2B5EF4-FFF2-40B4-BE49-F238E27FC236}">
+                <a16:creationId xmlns:a16="http://schemas.microsoft.com/office/drawing/2014/main" id="{ED1F8AEC-76C3-CCD5-8CA0-5682ED6DC452}"/>
+              </a:ext>
+            </a:extLst>
+          </p:cNvPr>
+          <p:cNvCxnSpPr>
+            <a:cxnSpLocks/>
+          </p:cNvCxnSpPr>
+          <p:nvPr/>
+        </p:nvCxnSpPr>
+        <p:spPr>
+          <a:xfrm>
+            <a:off x="11111510" y="1104637"/>
+            <a:ext cx="0" cy="246854"/>
+          </a:xfrm>
+          <a:prstGeom prst="straightConnector1">
+            <a:avLst/>
+          </a:prstGeom>
+          <a:ln>
+            <a:solidFill>
+              <a:srgbClr val="00B0F0"/>
+            </a:solidFill>
+            <a:headEnd type="triangle" w="med" len="med"/>
+            <a:tailEnd type="triangle" w="med" len="med"/>
+          </a:ln>
+        </p:spPr>
+        <p:style>
+          <a:lnRef idx="2">
+            <a:schemeClr val="accent1"/>
+          </a:lnRef>
+          <a:fillRef idx="0">
+            <a:schemeClr val="accent1"/>
+          </a:fillRef>
+          <a:effectRef idx="1">
+            <a:schemeClr val="accent1"/>
+          </a:effectRef>
+          <a:fontRef idx="minor">
+            <a:schemeClr val="tx1"/>
+          </a:fontRef>
+        </p:style>
+      </p:cxnSp>
+      <p:sp>
+        <p:nvSpPr>
+          <p:cNvPr id="170" name="Oval 169">
+            <a:extLst>
+              <a:ext uri="{FF2B5EF4-FFF2-40B4-BE49-F238E27FC236}">
+                <a16:creationId xmlns:a16="http://schemas.microsoft.com/office/drawing/2014/main" id="{C5642F6E-5E10-8104-0CFD-508A6EE4FAC0}"/>
+              </a:ext>
+            </a:extLst>
+          </p:cNvPr>
+          <p:cNvSpPr/>
+          <p:nvPr/>
+        </p:nvSpPr>
+        <p:spPr>
+          <a:xfrm>
+            <a:off x="5648960" y="3493726"/>
+            <a:ext cx="243421" cy="243421"/>
+          </a:xfrm>
+          <a:prstGeom prst="ellipse">
+            <a:avLst/>
+          </a:prstGeom>
+          <a:noFill/>
+          <a:ln>
+            <a:solidFill>
+              <a:srgbClr val="FF0000"/>
+            </a:solidFill>
+          </a:ln>
+        </p:spPr>
+        <p:style>
+          <a:lnRef idx="2">
+            <a:schemeClr val="accent1">
+              <a:shade val="15000"/>
+            </a:schemeClr>
+          </a:lnRef>
+          <a:fillRef idx="1">
+            <a:schemeClr val="accent1"/>
+          </a:fillRef>
+          <a:effectRef idx="0">
+            <a:schemeClr val="accent1"/>
+          </a:effectRef>
+          <a:fontRef idx="minor">
+            <a:schemeClr val="lt1"/>
+          </a:fontRef>
+        </p:style>
+        <p:txBody>
+          <a:bodyPr rtlCol="0" anchor="ctr"/>
+          <a:lstStyle/>
+          <a:p>
+            <a:pPr algn="ctr"/>
+            <a:endParaRPr lang="en-US"/>
+          </a:p>
+        </p:txBody>
+      </p:sp>
+      <p:sp>
+        <p:nvSpPr>
+          <p:cNvPr id="171" name="Oval 170">
+            <a:extLst>
+              <a:ext uri="{FF2B5EF4-FFF2-40B4-BE49-F238E27FC236}">
+                <a16:creationId xmlns:a16="http://schemas.microsoft.com/office/drawing/2014/main" id="{C5E55973-9AD2-3EBB-9733-08CDCC99F13B}"/>
+              </a:ext>
+            </a:extLst>
+          </p:cNvPr>
+          <p:cNvSpPr/>
+          <p:nvPr/>
+        </p:nvSpPr>
+        <p:spPr>
+          <a:xfrm>
+            <a:off x="5632979" y="2472945"/>
+            <a:ext cx="243421" cy="243421"/>
+          </a:xfrm>
+          <a:prstGeom prst="ellipse">
+            <a:avLst/>
+          </a:prstGeom>
+          <a:noFill/>
+          <a:ln>
+            <a:solidFill>
+              <a:srgbClr val="FF0000"/>
+            </a:solidFill>
+          </a:ln>
+        </p:spPr>
+        <p:style>
+          <a:lnRef idx="2">
+            <a:schemeClr val="accent1">
+              <a:shade val="15000"/>
+            </a:schemeClr>
+          </a:lnRef>
+          <a:fillRef idx="1">
+            <a:schemeClr val="accent1"/>
+          </a:fillRef>
+          <a:effectRef idx="0">
+            <a:schemeClr val="accent1"/>
+          </a:effectRef>
+          <a:fontRef idx="minor">
+            <a:schemeClr val="lt1"/>
+          </a:fontRef>
+        </p:style>
+        <p:txBody>
+          <a:bodyPr rtlCol="0" anchor="ctr"/>
+          <a:lstStyle/>
+          <a:p>
+            <a:pPr algn="ctr"/>
+            <a:endParaRPr lang="en-US"/>
+          </a:p>
+        </p:txBody>
+      </p:sp>
+      <p:sp>
+        <p:nvSpPr>
+          <p:cNvPr id="172" name="Oval 171">
+            <a:extLst>
+              <a:ext uri="{FF2B5EF4-FFF2-40B4-BE49-F238E27FC236}">
+                <a16:creationId xmlns:a16="http://schemas.microsoft.com/office/drawing/2014/main" id="{FD2B3CE3-01CC-ECE6-3BA1-7655455FB2D0}"/>
+              </a:ext>
+            </a:extLst>
+          </p:cNvPr>
+          <p:cNvSpPr/>
+          <p:nvPr/>
+        </p:nvSpPr>
+        <p:spPr>
+          <a:xfrm>
+            <a:off x="8105180" y="2413836"/>
+            <a:ext cx="243421" cy="243421"/>
+          </a:xfrm>
+          <a:prstGeom prst="ellipse">
+            <a:avLst/>
+          </a:prstGeom>
+          <a:noFill/>
+          <a:ln>
+            <a:solidFill>
+              <a:srgbClr val="FF0000"/>
+            </a:solidFill>
+          </a:ln>
+        </p:spPr>
+        <p:style>
+          <a:lnRef idx="2">
+            <a:schemeClr val="accent1">
+              <a:shade val="15000"/>
+            </a:schemeClr>
+          </a:lnRef>
+          <a:fillRef idx="1">
+            <a:schemeClr val="accent1"/>
+          </a:fillRef>
+          <a:effectRef idx="0">
+            <a:schemeClr val="accent1"/>
+          </a:effectRef>
+          <a:fontRef idx="minor">
+            <a:schemeClr val="lt1"/>
+          </a:fontRef>
+        </p:style>
+        <p:txBody>
+          <a:bodyPr rtlCol="0" anchor="ctr"/>
+          <a:lstStyle/>
+          <a:p>
+            <a:pPr algn="ctr"/>
+            <a:endParaRPr lang="en-US"/>
+          </a:p>
+        </p:txBody>
+      </p:sp>
+      <p:sp>
+        <p:nvSpPr>
+          <p:cNvPr id="173" name="Oval 172">
+            <a:extLst>
+              <a:ext uri="{FF2B5EF4-FFF2-40B4-BE49-F238E27FC236}">
+                <a16:creationId xmlns:a16="http://schemas.microsoft.com/office/drawing/2014/main" id="{5AEF20B5-4A50-DDDF-C0A3-496A07CAAD50}"/>
+              </a:ext>
+            </a:extLst>
+          </p:cNvPr>
+          <p:cNvSpPr/>
+          <p:nvPr/>
+        </p:nvSpPr>
+        <p:spPr>
+          <a:xfrm>
+            <a:off x="8089199" y="1393055"/>
+            <a:ext cx="243421" cy="243421"/>
+          </a:xfrm>
+          <a:prstGeom prst="ellipse">
+            <a:avLst/>
+          </a:prstGeom>
+          <a:noFill/>
+          <a:ln>
+            <a:solidFill>
+              <a:srgbClr val="FF0000"/>
+            </a:solidFill>
+          </a:ln>
+        </p:spPr>
+        <p:style>
+          <a:lnRef idx="2">
+            <a:schemeClr val="accent1">
+              <a:shade val="15000"/>
+            </a:schemeClr>
+          </a:lnRef>
+          <a:fillRef idx="1">
+            <a:schemeClr val="accent1"/>
+          </a:fillRef>
+          <a:effectRef idx="0">
+            <a:schemeClr val="accent1"/>
+          </a:effectRef>
+          <a:fontRef idx="minor">
+            <a:schemeClr val="lt1"/>
+          </a:fontRef>
+        </p:style>
+        <p:txBody>
+          <a:bodyPr rtlCol="0" anchor="ctr"/>
+          <a:lstStyle/>
+          <a:p>
+            <a:pPr algn="ctr"/>
+            <a:endParaRPr lang="en-US"/>
+          </a:p>
+        </p:txBody>
+      </p:sp>
+      <p:sp>
+        <p:nvSpPr>
+          <p:cNvPr id="174" name="Arc 173">
+            <a:extLst>
+              <a:ext uri="{FF2B5EF4-FFF2-40B4-BE49-F238E27FC236}">
+                <a16:creationId xmlns:a16="http://schemas.microsoft.com/office/drawing/2014/main" id="{D2C2B8AE-E4A0-ADBD-CA6F-657C86286BCE}"/>
+              </a:ext>
+            </a:extLst>
+          </p:cNvPr>
+          <p:cNvSpPr/>
+          <p:nvPr/>
+        </p:nvSpPr>
+        <p:spPr>
+          <a:xfrm>
+            <a:off x="983193" y="5382720"/>
+            <a:ext cx="1547041" cy="1547041"/>
+          </a:xfrm>
+          <a:prstGeom prst="arc">
+            <a:avLst>
+              <a:gd name="adj1" fmla="val 20062799"/>
+              <a:gd name="adj2" fmla="val 0"/>
+            </a:avLst>
+          </a:prstGeom>
+          <a:ln>
+            <a:solidFill>
+              <a:srgbClr val="00B0F0"/>
+            </a:solidFill>
+            <a:headEnd type="triangle" w="med" len="med"/>
+            <a:tailEnd type="none" w="med" len="med"/>
+          </a:ln>
+        </p:spPr>
+        <p:style>
+          <a:lnRef idx="2">
+            <a:schemeClr val="accent1"/>
+          </a:lnRef>
+          <a:fillRef idx="0">
+            <a:schemeClr val="accent1"/>
+          </a:fillRef>
+          <a:effectRef idx="1">
+            <a:schemeClr val="accent1"/>
+          </a:effectRef>
+          <a:fontRef idx="minor">
+            <a:schemeClr val="tx1"/>
+          </a:fontRef>
+        </p:style>
+        <p:txBody>
+          <a:bodyPr rtlCol="0" anchor="ctr"/>
+          <a:lstStyle/>
+          <a:p>
+            <a:pPr algn="ctr"/>
+            <a:endParaRPr lang="en-US"/>
+          </a:p>
+        </p:txBody>
+      </p:sp>
+      <mc:AlternateContent xmlns:mc="http://schemas.openxmlformats.org/markup-compatibility/2006">
+        <mc:Choice xmlns:a14="http://schemas.microsoft.com/office/drawing/2010/main" Requires="a14">
+          <p:sp>
+            <p:nvSpPr>
+              <p:cNvPr id="177" name="TextBox 176">
+                <a:extLst>
+                  <a:ext uri="{FF2B5EF4-FFF2-40B4-BE49-F238E27FC236}">
+                    <a16:creationId xmlns:a16="http://schemas.microsoft.com/office/drawing/2014/main" id="{2EEABD77-C342-339A-5FC4-4A11A4DE3FD8}"/>
+                  </a:ext>
+                </a:extLst>
+              </p:cNvPr>
+              <p:cNvSpPr txBox="1"/>
+              <p:nvPr/>
+            </p:nvSpPr>
+            <p:spPr>
+              <a:xfrm>
+                <a:off x="2544725" y="5850975"/>
+                <a:ext cx="183062" cy="276999"/>
+              </a:xfrm>
+              <a:prstGeom prst="rect">
+                <a:avLst/>
+              </a:prstGeom>
+              <a:noFill/>
+            </p:spPr>
+            <p:txBody>
+              <a:bodyPr wrap="none" lIns="0" tIns="0" rIns="0" bIns="0" rtlCol="0">
+                <a:spAutoFit/>
+              </a:bodyPr>
+              <a:lstStyle/>
+              <a:p>
+                <a:pPr/>
+                <a14:m>
+                  <m:oMathPara xmlns:m="http://schemas.openxmlformats.org/officeDocument/2006/math">
+                    <m:oMathParaPr>
+                      <m:jc m:val="centerGroup"/>
+                    </m:oMathParaPr>
+                    <m:oMath xmlns:m="http://schemas.openxmlformats.org/officeDocument/2006/math">
+                      <m:r>
+                        <a:rPr lang="en-US" b="0" i="1" smtClean="0">
+                          <a:latin typeface="Cambria Math" panose="02040503050406030204" pitchFamily="18" charset="0"/>
+                        </a:rPr>
+                        <m:t>𝜃</m:t>
+                      </m:r>
+                    </m:oMath>
+                  </m:oMathPara>
+                </a14:m>
+                <a:endParaRPr lang="en-US" dirty="0"/>
+              </a:p>
+            </p:txBody>
+          </p:sp>
+        </mc:Choice>
+        <mc:Fallback>
+          <p:sp>
+            <p:nvSpPr>
+              <p:cNvPr id="177" name="TextBox 176">
+                <a:extLst>
+                  <a:ext uri="{FF2B5EF4-FFF2-40B4-BE49-F238E27FC236}">
+                    <a16:creationId xmlns:a16="http://schemas.microsoft.com/office/drawing/2014/main" id="{2EEABD77-C342-339A-5FC4-4A11A4DE3FD8}"/>
+                  </a:ext>
+                </a:extLst>
+              </p:cNvPr>
+              <p:cNvSpPr txBox="1">
+                <a:spLocks noRot="1" noChangeAspect="1" noMove="1" noResize="1" noEditPoints="1" noAdjustHandles="1" noChangeArrowheads="1" noChangeShapeType="1" noTextEdit="1"/>
+              </p:cNvSpPr>
+              <p:nvPr/>
+            </p:nvSpPr>
+            <p:spPr>
+              <a:xfrm>
+                <a:off x="2544725" y="5850975"/>
+                <a:ext cx="183062" cy="276999"/>
+              </a:xfrm>
+              <a:prstGeom prst="rect">
+                <a:avLst/>
+              </a:prstGeom>
+              <a:blipFill>
+                <a:blip r:embed="rId2"/>
+                <a:stretch>
+                  <a:fillRect l="-30000" r="-30000" b="-6667"/>
+                </a:stretch>
+              </a:blipFill>
+            </p:spPr>
+            <p:txBody>
+              <a:bodyPr/>
+              <a:lstStyle/>
+              <a:p>
+                <a:r>
+                  <a:rPr lang="en-US">
+                    <a:noFill/>
+                  </a:rPr>
+                  <a:t> </a:t>
+                </a:r>
+              </a:p>
+            </p:txBody>
+          </p:sp>
+        </mc:Fallback>
+      </mc:AlternateContent>
+      <p:sp>
+        <p:nvSpPr>
+          <p:cNvPr id="183" name="TextBox 182">
+            <a:extLst>
+              <a:ext uri="{FF2B5EF4-FFF2-40B4-BE49-F238E27FC236}">
+                <a16:creationId xmlns:a16="http://schemas.microsoft.com/office/drawing/2014/main" id="{1E4DBDA4-9ABC-C9B7-02BF-E6819AE0F32C}"/>
+              </a:ext>
+            </a:extLst>
+          </p:cNvPr>
+          <p:cNvSpPr txBox="1"/>
+          <p:nvPr/>
+        </p:nvSpPr>
+        <p:spPr>
+          <a:xfrm>
+            <a:off x="8581403" y="2115573"/>
+            <a:ext cx="292068" cy="276999"/>
+          </a:xfrm>
+          <a:prstGeom prst="rect">
+            <a:avLst/>
+          </a:prstGeom>
+          <a:noFill/>
+        </p:spPr>
+        <p:txBody>
+          <a:bodyPr wrap="none" rtlCol="0">
+            <a:spAutoFit/>
+          </a:bodyPr>
+          <a:lstStyle/>
+          <a:p>
+            <a:r>
+              <a:rPr lang="en-US" sz="1200" dirty="0" err="1"/>
+              <a:t>t</a:t>
+            </a:r>
+            <a:r>
+              <a:rPr lang="en-US" sz="1200" baseline="-25000" dirty="0" err="1"/>
+              <a:t>S</a:t>
+            </a:r>
+            <a:endParaRPr lang="en-US" sz="1200" baseline="-25000" dirty="0"/>
+          </a:p>
+        </p:txBody>
+      </p:sp>
+      <p:sp>
+        <p:nvSpPr>
+          <p:cNvPr id="186" name="TextBox 185">
+            <a:extLst>
+              <a:ext uri="{FF2B5EF4-FFF2-40B4-BE49-F238E27FC236}">
+                <a16:creationId xmlns:a16="http://schemas.microsoft.com/office/drawing/2014/main" id="{4C39A63C-51FB-1466-4299-6ECF1D285CE1}"/>
+              </a:ext>
+            </a:extLst>
+          </p:cNvPr>
+          <p:cNvSpPr txBox="1"/>
+          <p:nvPr/>
+        </p:nvSpPr>
+        <p:spPr>
+          <a:xfrm>
+            <a:off x="5354915" y="889347"/>
+            <a:ext cx="1769364" cy="261610"/>
+          </a:xfrm>
+          <a:prstGeom prst="rect">
+            <a:avLst/>
+          </a:prstGeom>
+          <a:noFill/>
+        </p:spPr>
+        <p:txBody>
+          <a:bodyPr wrap="square" rtlCol="0">
+            <a:spAutoFit/>
+          </a:bodyPr>
+          <a:lstStyle/>
+          <a:p>
+            <a:r>
+              <a:rPr lang="en-US" sz="1100" dirty="0"/>
+              <a:t>P</a:t>
+            </a:r>
+            <a:r>
+              <a:rPr lang="en-US" sz="1100" baseline="-25000" dirty="0"/>
+              <a:t>TL</a:t>
+            </a:r>
+            <a:r>
+              <a:rPr lang="en-US" sz="1100" dirty="0"/>
+              <a:t> = Point on the top left</a:t>
+            </a:r>
+          </a:p>
+        </p:txBody>
+      </p:sp>
+      <p:sp>
+        <p:nvSpPr>
+          <p:cNvPr id="187" name="Freeform: Shape 186">
+            <a:extLst>
+              <a:ext uri="{FF2B5EF4-FFF2-40B4-BE49-F238E27FC236}">
+                <a16:creationId xmlns:a16="http://schemas.microsoft.com/office/drawing/2014/main" id="{9BA2CAF8-EDEA-2D85-37F4-36D2EFAF0B60}"/>
+              </a:ext>
+            </a:extLst>
+          </p:cNvPr>
+          <p:cNvSpPr/>
+          <p:nvPr/>
+        </p:nvSpPr>
+        <p:spPr>
+          <a:xfrm>
+            <a:off x="7055893" y="1064525"/>
+            <a:ext cx="1041779" cy="345744"/>
+          </a:xfrm>
+          <a:custGeom>
+            <a:avLst/>
+            <a:gdLst>
+              <a:gd name="connsiteX0" fmla="*/ 0 w 1041779"/>
+              <a:gd name="connsiteY0" fmla="*/ 0 h 345744"/>
+              <a:gd name="connsiteX1" fmla="*/ 641444 w 1041779"/>
+              <a:gd name="connsiteY1" fmla="*/ 163774 h 345744"/>
+              <a:gd name="connsiteX2" fmla="*/ 1041779 w 1041779"/>
+              <a:gd name="connsiteY2" fmla="*/ 345744 h 345744"/>
+            </a:gdLst>
+            <a:ahLst/>
+            <a:cxnLst>
+              <a:cxn ang="0">
+                <a:pos x="connsiteX0" y="connsiteY0"/>
+              </a:cxn>
+              <a:cxn ang="0">
+                <a:pos x="connsiteX1" y="connsiteY1"/>
+              </a:cxn>
+              <a:cxn ang="0">
+                <a:pos x="connsiteX2" y="connsiteY2"/>
+              </a:cxn>
+            </a:cxnLst>
+            <a:rect l="l" t="t" r="r" b="b"/>
+            <a:pathLst>
+              <a:path w="1041779" h="345744">
+                <a:moveTo>
+                  <a:pt x="0" y="0"/>
+                </a:moveTo>
+                <a:cubicBezTo>
+                  <a:pt x="233907" y="53075"/>
+                  <a:pt x="467814" y="106150"/>
+                  <a:pt x="641444" y="163774"/>
+                </a:cubicBezTo>
+                <a:cubicBezTo>
+                  <a:pt x="815074" y="221398"/>
+                  <a:pt x="928426" y="283571"/>
+                  <a:pt x="1041779" y="345744"/>
+                </a:cubicBezTo>
+              </a:path>
+            </a:pathLst>
+          </a:custGeom>
+          <a:noFill/>
+          <a:ln>
+            <a:solidFill>
+              <a:srgbClr val="FF3399"/>
+            </a:solidFill>
+          </a:ln>
+        </p:spPr>
+        <p:style>
+          <a:lnRef idx="2">
+            <a:schemeClr val="accent1">
+              <a:shade val="15000"/>
+            </a:schemeClr>
+          </a:lnRef>
+          <a:fillRef idx="1">
+            <a:schemeClr val="accent1"/>
+          </a:fillRef>
+          <a:effectRef idx="0">
+            <a:schemeClr val="accent1"/>
+          </a:effectRef>
+          <a:fontRef idx="minor">
+            <a:schemeClr val="lt1"/>
+          </a:fontRef>
+        </p:style>
+        <p:txBody>
+          <a:bodyPr rtlCol="0" anchor="ctr"/>
+          <a:lstStyle/>
+          <a:p>
+            <a:pPr algn="ctr"/>
+            <a:endParaRPr lang="en-US"/>
+          </a:p>
+        </p:txBody>
+      </p:sp>
+      <p:sp>
+        <p:nvSpPr>
+          <p:cNvPr id="189" name="TextBox 188">
+            <a:extLst>
+              <a:ext uri="{FF2B5EF4-FFF2-40B4-BE49-F238E27FC236}">
+                <a16:creationId xmlns:a16="http://schemas.microsoft.com/office/drawing/2014/main" id="{EDA7FEEC-0AA0-7068-C98E-5F7AB9D0801E}"/>
+              </a:ext>
+            </a:extLst>
+          </p:cNvPr>
+          <p:cNvSpPr txBox="1"/>
+          <p:nvPr/>
+        </p:nvSpPr>
+        <p:spPr>
+          <a:xfrm>
+            <a:off x="523375" y="7136738"/>
+            <a:ext cx="292068" cy="276999"/>
+          </a:xfrm>
+          <a:prstGeom prst="rect">
+            <a:avLst/>
+          </a:prstGeom>
+          <a:noFill/>
+        </p:spPr>
+        <p:txBody>
+          <a:bodyPr wrap="none" rtlCol="0">
+            <a:spAutoFit/>
+          </a:bodyPr>
+          <a:lstStyle/>
+          <a:p>
+            <a:r>
+              <a:rPr lang="en-US" sz="1200" dirty="0" err="1"/>
+              <a:t>t</a:t>
+            </a:r>
+            <a:r>
+              <a:rPr lang="en-US" sz="1200" baseline="-25000" dirty="0" err="1"/>
+              <a:t>S</a:t>
+            </a:r>
+            <a:endParaRPr lang="en-US" sz="1200" baseline="-25000" dirty="0"/>
+          </a:p>
+        </p:txBody>
+      </p:sp>
+      <p:cxnSp>
+        <p:nvCxnSpPr>
+          <p:cNvPr id="190" name="Straight Connector 189">
+            <a:extLst>
+              <a:ext uri="{FF2B5EF4-FFF2-40B4-BE49-F238E27FC236}">
+                <a16:creationId xmlns:a16="http://schemas.microsoft.com/office/drawing/2014/main" id="{CF5BCA9E-2704-5581-4FB3-AD6CC69BDF43}"/>
+              </a:ext>
+            </a:extLst>
+          </p:cNvPr>
+          <p:cNvCxnSpPr>
+            <a:cxnSpLocks/>
+          </p:cNvCxnSpPr>
+          <p:nvPr/>
+        </p:nvCxnSpPr>
+        <p:spPr>
+          <a:xfrm>
+            <a:off x="1598206" y="6161114"/>
+            <a:ext cx="0" cy="1458886"/>
+          </a:xfrm>
+          <a:prstGeom prst="line">
+            <a:avLst/>
+          </a:prstGeom>
+          <a:ln>
+            <a:solidFill>
+              <a:srgbClr val="00B0F0"/>
+            </a:solidFill>
+            <a:prstDash val="dash"/>
+          </a:ln>
+        </p:spPr>
+        <p:style>
+          <a:lnRef idx="2">
+            <a:schemeClr val="accent1"/>
+          </a:lnRef>
+          <a:fillRef idx="0">
+            <a:schemeClr val="accent1"/>
+          </a:fillRef>
+          <a:effectRef idx="1">
+            <a:schemeClr val="accent1"/>
+          </a:effectRef>
+          <a:fontRef idx="minor">
+            <a:schemeClr val="tx1"/>
+          </a:fontRef>
+        </p:style>
+      </p:cxnSp>
+      <p:sp>
+        <p:nvSpPr>
+          <p:cNvPr id="218" name="TextBox 217">
+            <a:extLst>
+              <a:ext uri="{FF2B5EF4-FFF2-40B4-BE49-F238E27FC236}">
+                <a16:creationId xmlns:a16="http://schemas.microsoft.com/office/drawing/2014/main" id="{4DF707C3-747A-4D9B-DDF5-21D05929FDFB}"/>
+              </a:ext>
+            </a:extLst>
+          </p:cNvPr>
+          <p:cNvSpPr txBox="1"/>
+          <p:nvPr/>
+        </p:nvSpPr>
+        <p:spPr>
+          <a:xfrm>
+            <a:off x="10709640" y="584452"/>
+            <a:ext cx="1408302" cy="430887"/>
+          </a:xfrm>
+          <a:prstGeom prst="rect">
+            <a:avLst/>
+          </a:prstGeom>
+          <a:noFill/>
+        </p:spPr>
+        <p:txBody>
+          <a:bodyPr wrap="square" rtlCol="0">
+            <a:spAutoFit/>
+          </a:bodyPr>
+          <a:lstStyle/>
+          <a:p>
+            <a:r>
+              <a:rPr lang="en-US" sz="1100" dirty="0"/>
+              <a:t>P</a:t>
+            </a:r>
+            <a:r>
+              <a:rPr lang="en-US" sz="1100" baseline="-25000" dirty="0"/>
+              <a:t>TR</a:t>
+            </a:r>
+            <a:r>
+              <a:rPr lang="en-US" sz="1100" dirty="0"/>
+              <a:t> = Point on the top right</a:t>
+            </a:r>
+          </a:p>
+        </p:txBody>
+      </p:sp>
+      <p:sp>
+        <p:nvSpPr>
+          <p:cNvPr id="219" name="Freeform: Shape 218">
+            <a:extLst>
+              <a:ext uri="{FF2B5EF4-FFF2-40B4-BE49-F238E27FC236}">
+                <a16:creationId xmlns:a16="http://schemas.microsoft.com/office/drawing/2014/main" id="{C67A9DDB-C46E-22C7-A6B1-920ACD10B456}"/>
+              </a:ext>
+            </a:extLst>
+          </p:cNvPr>
+          <p:cNvSpPr/>
+          <p:nvPr/>
+        </p:nvSpPr>
+        <p:spPr>
+          <a:xfrm>
+            <a:off x="10611354" y="850710"/>
+            <a:ext cx="161279" cy="591403"/>
+          </a:xfrm>
+          <a:custGeom>
+            <a:avLst/>
+            <a:gdLst>
+              <a:gd name="connsiteX0" fmla="*/ 42998 w 161279"/>
+              <a:gd name="connsiteY0" fmla="*/ 591403 h 591403"/>
+              <a:gd name="connsiteX1" fmla="*/ 6604 w 161279"/>
+              <a:gd name="connsiteY1" fmla="*/ 200168 h 591403"/>
+              <a:gd name="connsiteX2" fmla="*/ 161279 w 161279"/>
+              <a:gd name="connsiteY2" fmla="*/ 0 h 591403"/>
+            </a:gdLst>
+            <a:ahLst/>
+            <a:cxnLst>
+              <a:cxn ang="0">
+                <a:pos x="connsiteX0" y="connsiteY0"/>
+              </a:cxn>
+              <a:cxn ang="0">
+                <a:pos x="connsiteX1" y="connsiteY1"/>
+              </a:cxn>
+              <a:cxn ang="0">
+                <a:pos x="connsiteX2" y="connsiteY2"/>
+              </a:cxn>
+            </a:cxnLst>
+            <a:rect l="l" t="t" r="r" b="b"/>
+            <a:pathLst>
+              <a:path w="161279" h="591403">
+                <a:moveTo>
+                  <a:pt x="42998" y="591403"/>
+                </a:moveTo>
+                <a:cubicBezTo>
+                  <a:pt x="14944" y="445069"/>
+                  <a:pt x="-13110" y="298735"/>
+                  <a:pt x="6604" y="200168"/>
+                </a:cubicBezTo>
+                <a:cubicBezTo>
+                  <a:pt x="26317" y="101601"/>
+                  <a:pt x="93798" y="50800"/>
+                  <a:pt x="161279" y="0"/>
+                </a:cubicBezTo>
+              </a:path>
+            </a:pathLst>
+          </a:custGeom>
+          <a:noFill/>
+          <a:ln>
+            <a:solidFill>
+              <a:srgbClr val="FF3399"/>
+            </a:solidFill>
+          </a:ln>
+        </p:spPr>
+        <p:style>
+          <a:lnRef idx="2">
+            <a:schemeClr val="accent1">
+              <a:shade val="15000"/>
+            </a:schemeClr>
+          </a:lnRef>
+          <a:fillRef idx="1">
+            <a:schemeClr val="accent1"/>
+          </a:fillRef>
+          <a:effectRef idx="0">
+            <a:schemeClr val="accent1"/>
+          </a:effectRef>
+          <a:fontRef idx="minor">
+            <a:schemeClr val="lt1"/>
+          </a:fontRef>
+        </p:style>
+        <p:txBody>
+          <a:bodyPr rtlCol="0" anchor="ctr"/>
+          <a:lstStyle/>
+          <a:p>
+            <a:pPr algn="ctr"/>
+            <a:endParaRPr lang="en-US"/>
+          </a:p>
+        </p:txBody>
+      </p:sp>
+      <p:sp>
+        <p:nvSpPr>
+          <p:cNvPr id="220" name="TextBox 219">
+            <a:extLst>
+              <a:ext uri="{FF2B5EF4-FFF2-40B4-BE49-F238E27FC236}">
+                <a16:creationId xmlns:a16="http://schemas.microsoft.com/office/drawing/2014/main" id="{5B8B71D2-E8DE-D2F4-D523-3614C7E0A2F1}"/>
+              </a:ext>
+            </a:extLst>
+          </p:cNvPr>
+          <p:cNvSpPr txBox="1"/>
+          <p:nvPr/>
+        </p:nvSpPr>
+        <p:spPr>
+          <a:xfrm>
+            <a:off x="10836835" y="2439652"/>
+            <a:ext cx="1134713" cy="430887"/>
+          </a:xfrm>
+          <a:prstGeom prst="rect">
+            <a:avLst/>
+          </a:prstGeom>
+          <a:noFill/>
+        </p:spPr>
+        <p:txBody>
+          <a:bodyPr wrap="square" rtlCol="0">
+            <a:spAutoFit/>
+          </a:bodyPr>
+          <a:lstStyle/>
+          <a:p>
+            <a:r>
+              <a:rPr lang="en-US" sz="1100" dirty="0" err="1"/>
+              <a:t>p</a:t>
+            </a:r>
+            <a:r>
+              <a:rPr lang="en-US" sz="1100" baseline="-25000" dirty="0" err="1"/>
+              <a:t>PR</a:t>
+            </a:r>
+            <a:r>
+              <a:rPr lang="en-US" sz="1100" dirty="0"/>
+              <a:t> = Projected point on right</a:t>
+            </a:r>
+          </a:p>
+        </p:txBody>
+      </p:sp>
+      <p:sp>
+        <p:nvSpPr>
+          <p:cNvPr id="229" name="TextBox 228">
+            <a:extLst>
+              <a:ext uri="{FF2B5EF4-FFF2-40B4-BE49-F238E27FC236}">
+                <a16:creationId xmlns:a16="http://schemas.microsoft.com/office/drawing/2014/main" id="{D19A65DA-6C28-BDA9-D91D-B516C30316DC}"/>
+              </a:ext>
+            </a:extLst>
+          </p:cNvPr>
+          <p:cNvSpPr txBox="1"/>
+          <p:nvPr/>
+        </p:nvSpPr>
+        <p:spPr>
+          <a:xfrm>
+            <a:off x="3708933" y="6310043"/>
+            <a:ext cx="1886042" cy="261610"/>
+          </a:xfrm>
+          <a:prstGeom prst="rect">
+            <a:avLst/>
+          </a:prstGeom>
+          <a:noFill/>
+        </p:spPr>
+        <p:txBody>
+          <a:bodyPr wrap="square" rtlCol="0">
+            <a:spAutoFit/>
+          </a:bodyPr>
+          <a:lstStyle/>
+          <a:p>
+            <a:r>
+              <a:rPr lang="en-US" sz="1100" dirty="0" err="1"/>
+              <a:t>p</a:t>
+            </a:r>
+            <a:r>
+              <a:rPr lang="en-US" sz="1100" baseline="-25000" dirty="0" err="1"/>
+              <a:t>PL</a:t>
+            </a:r>
+            <a:r>
+              <a:rPr lang="en-US" sz="1100" dirty="0"/>
+              <a:t> = Projected point on left</a:t>
+            </a:r>
+          </a:p>
+        </p:txBody>
+      </p:sp>
+      <p:sp>
+        <p:nvSpPr>
+          <p:cNvPr id="230" name="Freeform: Shape 229">
+            <a:extLst>
+              <a:ext uri="{FF2B5EF4-FFF2-40B4-BE49-F238E27FC236}">
+                <a16:creationId xmlns:a16="http://schemas.microsoft.com/office/drawing/2014/main" id="{CB55E471-7B4F-142D-4FE0-5A8C2B36757A}"/>
+              </a:ext>
+            </a:extLst>
+          </p:cNvPr>
+          <p:cNvSpPr/>
+          <p:nvPr/>
+        </p:nvSpPr>
+        <p:spPr>
+          <a:xfrm>
+            <a:off x="1764632" y="6245726"/>
+            <a:ext cx="1818105" cy="224590"/>
+          </a:xfrm>
+          <a:custGeom>
+            <a:avLst/>
+            <a:gdLst>
+              <a:gd name="connsiteX0" fmla="*/ 1818105 w 1818105"/>
+              <a:gd name="connsiteY0" fmla="*/ 224590 h 224590"/>
+              <a:gd name="connsiteX1" fmla="*/ 1080168 w 1818105"/>
+              <a:gd name="connsiteY1" fmla="*/ 187158 h 224590"/>
+              <a:gd name="connsiteX2" fmla="*/ 0 w 1818105"/>
+              <a:gd name="connsiteY2" fmla="*/ 0 h 224590"/>
+            </a:gdLst>
+            <a:ahLst/>
+            <a:cxnLst>
+              <a:cxn ang="0">
+                <a:pos x="connsiteX0" y="connsiteY0"/>
+              </a:cxn>
+              <a:cxn ang="0">
+                <a:pos x="connsiteX1" y="connsiteY1"/>
+              </a:cxn>
+              <a:cxn ang="0">
+                <a:pos x="connsiteX2" y="connsiteY2"/>
+              </a:cxn>
+            </a:cxnLst>
+            <a:rect l="l" t="t" r="r" b="b"/>
+            <a:pathLst>
+              <a:path w="1818105" h="224590">
+                <a:moveTo>
+                  <a:pt x="1818105" y="224590"/>
+                </a:moveTo>
+                <a:cubicBezTo>
+                  <a:pt x="1600645" y="224590"/>
+                  <a:pt x="1383185" y="224590"/>
+                  <a:pt x="1080168" y="187158"/>
+                </a:cubicBezTo>
+                <a:cubicBezTo>
+                  <a:pt x="777151" y="149726"/>
+                  <a:pt x="388575" y="74863"/>
+                  <a:pt x="0" y="0"/>
+                </a:cubicBezTo>
+              </a:path>
+            </a:pathLst>
+          </a:custGeom>
+          <a:noFill/>
+          <a:ln>
+            <a:solidFill>
+              <a:srgbClr val="FF3399"/>
+            </a:solidFill>
+          </a:ln>
+        </p:spPr>
+        <p:style>
+          <a:lnRef idx="2">
+            <a:schemeClr val="accent1">
+              <a:shade val="15000"/>
+            </a:schemeClr>
+          </a:lnRef>
+          <a:fillRef idx="1">
+            <a:schemeClr val="accent1"/>
+          </a:fillRef>
+          <a:effectRef idx="0">
+            <a:schemeClr val="accent1"/>
+          </a:effectRef>
+          <a:fontRef idx="minor">
+            <a:schemeClr val="lt1"/>
+          </a:fontRef>
+        </p:style>
+        <p:txBody>
+          <a:bodyPr rtlCol="0" anchor="ctr"/>
+          <a:lstStyle/>
+          <a:p>
+            <a:pPr algn="ctr"/>
+            <a:endParaRPr lang="en-US"/>
+          </a:p>
+        </p:txBody>
+      </p:sp>
+      <p:sp>
+        <p:nvSpPr>
+          <p:cNvPr id="231" name="Freeform: Shape 230">
+            <a:extLst>
+              <a:ext uri="{FF2B5EF4-FFF2-40B4-BE49-F238E27FC236}">
+                <a16:creationId xmlns:a16="http://schemas.microsoft.com/office/drawing/2014/main" id="{BAC92778-DBF8-82FE-B7D4-C1BD36318CCA}"/>
+              </a:ext>
+            </a:extLst>
+          </p:cNvPr>
+          <p:cNvSpPr/>
+          <p:nvPr/>
+        </p:nvSpPr>
+        <p:spPr>
+          <a:xfrm>
+            <a:off x="10700084" y="2438400"/>
+            <a:ext cx="155074" cy="203200"/>
+          </a:xfrm>
+          <a:custGeom>
+            <a:avLst/>
+            <a:gdLst>
+              <a:gd name="connsiteX0" fmla="*/ 155074 w 155074"/>
+              <a:gd name="connsiteY0" fmla="*/ 192505 h 203200"/>
+              <a:gd name="connsiteX1" fmla="*/ 48127 w 155074"/>
+              <a:gd name="connsiteY1" fmla="*/ 181811 h 203200"/>
+              <a:gd name="connsiteX2" fmla="*/ 0 w 155074"/>
+              <a:gd name="connsiteY2" fmla="*/ 0 h 203200"/>
+            </a:gdLst>
+            <a:ahLst/>
+            <a:cxnLst>
+              <a:cxn ang="0">
+                <a:pos x="connsiteX0" y="connsiteY0"/>
+              </a:cxn>
+              <a:cxn ang="0">
+                <a:pos x="connsiteX1" y="connsiteY1"/>
+              </a:cxn>
+              <a:cxn ang="0">
+                <a:pos x="connsiteX2" y="connsiteY2"/>
+              </a:cxn>
+            </a:cxnLst>
+            <a:rect l="l" t="t" r="r" b="b"/>
+            <a:pathLst>
+              <a:path w="155074" h="203200">
+                <a:moveTo>
+                  <a:pt x="155074" y="192505"/>
+                </a:moveTo>
+                <a:cubicBezTo>
+                  <a:pt x="114523" y="203200"/>
+                  <a:pt x="73973" y="213895"/>
+                  <a:pt x="48127" y="181811"/>
+                </a:cubicBezTo>
+                <a:cubicBezTo>
+                  <a:pt x="22281" y="149727"/>
+                  <a:pt x="11140" y="74863"/>
+                  <a:pt x="0" y="0"/>
+                </a:cubicBezTo>
+              </a:path>
+            </a:pathLst>
+          </a:custGeom>
+          <a:noFill/>
+          <a:ln>
+            <a:solidFill>
+              <a:srgbClr val="FF3399"/>
+            </a:solidFill>
+          </a:ln>
+        </p:spPr>
+        <p:style>
+          <a:lnRef idx="2">
+            <a:schemeClr val="accent1">
+              <a:shade val="15000"/>
+            </a:schemeClr>
+          </a:lnRef>
+          <a:fillRef idx="1">
+            <a:schemeClr val="accent1"/>
+          </a:fillRef>
+          <a:effectRef idx="0">
+            <a:schemeClr val="accent1"/>
+          </a:effectRef>
+          <a:fontRef idx="minor">
+            <a:schemeClr val="lt1"/>
+          </a:fontRef>
+        </p:style>
+        <p:txBody>
+          <a:bodyPr rtlCol="0" anchor="ctr"/>
+          <a:lstStyle/>
+          <a:p>
+            <a:pPr algn="ctr"/>
+            <a:endParaRPr lang="en-US"/>
+          </a:p>
+        </p:txBody>
+      </p:sp>
+      <p:cxnSp>
+        <p:nvCxnSpPr>
+          <p:cNvPr id="235" name="Straight Arrow Connector 234">
+            <a:extLst>
+              <a:ext uri="{FF2B5EF4-FFF2-40B4-BE49-F238E27FC236}">
+                <a16:creationId xmlns:a16="http://schemas.microsoft.com/office/drawing/2014/main" id="{F6151C9E-FD5A-6244-8A79-481DB154EC2F}"/>
+              </a:ext>
+            </a:extLst>
+          </p:cNvPr>
+          <p:cNvCxnSpPr>
+            <a:cxnSpLocks/>
+          </p:cNvCxnSpPr>
+          <p:nvPr/>
+        </p:nvCxnSpPr>
+        <p:spPr>
+          <a:xfrm>
+            <a:off x="8235110" y="1499056"/>
+            <a:ext cx="715061" cy="1560570"/>
+          </a:xfrm>
+          <a:prstGeom prst="straightConnector1">
+            <a:avLst/>
+          </a:prstGeom>
+          <a:ln>
+            <a:solidFill>
+              <a:srgbClr val="00B0F0"/>
+            </a:solidFill>
+            <a:headEnd type="triangle" w="med" len="med"/>
+            <a:tailEnd type="triangle" w="med" len="med"/>
+          </a:ln>
+        </p:spPr>
+        <p:style>
+          <a:lnRef idx="2">
+            <a:schemeClr val="accent1"/>
+          </a:lnRef>
+          <a:fillRef idx="0">
+            <a:schemeClr val="accent1"/>
+          </a:fillRef>
+          <a:effectRef idx="1">
+            <a:schemeClr val="accent1"/>
+          </a:effectRef>
+          <a:fontRef idx="minor">
+            <a:schemeClr val="tx1"/>
+          </a:fontRef>
+        </p:style>
+      </p:cxnSp>
+      <p:sp>
+        <p:nvSpPr>
+          <p:cNvPr id="236" name="Isosceles Triangle 235">
+            <a:extLst>
+              <a:ext uri="{FF2B5EF4-FFF2-40B4-BE49-F238E27FC236}">
+                <a16:creationId xmlns:a16="http://schemas.microsoft.com/office/drawing/2014/main" id="{4EBFE93A-F0A0-2835-0CA7-ABC570D5298E}"/>
+              </a:ext>
+            </a:extLst>
+          </p:cNvPr>
+          <p:cNvSpPr/>
+          <p:nvPr/>
+        </p:nvSpPr>
+        <p:spPr>
+          <a:xfrm>
+            <a:off x="710525" y="5185504"/>
+            <a:ext cx="256602" cy="221209"/>
+          </a:xfrm>
+          <a:prstGeom prst="triangle">
+            <a:avLst/>
+          </a:prstGeom>
+          <a:noFill/>
+          <a:ln>
+            <a:solidFill>
+              <a:srgbClr val="FF3399"/>
+            </a:solidFill>
+          </a:ln>
+        </p:spPr>
+        <p:style>
+          <a:lnRef idx="2">
+            <a:schemeClr val="accent1">
+              <a:shade val="15000"/>
+            </a:schemeClr>
+          </a:lnRef>
+          <a:fillRef idx="1">
+            <a:schemeClr val="accent1"/>
+          </a:fillRef>
+          <a:effectRef idx="0">
+            <a:schemeClr val="accent1"/>
+          </a:effectRef>
+          <a:fontRef idx="minor">
+            <a:schemeClr val="lt1"/>
+          </a:fontRef>
+        </p:style>
+        <p:txBody>
+          <a:bodyPr rtlCol="0" anchor="ctr"/>
+          <a:lstStyle/>
+          <a:p>
+            <a:pPr algn="ctr"/>
+            <a:endParaRPr lang="en-US"/>
+          </a:p>
+        </p:txBody>
+      </p:sp>
+      <p:sp>
+        <p:nvSpPr>
+          <p:cNvPr id="237" name="TextBox 236">
+            <a:extLst>
+              <a:ext uri="{FF2B5EF4-FFF2-40B4-BE49-F238E27FC236}">
+                <a16:creationId xmlns:a16="http://schemas.microsoft.com/office/drawing/2014/main" id="{D91F2FC4-E364-554F-5E5B-6CCD6B358882}"/>
+              </a:ext>
+            </a:extLst>
+          </p:cNvPr>
+          <p:cNvSpPr txBox="1"/>
+          <p:nvPr/>
+        </p:nvSpPr>
+        <p:spPr>
+          <a:xfrm>
+            <a:off x="895016" y="4960561"/>
+            <a:ext cx="3644399" cy="261610"/>
+          </a:xfrm>
+          <a:prstGeom prst="rect">
+            <a:avLst/>
+          </a:prstGeom>
+          <a:noFill/>
+        </p:spPr>
+        <p:txBody>
+          <a:bodyPr wrap="square" rtlCol="0">
+            <a:spAutoFit/>
+          </a:bodyPr>
+          <a:lstStyle/>
+          <a:p>
+            <a:r>
+              <a:rPr lang="en-US" sz="1100" dirty="0" err="1"/>
+              <a:t>p</a:t>
+            </a:r>
+            <a:r>
+              <a:rPr lang="en-US" sz="1100" baseline="-25000" dirty="0" err="1"/>
+              <a:t>FMBF</a:t>
+            </a:r>
+            <a:r>
+              <a:rPr lang="en-US" sz="1100" dirty="0"/>
+              <a:t> = Point of top of finished material bottom floor</a:t>
+            </a:r>
+          </a:p>
+        </p:txBody>
+      </p:sp>
+      <p:cxnSp>
+        <p:nvCxnSpPr>
+          <p:cNvPr id="7" name="Straight Arrow Connector 6">
+            <a:extLst>
+              <a:ext uri="{FF2B5EF4-FFF2-40B4-BE49-F238E27FC236}">
+                <a16:creationId xmlns:a16="http://schemas.microsoft.com/office/drawing/2014/main" id="{53B11384-A6C9-EF20-A56C-550D9AAC75E2}"/>
+              </a:ext>
+            </a:extLst>
+          </p:cNvPr>
+          <p:cNvCxnSpPr>
+            <a:cxnSpLocks/>
+          </p:cNvCxnSpPr>
+          <p:nvPr/>
+        </p:nvCxnSpPr>
+        <p:spPr>
+          <a:xfrm flipH="1">
+            <a:off x="1033401" y="2391103"/>
+            <a:ext cx="10049758" cy="4282966"/>
+          </a:xfrm>
+          <a:prstGeom prst="straightConnector1">
+            <a:avLst/>
+          </a:prstGeom>
+          <a:ln>
+            <a:solidFill>
+              <a:srgbClr val="00B0F0"/>
+            </a:solidFill>
+            <a:headEnd type="triangle" w="med" len="med"/>
+            <a:tailEnd type="triangle" w="med" len="med"/>
+          </a:ln>
+        </p:spPr>
+        <p:style>
+          <a:lnRef idx="2">
+            <a:schemeClr val="accent1"/>
+          </a:lnRef>
+          <a:fillRef idx="0">
+            <a:schemeClr val="accent1"/>
+          </a:fillRef>
+          <a:effectRef idx="1">
+            <a:schemeClr val="accent1"/>
+          </a:effectRef>
+          <a:fontRef idx="minor">
+            <a:schemeClr val="tx1"/>
+          </a:fontRef>
+        </p:style>
+      </p:cxnSp>
+      <p:sp>
+        <p:nvSpPr>
+          <p:cNvPr id="8" name="TextBox 7">
+            <a:extLst>
+              <a:ext uri="{FF2B5EF4-FFF2-40B4-BE49-F238E27FC236}">
+                <a16:creationId xmlns:a16="http://schemas.microsoft.com/office/drawing/2014/main" id="{0A786FC3-A55C-823C-D17F-130A3ECFC8B2}"/>
+              </a:ext>
+            </a:extLst>
+          </p:cNvPr>
+          <p:cNvSpPr txBox="1"/>
+          <p:nvPr/>
+        </p:nvSpPr>
+        <p:spPr>
+          <a:xfrm>
+            <a:off x="7087199" y="4076402"/>
+            <a:ext cx="1882375" cy="276999"/>
+          </a:xfrm>
+          <a:prstGeom prst="rect">
+            <a:avLst/>
+          </a:prstGeom>
+          <a:noFill/>
+        </p:spPr>
+        <p:txBody>
+          <a:bodyPr wrap="none" rtlCol="0">
+            <a:spAutoFit/>
+          </a:bodyPr>
+          <a:lstStyle/>
+          <a:p>
+            <a:r>
+              <a:rPr lang="en-US" sz="1200" dirty="0"/>
+              <a:t>L</a:t>
+            </a:r>
+            <a:r>
+              <a:rPr lang="en-US" sz="1200" baseline="-25000" dirty="0"/>
+              <a:t>RL</a:t>
+            </a:r>
+            <a:r>
+              <a:rPr lang="en-US" sz="1200" dirty="0"/>
+              <a:t> = length of raw lumber</a:t>
+            </a:r>
+          </a:p>
+        </p:txBody>
+      </p:sp>
+      <p:sp>
+        <p:nvSpPr>
+          <p:cNvPr id="21" name="TextBox 20">
+            <a:extLst>
+              <a:ext uri="{FF2B5EF4-FFF2-40B4-BE49-F238E27FC236}">
+                <a16:creationId xmlns:a16="http://schemas.microsoft.com/office/drawing/2014/main" id="{A5F5B78B-4CF1-E6AD-F1AF-45003E14442F}"/>
+              </a:ext>
+            </a:extLst>
+          </p:cNvPr>
+          <p:cNvSpPr txBox="1"/>
+          <p:nvPr/>
+        </p:nvSpPr>
+        <p:spPr>
+          <a:xfrm rot="16200000">
+            <a:off x="3534557" y="3825043"/>
+            <a:ext cx="324128" cy="276999"/>
+          </a:xfrm>
+          <a:prstGeom prst="rect">
+            <a:avLst/>
+          </a:prstGeom>
+          <a:noFill/>
+        </p:spPr>
+        <p:txBody>
+          <a:bodyPr wrap="none" rtlCol="0">
+            <a:spAutoFit/>
+          </a:bodyPr>
+          <a:lstStyle/>
+          <a:p>
+            <a:r>
+              <a:rPr lang="en-US" sz="1200" dirty="0"/>
+              <a:t>L</a:t>
+            </a:r>
+            <a:r>
+              <a:rPr lang="en-US" sz="1200" baseline="-25000" dirty="0"/>
+              <a:t>R</a:t>
+            </a:r>
+          </a:p>
+        </p:txBody>
+      </p:sp>
+      <p:cxnSp>
+        <p:nvCxnSpPr>
+          <p:cNvPr id="28" name="Straight Arrow Connector 27">
+            <a:extLst>
+              <a:ext uri="{FF2B5EF4-FFF2-40B4-BE49-F238E27FC236}">
+                <a16:creationId xmlns:a16="http://schemas.microsoft.com/office/drawing/2014/main" id="{185FD9F4-A861-777F-E94C-DC67F0DFCDB0}"/>
+              </a:ext>
+            </a:extLst>
+          </p:cNvPr>
+          <p:cNvCxnSpPr>
+            <a:cxnSpLocks/>
+          </p:cNvCxnSpPr>
+          <p:nvPr/>
+        </p:nvCxnSpPr>
+        <p:spPr>
+          <a:xfrm>
+            <a:off x="3614792" y="3602215"/>
+            <a:ext cx="0" cy="625564"/>
+          </a:xfrm>
+          <a:prstGeom prst="straightConnector1">
+            <a:avLst/>
+          </a:prstGeom>
+          <a:ln>
+            <a:solidFill>
+              <a:srgbClr val="00B0F0"/>
+            </a:solidFill>
+            <a:headEnd type="triangle" w="med" len="med"/>
+            <a:tailEnd type="triangle" w="med" len="med"/>
+          </a:ln>
+        </p:spPr>
+        <p:style>
+          <a:lnRef idx="2">
+            <a:schemeClr val="accent1"/>
+          </a:lnRef>
+          <a:fillRef idx="0">
+            <a:schemeClr val="accent1"/>
+          </a:fillRef>
+          <a:effectRef idx="1">
+            <a:schemeClr val="accent1"/>
+          </a:effectRef>
+          <a:fontRef idx="minor">
+            <a:schemeClr val="tx1"/>
+          </a:fontRef>
+        </p:style>
+      </p:cxnSp>
+      <p:cxnSp>
+        <p:nvCxnSpPr>
+          <p:cNvPr id="225" name="Straight Arrow Connector 224">
+            <a:extLst>
+              <a:ext uri="{FF2B5EF4-FFF2-40B4-BE49-F238E27FC236}">
+                <a16:creationId xmlns:a16="http://schemas.microsoft.com/office/drawing/2014/main" id="{E6BDCEBC-FAA5-7B3F-DB9E-CBD714033316}"/>
+              </a:ext>
+            </a:extLst>
+          </p:cNvPr>
+          <p:cNvCxnSpPr>
+            <a:cxnSpLocks/>
+          </p:cNvCxnSpPr>
+          <p:nvPr/>
+        </p:nvCxnSpPr>
+        <p:spPr>
+          <a:xfrm>
+            <a:off x="3080300" y="3792325"/>
+            <a:ext cx="2686832" cy="0"/>
+          </a:xfrm>
+          <a:prstGeom prst="straightConnector1">
+            <a:avLst/>
+          </a:prstGeom>
+          <a:ln>
+            <a:solidFill>
+              <a:srgbClr val="00B0F0"/>
+            </a:solidFill>
+            <a:headEnd type="triangle" w="med" len="med"/>
+            <a:tailEnd type="triangle" w="med" len="med"/>
+          </a:ln>
+        </p:spPr>
+        <p:style>
+          <a:lnRef idx="2">
+            <a:schemeClr val="accent1"/>
+          </a:lnRef>
+          <a:fillRef idx="0">
+            <a:schemeClr val="accent1"/>
+          </a:fillRef>
+          <a:effectRef idx="1">
+            <a:schemeClr val="accent1"/>
+          </a:effectRef>
+          <a:fontRef idx="minor">
+            <a:schemeClr val="tx1"/>
+          </a:fontRef>
+        </p:style>
+      </p:cxnSp>
+      <p:sp>
+        <p:nvSpPr>
+          <p:cNvPr id="226" name="TextBox 225">
+            <a:extLst>
+              <a:ext uri="{FF2B5EF4-FFF2-40B4-BE49-F238E27FC236}">
+                <a16:creationId xmlns:a16="http://schemas.microsoft.com/office/drawing/2014/main" id="{D27CA1E3-F236-0999-5B89-B47F62401C3E}"/>
+              </a:ext>
+            </a:extLst>
+          </p:cNvPr>
+          <p:cNvSpPr txBox="1"/>
+          <p:nvPr/>
+        </p:nvSpPr>
+        <p:spPr>
+          <a:xfrm>
+            <a:off x="3914552" y="3729698"/>
+            <a:ext cx="301942" cy="276999"/>
+          </a:xfrm>
+          <a:prstGeom prst="rect">
+            <a:avLst/>
+          </a:prstGeom>
+          <a:noFill/>
+        </p:spPr>
+        <p:txBody>
+          <a:bodyPr wrap="none" rtlCol="0">
+            <a:spAutoFit/>
+          </a:bodyPr>
+          <a:lstStyle/>
+          <a:p>
+            <a:r>
+              <a:rPr lang="en-US" sz="1200" dirty="0"/>
+              <a:t>L</a:t>
+            </a:r>
+            <a:r>
+              <a:rPr lang="en-US" sz="1200" baseline="-25000" dirty="0"/>
+              <a:t>T</a:t>
+            </a:r>
+          </a:p>
+        </p:txBody>
+      </p:sp>
+      <p:cxnSp>
+        <p:nvCxnSpPr>
+          <p:cNvPr id="11" name="Straight Arrow Connector 10">
+            <a:extLst>
+              <a:ext uri="{FF2B5EF4-FFF2-40B4-BE49-F238E27FC236}">
+                <a16:creationId xmlns:a16="http://schemas.microsoft.com/office/drawing/2014/main" id="{AE4C2686-7337-1C92-B331-728D6B5BDF9D}"/>
+              </a:ext>
+            </a:extLst>
+          </p:cNvPr>
+          <p:cNvCxnSpPr/>
+          <p:nvPr/>
+        </p:nvCxnSpPr>
+        <p:spPr>
+          <a:xfrm flipV="1">
+            <a:off x="11434917" y="1351491"/>
+            <a:ext cx="0" cy="4794749"/>
+          </a:xfrm>
+          <a:prstGeom prst="straightConnector1">
+            <a:avLst/>
+          </a:prstGeom>
+          <a:ln>
+            <a:solidFill>
+              <a:srgbClr val="FF0000"/>
+            </a:solidFill>
+            <a:headEnd type="triangle" w="med" len="med"/>
+            <a:tailEnd type="triangle" w="med" len="med"/>
+          </a:ln>
+        </p:spPr>
+        <p:style>
+          <a:lnRef idx="2">
+            <a:schemeClr val="accent1"/>
+          </a:lnRef>
+          <a:fillRef idx="0">
+            <a:schemeClr val="accent1"/>
+          </a:fillRef>
+          <a:effectRef idx="1">
+            <a:schemeClr val="accent1"/>
+          </a:effectRef>
+          <a:fontRef idx="minor">
+            <a:schemeClr val="tx1"/>
+          </a:fontRef>
+        </p:style>
+      </p:cxnSp>
+      <p:sp>
+        <p:nvSpPr>
+          <p:cNvPr id="14" name="TextBox 13">
+            <a:extLst>
+              <a:ext uri="{FF2B5EF4-FFF2-40B4-BE49-F238E27FC236}">
+                <a16:creationId xmlns:a16="http://schemas.microsoft.com/office/drawing/2014/main" id="{F44102C2-A509-885B-1755-B65FF4F6B281}"/>
+              </a:ext>
+            </a:extLst>
+          </p:cNvPr>
+          <p:cNvSpPr txBox="1"/>
+          <p:nvPr/>
+        </p:nvSpPr>
+        <p:spPr>
+          <a:xfrm>
+            <a:off x="11427410" y="3497216"/>
+            <a:ext cx="701006" cy="261610"/>
+          </a:xfrm>
+          <a:prstGeom prst="rect">
+            <a:avLst/>
+          </a:prstGeom>
+          <a:noFill/>
+        </p:spPr>
+        <p:txBody>
+          <a:bodyPr wrap="square" rtlCol="0">
+            <a:spAutoFit/>
+          </a:bodyPr>
+          <a:lstStyle/>
+          <a:p>
+            <a:r>
+              <a:rPr lang="en-US" sz="1100" dirty="0"/>
+              <a:t>107.25”</a:t>
+            </a:r>
+          </a:p>
+        </p:txBody>
+      </p:sp>
+      <p:cxnSp>
+        <p:nvCxnSpPr>
+          <p:cNvPr id="16" name="Straight Arrow Connector 15">
+            <a:extLst>
+              <a:ext uri="{FF2B5EF4-FFF2-40B4-BE49-F238E27FC236}">
+                <a16:creationId xmlns:a16="http://schemas.microsoft.com/office/drawing/2014/main" id="{5A3DA168-B4E0-4C8C-7A27-C4A20DB477DF}"/>
+              </a:ext>
+            </a:extLst>
+          </p:cNvPr>
+          <p:cNvCxnSpPr>
+            <a:cxnSpLocks/>
+          </p:cNvCxnSpPr>
+          <p:nvPr/>
+        </p:nvCxnSpPr>
+        <p:spPr>
+          <a:xfrm flipV="1">
+            <a:off x="11717388" y="1099234"/>
+            <a:ext cx="0" cy="186722"/>
+          </a:xfrm>
+          <a:prstGeom prst="straightConnector1">
+            <a:avLst/>
+          </a:prstGeom>
+          <a:ln>
+            <a:solidFill>
+              <a:srgbClr val="FF0000"/>
+            </a:solidFill>
+            <a:headEnd type="triangle" w="med" len="med"/>
+            <a:tailEnd type="triangle" w="med" len="med"/>
+          </a:ln>
+        </p:spPr>
+        <p:style>
+          <a:lnRef idx="2">
+            <a:schemeClr val="accent1"/>
+          </a:lnRef>
+          <a:fillRef idx="0">
+            <a:schemeClr val="accent1"/>
+          </a:fillRef>
+          <a:effectRef idx="1">
+            <a:schemeClr val="accent1"/>
+          </a:effectRef>
+          <a:fontRef idx="minor">
+            <a:schemeClr val="tx1"/>
+          </a:fontRef>
+        </p:style>
+      </p:cxnSp>
+      <p:sp>
+        <p:nvSpPr>
+          <p:cNvPr id="34" name="TextBox 33">
+            <a:extLst>
+              <a:ext uri="{FF2B5EF4-FFF2-40B4-BE49-F238E27FC236}">
+                <a16:creationId xmlns:a16="http://schemas.microsoft.com/office/drawing/2014/main" id="{966740B4-F0DF-5EDE-0CFC-C1F7F1F99E60}"/>
+              </a:ext>
+            </a:extLst>
+          </p:cNvPr>
+          <p:cNvSpPr txBox="1"/>
+          <p:nvPr/>
+        </p:nvSpPr>
+        <p:spPr>
+          <a:xfrm>
+            <a:off x="11694498" y="1105133"/>
+            <a:ext cx="533370" cy="261610"/>
+          </a:xfrm>
+          <a:prstGeom prst="rect">
+            <a:avLst/>
+          </a:prstGeom>
+          <a:noFill/>
+        </p:spPr>
+        <p:txBody>
+          <a:bodyPr wrap="square" rtlCol="0">
+            <a:spAutoFit/>
+          </a:bodyPr>
+          <a:lstStyle/>
+          <a:p>
+            <a:r>
+              <a:rPr lang="en-US" sz="1100" dirty="0"/>
+              <a:t>0.35”</a:t>
+            </a:r>
+          </a:p>
+        </p:txBody>
+      </p:sp>
+    </p:spTree>
+    <p:extLst>
+      <p:ext uri="{BB962C8B-B14F-4D97-AF65-F5344CB8AC3E}">
+        <p14:creationId xmlns:p14="http://schemas.microsoft.com/office/powerpoint/2010/main" val="4143561971"/>
       </p:ext>
     </p:extLst>
   </p:cSld>
